--- a/Session 03 - Making Line Graphs/Session 03 - Making Line Graphs.pptx
+++ b/Session 03 - Making Line Graphs/Session 03 - Making Line Graphs.pptx
@@ -5,58 +5,59 @@
     <p:sldMasterId id="2147483660" r:id="rId1"/>
   </p:sldMasterIdLst>
   <p:notesMasterIdLst>
-    <p:notesMasterId r:id="rId48"/>
+    <p:notesMasterId r:id="rId49"/>
   </p:notesMasterIdLst>
   <p:handoutMasterIdLst>
-    <p:handoutMasterId r:id="rId49"/>
+    <p:handoutMasterId r:id="rId50"/>
   </p:handoutMasterIdLst>
   <p:sldIdLst>
     <p:sldId id="1019" r:id="rId2"/>
     <p:sldId id="972" r:id="rId3"/>
     <p:sldId id="1266" r:id="rId4"/>
     <p:sldId id="991" r:id="rId5"/>
-    <p:sldId id="1011" r:id="rId6"/>
-    <p:sldId id="1012" r:id="rId7"/>
-    <p:sldId id="258" r:id="rId8"/>
-    <p:sldId id="1267" r:id="rId9"/>
-    <p:sldId id="1278" r:id="rId10"/>
-    <p:sldId id="1268" r:id="rId11"/>
-    <p:sldId id="1279" r:id="rId12"/>
-    <p:sldId id="1264" r:id="rId13"/>
-    <p:sldId id="1271" r:id="rId14"/>
-    <p:sldId id="1004" r:id="rId15"/>
-    <p:sldId id="1259" r:id="rId16"/>
-    <p:sldId id="1260" r:id="rId17"/>
-    <p:sldId id="1261" r:id="rId18"/>
-    <p:sldId id="1013" r:id="rId19"/>
-    <p:sldId id="1014" r:id="rId20"/>
-    <p:sldId id="1017" r:id="rId21"/>
-    <p:sldId id="1262" r:id="rId22"/>
-    <p:sldId id="1265" r:id="rId23"/>
-    <p:sldId id="1280" r:id="rId24"/>
-    <p:sldId id="1281" r:id="rId25"/>
-    <p:sldId id="1282" r:id="rId26"/>
-    <p:sldId id="1269" r:id="rId27"/>
-    <p:sldId id="1270" r:id="rId28"/>
-    <p:sldId id="1272" r:id="rId29"/>
-    <p:sldId id="415" r:id="rId30"/>
-    <p:sldId id="987" r:id="rId31"/>
-    <p:sldId id="1001" r:id="rId32"/>
-    <p:sldId id="1029" r:id="rId33"/>
-    <p:sldId id="1031" r:id="rId34"/>
-    <p:sldId id="1030" r:id="rId35"/>
-    <p:sldId id="1032" r:id="rId36"/>
-    <p:sldId id="375" r:id="rId37"/>
-    <p:sldId id="1274" r:id="rId38"/>
-    <p:sldId id="1273" r:id="rId39"/>
-    <p:sldId id="1275" r:id="rId40"/>
-    <p:sldId id="377" r:id="rId41"/>
-    <p:sldId id="1276" r:id="rId42"/>
-    <p:sldId id="970" r:id="rId43"/>
-    <p:sldId id="1277" r:id="rId44"/>
-    <p:sldId id="383" r:id="rId45"/>
-    <p:sldId id="416" r:id="rId46"/>
-    <p:sldId id="1008" r:id="rId47"/>
+    <p:sldId id="946" r:id="rId6"/>
+    <p:sldId id="1011" r:id="rId7"/>
+    <p:sldId id="1012" r:id="rId8"/>
+    <p:sldId id="258" r:id="rId9"/>
+    <p:sldId id="1267" r:id="rId10"/>
+    <p:sldId id="1278" r:id="rId11"/>
+    <p:sldId id="1268" r:id="rId12"/>
+    <p:sldId id="1279" r:id="rId13"/>
+    <p:sldId id="1264" r:id="rId14"/>
+    <p:sldId id="1271" r:id="rId15"/>
+    <p:sldId id="1004" r:id="rId16"/>
+    <p:sldId id="1259" r:id="rId17"/>
+    <p:sldId id="1260" r:id="rId18"/>
+    <p:sldId id="1261" r:id="rId19"/>
+    <p:sldId id="1013" r:id="rId20"/>
+    <p:sldId id="1014" r:id="rId21"/>
+    <p:sldId id="1017" r:id="rId22"/>
+    <p:sldId id="1262" r:id="rId23"/>
+    <p:sldId id="1265" r:id="rId24"/>
+    <p:sldId id="1280" r:id="rId25"/>
+    <p:sldId id="1281" r:id="rId26"/>
+    <p:sldId id="1282" r:id="rId27"/>
+    <p:sldId id="1269" r:id="rId28"/>
+    <p:sldId id="1270" r:id="rId29"/>
+    <p:sldId id="1272" r:id="rId30"/>
+    <p:sldId id="415" r:id="rId31"/>
+    <p:sldId id="987" r:id="rId32"/>
+    <p:sldId id="1001" r:id="rId33"/>
+    <p:sldId id="1029" r:id="rId34"/>
+    <p:sldId id="1031" r:id="rId35"/>
+    <p:sldId id="1030" r:id="rId36"/>
+    <p:sldId id="1032" r:id="rId37"/>
+    <p:sldId id="375" r:id="rId38"/>
+    <p:sldId id="1274" r:id="rId39"/>
+    <p:sldId id="1273" r:id="rId40"/>
+    <p:sldId id="1275" r:id="rId41"/>
+    <p:sldId id="377" r:id="rId42"/>
+    <p:sldId id="1276" r:id="rId43"/>
+    <p:sldId id="970" r:id="rId44"/>
+    <p:sldId id="1277" r:id="rId45"/>
+    <p:sldId id="383" r:id="rId46"/>
+    <p:sldId id="416" r:id="rId47"/>
+    <p:sldId id="1008" r:id="rId48"/>
   </p:sldIdLst>
   <p:sldSz cx="9144000" cy="6858000" type="screen4x3"/>
   <p:notesSz cx="7077075" cy="9363075"/>
@@ -304,7 +305,7 @@
           <a:p>
             <a:fld id="{A241AC98-512A-4A35-865E-757B6C1F07A2}" type="datetimeFigureOut">
               <a:rPr lang="en-US" smtClean="0"/>
-              <a:t>9/23/2023</a:t>
+              <a:t>9/24/2023</a:t>
             </a:fld>
             <a:endParaRPr lang="en-US"/>
           </a:p>
@@ -470,7 +471,7 @@
           <a:p>
             <a:fld id="{3854CEE7-15DE-41D9-8CA2-D1E137B1D850}" type="datetimeFigureOut">
               <a:rPr lang="en-US" smtClean="0"/>
-              <a:t>9/23/2023</a:t>
+              <a:t>9/24/2023</a:t>
             </a:fld>
             <a:endParaRPr lang="en-US"/>
           </a:p>
@@ -887,7 +888,7 @@
           <a:p>
             <a:fld id="{76317BBA-0BC6-419B-B826-088209688372}" type="slidenum">
               <a:rPr lang="en-US" smtClean="0"/>
-              <a:t>7</a:t>
+              <a:t>8</a:t>
             </a:fld>
             <a:endParaRPr lang="en-US"/>
           </a:p>
@@ -971,7 +972,7 @@
           <a:p>
             <a:fld id="{76317BBA-0BC6-419B-B826-088209688372}" type="slidenum">
               <a:rPr lang="en-US" smtClean="0"/>
-              <a:t>30</a:t>
+              <a:t>31</a:t>
             </a:fld>
             <a:endParaRPr lang="en-US" dirty="0"/>
           </a:p>
@@ -1055,7 +1056,7 @@
           <a:p>
             <a:fld id="{76317BBA-0BC6-419B-B826-088209688372}" type="slidenum">
               <a:rPr lang="en-US" smtClean="0"/>
-              <a:t>36</a:t>
+              <a:t>37</a:t>
             </a:fld>
             <a:endParaRPr lang="en-US" dirty="0"/>
           </a:p>
@@ -1139,7 +1140,7 @@
           <a:p>
             <a:fld id="{76317BBA-0BC6-419B-B826-088209688372}" type="slidenum">
               <a:rPr lang="en-US" smtClean="0"/>
-              <a:t>37</a:t>
+              <a:t>38</a:t>
             </a:fld>
             <a:endParaRPr lang="en-US" dirty="0"/>
           </a:p>
@@ -1223,7 +1224,7 @@
           <a:p>
             <a:fld id="{76317BBA-0BC6-419B-B826-088209688372}" type="slidenum">
               <a:rPr lang="en-US" smtClean="0"/>
-              <a:t>40</a:t>
+              <a:t>41</a:t>
             </a:fld>
             <a:endParaRPr lang="en-US" dirty="0"/>
           </a:p>
@@ -1373,7 +1374,7 @@
           <a:p>
             <a:fld id="{5555EB2C-244D-4423-AD97-018ED6478B87}" type="datetime1">
               <a:rPr lang="en-US" smtClean="0"/>
-              <a:t>9/23/2023</a:t>
+              <a:t>9/24/2023</a:t>
             </a:fld>
             <a:endParaRPr lang="en-US"/>
           </a:p>
@@ -1552,7 +1553,7 @@
           <a:p>
             <a:fld id="{A2B41D1F-7576-4C60-B4EB-5115BC56CF40}" type="datetime1">
               <a:rPr lang="en-US" smtClean="0"/>
-              <a:t>9/23/2023</a:t>
+              <a:t>9/24/2023</a:t>
             </a:fld>
             <a:endParaRPr lang="en-US"/>
           </a:p>
@@ -1744,7 +1745,7 @@
           <a:p>
             <a:fld id="{E79D1398-4D56-44F9-BA35-34ACF3159A64}" type="datetime1">
               <a:rPr lang="en-US" smtClean="0"/>
-              <a:t>9/23/2023</a:t>
+              <a:t>9/24/2023</a:t>
             </a:fld>
             <a:endParaRPr lang="en-US"/>
           </a:p>
@@ -1926,7 +1927,7 @@
           <a:p>
             <a:fld id="{A3CF632E-48CB-4EEB-A6B6-DEC7AD7CC976}" type="datetime1">
               <a:rPr lang="en-US" smtClean="0"/>
-              <a:t>9/23/2023</a:t>
+              <a:t>9/24/2023</a:t>
             </a:fld>
             <a:endParaRPr lang="en-US"/>
           </a:p>
@@ -2179,7 +2180,7 @@
           <a:p>
             <a:fld id="{BAEEE52C-3A57-458E-95F6-96B2FA9D1DD4}" type="datetime1">
               <a:rPr lang="en-US" smtClean="0"/>
-              <a:t>9/23/2023</a:t>
+              <a:t>9/24/2023</a:t>
             </a:fld>
             <a:endParaRPr lang="en-US"/>
           </a:p>
@@ -2423,7 +2424,7 @@
           <a:p>
             <a:fld id="{766FC747-A48A-4FF2-8EE4-3E95ECD1C2A8}" type="datetime1">
               <a:rPr lang="en-US" smtClean="0"/>
-              <a:t>9/23/2023</a:t>
+              <a:t>9/24/2023</a:t>
             </a:fld>
             <a:endParaRPr lang="en-US"/>
           </a:p>
@@ -2802,7 +2803,7 @@
           <a:p>
             <a:fld id="{C9BF5758-AB7F-463D-B638-E1729B95E126}" type="datetime1">
               <a:rPr lang="en-US" smtClean="0"/>
-              <a:t>9/23/2023</a:t>
+              <a:t>9/24/2023</a:t>
             </a:fld>
             <a:endParaRPr lang="en-US"/>
           </a:p>
@@ -2932,7 +2933,7 @@
           <a:p>
             <a:fld id="{F3718C77-7DD0-4738-BF52-D0EC9F78A76E}" type="datetime1">
               <a:rPr lang="en-US" smtClean="0"/>
-              <a:t>9/23/2023</a:t>
+              <a:t>9/24/2023</a:t>
             </a:fld>
             <a:endParaRPr lang="en-US"/>
           </a:p>
@@ -3039,7 +3040,7 @@
           <a:p>
             <a:fld id="{948970CF-13D9-4E1D-A74F-2CFE4953FCDB}" type="datetime1">
               <a:rPr lang="en-US" smtClean="0"/>
-              <a:t>9/23/2023</a:t>
+              <a:t>9/24/2023</a:t>
             </a:fld>
             <a:endParaRPr lang="en-US"/>
           </a:p>
@@ -3328,7 +3329,7 @@
           <a:p>
             <a:fld id="{F68C49B9-4E1C-4967-B9CF-0BF9FECBE837}" type="datetime1">
               <a:rPr lang="en-US" smtClean="0"/>
-              <a:t>9/23/2023</a:t>
+              <a:t>9/24/2023</a:t>
             </a:fld>
             <a:endParaRPr lang="en-US"/>
           </a:p>
@@ -3596,7 +3597,7 @@
           <a:p>
             <a:fld id="{7E338CBB-1F06-4333-9BBF-66628B15E581}" type="datetime1">
               <a:rPr lang="en-US" smtClean="0"/>
-              <a:t>9/23/2023</a:t>
+              <a:t>9/24/2023</a:t>
             </a:fld>
             <a:endParaRPr lang="en-US"/>
           </a:p>
@@ -3821,7 +3822,7 @@
           <a:p>
             <a:fld id="{705EC883-F03C-4CA3-AF62-BEF30EEA4F65}" type="datetime1">
               <a:rPr lang="en-US" smtClean="0"/>
-              <a:t>9/23/2023</a:t>
+              <a:t>9/24/2023</a:t>
             </a:fld>
             <a:endParaRPr lang="en-US"/>
           </a:p>
@@ -4497,6 +4498,2441 @@
           <a:chExt cx="0" cy="0"/>
         </a:xfrm>
       </p:grpSpPr>
+      <p:pic>
+        <p:nvPicPr>
+          <p:cNvPr id="5" name="Picture 4">
+            <a:extLst>
+              <a:ext uri="{FF2B5EF4-FFF2-40B4-BE49-F238E27FC236}">
+                <a16:creationId xmlns:a16="http://schemas.microsoft.com/office/drawing/2014/main" id="{74E993A7-5568-631B-3940-FD187641C177}"/>
+              </a:ext>
+            </a:extLst>
+          </p:cNvPr>
+          <p:cNvPicPr>
+            <a:picLocks noChangeAspect="1"/>
+          </p:cNvPicPr>
+          <p:nvPr/>
+        </p:nvPicPr>
+        <p:blipFill>
+          <a:blip r:embed="rId2"/>
+          <a:stretch>
+            <a:fillRect/>
+          </a:stretch>
+        </p:blipFill>
+        <p:spPr>
+          <a:xfrm>
+            <a:off x="2221859" y="1690689"/>
+            <a:ext cx="4700283" cy="4378897"/>
+          </a:xfrm>
+          <a:prstGeom prst="rect">
+            <a:avLst/>
+          </a:prstGeom>
+          <a:ln>
+            <a:solidFill>
+              <a:schemeClr val="tx1"/>
+            </a:solidFill>
+          </a:ln>
+          <a:effectLst>
+            <a:outerShdw blurRad="50800" dist="38100" dir="2700000" algn="tl" rotWithShape="0">
+              <a:prstClr val="black">
+                <a:alpha val="40000"/>
+              </a:prstClr>
+            </a:outerShdw>
+          </a:effectLst>
+        </p:spPr>
+      </p:pic>
+      <p:sp>
+        <p:nvSpPr>
+          <p:cNvPr id="2" name="Title 1"/>
+          <p:cNvSpPr>
+            <a:spLocks noGrp="1"/>
+          </p:cNvSpPr>
+          <p:nvPr>
+            <p:ph type="title"/>
+          </p:nvPr>
+        </p:nvSpPr>
+        <p:spPr/>
+        <p:txBody>
+          <a:bodyPr>
+            <a:noAutofit/>
+          </a:bodyPr>
+          <a:lstStyle/>
+          <a:p>
+            <a:pPr algn="ctr"/>
+            <a:r>
+              <a:rPr lang="en-US" sz="3200" b="1" dirty="0">
+                <a:solidFill>
+                  <a:srgbClr val="FF0000"/>
+                </a:solidFill>
+                <a:latin typeface="+mn-lt"/>
+              </a:rPr>
+              <a:t>Edit</a:t>
+            </a:r>
+            <a:r>
+              <a:rPr lang="en-US" sz="3200" dirty="0">
+                <a:latin typeface="+mn-lt"/>
+              </a:rPr>
+              <a:t> line_graphs.py</a:t>
+            </a:r>
+          </a:p>
+        </p:txBody>
+      </p:sp>
+      <p:sp>
+        <p:nvSpPr>
+          <p:cNvPr id="3" name="Slide Number Placeholder 2"/>
+          <p:cNvSpPr>
+            <a:spLocks noGrp="1"/>
+          </p:cNvSpPr>
+          <p:nvPr>
+            <p:ph type="sldNum" sz="quarter" idx="12"/>
+          </p:nvPr>
+        </p:nvSpPr>
+        <p:spPr/>
+        <p:txBody>
+          <a:bodyPr/>
+          <a:lstStyle/>
+          <a:p>
+            <a:fld id="{650AD656-6FF9-465D-B7B0-1CD0DD39CD23}" type="slidenum">
+              <a:rPr lang="en-US" smtClean="0"/>
+              <a:t>10</a:t>
+            </a:fld>
+            <a:endParaRPr lang="en-US" dirty="0"/>
+          </a:p>
+        </p:txBody>
+      </p:sp>
+      <p:grpSp>
+        <p:nvGrpSpPr>
+          <p:cNvPr id="7" name="Group 6">
+            <a:extLst>
+              <a:ext uri="{FF2B5EF4-FFF2-40B4-BE49-F238E27FC236}">
+                <a16:creationId xmlns:a16="http://schemas.microsoft.com/office/drawing/2014/main" id="{C5AFBB28-2E8D-F3ED-B248-756DD1ACB2F0}"/>
+              </a:ext>
+            </a:extLst>
+          </p:cNvPr>
+          <p:cNvGrpSpPr/>
+          <p:nvPr/>
+        </p:nvGrpSpPr>
+        <p:grpSpPr>
+          <a:xfrm>
+            <a:off x="5148180" y="2256915"/>
+            <a:ext cx="1076632" cy="369332"/>
+            <a:chOff x="4968362" y="2079211"/>
+            <a:chExt cx="1076632" cy="369332"/>
+          </a:xfrm>
+        </p:grpSpPr>
+        <p:cxnSp>
+          <p:nvCxnSpPr>
+            <p:cNvPr id="8" name="Straight Arrow Connector 7">
+              <a:extLst>
+                <a:ext uri="{FF2B5EF4-FFF2-40B4-BE49-F238E27FC236}">
+                  <a16:creationId xmlns:a16="http://schemas.microsoft.com/office/drawing/2014/main" id="{F422595A-2EEC-9265-0C8A-28902F8828C2}"/>
+                </a:ext>
+              </a:extLst>
+            </p:cNvPr>
+            <p:cNvCxnSpPr>
+              <a:cxnSpLocks/>
+            </p:cNvCxnSpPr>
+            <p:nvPr/>
+          </p:nvCxnSpPr>
+          <p:spPr>
+            <a:xfrm flipH="1">
+              <a:off x="4968362" y="2263877"/>
+              <a:ext cx="693174" cy="0"/>
+            </a:xfrm>
+            <a:prstGeom prst="straightConnector1">
+              <a:avLst/>
+            </a:prstGeom>
+            <a:ln w="38100">
+              <a:solidFill>
+                <a:srgbClr val="FF0000"/>
+              </a:solidFill>
+              <a:tailEnd type="triangle"/>
+            </a:ln>
+          </p:spPr>
+          <p:style>
+            <a:lnRef idx="1">
+              <a:schemeClr val="accent1"/>
+            </a:lnRef>
+            <a:fillRef idx="0">
+              <a:schemeClr val="accent1"/>
+            </a:fillRef>
+            <a:effectRef idx="0">
+              <a:schemeClr val="accent1"/>
+            </a:effectRef>
+            <a:fontRef idx="minor">
+              <a:schemeClr val="tx1"/>
+            </a:fontRef>
+          </p:style>
+        </p:cxnSp>
+        <p:sp>
+          <p:nvSpPr>
+            <p:cNvPr id="9" name="TextBox 8">
+              <a:extLst>
+                <a:ext uri="{FF2B5EF4-FFF2-40B4-BE49-F238E27FC236}">
+                  <a16:creationId xmlns:a16="http://schemas.microsoft.com/office/drawing/2014/main" id="{8749644F-0AD3-FC88-2EF7-F7F4789173A1}"/>
+                </a:ext>
+              </a:extLst>
+            </p:cNvPr>
+            <p:cNvSpPr txBox="1"/>
+            <p:nvPr/>
+          </p:nvSpPr>
+          <p:spPr>
+            <a:xfrm>
+              <a:off x="5661536" y="2079211"/>
+              <a:ext cx="383458" cy="369332"/>
+            </a:xfrm>
+            <a:prstGeom prst="rect">
+              <a:avLst/>
+            </a:prstGeom>
+            <a:noFill/>
+          </p:spPr>
+          <p:txBody>
+            <a:bodyPr wrap="square" rtlCol="0">
+              <a:spAutoFit/>
+            </a:bodyPr>
+            <a:lstStyle/>
+            <a:p>
+              <a:r>
+                <a:rPr lang="en-US" dirty="0">
+                  <a:ln>
+                    <a:solidFill>
+                      <a:srgbClr val="FF0000"/>
+                    </a:solidFill>
+                  </a:ln>
+                  <a:solidFill>
+                    <a:srgbClr val="FF0000"/>
+                  </a:solidFill>
+                  <a:sym typeface="Wingdings" panose="05000000000000000000" pitchFamily="2" charset="2"/>
+                </a:rPr>
+                <a:t></a:t>
+              </a:r>
+              <a:endParaRPr lang="en-US" dirty="0">
+                <a:ln>
+                  <a:solidFill>
+                    <a:srgbClr val="FF0000"/>
+                  </a:solidFill>
+                </a:ln>
+                <a:solidFill>
+                  <a:srgbClr val="FF0000"/>
+                </a:solidFill>
+              </a:endParaRPr>
+            </a:p>
+          </p:txBody>
+        </p:sp>
+      </p:grpSp>
+      <p:grpSp>
+        <p:nvGrpSpPr>
+          <p:cNvPr id="10" name="Group 9">
+            <a:extLst>
+              <a:ext uri="{FF2B5EF4-FFF2-40B4-BE49-F238E27FC236}">
+                <a16:creationId xmlns:a16="http://schemas.microsoft.com/office/drawing/2014/main" id="{2A24ADDD-732A-AD5B-9D43-39A4591E5DDB}"/>
+              </a:ext>
+            </a:extLst>
+          </p:cNvPr>
+          <p:cNvGrpSpPr/>
+          <p:nvPr/>
+        </p:nvGrpSpPr>
+        <p:grpSpPr>
+          <a:xfrm>
+            <a:off x="6693150" y="2513606"/>
+            <a:ext cx="1076632" cy="369332"/>
+            <a:chOff x="4704120" y="2356972"/>
+            <a:chExt cx="1076632" cy="369332"/>
+          </a:xfrm>
+        </p:grpSpPr>
+        <p:cxnSp>
+          <p:nvCxnSpPr>
+            <p:cNvPr id="17" name="Straight Arrow Connector 16">
+              <a:extLst>
+                <a:ext uri="{FF2B5EF4-FFF2-40B4-BE49-F238E27FC236}">
+                  <a16:creationId xmlns:a16="http://schemas.microsoft.com/office/drawing/2014/main" id="{34646E30-BD0A-2F62-2E56-CD999DA3EB97}"/>
+                </a:ext>
+              </a:extLst>
+            </p:cNvPr>
+            <p:cNvCxnSpPr>
+              <a:cxnSpLocks/>
+            </p:cNvCxnSpPr>
+            <p:nvPr/>
+          </p:nvCxnSpPr>
+          <p:spPr>
+            <a:xfrm flipH="1">
+              <a:off x="4704120" y="2541638"/>
+              <a:ext cx="693174" cy="0"/>
+            </a:xfrm>
+            <a:prstGeom prst="straightConnector1">
+              <a:avLst/>
+            </a:prstGeom>
+            <a:ln w="38100">
+              <a:solidFill>
+                <a:srgbClr val="FF0000"/>
+              </a:solidFill>
+              <a:tailEnd type="triangle"/>
+            </a:ln>
+          </p:spPr>
+          <p:style>
+            <a:lnRef idx="1">
+              <a:schemeClr val="accent1"/>
+            </a:lnRef>
+            <a:fillRef idx="0">
+              <a:schemeClr val="accent1"/>
+            </a:fillRef>
+            <a:effectRef idx="0">
+              <a:schemeClr val="accent1"/>
+            </a:effectRef>
+            <a:fontRef idx="minor">
+              <a:schemeClr val="tx1"/>
+            </a:fontRef>
+          </p:style>
+        </p:cxnSp>
+        <p:sp>
+          <p:nvSpPr>
+            <p:cNvPr id="18" name="TextBox 17">
+              <a:extLst>
+                <a:ext uri="{FF2B5EF4-FFF2-40B4-BE49-F238E27FC236}">
+                  <a16:creationId xmlns:a16="http://schemas.microsoft.com/office/drawing/2014/main" id="{7EE0D585-A3C9-1107-0F4E-8B0A22CEFCDA}"/>
+                </a:ext>
+              </a:extLst>
+            </p:cNvPr>
+            <p:cNvSpPr txBox="1"/>
+            <p:nvPr/>
+          </p:nvSpPr>
+          <p:spPr>
+            <a:xfrm>
+              <a:off x="5397294" y="2356972"/>
+              <a:ext cx="383458" cy="369332"/>
+            </a:xfrm>
+            <a:prstGeom prst="rect">
+              <a:avLst/>
+            </a:prstGeom>
+            <a:noFill/>
+          </p:spPr>
+          <p:txBody>
+            <a:bodyPr wrap="square" rtlCol="0">
+              <a:spAutoFit/>
+            </a:bodyPr>
+            <a:lstStyle/>
+            <a:p>
+              <a:r>
+                <a:rPr lang="en-US" dirty="0">
+                  <a:ln>
+                    <a:solidFill>
+                      <a:srgbClr val="FF0000"/>
+                    </a:solidFill>
+                  </a:ln>
+                  <a:solidFill>
+                    <a:srgbClr val="FF0000"/>
+                  </a:solidFill>
+                  <a:sym typeface="Wingdings" panose="05000000000000000000" pitchFamily="2" charset="2"/>
+                </a:rPr>
+                <a:t></a:t>
+              </a:r>
+              <a:endParaRPr lang="en-US" dirty="0">
+                <a:ln>
+                  <a:solidFill>
+                    <a:srgbClr val="FF0000"/>
+                  </a:solidFill>
+                </a:ln>
+                <a:solidFill>
+                  <a:srgbClr val="FF0000"/>
+                </a:solidFill>
+              </a:endParaRPr>
+            </a:p>
+          </p:txBody>
+        </p:sp>
+      </p:grpSp>
+      <p:grpSp>
+        <p:nvGrpSpPr>
+          <p:cNvPr id="19" name="Group 18">
+            <a:extLst>
+              <a:ext uri="{FF2B5EF4-FFF2-40B4-BE49-F238E27FC236}">
+                <a16:creationId xmlns:a16="http://schemas.microsoft.com/office/drawing/2014/main" id="{99C86E34-C444-0E3E-5A4D-BA7E9CC8A875}"/>
+              </a:ext>
+            </a:extLst>
+          </p:cNvPr>
+          <p:cNvGrpSpPr/>
+          <p:nvPr/>
+        </p:nvGrpSpPr>
+        <p:grpSpPr>
+          <a:xfrm>
+            <a:off x="5624507" y="3020865"/>
+            <a:ext cx="1068643" cy="369332"/>
+            <a:chOff x="3647644" y="4910075"/>
+            <a:chExt cx="1068643" cy="369332"/>
+          </a:xfrm>
+        </p:grpSpPr>
+        <p:sp>
+          <p:nvSpPr>
+            <p:cNvPr id="20" name="TextBox 19">
+              <a:extLst>
+                <a:ext uri="{FF2B5EF4-FFF2-40B4-BE49-F238E27FC236}">
+                  <a16:creationId xmlns:a16="http://schemas.microsoft.com/office/drawing/2014/main" id="{5FEFC542-016A-DABC-3781-5DAFB10E3204}"/>
+                </a:ext>
+              </a:extLst>
+            </p:cNvPr>
+            <p:cNvSpPr txBox="1"/>
+            <p:nvPr/>
+          </p:nvSpPr>
+          <p:spPr>
+            <a:xfrm>
+              <a:off x="4332829" y="4910075"/>
+              <a:ext cx="383458" cy="369332"/>
+            </a:xfrm>
+            <a:prstGeom prst="rect">
+              <a:avLst/>
+            </a:prstGeom>
+            <a:noFill/>
+          </p:spPr>
+          <p:txBody>
+            <a:bodyPr wrap="square" rtlCol="0">
+              <a:spAutoFit/>
+            </a:bodyPr>
+            <a:lstStyle/>
+            <a:p>
+              <a:r>
+                <a:rPr lang="en-US" dirty="0">
+                  <a:ln>
+                    <a:solidFill>
+                      <a:srgbClr val="FF0000"/>
+                    </a:solidFill>
+                  </a:ln>
+                  <a:solidFill>
+                    <a:srgbClr val="FF0000"/>
+                  </a:solidFill>
+                  <a:sym typeface="Wingdings" panose="05000000000000000000" pitchFamily="2" charset="2"/>
+                </a:rPr>
+                <a:t></a:t>
+              </a:r>
+              <a:endParaRPr lang="en-US" dirty="0">
+                <a:ln>
+                  <a:solidFill>
+                    <a:srgbClr val="FF0000"/>
+                  </a:solidFill>
+                </a:ln>
+                <a:solidFill>
+                  <a:srgbClr val="FF0000"/>
+                </a:solidFill>
+              </a:endParaRPr>
+            </a:p>
+          </p:txBody>
+        </p:sp>
+        <p:cxnSp>
+          <p:nvCxnSpPr>
+            <p:cNvPr id="21" name="Straight Arrow Connector 20">
+              <a:extLst>
+                <a:ext uri="{FF2B5EF4-FFF2-40B4-BE49-F238E27FC236}">
+                  <a16:creationId xmlns:a16="http://schemas.microsoft.com/office/drawing/2014/main" id="{F713A8D0-FD44-C0DA-F50F-3CBE07FAEFE1}"/>
+                </a:ext>
+              </a:extLst>
+            </p:cNvPr>
+            <p:cNvCxnSpPr>
+              <a:cxnSpLocks/>
+            </p:cNvCxnSpPr>
+            <p:nvPr/>
+          </p:nvCxnSpPr>
+          <p:spPr>
+            <a:xfrm flipH="1">
+              <a:off x="3647644" y="5094741"/>
+              <a:ext cx="693174" cy="0"/>
+            </a:xfrm>
+            <a:prstGeom prst="straightConnector1">
+              <a:avLst/>
+            </a:prstGeom>
+            <a:ln w="38100">
+              <a:solidFill>
+                <a:srgbClr val="FF0000"/>
+              </a:solidFill>
+              <a:tailEnd type="triangle"/>
+            </a:ln>
+          </p:spPr>
+          <p:style>
+            <a:lnRef idx="1">
+              <a:schemeClr val="accent1"/>
+            </a:lnRef>
+            <a:fillRef idx="0">
+              <a:schemeClr val="accent1"/>
+            </a:fillRef>
+            <a:effectRef idx="0">
+              <a:schemeClr val="accent1"/>
+            </a:effectRef>
+            <a:fontRef idx="minor">
+              <a:schemeClr val="tx1"/>
+            </a:fontRef>
+          </p:style>
+        </p:cxnSp>
+      </p:grpSp>
+      <p:grpSp>
+        <p:nvGrpSpPr>
+          <p:cNvPr id="22" name="Group 21">
+            <a:extLst>
+              <a:ext uri="{FF2B5EF4-FFF2-40B4-BE49-F238E27FC236}">
+                <a16:creationId xmlns:a16="http://schemas.microsoft.com/office/drawing/2014/main" id="{E7FB3F3D-D85C-9F46-FE76-5971DD39F49E}"/>
+              </a:ext>
+            </a:extLst>
+          </p:cNvPr>
+          <p:cNvGrpSpPr/>
+          <p:nvPr/>
+        </p:nvGrpSpPr>
+        <p:grpSpPr>
+          <a:xfrm>
+            <a:off x="3982922" y="3590691"/>
+            <a:ext cx="1064340" cy="369332"/>
+            <a:chOff x="3647644" y="5421073"/>
+            <a:chExt cx="1064340" cy="369332"/>
+          </a:xfrm>
+        </p:grpSpPr>
+        <p:sp>
+          <p:nvSpPr>
+            <p:cNvPr id="23" name="TextBox 22">
+              <a:extLst>
+                <a:ext uri="{FF2B5EF4-FFF2-40B4-BE49-F238E27FC236}">
+                  <a16:creationId xmlns:a16="http://schemas.microsoft.com/office/drawing/2014/main" id="{1AA49A53-E8C8-6D5C-36E4-E9CB85D449E0}"/>
+                </a:ext>
+              </a:extLst>
+            </p:cNvPr>
+            <p:cNvSpPr txBox="1"/>
+            <p:nvPr/>
+          </p:nvSpPr>
+          <p:spPr>
+            <a:xfrm>
+              <a:off x="4328526" y="5421073"/>
+              <a:ext cx="383458" cy="369332"/>
+            </a:xfrm>
+            <a:prstGeom prst="rect">
+              <a:avLst/>
+            </a:prstGeom>
+            <a:noFill/>
+          </p:spPr>
+          <p:txBody>
+            <a:bodyPr wrap="square" rtlCol="0">
+              <a:spAutoFit/>
+            </a:bodyPr>
+            <a:lstStyle/>
+            <a:p>
+              <a:r>
+                <a:rPr lang="en-US" dirty="0">
+                  <a:ln>
+                    <a:solidFill>
+                      <a:srgbClr val="FF0000"/>
+                    </a:solidFill>
+                  </a:ln>
+                  <a:solidFill>
+                    <a:srgbClr val="FF0000"/>
+                  </a:solidFill>
+                  <a:sym typeface="Wingdings" panose="05000000000000000000" pitchFamily="2" charset="2"/>
+                </a:rPr>
+                <a:t></a:t>
+              </a:r>
+              <a:endParaRPr lang="en-US" dirty="0">
+                <a:ln>
+                  <a:solidFill>
+                    <a:srgbClr val="FF0000"/>
+                  </a:solidFill>
+                </a:ln>
+                <a:solidFill>
+                  <a:srgbClr val="FF0000"/>
+                </a:solidFill>
+              </a:endParaRPr>
+            </a:p>
+          </p:txBody>
+        </p:sp>
+        <p:cxnSp>
+          <p:nvCxnSpPr>
+            <p:cNvPr id="24" name="Straight Arrow Connector 23">
+              <a:extLst>
+                <a:ext uri="{FF2B5EF4-FFF2-40B4-BE49-F238E27FC236}">
+                  <a16:creationId xmlns:a16="http://schemas.microsoft.com/office/drawing/2014/main" id="{213BA620-FAF8-F9DD-04F5-696E1FF2EAA7}"/>
+                </a:ext>
+              </a:extLst>
+            </p:cNvPr>
+            <p:cNvCxnSpPr>
+              <a:cxnSpLocks/>
+            </p:cNvCxnSpPr>
+            <p:nvPr/>
+          </p:nvCxnSpPr>
+          <p:spPr>
+            <a:xfrm flipH="1">
+              <a:off x="3647644" y="5594437"/>
+              <a:ext cx="693174" cy="0"/>
+            </a:xfrm>
+            <a:prstGeom prst="straightConnector1">
+              <a:avLst/>
+            </a:prstGeom>
+            <a:ln w="38100">
+              <a:solidFill>
+                <a:srgbClr val="FF0000"/>
+              </a:solidFill>
+              <a:tailEnd type="triangle"/>
+            </a:ln>
+          </p:spPr>
+          <p:style>
+            <a:lnRef idx="1">
+              <a:schemeClr val="accent1"/>
+            </a:lnRef>
+            <a:fillRef idx="0">
+              <a:schemeClr val="accent1"/>
+            </a:fillRef>
+            <a:effectRef idx="0">
+              <a:schemeClr val="accent1"/>
+            </a:effectRef>
+            <a:fontRef idx="minor">
+              <a:schemeClr val="tx1"/>
+            </a:fontRef>
+          </p:style>
+        </p:cxnSp>
+      </p:grpSp>
+      <p:grpSp>
+        <p:nvGrpSpPr>
+          <p:cNvPr id="25" name="Group 24">
+            <a:extLst>
+              <a:ext uri="{FF2B5EF4-FFF2-40B4-BE49-F238E27FC236}">
+                <a16:creationId xmlns:a16="http://schemas.microsoft.com/office/drawing/2014/main" id="{8306890E-5C7D-D941-9022-2F901076E5A5}"/>
+              </a:ext>
+            </a:extLst>
+          </p:cNvPr>
+          <p:cNvGrpSpPr/>
+          <p:nvPr/>
+        </p:nvGrpSpPr>
+        <p:grpSpPr>
+          <a:xfrm>
+            <a:off x="4821543" y="3848820"/>
+            <a:ext cx="1068643" cy="369332"/>
+            <a:chOff x="3647644" y="5359159"/>
+            <a:chExt cx="1068643" cy="369332"/>
+          </a:xfrm>
+        </p:grpSpPr>
+        <p:sp>
+          <p:nvSpPr>
+            <p:cNvPr id="26" name="TextBox 25">
+              <a:extLst>
+                <a:ext uri="{FF2B5EF4-FFF2-40B4-BE49-F238E27FC236}">
+                  <a16:creationId xmlns:a16="http://schemas.microsoft.com/office/drawing/2014/main" id="{CE050985-50D8-C341-6AAC-44DBA3FB7E35}"/>
+                </a:ext>
+              </a:extLst>
+            </p:cNvPr>
+            <p:cNvSpPr txBox="1"/>
+            <p:nvPr/>
+          </p:nvSpPr>
+          <p:spPr>
+            <a:xfrm>
+              <a:off x="4332829" y="5359159"/>
+              <a:ext cx="383458" cy="369332"/>
+            </a:xfrm>
+            <a:prstGeom prst="rect">
+              <a:avLst/>
+            </a:prstGeom>
+            <a:noFill/>
+          </p:spPr>
+          <p:txBody>
+            <a:bodyPr wrap="square" rtlCol="0">
+              <a:spAutoFit/>
+            </a:bodyPr>
+            <a:lstStyle/>
+            <a:p>
+              <a:r>
+                <a:rPr lang="en-US" dirty="0">
+                  <a:ln>
+                    <a:solidFill>
+                      <a:srgbClr val="FF0000"/>
+                    </a:solidFill>
+                  </a:ln>
+                  <a:solidFill>
+                    <a:srgbClr val="FF0000"/>
+                  </a:solidFill>
+                  <a:sym typeface="Wingdings" panose="05000000000000000000" pitchFamily="2" charset="2"/>
+                </a:rPr>
+                <a:t></a:t>
+              </a:r>
+              <a:endParaRPr lang="en-US" dirty="0">
+                <a:ln>
+                  <a:solidFill>
+                    <a:srgbClr val="FF0000"/>
+                  </a:solidFill>
+                </a:ln>
+                <a:solidFill>
+                  <a:srgbClr val="FF0000"/>
+                </a:solidFill>
+              </a:endParaRPr>
+            </a:p>
+          </p:txBody>
+        </p:sp>
+        <p:cxnSp>
+          <p:nvCxnSpPr>
+            <p:cNvPr id="27" name="Straight Arrow Connector 26">
+              <a:extLst>
+                <a:ext uri="{FF2B5EF4-FFF2-40B4-BE49-F238E27FC236}">
+                  <a16:creationId xmlns:a16="http://schemas.microsoft.com/office/drawing/2014/main" id="{26120CC8-E8D6-012D-27E8-39234A7024E7}"/>
+                </a:ext>
+              </a:extLst>
+            </p:cNvPr>
+            <p:cNvCxnSpPr>
+              <a:cxnSpLocks/>
+            </p:cNvCxnSpPr>
+            <p:nvPr/>
+          </p:nvCxnSpPr>
+          <p:spPr>
+            <a:xfrm flipH="1">
+              <a:off x="3647644" y="5541057"/>
+              <a:ext cx="693174" cy="0"/>
+            </a:xfrm>
+            <a:prstGeom prst="straightConnector1">
+              <a:avLst/>
+            </a:prstGeom>
+            <a:ln w="38100">
+              <a:solidFill>
+                <a:srgbClr val="FF0000"/>
+              </a:solidFill>
+              <a:tailEnd type="triangle"/>
+            </a:ln>
+          </p:spPr>
+          <p:style>
+            <a:lnRef idx="1">
+              <a:schemeClr val="accent1"/>
+            </a:lnRef>
+            <a:fillRef idx="0">
+              <a:schemeClr val="accent1"/>
+            </a:fillRef>
+            <a:effectRef idx="0">
+              <a:schemeClr val="accent1"/>
+            </a:effectRef>
+            <a:fontRef idx="minor">
+              <a:schemeClr val="tx1"/>
+            </a:fontRef>
+          </p:style>
+        </p:cxnSp>
+      </p:grpSp>
+      <p:grpSp>
+        <p:nvGrpSpPr>
+          <p:cNvPr id="28" name="Group 27">
+            <a:extLst>
+              <a:ext uri="{FF2B5EF4-FFF2-40B4-BE49-F238E27FC236}">
+                <a16:creationId xmlns:a16="http://schemas.microsoft.com/office/drawing/2014/main" id="{AE5ACA05-2700-263B-219F-97951CD899F1}"/>
+              </a:ext>
+            </a:extLst>
+          </p:cNvPr>
+          <p:cNvGrpSpPr/>
+          <p:nvPr/>
+        </p:nvGrpSpPr>
+        <p:grpSpPr>
+          <a:xfrm>
+            <a:off x="4646015" y="4650449"/>
+            <a:ext cx="1076632" cy="369332"/>
+            <a:chOff x="2157212" y="5356391"/>
+            <a:chExt cx="1076632" cy="369332"/>
+          </a:xfrm>
+        </p:grpSpPr>
+        <p:sp>
+          <p:nvSpPr>
+            <p:cNvPr id="29" name="TextBox 28">
+              <a:extLst>
+                <a:ext uri="{FF2B5EF4-FFF2-40B4-BE49-F238E27FC236}">
+                  <a16:creationId xmlns:a16="http://schemas.microsoft.com/office/drawing/2014/main" id="{0C31EFF3-C825-348A-430D-E466E2F6FF20}"/>
+                </a:ext>
+              </a:extLst>
+            </p:cNvPr>
+            <p:cNvSpPr txBox="1"/>
+            <p:nvPr/>
+          </p:nvSpPr>
+          <p:spPr>
+            <a:xfrm>
+              <a:off x="2850386" y="5356391"/>
+              <a:ext cx="383458" cy="369332"/>
+            </a:xfrm>
+            <a:prstGeom prst="rect">
+              <a:avLst/>
+            </a:prstGeom>
+            <a:noFill/>
+          </p:spPr>
+          <p:txBody>
+            <a:bodyPr wrap="square" rtlCol="0">
+              <a:spAutoFit/>
+            </a:bodyPr>
+            <a:lstStyle/>
+            <a:p>
+              <a:r>
+                <a:rPr lang="en-US" dirty="0">
+                  <a:ln>
+                    <a:solidFill>
+                      <a:srgbClr val="FF0000"/>
+                    </a:solidFill>
+                  </a:ln>
+                  <a:solidFill>
+                    <a:srgbClr val="FF0000"/>
+                  </a:solidFill>
+                  <a:sym typeface="Wingdings" panose="05000000000000000000" pitchFamily="2" charset="2"/>
+                </a:rPr>
+                <a:t></a:t>
+              </a:r>
+              <a:endParaRPr lang="en-US" dirty="0">
+                <a:ln>
+                  <a:solidFill>
+                    <a:srgbClr val="FF0000"/>
+                  </a:solidFill>
+                </a:ln>
+                <a:solidFill>
+                  <a:srgbClr val="FF0000"/>
+                </a:solidFill>
+              </a:endParaRPr>
+            </a:p>
+          </p:txBody>
+        </p:sp>
+        <p:cxnSp>
+          <p:nvCxnSpPr>
+            <p:cNvPr id="30" name="Straight Arrow Connector 29">
+              <a:extLst>
+                <a:ext uri="{FF2B5EF4-FFF2-40B4-BE49-F238E27FC236}">
+                  <a16:creationId xmlns:a16="http://schemas.microsoft.com/office/drawing/2014/main" id="{CC989731-A617-0238-5761-D0284826B80E}"/>
+                </a:ext>
+              </a:extLst>
+            </p:cNvPr>
+            <p:cNvCxnSpPr>
+              <a:cxnSpLocks/>
+            </p:cNvCxnSpPr>
+            <p:nvPr/>
+          </p:nvCxnSpPr>
+          <p:spPr>
+            <a:xfrm flipH="1">
+              <a:off x="2157212" y="5545146"/>
+              <a:ext cx="693174" cy="0"/>
+            </a:xfrm>
+            <a:prstGeom prst="straightConnector1">
+              <a:avLst/>
+            </a:prstGeom>
+            <a:ln w="38100">
+              <a:solidFill>
+                <a:srgbClr val="FF0000"/>
+              </a:solidFill>
+              <a:tailEnd type="triangle"/>
+            </a:ln>
+          </p:spPr>
+          <p:style>
+            <a:lnRef idx="1">
+              <a:schemeClr val="accent1"/>
+            </a:lnRef>
+            <a:fillRef idx="0">
+              <a:schemeClr val="accent1"/>
+            </a:fillRef>
+            <a:effectRef idx="0">
+              <a:schemeClr val="accent1"/>
+            </a:effectRef>
+            <a:fontRef idx="minor">
+              <a:schemeClr val="tx1"/>
+            </a:fontRef>
+          </p:style>
+        </p:cxnSp>
+      </p:grpSp>
+      <p:grpSp>
+        <p:nvGrpSpPr>
+          <p:cNvPr id="31" name="Group 30">
+            <a:extLst>
+              <a:ext uri="{FF2B5EF4-FFF2-40B4-BE49-F238E27FC236}">
+                <a16:creationId xmlns:a16="http://schemas.microsoft.com/office/drawing/2014/main" id="{642FF154-686E-36BD-E461-844BF2883750}"/>
+              </a:ext>
+            </a:extLst>
+          </p:cNvPr>
+          <p:cNvGrpSpPr/>
+          <p:nvPr/>
+        </p:nvGrpSpPr>
+        <p:grpSpPr>
+          <a:xfrm>
+            <a:off x="4647551" y="4920497"/>
+            <a:ext cx="1076632" cy="369332"/>
+            <a:chOff x="2157212" y="5356391"/>
+            <a:chExt cx="1076632" cy="369332"/>
+          </a:xfrm>
+        </p:grpSpPr>
+        <p:sp>
+          <p:nvSpPr>
+            <p:cNvPr id="32" name="TextBox 31">
+              <a:extLst>
+                <a:ext uri="{FF2B5EF4-FFF2-40B4-BE49-F238E27FC236}">
+                  <a16:creationId xmlns:a16="http://schemas.microsoft.com/office/drawing/2014/main" id="{8A607470-1D39-915D-BADE-E51B50FFF928}"/>
+                </a:ext>
+              </a:extLst>
+            </p:cNvPr>
+            <p:cNvSpPr txBox="1"/>
+            <p:nvPr/>
+          </p:nvSpPr>
+          <p:spPr>
+            <a:xfrm>
+              <a:off x="2850386" y="5356391"/>
+              <a:ext cx="383458" cy="369332"/>
+            </a:xfrm>
+            <a:prstGeom prst="rect">
+              <a:avLst/>
+            </a:prstGeom>
+            <a:noFill/>
+          </p:spPr>
+          <p:txBody>
+            <a:bodyPr wrap="square" rtlCol="0">
+              <a:spAutoFit/>
+            </a:bodyPr>
+            <a:lstStyle/>
+            <a:p>
+              <a:r>
+                <a:rPr lang="en-US" dirty="0">
+                  <a:ln>
+                    <a:solidFill>
+                      <a:srgbClr val="FF0000"/>
+                    </a:solidFill>
+                  </a:ln>
+                  <a:solidFill>
+                    <a:srgbClr val="FF0000"/>
+                  </a:solidFill>
+                  <a:sym typeface="Wingdings" panose="05000000000000000000" pitchFamily="2" charset="2"/>
+                </a:rPr>
+                <a:t></a:t>
+              </a:r>
+              <a:endParaRPr lang="en-US" dirty="0">
+                <a:ln>
+                  <a:solidFill>
+                    <a:srgbClr val="FF0000"/>
+                  </a:solidFill>
+                </a:ln>
+                <a:solidFill>
+                  <a:srgbClr val="FF0000"/>
+                </a:solidFill>
+              </a:endParaRPr>
+            </a:p>
+          </p:txBody>
+        </p:sp>
+        <p:cxnSp>
+          <p:nvCxnSpPr>
+            <p:cNvPr id="33" name="Straight Arrow Connector 32">
+              <a:extLst>
+                <a:ext uri="{FF2B5EF4-FFF2-40B4-BE49-F238E27FC236}">
+                  <a16:creationId xmlns:a16="http://schemas.microsoft.com/office/drawing/2014/main" id="{BD6537CD-CAE8-D68D-08F3-63C8BB4B59FA}"/>
+                </a:ext>
+              </a:extLst>
+            </p:cNvPr>
+            <p:cNvCxnSpPr>
+              <a:cxnSpLocks/>
+            </p:cNvCxnSpPr>
+            <p:nvPr/>
+          </p:nvCxnSpPr>
+          <p:spPr>
+            <a:xfrm flipH="1">
+              <a:off x="2157212" y="5545146"/>
+              <a:ext cx="693174" cy="0"/>
+            </a:xfrm>
+            <a:prstGeom prst="straightConnector1">
+              <a:avLst/>
+            </a:prstGeom>
+            <a:ln w="38100">
+              <a:solidFill>
+                <a:srgbClr val="FF0000"/>
+              </a:solidFill>
+              <a:tailEnd type="triangle"/>
+            </a:ln>
+          </p:spPr>
+          <p:style>
+            <a:lnRef idx="1">
+              <a:schemeClr val="accent1"/>
+            </a:lnRef>
+            <a:fillRef idx="0">
+              <a:schemeClr val="accent1"/>
+            </a:fillRef>
+            <a:effectRef idx="0">
+              <a:schemeClr val="accent1"/>
+            </a:effectRef>
+            <a:fontRef idx="minor">
+              <a:schemeClr val="tx1"/>
+            </a:fontRef>
+          </p:style>
+        </p:cxnSp>
+      </p:grpSp>
+      <p:grpSp>
+        <p:nvGrpSpPr>
+          <p:cNvPr id="34" name="Group 33">
+            <a:extLst>
+              <a:ext uri="{FF2B5EF4-FFF2-40B4-BE49-F238E27FC236}">
+                <a16:creationId xmlns:a16="http://schemas.microsoft.com/office/drawing/2014/main" id="{DCFA1802-6F2E-8BA1-4BA2-0BE7F3838285}"/>
+              </a:ext>
+            </a:extLst>
+          </p:cNvPr>
+          <p:cNvGrpSpPr/>
+          <p:nvPr/>
+        </p:nvGrpSpPr>
+        <p:grpSpPr>
+          <a:xfrm>
+            <a:off x="4181159" y="5190545"/>
+            <a:ext cx="1076632" cy="369332"/>
+            <a:chOff x="2157212" y="5356391"/>
+            <a:chExt cx="1076632" cy="369332"/>
+          </a:xfrm>
+        </p:grpSpPr>
+        <p:sp>
+          <p:nvSpPr>
+            <p:cNvPr id="35" name="TextBox 34">
+              <a:extLst>
+                <a:ext uri="{FF2B5EF4-FFF2-40B4-BE49-F238E27FC236}">
+                  <a16:creationId xmlns:a16="http://schemas.microsoft.com/office/drawing/2014/main" id="{72D4AB87-F2A9-A10A-8672-02FEBCCFCEF3}"/>
+                </a:ext>
+              </a:extLst>
+            </p:cNvPr>
+            <p:cNvSpPr txBox="1"/>
+            <p:nvPr/>
+          </p:nvSpPr>
+          <p:spPr>
+            <a:xfrm>
+              <a:off x="2850386" y="5356391"/>
+              <a:ext cx="383458" cy="369332"/>
+            </a:xfrm>
+            <a:prstGeom prst="rect">
+              <a:avLst/>
+            </a:prstGeom>
+            <a:noFill/>
+          </p:spPr>
+          <p:txBody>
+            <a:bodyPr wrap="square" rtlCol="0">
+              <a:spAutoFit/>
+            </a:bodyPr>
+            <a:lstStyle/>
+            <a:p>
+              <a:r>
+                <a:rPr lang="en-US" dirty="0">
+                  <a:ln>
+                    <a:solidFill>
+                      <a:srgbClr val="FF0000"/>
+                    </a:solidFill>
+                  </a:ln>
+                  <a:solidFill>
+                    <a:srgbClr val="FF0000"/>
+                  </a:solidFill>
+                  <a:sym typeface="Wingdings" panose="05000000000000000000" pitchFamily="2" charset="2"/>
+                </a:rPr>
+                <a:t></a:t>
+              </a:r>
+              <a:endParaRPr lang="en-US" dirty="0">
+                <a:ln>
+                  <a:solidFill>
+                    <a:srgbClr val="FF0000"/>
+                  </a:solidFill>
+                </a:ln>
+                <a:solidFill>
+                  <a:srgbClr val="FF0000"/>
+                </a:solidFill>
+              </a:endParaRPr>
+            </a:p>
+          </p:txBody>
+        </p:sp>
+        <p:cxnSp>
+          <p:nvCxnSpPr>
+            <p:cNvPr id="36" name="Straight Arrow Connector 35">
+              <a:extLst>
+                <a:ext uri="{FF2B5EF4-FFF2-40B4-BE49-F238E27FC236}">
+                  <a16:creationId xmlns:a16="http://schemas.microsoft.com/office/drawing/2014/main" id="{50ED5729-05F8-1BCB-06B3-D033E0A6E3A7}"/>
+                </a:ext>
+              </a:extLst>
+            </p:cNvPr>
+            <p:cNvCxnSpPr>
+              <a:cxnSpLocks/>
+            </p:cNvCxnSpPr>
+            <p:nvPr/>
+          </p:nvCxnSpPr>
+          <p:spPr>
+            <a:xfrm flipH="1">
+              <a:off x="2157212" y="5545146"/>
+              <a:ext cx="693174" cy="0"/>
+            </a:xfrm>
+            <a:prstGeom prst="straightConnector1">
+              <a:avLst/>
+            </a:prstGeom>
+            <a:ln w="38100">
+              <a:solidFill>
+                <a:srgbClr val="FF0000"/>
+              </a:solidFill>
+              <a:tailEnd type="triangle"/>
+            </a:ln>
+          </p:spPr>
+          <p:style>
+            <a:lnRef idx="1">
+              <a:schemeClr val="accent1"/>
+            </a:lnRef>
+            <a:fillRef idx="0">
+              <a:schemeClr val="accent1"/>
+            </a:fillRef>
+            <a:effectRef idx="0">
+              <a:schemeClr val="accent1"/>
+            </a:effectRef>
+            <a:fontRef idx="minor">
+              <a:schemeClr val="tx1"/>
+            </a:fontRef>
+          </p:style>
+        </p:cxnSp>
+      </p:grpSp>
+      <p:grpSp>
+        <p:nvGrpSpPr>
+          <p:cNvPr id="37" name="Group 36">
+            <a:extLst>
+              <a:ext uri="{FF2B5EF4-FFF2-40B4-BE49-F238E27FC236}">
+                <a16:creationId xmlns:a16="http://schemas.microsoft.com/office/drawing/2014/main" id="{3F23C721-02A5-0752-5737-0FDA6277E298}"/>
+              </a:ext>
+            </a:extLst>
+          </p:cNvPr>
+          <p:cNvGrpSpPr/>
+          <p:nvPr/>
+        </p:nvGrpSpPr>
+        <p:grpSpPr>
+          <a:xfrm>
+            <a:off x="4419465" y="4380401"/>
+            <a:ext cx="1076632" cy="369332"/>
+            <a:chOff x="2157212" y="5356391"/>
+            <a:chExt cx="1076632" cy="369332"/>
+          </a:xfrm>
+        </p:grpSpPr>
+        <p:sp>
+          <p:nvSpPr>
+            <p:cNvPr id="38" name="TextBox 37">
+              <a:extLst>
+                <a:ext uri="{FF2B5EF4-FFF2-40B4-BE49-F238E27FC236}">
+                  <a16:creationId xmlns:a16="http://schemas.microsoft.com/office/drawing/2014/main" id="{AC5B1E93-A8AB-30C7-3680-7C7D092E5360}"/>
+                </a:ext>
+              </a:extLst>
+            </p:cNvPr>
+            <p:cNvSpPr txBox="1"/>
+            <p:nvPr/>
+          </p:nvSpPr>
+          <p:spPr>
+            <a:xfrm>
+              <a:off x="2850386" y="5356391"/>
+              <a:ext cx="383458" cy="369332"/>
+            </a:xfrm>
+            <a:prstGeom prst="rect">
+              <a:avLst/>
+            </a:prstGeom>
+            <a:noFill/>
+          </p:spPr>
+          <p:txBody>
+            <a:bodyPr wrap="square" rtlCol="0">
+              <a:spAutoFit/>
+            </a:bodyPr>
+            <a:lstStyle/>
+            <a:p>
+              <a:r>
+                <a:rPr lang="en-US" dirty="0">
+                  <a:ln>
+                    <a:solidFill>
+                      <a:srgbClr val="FF0000"/>
+                    </a:solidFill>
+                  </a:ln>
+                  <a:solidFill>
+                    <a:srgbClr val="FF0000"/>
+                  </a:solidFill>
+                  <a:sym typeface="Wingdings" panose="05000000000000000000" pitchFamily="2" charset="2"/>
+                </a:rPr>
+                <a:t></a:t>
+              </a:r>
+              <a:endParaRPr lang="en-US" dirty="0">
+                <a:ln>
+                  <a:solidFill>
+                    <a:srgbClr val="FF0000"/>
+                  </a:solidFill>
+                </a:ln>
+                <a:solidFill>
+                  <a:srgbClr val="FF0000"/>
+                </a:solidFill>
+              </a:endParaRPr>
+            </a:p>
+          </p:txBody>
+        </p:sp>
+        <p:cxnSp>
+          <p:nvCxnSpPr>
+            <p:cNvPr id="39" name="Straight Arrow Connector 38">
+              <a:extLst>
+                <a:ext uri="{FF2B5EF4-FFF2-40B4-BE49-F238E27FC236}">
+                  <a16:creationId xmlns:a16="http://schemas.microsoft.com/office/drawing/2014/main" id="{C87CC6AC-2DFC-6843-A88B-D8282EAF04CB}"/>
+                </a:ext>
+              </a:extLst>
+            </p:cNvPr>
+            <p:cNvCxnSpPr>
+              <a:cxnSpLocks/>
+            </p:cNvCxnSpPr>
+            <p:nvPr/>
+          </p:nvCxnSpPr>
+          <p:spPr>
+            <a:xfrm flipH="1">
+              <a:off x="2157212" y="5545146"/>
+              <a:ext cx="693174" cy="0"/>
+            </a:xfrm>
+            <a:prstGeom prst="straightConnector1">
+              <a:avLst/>
+            </a:prstGeom>
+            <a:ln w="38100">
+              <a:solidFill>
+                <a:srgbClr val="FF0000"/>
+              </a:solidFill>
+              <a:tailEnd type="triangle"/>
+            </a:ln>
+          </p:spPr>
+          <p:style>
+            <a:lnRef idx="1">
+              <a:schemeClr val="accent1"/>
+            </a:lnRef>
+            <a:fillRef idx="0">
+              <a:schemeClr val="accent1"/>
+            </a:fillRef>
+            <a:effectRef idx="0">
+              <a:schemeClr val="accent1"/>
+            </a:effectRef>
+            <a:fontRef idx="minor">
+              <a:schemeClr val="tx1"/>
+            </a:fontRef>
+          </p:style>
+        </p:cxnSp>
+      </p:grpSp>
+      <p:grpSp>
+        <p:nvGrpSpPr>
+          <p:cNvPr id="40" name="Group 39">
+            <a:extLst>
+              <a:ext uri="{FF2B5EF4-FFF2-40B4-BE49-F238E27FC236}">
+                <a16:creationId xmlns:a16="http://schemas.microsoft.com/office/drawing/2014/main" id="{83F58D5B-6F3A-4B2F-D3CE-D44474214A2B}"/>
+              </a:ext>
+            </a:extLst>
+          </p:cNvPr>
+          <p:cNvGrpSpPr/>
+          <p:nvPr/>
+        </p:nvGrpSpPr>
+        <p:grpSpPr>
+          <a:xfrm>
+            <a:off x="4182227" y="5460595"/>
+            <a:ext cx="1076632" cy="369332"/>
+            <a:chOff x="2157212" y="5356391"/>
+            <a:chExt cx="1076632" cy="369332"/>
+          </a:xfrm>
+        </p:grpSpPr>
+        <p:sp>
+          <p:nvSpPr>
+            <p:cNvPr id="41" name="TextBox 40">
+              <a:extLst>
+                <a:ext uri="{FF2B5EF4-FFF2-40B4-BE49-F238E27FC236}">
+                  <a16:creationId xmlns:a16="http://schemas.microsoft.com/office/drawing/2014/main" id="{9A967F3C-5135-B1C9-95C9-00CF76330433}"/>
+                </a:ext>
+              </a:extLst>
+            </p:cNvPr>
+            <p:cNvSpPr txBox="1"/>
+            <p:nvPr/>
+          </p:nvSpPr>
+          <p:spPr>
+            <a:xfrm>
+              <a:off x="2850386" y="5356391"/>
+              <a:ext cx="383458" cy="369332"/>
+            </a:xfrm>
+            <a:prstGeom prst="rect">
+              <a:avLst/>
+            </a:prstGeom>
+            <a:noFill/>
+          </p:spPr>
+          <p:txBody>
+            <a:bodyPr wrap="square" rtlCol="0">
+              <a:spAutoFit/>
+            </a:bodyPr>
+            <a:lstStyle/>
+            <a:p>
+              <a:r>
+                <a:rPr lang="en-US" dirty="0">
+                  <a:ln>
+                    <a:solidFill>
+                      <a:srgbClr val="FF0000"/>
+                    </a:solidFill>
+                  </a:ln>
+                  <a:solidFill>
+                    <a:srgbClr val="FF0000"/>
+                  </a:solidFill>
+                  <a:sym typeface="Wingdings" panose="05000000000000000000" pitchFamily="2" charset="2"/>
+                </a:rPr>
+                <a:t></a:t>
+              </a:r>
+              <a:endParaRPr lang="en-US" dirty="0">
+                <a:ln>
+                  <a:solidFill>
+                    <a:srgbClr val="FF0000"/>
+                  </a:solidFill>
+                </a:ln>
+                <a:solidFill>
+                  <a:srgbClr val="FF0000"/>
+                </a:solidFill>
+              </a:endParaRPr>
+            </a:p>
+          </p:txBody>
+        </p:sp>
+        <p:cxnSp>
+          <p:nvCxnSpPr>
+            <p:cNvPr id="42" name="Straight Arrow Connector 41">
+              <a:extLst>
+                <a:ext uri="{FF2B5EF4-FFF2-40B4-BE49-F238E27FC236}">
+                  <a16:creationId xmlns:a16="http://schemas.microsoft.com/office/drawing/2014/main" id="{36373DA2-07E2-3AD2-C628-FE7D4DCFB315}"/>
+                </a:ext>
+              </a:extLst>
+            </p:cNvPr>
+            <p:cNvCxnSpPr>
+              <a:cxnSpLocks/>
+            </p:cNvCxnSpPr>
+            <p:nvPr/>
+          </p:nvCxnSpPr>
+          <p:spPr>
+            <a:xfrm flipH="1">
+              <a:off x="2157212" y="5545146"/>
+              <a:ext cx="693174" cy="0"/>
+            </a:xfrm>
+            <a:prstGeom prst="straightConnector1">
+              <a:avLst/>
+            </a:prstGeom>
+            <a:ln w="38100">
+              <a:solidFill>
+                <a:srgbClr val="FF0000"/>
+              </a:solidFill>
+              <a:tailEnd type="triangle"/>
+            </a:ln>
+          </p:spPr>
+          <p:style>
+            <a:lnRef idx="1">
+              <a:schemeClr val="accent1"/>
+            </a:lnRef>
+            <a:fillRef idx="0">
+              <a:schemeClr val="accent1"/>
+            </a:fillRef>
+            <a:effectRef idx="0">
+              <a:schemeClr val="accent1"/>
+            </a:effectRef>
+            <a:fontRef idx="minor">
+              <a:schemeClr val="tx1"/>
+            </a:fontRef>
+          </p:style>
+        </p:cxnSp>
+      </p:grpSp>
+      <mc:AlternateContent xmlns:mc="http://schemas.openxmlformats.org/markup-compatibility/2006" xmlns:a14="http://schemas.microsoft.com/office/drawing/2010/main">
+        <mc:Choice Requires="a14">
+          <p:sp>
+            <p:nvSpPr>
+              <p:cNvPr id="44" name="TextBox 43">
+                <a:extLst>
+                  <a:ext uri="{FF2B5EF4-FFF2-40B4-BE49-F238E27FC236}">
+                    <a16:creationId xmlns:a16="http://schemas.microsoft.com/office/drawing/2014/main" id="{D84A567F-D707-BDC6-774C-F3EB78B0540A}"/>
+                  </a:ext>
+                </a:extLst>
+              </p:cNvPr>
+              <p:cNvSpPr txBox="1"/>
+              <p:nvPr/>
+            </p:nvSpPr>
+            <p:spPr>
+              <a:xfrm>
+                <a:off x="7084233" y="3019722"/>
+                <a:ext cx="1769519" cy="369332"/>
+              </a:xfrm>
+              <a:prstGeom prst="rect">
+                <a:avLst/>
+              </a:prstGeom>
+              <a:noFill/>
+            </p:spPr>
+            <p:txBody>
+              <a:bodyPr wrap="square">
+                <a:spAutoFit/>
+              </a:bodyPr>
+              <a:lstStyle/>
+              <a:p>
+                <a:pPr/>
+                <a14:m>
+                  <m:oMathPara xmlns:m="http://schemas.openxmlformats.org/officeDocument/2006/math">
+                    <m:oMathParaPr>
+                      <m:jc m:val="centerGroup"/>
+                    </m:oMathParaPr>
+                    <m:oMath xmlns:m="http://schemas.openxmlformats.org/officeDocument/2006/math">
+                      <m:r>
+                        <a:rPr lang="en-US" sz="1800" b="0" i="1" smtClean="0">
+                          <a:latin typeface="Cambria Math" panose="02040503050406030204" pitchFamily="18" charset="0"/>
+                        </a:rPr>
+                        <m:t>−10</m:t>
+                      </m:r>
+                      <m:r>
+                        <a:rPr lang="en-US" sz="1800" b="0" i="1" smtClean="0">
+                          <a:latin typeface="Cambria Math" panose="02040503050406030204" pitchFamily="18" charset="0"/>
+                          <a:ea typeface="Cambria Math" panose="02040503050406030204" pitchFamily="18" charset="0"/>
+                        </a:rPr>
+                        <m:t>≤</m:t>
+                      </m:r>
+                      <m:r>
+                        <a:rPr lang="en-US" sz="1800" b="0" i="1" smtClean="0">
+                          <a:latin typeface="Cambria Math" panose="02040503050406030204" pitchFamily="18" charset="0"/>
+                          <a:ea typeface="Cambria Math" panose="02040503050406030204" pitchFamily="18" charset="0"/>
+                        </a:rPr>
+                        <m:t>𝑥</m:t>
+                      </m:r>
+                      <m:r>
+                        <a:rPr lang="en-US" sz="1800" b="0" i="1" smtClean="0">
+                          <a:latin typeface="Cambria Math" panose="02040503050406030204" pitchFamily="18" charset="0"/>
+                          <a:ea typeface="Cambria Math" panose="02040503050406030204" pitchFamily="18" charset="0"/>
+                        </a:rPr>
+                        <m:t>≤10</m:t>
+                      </m:r>
+                    </m:oMath>
+                  </m:oMathPara>
+                </a14:m>
+                <a:endParaRPr lang="en-US" dirty="0"/>
+              </a:p>
+            </p:txBody>
+          </p:sp>
+        </mc:Choice>
+        <mc:Fallback xmlns="">
+          <p:sp>
+            <p:nvSpPr>
+              <p:cNvPr id="44" name="TextBox 43">
+                <a:extLst>
+                  <a:ext uri="{FF2B5EF4-FFF2-40B4-BE49-F238E27FC236}">
+                    <a16:creationId xmlns:a16="http://schemas.microsoft.com/office/drawing/2014/main" id="{D84A567F-D707-BDC6-774C-F3EB78B0540A}"/>
+                  </a:ext>
+                </a:extLst>
+              </p:cNvPr>
+              <p:cNvSpPr txBox="1">
+                <a:spLocks noRot="1" noChangeAspect="1" noMove="1" noResize="1" noEditPoints="1" noAdjustHandles="1" noChangeArrowheads="1" noChangeShapeType="1" noTextEdit="1"/>
+              </p:cNvSpPr>
+              <p:nvPr/>
+            </p:nvSpPr>
+            <p:spPr>
+              <a:xfrm>
+                <a:off x="7084233" y="3019722"/>
+                <a:ext cx="1769519" cy="369332"/>
+              </a:xfrm>
+              <a:prstGeom prst="rect">
+                <a:avLst/>
+              </a:prstGeom>
+              <a:blipFill>
+                <a:blip r:embed="rId3"/>
+                <a:stretch>
+                  <a:fillRect/>
+                </a:stretch>
+              </a:blipFill>
+            </p:spPr>
+            <p:txBody>
+              <a:bodyPr/>
+              <a:lstStyle/>
+              <a:p>
+                <a:r>
+                  <a:rPr lang="en-US">
+                    <a:noFill/>
+                  </a:rPr>
+                  <a:t> </a:t>
+                </a:r>
+              </a:p>
+            </p:txBody>
+          </p:sp>
+        </mc:Fallback>
+      </mc:AlternateContent>
+      <mc:AlternateContent xmlns:mc="http://schemas.openxmlformats.org/markup-compatibility/2006" xmlns:a14="http://schemas.microsoft.com/office/drawing/2010/main">
+        <mc:Choice Requires="a14">
+          <p:sp>
+            <p:nvSpPr>
+              <p:cNvPr id="46" name="TextBox 45">
+                <a:extLst>
+                  <a:ext uri="{FF2B5EF4-FFF2-40B4-BE49-F238E27FC236}">
+                    <a16:creationId xmlns:a16="http://schemas.microsoft.com/office/drawing/2014/main" id="{B00686D6-5DC1-3D47-D2DE-1E0E5158BC1F}"/>
+                  </a:ext>
+                </a:extLst>
+              </p:cNvPr>
+              <p:cNvSpPr txBox="1"/>
+              <p:nvPr/>
+            </p:nvSpPr>
+            <p:spPr>
+              <a:xfrm>
+                <a:off x="6922141" y="3579389"/>
+                <a:ext cx="2089322" cy="369332"/>
+              </a:xfrm>
+              <a:prstGeom prst="rect">
+                <a:avLst/>
+              </a:prstGeom>
+              <a:noFill/>
+            </p:spPr>
+            <p:txBody>
+              <a:bodyPr wrap="square">
+                <a:spAutoFit/>
+              </a:bodyPr>
+              <a:lstStyle/>
+              <a:p>
+                <a:pPr/>
+                <a14:m>
+                  <m:oMathPara xmlns:m="http://schemas.openxmlformats.org/officeDocument/2006/math">
+                    <m:oMathParaPr>
+                      <m:jc m:val="centerGroup"/>
+                    </m:oMathParaPr>
+                    <m:oMath xmlns:m="http://schemas.openxmlformats.org/officeDocument/2006/math">
+                      <m:sSub>
+                        <m:sSubPr>
+                          <m:ctrlPr>
+                            <a:rPr lang="en-US" sz="1800" i="1" smtClean="0">
+                              <a:latin typeface="Cambria Math" panose="02040503050406030204" pitchFamily="18" charset="0"/>
+                            </a:rPr>
+                          </m:ctrlPr>
+                        </m:sSubPr>
+                        <m:e>
+                          <m:r>
+                            <a:rPr lang="en-US" sz="1800" b="0" i="1" smtClean="0">
+                              <a:latin typeface="Cambria Math" panose="02040503050406030204" pitchFamily="18" charset="0"/>
+                            </a:rPr>
+                            <m:t>𝑦</m:t>
+                          </m:r>
+                        </m:e>
+                        <m:sub>
+                          <m:r>
+                            <a:rPr lang="en-US" sz="1800" b="0" i="1" smtClean="0">
+                              <a:latin typeface="Cambria Math" panose="02040503050406030204" pitchFamily="18" charset="0"/>
+                            </a:rPr>
+                            <m:t>1</m:t>
+                          </m:r>
+                        </m:sub>
+                      </m:sSub>
+                      <m:r>
+                        <a:rPr lang="en-US" sz="1800" b="0" i="1" smtClean="0">
+                          <a:latin typeface="Cambria Math" panose="02040503050406030204" pitchFamily="18" charset="0"/>
+                        </a:rPr>
+                        <m:t>=2</m:t>
+                      </m:r>
+                      <m:r>
+                        <a:rPr lang="en-US" sz="1800" b="0" i="1" smtClean="0">
+                          <a:latin typeface="Cambria Math" panose="02040503050406030204" pitchFamily="18" charset="0"/>
+                        </a:rPr>
+                        <m:t>𝑥</m:t>
+                      </m:r>
+                      <m:r>
+                        <a:rPr lang="en-US" sz="1800" b="0" i="1" smtClean="0">
+                          <a:latin typeface="Cambria Math" panose="02040503050406030204" pitchFamily="18" charset="0"/>
+                        </a:rPr>
+                        <m:t>−5</m:t>
+                      </m:r>
+                    </m:oMath>
+                  </m:oMathPara>
+                </a14:m>
+                <a:endParaRPr lang="en-US" dirty="0"/>
+              </a:p>
+            </p:txBody>
+          </p:sp>
+        </mc:Choice>
+        <mc:Fallback xmlns="">
+          <p:sp>
+            <p:nvSpPr>
+              <p:cNvPr id="46" name="TextBox 45">
+                <a:extLst>
+                  <a:ext uri="{FF2B5EF4-FFF2-40B4-BE49-F238E27FC236}">
+                    <a16:creationId xmlns:a16="http://schemas.microsoft.com/office/drawing/2014/main" id="{B00686D6-5DC1-3D47-D2DE-1E0E5158BC1F}"/>
+                  </a:ext>
+                </a:extLst>
+              </p:cNvPr>
+              <p:cNvSpPr txBox="1">
+                <a:spLocks noRot="1" noChangeAspect="1" noMove="1" noResize="1" noEditPoints="1" noAdjustHandles="1" noChangeArrowheads="1" noChangeShapeType="1" noTextEdit="1"/>
+              </p:cNvSpPr>
+              <p:nvPr/>
+            </p:nvSpPr>
+            <p:spPr>
+              <a:xfrm>
+                <a:off x="6922141" y="3579389"/>
+                <a:ext cx="2089322" cy="369332"/>
+              </a:xfrm>
+              <a:prstGeom prst="rect">
+                <a:avLst/>
+              </a:prstGeom>
+              <a:blipFill>
+                <a:blip r:embed="rId4"/>
+                <a:stretch>
+                  <a:fillRect b="-6557"/>
+                </a:stretch>
+              </a:blipFill>
+            </p:spPr>
+            <p:txBody>
+              <a:bodyPr/>
+              <a:lstStyle/>
+              <a:p>
+                <a:r>
+                  <a:rPr lang="en-US">
+                    <a:noFill/>
+                  </a:rPr>
+                  <a:t> </a:t>
+                </a:r>
+              </a:p>
+            </p:txBody>
+          </p:sp>
+        </mc:Fallback>
+      </mc:AlternateContent>
+      <mc:AlternateContent xmlns:mc="http://schemas.openxmlformats.org/markup-compatibility/2006" xmlns:a14="http://schemas.microsoft.com/office/drawing/2010/main">
+        <mc:Choice Requires="a14">
+          <p:sp>
+            <p:nvSpPr>
+              <p:cNvPr id="48" name="TextBox 47">
+                <a:extLst>
+                  <a:ext uri="{FF2B5EF4-FFF2-40B4-BE49-F238E27FC236}">
+                    <a16:creationId xmlns:a16="http://schemas.microsoft.com/office/drawing/2014/main" id="{A785E054-9F93-47F1-28D4-144C17CD2B49}"/>
+                  </a:ext>
+                </a:extLst>
+              </p:cNvPr>
+              <p:cNvSpPr txBox="1"/>
+              <p:nvPr/>
+            </p:nvSpPr>
+            <p:spPr>
+              <a:xfrm>
+                <a:off x="6862743" y="3848820"/>
+                <a:ext cx="2286000" cy="369332"/>
+              </a:xfrm>
+              <a:prstGeom prst="rect">
+                <a:avLst/>
+              </a:prstGeom>
+              <a:noFill/>
+            </p:spPr>
+            <p:txBody>
+              <a:bodyPr wrap="square">
+                <a:spAutoFit/>
+              </a:bodyPr>
+              <a:lstStyle/>
+              <a:p>
+                <a:pPr marL="0" indent="0">
+                  <a:buNone/>
+                </a:pPr>
+                <a14:m>
+                  <m:oMathPara xmlns:m="http://schemas.openxmlformats.org/officeDocument/2006/math">
+                    <m:oMathParaPr>
+                      <m:jc m:val="centerGroup"/>
+                    </m:oMathParaPr>
+                    <m:oMath xmlns:m="http://schemas.openxmlformats.org/officeDocument/2006/math">
+                      <m:sSub>
+                        <m:sSubPr>
+                          <m:ctrlPr>
+                            <a:rPr lang="en-US" sz="1800" i="1" smtClean="0">
+                              <a:latin typeface="Cambria Math" panose="02040503050406030204" pitchFamily="18" charset="0"/>
+                            </a:rPr>
+                          </m:ctrlPr>
+                        </m:sSubPr>
+                        <m:e>
+                          <m:r>
+                            <a:rPr lang="en-US" sz="1800" b="0" i="1" smtClean="0">
+                              <a:latin typeface="Cambria Math" panose="02040503050406030204" pitchFamily="18" charset="0"/>
+                            </a:rPr>
+                            <m:t>𝑦</m:t>
+                          </m:r>
+                        </m:e>
+                        <m:sub>
+                          <m:r>
+                            <a:rPr lang="en-US" sz="1800" b="0" i="1" smtClean="0">
+                              <a:latin typeface="Cambria Math" panose="02040503050406030204" pitchFamily="18" charset="0"/>
+                            </a:rPr>
+                            <m:t>2</m:t>
+                          </m:r>
+                        </m:sub>
+                      </m:sSub>
+                      <m:r>
+                        <a:rPr lang="en-US" sz="1800" b="0" i="1" smtClean="0">
+                          <a:latin typeface="Cambria Math" panose="02040503050406030204" pitchFamily="18" charset="0"/>
+                        </a:rPr>
+                        <m:t>=−0.3</m:t>
+                      </m:r>
+                      <m:sSup>
+                        <m:sSupPr>
+                          <m:ctrlPr>
+                            <a:rPr lang="en-US" sz="1800" b="0" i="1" smtClean="0">
+                              <a:latin typeface="Cambria Math" panose="02040503050406030204" pitchFamily="18" charset="0"/>
+                            </a:rPr>
+                          </m:ctrlPr>
+                        </m:sSupPr>
+                        <m:e>
+                          <m:r>
+                            <a:rPr lang="en-US" sz="1800" b="0" i="1" smtClean="0">
+                              <a:latin typeface="Cambria Math" panose="02040503050406030204" pitchFamily="18" charset="0"/>
+                            </a:rPr>
+                            <m:t>𝑥</m:t>
+                          </m:r>
+                        </m:e>
+                        <m:sup>
+                          <m:r>
+                            <a:rPr lang="en-US" sz="1800" b="0" i="1" smtClean="0">
+                              <a:latin typeface="Cambria Math" panose="02040503050406030204" pitchFamily="18" charset="0"/>
+                            </a:rPr>
+                            <m:t>2</m:t>
+                          </m:r>
+                        </m:sup>
+                      </m:sSup>
+                      <m:r>
+                        <a:rPr lang="en-US" sz="1800" b="0" i="1" smtClean="0">
+                          <a:latin typeface="Cambria Math" panose="02040503050406030204" pitchFamily="18" charset="0"/>
+                        </a:rPr>
+                        <m:t>+15</m:t>
+                      </m:r>
+                    </m:oMath>
+                  </m:oMathPara>
+                </a14:m>
+                <a:endParaRPr lang="en-US" sz="1800" dirty="0"/>
+              </a:p>
+            </p:txBody>
+          </p:sp>
+        </mc:Choice>
+        <mc:Fallback xmlns="">
+          <p:sp>
+            <p:nvSpPr>
+              <p:cNvPr id="48" name="TextBox 47">
+                <a:extLst>
+                  <a:ext uri="{FF2B5EF4-FFF2-40B4-BE49-F238E27FC236}">
+                    <a16:creationId xmlns:a16="http://schemas.microsoft.com/office/drawing/2014/main" id="{A785E054-9F93-47F1-28D4-144C17CD2B49}"/>
+                  </a:ext>
+                </a:extLst>
+              </p:cNvPr>
+              <p:cNvSpPr txBox="1">
+                <a:spLocks noRot="1" noChangeAspect="1" noMove="1" noResize="1" noEditPoints="1" noAdjustHandles="1" noChangeArrowheads="1" noChangeShapeType="1" noTextEdit="1"/>
+              </p:cNvSpPr>
+              <p:nvPr/>
+            </p:nvSpPr>
+            <p:spPr>
+              <a:xfrm>
+                <a:off x="6862743" y="3848820"/>
+                <a:ext cx="2286000" cy="369332"/>
+              </a:xfrm>
+              <a:prstGeom prst="rect">
+                <a:avLst/>
+              </a:prstGeom>
+              <a:blipFill>
+                <a:blip r:embed="rId5"/>
+                <a:stretch>
+                  <a:fillRect b="-6557"/>
+                </a:stretch>
+              </a:blipFill>
+            </p:spPr>
+            <p:txBody>
+              <a:bodyPr/>
+              <a:lstStyle/>
+              <a:p>
+                <a:r>
+                  <a:rPr lang="en-US">
+                    <a:noFill/>
+                  </a:rPr>
+                  <a:t> </a:t>
+                </a:r>
+              </a:p>
+            </p:txBody>
+          </p:sp>
+        </mc:Fallback>
+      </mc:AlternateContent>
+    </p:spTree>
+    <p:extLst>
+      <p:ext uri="{BB962C8B-B14F-4D97-AF65-F5344CB8AC3E}">
+        <p14:creationId xmlns:p14="http://schemas.microsoft.com/office/powerpoint/2010/main" val="571408325"/>
+      </p:ext>
+    </p:extLst>
+  </p:cSld>
+  <p:clrMapOvr>
+    <a:masterClrMapping/>
+  </p:clrMapOvr>
+  <p:timing>
+    <p:tnLst>
+      <p:par>
+        <p:cTn id="1" dur="indefinite" restart="never" nodeType="tmRoot">
+          <p:childTnLst>
+            <p:seq concurrent="1" nextAc="seek">
+              <p:cTn id="2" dur="indefinite" nodeType="mainSeq">
+                <p:childTnLst>
+                  <p:par>
+                    <p:cTn id="3" fill="hold">
+                      <p:stCondLst>
+                        <p:cond delay="indefinite"/>
+                        <p:cond evt="onBegin" delay="0">
+                          <p:tn val="2"/>
+                        </p:cond>
+                      </p:stCondLst>
+                      <p:childTnLst>
+                        <p:par>
+                          <p:cTn id="4" fill="hold">
+                            <p:stCondLst>
+                              <p:cond delay="0"/>
+                            </p:stCondLst>
+                            <p:childTnLst>
+                              <p:par>
+                                <p:cTn id="5" presetID="22" presetClass="entr" presetSubtype="2" fill="hold" nodeType="afterEffect">
+                                  <p:stCondLst>
+                                    <p:cond delay="0"/>
+                                  </p:stCondLst>
+                                  <p:childTnLst>
+                                    <p:set>
+                                      <p:cBhvr>
+                                        <p:cTn id="6" dur="1" fill="hold">
+                                          <p:stCondLst>
+                                            <p:cond delay="0"/>
+                                          </p:stCondLst>
+                                        </p:cTn>
+                                        <p:tgtEl>
+                                          <p:spTgt spid="7"/>
+                                        </p:tgtEl>
+                                        <p:attrNameLst>
+                                          <p:attrName>style.visibility</p:attrName>
+                                        </p:attrNameLst>
+                                      </p:cBhvr>
+                                      <p:to>
+                                        <p:strVal val="visible"/>
+                                      </p:to>
+                                    </p:set>
+                                    <p:animEffect transition="in" filter="wipe(right)">
+                                      <p:cBhvr>
+                                        <p:cTn id="7" dur="500"/>
+                                        <p:tgtEl>
+                                          <p:spTgt spid="7"/>
+                                        </p:tgtEl>
+                                      </p:cBhvr>
+                                    </p:animEffect>
+                                  </p:childTnLst>
+                                </p:cTn>
+                              </p:par>
+                            </p:childTnLst>
+                          </p:cTn>
+                        </p:par>
+                      </p:childTnLst>
+                    </p:cTn>
+                  </p:par>
+                  <p:par>
+                    <p:cTn id="8" fill="hold">
+                      <p:stCondLst>
+                        <p:cond delay="indefinite"/>
+                      </p:stCondLst>
+                      <p:childTnLst>
+                        <p:par>
+                          <p:cTn id="9" fill="hold">
+                            <p:stCondLst>
+                              <p:cond delay="0"/>
+                            </p:stCondLst>
+                            <p:childTnLst>
+                              <p:par>
+                                <p:cTn id="10" presetID="22" presetClass="entr" presetSubtype="2" fill="hold" nodeType="clickEffect">
+                                  <p:stCondLst>
+                                    <p:cond delay="0"/>
+                                  </p:stCondLst>
+                                  <p:childTnLst>
+                                    <p:set>
+                                      <p:cBhvr>
+                                        <p:cTn id="11" dur="1" fill="hold">
+                                          <p:stCondLst>
+                                            <p:cond delay="0"/>
+                                          </p:stCondLst>
+                                        </p:cTn>
+                                        <p:tgtEl>
+                                          <p:spTgt spid="10"/>
+                                        </p:tgtEl>
+                                        <p:attrNameLst>
+                                          <p:attrName>style.visibility</p:attrName>
+                                        </p:attrNameLst>
+                                      </p:cBhvr>
+                                      <p:to>
+                                        <p:strVal val="visible"/>
+                                      </p:to>
+                                    </p:set>
+                                    <p:animEffect transition="in" filter="wipe(right)">
+                                      <p:cBhvr>
+                                        <p:cTn id="12" dur="500"/>
+                                        <p:tgtEl>
+                                          <p:spTgt spid="10"/>
+                                        </p:tgtEl>
+                                      </p:cBhvr>
+                                    </p:animEffect>
+                                  </p:childTnLst>
+                                </p:cTn>
+                              </p:par>
+                            </p:childTnLst>
+                          </p:cTn>
+                        </p:par>
+                      </p:childTnLst>
+                    </p:cTn>
+                  </p:par>
+                  <p:par>
+                    <p:cTn id="13" fill="hold">
+                      <p:stCondLst>
+                        <p:cond delay="indefinite"/>
+                      </p:stCondLst>
+                      <p:childTnLst>
+                        <p:par>
+                          <p:cTn id="14" fill="hold">
+                            <p:stCondLst>
+                              <p:cond delay="0"/>
+                            </p:stCondLst>
+                            <p:childTnLst>
+                              <p:par>
+                                <p:cTn id="15" presetID="22" presetClass="entr" presetSubtype="2" fill="hold" nodeType="clickEffect">
+                                  <p:stCondLst>
+                                    <p:cond delay="0"/>
+                                  </p:stCondLst>
+                                  <p:childTnLst>
+                                    <p:set>
+                                      <p:cBhvr>
+                                        <p:cTn id="16" dur="1" fill="hold">
+                                          <p:stCondLst>
+                                            <p:cond delay="0"/>
+                                          </p:stCondLst>
+                                        </p:cTn>
+                                        <p:tgtEl>
+                                          <p:spTgt spid="19"/>
+                                        </p:tgtEl>
+                                        <p:attrNameLst>
+                                          <p:attrName>style.visibility</p:attrName>
+                                        </p:attrNameLst>
+                                      </p:cBhvr>
+                                      <p:to>
+                                        <p:strVal val="visible"/>
+                                      </p:to>
+                                    </p:set>
+                                    <p:animEffect transition="in" filter="wipe(right)">
+                                      <p:cBhvr>
+                                        <p:cTn id="17" dur="500"/>
+                                        <p:tgtEl>
+                                          <p:spTgt spid="19"/>
+                                        </p:tgtEl>
+                                      </p:cBhvr>
+                                    </p:animEffect>
+                                  </p:childTnLst>
+                                </p:cTn>
+                              </p:par>
+                            </p:childTnLst>
+                          </p:cTn>
+                        </p:par>
+                        <p:par>
+                          <p:cTn id="18" fill="hold">
+                            <p:stCondLst>
+                              <p:cond delay="500"/>
+                            </p:stCondLst>
+                            <p:childTnLst>
+                              <p:par>
+                                <p:cTn id="19" presetID="22" presetClass="entr" presetSubtype="8" fill="hold" grpId="0" nodeType="afterEffect">
+                                  <p:stCondLst>
+                                    <p:cond delay="0"/>
+                                  </p:stCondLst>
+                                  <p:childTnLst>
+                                    <p:set>
+                                      <p:cBhvr>
+                                        <p:cTn id="20" dur="1" fill="hold">
+                                          <p:stCondLst>
+                                            <p:cond delay="0"/>
+                                          </p:stCondLst>
+                                        </p:cTn>
+                                        <p:tgtEl>
+                                          <p:spTgt spid="44"/>
+                                        </p:tgtEl>
+                                        <p:attrNameLst>
+                                          <p:attrName>style.visibility</p:attrName>
+                                        </p:attrNameLst>
+                                      </p:cBhvr>
+                                      <p:to>
+                                        <p:strVal val="visible"/>
+                                      </p:to>
+                                    </p:set>
+                                    <p:animEffect transition="in" filter="wipe(left)">
+                                      <p:cBhvr>
+                                        <p:cTn id="21" dur="500"/>
+                                        <p:tgtEl>
+                                          <p:spTgt spid="44"/>
+                                        </p:tgtEl>
+                                      </p:cBhvr>
+                                    </p:animEffect>
+                                  </p:childTnLst>
+                                </p:cTn>
+                              </p:par>
+                            </p:childTnLst>
+                          </p:cTn>
+                        </p:par>
+                      </p:childTnLst>
+                    </p:cTn>
+                  </p:par>
+                  <p:par>
+                    <p:cTn id="22" fill="hold">
+                      <p:stCondLst>
+                        <p:cond delay="indefinite"/>
+                      </p:stCondLst>
+                      <p:childTnLst>
+                        <p:par>
+                          <p:cTn id="23" fill="hold">
+                            <p:stCondLst>
+                              <p:cond delay="0"/>
+                            </p:stCondLst>
+                            <p:childTnLst>
+                              <p:par>
+                                <p:cTn id="24" presetID="22" presetClass="entr" presetSubtype="2" fill="hold" nodeType="clickEffect">
+                                  <p:stCondLst>
+                                    <p:cond delay="0"/>
+                                  </p:stCondLst>
+                                  <p:childTnLst>
+                                    <p:set>
+                                      <p:cBhvr>
+                                        <p:cTn id="25" dur="1" fill="hold">
+                                          <p:stCondLst>
+                                            <p:cond delay="0"/>
+                                          </p:stCondLst>
+                                        </p:cTn>
+                                        <p:tgtEl>
+                                          <p:spTgt spid="22"/>
+                                        </p:tgtEl>
+                                        <p:attrNameLst>
+                                          <p:attrName>style.visibility</p:attrName>
+                                        </p:attrNameLst>
+                                      </p:cBhvr>
+                                      <p:to>
+                                        <p:strVal val="visible"/>
+                                      </p:to>
+                                    </p:set>
+                                    <p:animEffect transition="in" filter="wipe(right)">
+                                      <p:cBhvr>
+                                        <p:cTn id="26" dur="500"/>
+                                        <p:tgtEl>
+                                          <p:spTgt spid="22"/>
+                                        </p:tgtEl>
+                                      </p:cBhvr>
+                                    </p:animEffect>
+                                  </p:childTnLst>
+                                </p:cTn>
+                              </p:par>
+                            </p:childTnLst>
+                          </p:cTn>
+                        </p:par>
+                        <p:par>
+                          <p:cTn id="27" fill="hold">
+                            <p:stCondLst>
+                              <p:cond delay="500"/>
+                            </p:stCondLst>
+                            <p:childTnLst>
+                              <p:par>
+                                <p:cTn id="28" presetID="22" presetClass="entr" presetSubtype="8" fill="hold" grpId="0" nodeType="afterEffect">
+                                  <p:stCondLst>
+                                    <p:cond delay="0"/>
+                                  </p:stCondLst>
+                                  <p:childTnLst>
+                                    <p:set>
+                                      <p:cBhvr>
+                                        <p:cTn id="29" dur="1" fill="hold">
+                                          <p:stCondLst>
+                                            <p:cond delay="0"/>
+                                          </p:stCondLst>
+                                        </p:cTn>
+                                        <p:tgtEl>
+                                          <p:spTgt spid="46"/>
+                                        </p:tgtEl>
+                                        <p:attrNameLst>
+                                          <p:attrName>style.visibility</p:attrName>
+                                        </p:attrNameLst>
+                                      </p:cBhvr>
+                                      <p:to>
+                                        <p:strVal val="visible"/>
+                                      </p:to>
+                                    </p:set>
+                                    <p:animEffect transition="in" filter="wipe(left)">
+                                      <p:cBhvr>
+                                        <p:cTn id="30" dur="500"/>
+                                        <p:tgtEl>
+                                          <p:spTgt spid="46"/>
+                                        </p:tgtEl>
+                                      </p:cBhvr>
+                                    </p:animEffect>
+                                  </p:childTnLst>
+                                </p:cTn>
+                              </p:par>
+                            </p:childTnLst>
+                          </p:cTn>
+                        </p:par>
+                      </p:childTnLst>
+                    </p:cTn>
+                  </p:par>
+                  <p:par>
+                    <p:cTn id="31" fill="hold">
+                      <p:stCondLst>
+                        <p:cond delay="indefinite"/>
+                      </p:stCondLst>
+                      <p:childTnLst>
+                        <p:par>
+                          <p:cTn id="32" fill="hold">
+                            <p:stCondLst>
+                              <p:cond delay="0"/>
+                            </p:stCondLst>
+                            <p:childTnLst>
+                              <p:par>
+                                <p:cTn id="33" presetID="22" presetClass="entr" presetSubtype="2" fill="hold" nodeType="clickEffect">
+                                  <p:stCondLst>
+                                    <p:cond delay="0"/>
+                                  </p:stCondLst>
+                                  <p:childTnLst>
+                                    <p:set>
+                                      <p:cBhvr>
+                                        <p:cTn id="34" dur="1" fill="hold">
+                                          <p:stCondLst>
+                                            <p:cond delay="0"/>
+                                          </p:stCondLst>
+                                        </p:cTn>
+                                        <p:tgtEl>
+                                          <p:spTgt spid="25"/>
+                                        </p:tgtEl>
+                                        <p:attrNameLst>
+                                          <p:attrName>style.visibility</p:attrName>
+                                        </p:attrNameLst>
+                                      </p:cBhvr>
+                                      <p:to>
+                                        <p:strVal val="visible"/>
+                                      </p:to>
+                                    </p:set>
+                                    <p:animEffect transition="in" filter="wipe(right)">
+                                      <p:cBhvr>
+                                        <p:cTn id="35" dur="500"/>
+                                        <p:tgtEl>
+                                          <p:spTgt spid="25"/>
+                                        </p:tgtEl>
+                                      </p:cBhvr>
+                                    </p:animEffect>
+                                  </p:childTnLst>
+                                </p:cTn>
+                              </p:par>
+                            </p:childTnLst>
+                          </p:cTn>
+                        </p:par>
+                        <p:par>
+                          <p:cTn id="36" fill="hold">
+                            <p:stCondLst>
+                              <p:cond delay="500"/>
+                            </p:stCondLst>
+                            <p:childTnLst>
+                              <p:par>
+                                <p:cTn id="37" presetID="22" presetClass="entr" presetSubtype="8" fill="hold" grpId="0" nodeType="afterEffect">
+                                  <p:stCondLst>
+                                    <p:cond delay="0"/>
+                                  </p:stCondLst>
+                                  <p:childTnLst>
+                                    <p:set>
+                                      <p:cBhvr>
+                                        <p:cTn id="38" dur="1" fill="hold">
+                                          <p:stCondLst>
+                                            <p:cond delay="0"/>
+                                          </p:stCondLst>
+                                        </p:cTn>
+                                        <p:tgtEl>
+                                          <p:spTgt spid="48"/>
+                                        </p:tgtEl>
+                                        <p:attrNameLst>
+                                          <p:attrName>style.visibility</p:attrName>
+                                        </p:attrNameLst>
+                                      </p:cBhvr>
+                                      <p:to>
+                                        <p:strVal val="visible"/>
+                                      </p:to>
+                                    </p:set>
+                                    <p:animEffect transition="in" filter="wipe(left)">
+                                      <p:cBhvr>
+                                        <p:cTn id="39" dur="500"/>
+                                        <p:tgtEl>
+                                          <p:spTgt spid="48"/>
+                                        </p:tgtEl>
+                                      </p:cBhvr>
+                                    </p:animEffect>
+                                  </p:childTnLst>
+                                </p:cTn>
+                              </p:par>
+                            </p:childTnLst>
+                          </p:cTn>
+                        </p:par>
+                      </p:childTnLst>
+                    </p:cTn>
+                  </p:par>
+                  <p:par>
+                    <p:cTn id="40" fill="hold">
+                      <p:stCondLst>
+                        <p:cond delay="indefinite"/>
+                      </p:stCondLst>
+                      <p:childTnLst>
+                        <p:par>
+                          <p:cTn id="41" fill="hold">
+                            <p:stCondLst>
+                              <p:cond delay="0"/>
+                            </p:stCondLst>
+                            <p:childTnLst>
+                              <p:par>
+                                <p:cTn id="42" presetID="22" presetClass="entr" presetSubtype="2" fill="hold" nodeType="clickEffect">
+                                  <p:stCondLst>
+                                    <p:cond delay="0"/>
+                                  </p:stCondLst>
+                                  <p:childTnLst>
+                                    <p:set>
+                                      <p:cBhvr>
+                                        <p:cTn id="43" dur="1" fill="hold">
+                                          <p:stCondLst>
+                                            <p:cond delay="0"/>
+                                          </p:stCondLst>
+                                        </p:cTn>
+                                        <p:tgtEl>
+                                          <p:spTgt spid="37"/>
+                                        </p:tgtEl>
+                                        <p:attrNameLst>
+                                          <p:attrName>style.visibility</p:attrName>
+                                        </p:attrNameLst>
+                                      </p:cBhvr>
+                                      <p:to>
+                                        <p:strVal val="visible"/>
+                                      </p:to>
+                                    </p:set>
+                                    <p:animEffect transition="in" filter="wipe(right)">
+                                      <p:cBhvr>
+                                        <p:cTn id="44" dur="500"/>
+                                        <p:tgtEl>
+                                          <p:spTgt spid="37"/>
+                                        </p:tgtEl>
+                                      </p:cBhvr>
+                                    </p:animEffect>
+                                  </p:childTnLst>
+                                </p:cTn>
+                              </p:par>
+                            </p:childTnLst>
+                          </p:cTn>
+                        </p:par>
+                      </p:childTnLst>
+                    </p:cTn>
+                  </p:par>
+                  <p:par>
+                    <p:cTn id="45" fill="hold">
+                      <p:stCondLst>
+                        <p:cond delay="indefinite"/>
+                      </p:stCondLst>
+                      <p:childTnLst>
+                        <p:par>
+                          <p:cTn id="46" fill="hold">
+                            <p:stCondLst>
+                              <p:cond delay="0"/>
+                            </p:stCondLst>
+                            <p:childTnLst>
+                              <p:par>
+                                <p:cTn id="47" presetID="22" presetClass="entr" presetSubtype="2" fill="hold" nodeType="clickEffect">
+                                  <p:stCondLst>
+                                    <p:cond delay="0"/>
+                                  </p:stCondLst>
+                                  <p:childTnLst>
+                                    <p:set>
+                                      <p:cBhvr>
+                                        <p:cTn id="48" dur="1" fill="hold">
+                                          <p:stCondLst>
+                                            <p:cond delay="0"/>
+                                          </p:stCondLst>
+                                        </p:cTn>
+                                        <p:tgtEl>
+                                          <p:spTgt spid="28"/>
+                                        </p:tgtEl>
+                                        <p:attrNameLst>
+                                          <p:attrName>style.visibility</p:attrName>
+                                        </p:attrNameLst>
+                                      </p:cBhvr>
+                                      <p:to>
+                                        <p:strVal val="visible"/>
+                                      </p:to>
+                                    </p:set>
+                                    <p:animEffect transition="in" filter="wipe(right)">
+                                      <p:cBhvr>
+                                        <p:cTn id="49" dur="500"/>
+                                        <p:tgtEl>
+                                          <p:spTgt spid="28"/>
+                                        </p:tgtEl>
+                                      </p:cBhvr>
+                                    </p:animEffect>
+                                  </p:childTnLst>
+                                </p:cTn>
+                              </p:par>
+                            </p:childTnLst>
+                          </p:cTn>
+                        </p:par>
+                      </p:childTnLst>
+                    </p:cTn>
+                  </p:par>
+                  <p:par>
+                    <p:cTn id="50" fill="hold">
+                      <p:stCondLst>
+                        <p:cond delay="indefinite"/>
+                      </p:stCondLst>
+                      <p:childTnLst>
+                        <p:par>
+                          <p:cTn id="51" fill="hold">
+                            <p:stCondLst>
+                              <p:cond delay="0"/>
+                            </p:stCondLst>
+                            <p:childTnLst>
+                              <p:par>
+                                <p:cTn id="52" presetID="22" presetClass="entr" presetSubtype="2" fill="hold" nodeType="clickEffect">
+                                  <p:stCondLst>
+                                    <p:cond delay="0"/>
+                                  </p:stCondLst>
+                                  <p:childTnLst>
+                                    <p:set>
+                                      <p:cBhvr>
+                                        <p:cTn id="53" dur="1" fill="hold">
+                                          <p:stCondLst>
+                                            <p:cond delay="0"/>
+                                          </p:stCondLst>
+                                        </p:cTn>
+                                        <p:tgtEl>
+                                          <p:spTgt spid="31"/>
+                                        </p:tgtEl>
+                                        <p:attrNameLst>
+                                          <p:attrName>style.visibility</p:attrName>
+                                        </p:attrNameLst>
+                                      </p:cBhvr>
+                                      <p:to>
+                                        <p:strVal val="visible"/>
+                                      </p:to>
+                                    </p:set>
+                                    <p:animEffect transition="in" filter="wipe(right)">
+                                      <p:cBhvr>
+                                        <p:cTn id="54" dur="500"/>
+                                        <p:tgtEl>
+                                          <p:spTgt spid="31"/>
+                                        </p:tgtEl>
+                                      </p:cBhvr>
+                                    </p:animEffect>
+                                  </p:childTnLst>
+                                </p:cTn>
+                              </p:par>
+                            </p:childTnLst>
+                          </p:cTn>
+                        </p:par>
+                      </p:childTnLst>
+                    </p:cTn>
+                  </p:par>
+                  <p:par>
+                    <p:cTn id="55" fill="hold">
+                      <p:stCondLst>
+                        <p:cond delay="indefinite"/>
+                      </p:stCondLst>
+                      <p:childTnLst>
+                        <p:par>
+                          <p:cTn id="56" fill="hold">
+                            <p:stCondLst>
+                              <p:cond delay="0"/>
+                            </p:stCondLst>
+                            <p:childTnLst>
+                              <p:par>
+                                <p:cTn id="57" presetID="22" presetClass="entr" presetSubtype="2" fill="hold" nodeType="clickEffect">
+                                  <p:stCondLst>
+                                    <p:cond delay="0"/>
+                                  </p:stCondLst>
+                                  <p:childTnLst>
+                                    <p:set>
+                                      <p:cBhvr>
+                                        <p:cTn id="58" dur="1" fill="hold">
+                                          <p:stCondLst>
+                                            <p:cond delay="0"/>
+                                          </p:stCondLst>
+                                        </p:cTn>
+                                        <p:tgtEl>
+                                          <p:spTgt spid="34"/>
+                                        </p:tgtEl>
+                                        <p:attrNameLst>
+                                          <p:attrName>style.visibility</p:attrName>
+                                        </p:attrNameLst>
+                                      </p:cBhvr>
+                                      <p:to>
+                                        <p:strVal val="visible"/>
+                                      </p:to>
+                                    </p:set>
+                                    <p:animEffect transition="in" filter="wipe(right)">
+                                      <p:cBhvr>
+                                        <p:cTn id="59" dur="500"/>
+                                        <p:tgtEl>
+                                          <p:spTgt spid="34"/>
+                                        </p:tgtEl>
+                                      </p:cBhvr>
+                                    </p:animEffect>
+                                  </p:childTnLst>
+                                </p:cTn>
+                              </p:par>
+                            </p:childTnLst>
+                          </p:cTn>
+                        </p:par>
+                      </p:childTnLst>
+                    </p:cTn>
+                  </p:par>
+                  <p:par>
+                    <p:cTn id="60" fill="hold">
+                      <p:stCondLst>
+                        <p:cond delay="indefinite"/>
+                      </p:stCondLst>
+                      <p:childTnLst>
+                        <p:par>
+                          <p:cTn id="61" fill="hold">
+                            <p:stCondLst>
+                              <p:cond delay="0"/>
+                            </p:stCondLst>
+                            <p:childTnLst>
+                              <p:par>
+                                <p:cTn id="62" presetID="22" presetClass="entr" presetSubtype="2" fill="hold" nodeType="clickEffect">
+                                  <p:stCondLst>
+                                    <p:cond delay="0"/>
+                                  </p:stCondLst>
+                                  <p:childTnLst>
+                                    <p:set>
+                                      <p:cBhvr>
+                                        <p:cTn id="63" dur="1" fill="hold">
+                                          <p:stCondLst>
+                                            <p:cond delay="0"/>
+                                          </p:stCondLst>
+                                        </p:cTn>
+                                        <p:tgtEl>
+                                          <p:spTgt spid="40"/>
+                                        </p:tgtEl>
+                                        <p:attrNameLst>
+                                          <p:attrName>style.visibility</p:attrName>
+                                        </p:attrNameLst>
+                                      </p:cBhvr>
+                                      <p:to>
+                                        <p:strVal val="visible"/>
+                                      </p:to>
+                                    </p:set>
+                                    <p:animEffect transition="in" filter="wipe(right)">
+                                      <p:cBhvr>
+                                        <p:cTn id="64" dur="500"/>
+                                        <p:tgtEl>
+                                          <p:spTgt spid="40"/>
+                                        </p:tgtEl>
+                                      </p:cBhvr>
+                                    </p:animEffect>
+                                  </p:childTnLst>
+                                </p:cTn>
+                              </p:par>
+                            </p:childTnLst>
+                          </p:cTn>
+                        </p:par>
+                      </p:childTnLst>
+                    </p:cTn>
+                  </p:par>
+                </p:childTnLst>
+              </p:cTn>
+              <p:prevCondLst>
+                <p:cond evt="onPrev" delay="0">
+                  <p:tgtEl>
+                    <p:sldTgt/>
+                  </p:tgtEl>
+                </p:cond>
+              </p:prevCondLst>
+              <p:nextCondLst>
+                <p:cond evt="onNext" delay="0">
+                  <p:tgtEl>
+                    <p:sldTgt/>
+                  </p:tgtEl>
+                </p:cond>
+              </p:nextCondLst>
+            </p:seq>
+          </p:childTnLst>
+        </p:cTn>
+      </p:par>
+    </p:tnLst>
+    <p:bldLst>
+      <p:bldP spid="44" grpId="0"/>
+      <p:bldP spid="46" grpId="0"/>
+      <p:bldP spid="48" grpId="0"/>
+    </p:bldLst>
+  </p:timing>
+</p:sld>
+</file>
+
+<file path=ppt/slides/slide11.xml><?xml version="1.0" encoding="utf-8"?>
+<p:sld xmlns:a="http://schemas.openxmlformats.org/drawingml/2006/main" xmlns:r="http://schemas.openxmlformats.org/officeDocument/2006/relationships" xmlns:p="http://schemas.openxmlformats.org/presentationml/2006/main">
+  <p:cSld>
+    <p:spTree>
+      <p:nvGrpSpPr>
+        <p:cNvPr id="1" name=""/>
+        <p:cNvGrpSpPr/>
+        <p:nvPr/>
+      </p:nvGrpSpPr>
+      <p:grpSpPr>
+        <a:xfrm>
+          <a:off x="0" y="0"/>
+          <a:ext cx="0" cy="0"/>
+          <a:chOff x="0" y="0"/>
+          <a:chExt cx="0" cy="0"/>
+        </a:xfrm>
+      </p:grpSpPr>
       <p:sp>
         <p:nvSpPr>
           <p:cNvPr id="2" name="Title 1"/>
@@ -4550,7 +6986,7 @@
           <a:p>
             <a:fld id="{650AD656-6FF9-465D-B7B0-1CD0DD39CD23}" type="slidenum">
               <a:rPr lang="en-US" smtClean="0"/>
-              <a:t>10</a:t>
+              <a:t>11</a:t>
             </a:fld>
             <a:endParaRPr lang="en-US" dirty="0"/>
           </a:p>
@@ -4682,7 +7118,7 @@
 </p:sld>
 </file>
 
-<file path=ppt/slides/slide11.xml><?xml version="1.0" encoding="utf-8"?>
+<file path=ppt/slides/slide12.xml><?xml version="1.0" encoding="utf-8"?>
 <p:sld xmlns:a="http://schemas.openxmlformats.org/drawingml/2006/main" xmlns:r="http://schemas.openxmlformats.org/officeDocument/2006/relationships" xmlns:p="http://schemas.openxmlformats.org/presentationml/2006/main">
   <p:cSld>
     <p:spTree>
@@ -4743,7 +7179,7 @@
           <a:p>
             <a:fld id="{650AD656-6FF9-465D-B7B0-1CD0DD39CD23}" type="slidenum">
               <a:rPr lang="en-US" smtClean="0"/>
-              <a:t>11</a:t>
+              <a:t>12</a:t>
             </a:fld>
             <a:endParaRPr lang="en-US" dirty="0"/>
           </a:p>
@@ -4951,7 +7387,7 @@
 </p:sld>
 </file>
 
-<file path=ppt/slides/slide12.xml><?xml version="1.0" encoding="utf-8"?>
+<file path=ppt/slides/slide13.xml><?xml version="1.0" encoding="utf-8"?>
 <p:sld xmlns:a="http://schemas.openxmlformats.org/drawingml/2006/main" xmlns:r="http://schemas.openxmlformats.org/officeDocument/2006/relationships" xmlns:p="http://schemas.openxmlformats.org/presentationml/2006/main">
   <p:cSld>
     <p:spTree>
@@ -5018,7 +7454,7 @@
           <a:p>
             <a:fld id="{650AD656-6FF9-465D-B7B0-1CD0DD39CD23}" type="slidenum">
               <a:rPr lang="en-US" smtClean="0"/>
-              <a:t>12</a:t>
+              <a:t>13</a:t>
             </a:fld>
             <a:endParaRPr lang="en-US" dirty="0"/>
           </a:p>
@@ -5163,7 +7599,7 @@
 </p:sld>
 </file>
 
-<file path=ppt/slides/slide13.xml><?xml version="1.0" encoding="utf-8"?>
+<file path=ppt/slides/slide14.xml><?xml version="1.0" encoding="utf-8"?>
 <p:sld xmlns:a="http://schemas.openxmlformats.org/drawingml/2006/main" xmlns:r="http://schemas.openxmlformats.org/officeDocument/2006/relationships" xmlns:p="http://schemas.openxmlformats.org/presentationml/2006/main">
   <p:cSld>
     <p:spTree>
@@ -5271,7 +7707,7 @@
           <a:p>
             <a:fld id="{650AD656-6FF9-465D-B7B0-1CD0DD39CD23}" type="slidenum">
               <a:rPr lang="en-US" smtClean="0"/>
-              <a:t>13</a:t>
+              <a:t>14</a:t>
             </a:fld>
             <a:endParaRPr lang="en-US" dirty="0"/>
           </a:p>
@@ -5381,7 +7817,7 @@
 </p:sld>
 </file>
 
-<file path=ppt/slides/slide14.xml><?xml version="1.0" encoding="utf-8"?>
+<file path=ppt/slides/slide15.xml><?xml version="1.0" encoding="utf-8"?>
 <p:sld xmlns:a="http://schemas.openxmlformats.org/drawingml/2006/main" xmlns:r="http://schemas.openxmlformats.org/officeDocument/2006/relationships" xmlns:p="http://schemas.openxmlformats.org/presentationml/2006/main">
   <p:cSld>
     <p:spTree>
@@ -5491,7 +7927,7 @@
           <a:p>
             <a:fld id="{650AD656-6FF9-465D-B7B0-1CD0DD39CD23}" type="slidenum">
               <a:rPr lang="en-US" smtClean="0"/>
-              <a:t>14</a:t>
+              <a:t>15</a:t>
             </a:fld>
             <a:endParaRPr lang="en-US" dirty="0"/>
           </a:p>
@@ -5604,7 +8040,7 @@
 </p:sld>
 </file>
 
-<file path=ppt/slides/slide15.xml><?xml version="1.0" encoding="utf-8"?>
+<file path=ppt/slides/slide16.xml><?xml version="1.0" encoding="utf-8"?>
 <p:sld xmlns:a="http://schemas.openxmlformats.org/drawingml/2006/main" xmlns:r="http://schemas.openxmlformats.org/officeDocument/2006/relationships" xmlns:p="http://schemas.openxmlformats.org/presentationml/2006/main">
   <p:cSld>
     <p:spTree>
@@ -5707,7 +8143,7 @@
           <a:p>
             <a:fld id="{650AD656-6FF9-465D-B7B0-1CD0DD39CD23}" type="slidenum">
               <a:rPr lang="en-US" smtClean="0"/>
-              <a:t>15</a:t>
+              <a:t>16</a:t>
             </a:fld>
             <a:endParaRPr lang="en-US" dirty="0"/>
           </a:p>
@@ -5971,7 +8407,7 @@
 </p:sld>
 </file>
 
-<file path=ppt/slides/slide16.xml><?xml version="1.0" encoding="utf-8"?>
+<file path=ppt/slides/slide17.xml><?xml version="1.0" encoding="utf-8"?>
 <p:sld xmlns:a="http://schemas.openxmlformats.org/drawingml/2006/main" xmlns:r="http://schemas.openxmlformats.org/officeDocument/2006/relationships" xmlns:p="http://schemas.openxmlformats.org/presentationml/2006/main">
   <p:cSld>
     <p:spTree>
@@ -6074,7 +8510,7 @@
           <a:p>
             <a:fld id="{650AD656-6FF9-465D-B7B0-1CD0DD39CD23}" type="slidenum">
               <a:rPr lang="en-US" smtClean="0"/>
-              <a:t>16</a:t>
+              <a:t>17</a:t>
             </a:fld>
             <a:endParaRPr lang="en-US" dirty="0"/>
           </a:p>
@@ -6189,7 +8625,7 @@
 </p:sld>
 </file>
 
-<file path=ppt/slides/slide17.xml><?xml version="1.0" encoding="utf-8"?>
+<file path=ppt/slides/slide18.xml><?xml version="1.0" encoding="utf-8"?>
 <p:sld xmlns:a="http://schemas.openxmlformats.org/drawingml/2006/main" xmlns:r="http://schemas.openxmlformats.org/officeDocument/2006/relationships" xmlns:p="http://schemas.openxmlformats.org/presentationml/2006/main">
   <p:cSld>
     <p:spTree>
@@ -6292,7 +8728,7 @@
           <a:p>
             <a:fld id="{650AD656-6FF9-465D-B7B0-1CD0DD39CD23}" type="slidenum">
               <a:rPr lang="en-US" smtClean="0"/>
-              <a:t>17</a:t>
+              <a:t>18</a:t>
             </a:fld>
             <a:endParaRPr lang="en-US" dirty="0"/>
           </a:p>
@@ -6407,7 +8843,7 @@
 </p:sld>
 </file>
 
-<file path=ppt/slides/slide18.xml><?xml version="1.0" encoding="utf-8"?>
+<file path=ppt/slides/slide19.xml><?xml version="1.0" encoding="utf-8"?>
 <p:sld xmlns:a="http://schemas.openxmlformats.org/drawingml/2006/main" xmlns:r="http://schemas.openxmlformats.org/officeDocument/2006/relationships" xmlns:p="http://schemas.openxmlformats.org/presentationml/2006/main">
   <p:cSld>
     <p:spTree>
@@ -6504,7 +8940,7 @@
           <a:p>
             <a:fld id="{650AD656-6FF9-465D-B7B0-1CD0DD39CD23}" type="slidenum">
               <a:rPr lang="en-US" smtClean="0"/>
-              <a:t>18</a:t>
+              <a:t>19</a:t>
             </a:fld>
             <a:endParaRPr lang="en-US" dirty="0"/>
           </a:p>
@@ -6610,391 +9046,6 @@
     <p:extLst>
       <p:ext uri="{BB962C8B-B14F-4D97-AF65-F5344CB8AC3E}">
         <p14:creationId xmlns:p14="http://schemas.microsoft.com/office/powerpoint/2010/main" val="1009950923"/>
-      </p:ext>
-    </p:extLst>
-  </p:cSld>
-  <p:clrMapOvr>
-    <a:masterClrMapping/>
-  </p:clrMapOvr>
-</p:sld>
-</file>
-
-<file path=ppt/slides/slide19.xml><?xml version="1.0" encoding="utf-8"?>
-<p:sld xmlns:a="http://schemas.openxmlformats.org/drawingml/2006/main" xmlns:r="http://schemas.openxmlformats.org/officeDocument/2006/relationships" xmlns:p="http://schemas.openxmlformats.org/presentationml/2006/main">
-  <p:cSld>
-    <p:spTree>
-      <p:nvGrpSpPr>
-        <p:cNvPr id="1" name=""/>
-        <p:cNvGrpSpPr/>
-        <p:nvPr/>
-      </p:nvGrpSpPr>
-      <p:grpSpPr>
-        <a:xfrm>
-          <a:off x="0" y="0"/>
-          <a:ext cx="0" cy="0"/>
-          <a:chOff x="0" y="0"/>
-          <a:chExt cx="0" cy="0"/>
-        </a:xfrm>
-      </p:grpSpPr>
-      <p:pic>
-        <p:nvPicPr>
-          <p:cNvPr id="5" name="Picture 4">
-            <a:extLst>
-              <a:ext uri="{FF2B5EF4-FFF2-40B4-BE49-F238E27FC236}">
-                <a16:creationId xmlns:a16="http://schemas.microsoft.com/office/drawing/2014/main" id="{66882057-07C8-7EC6-F05F-2B29D4499092}"/>
-              </a:ext>
-            </a:extLst>
-          </p:cNvPr>
-          <p:cNvPicPr>
-            <a:picLocks noChangeAspect="1"/>
-          </p:cNvPicPr>
-          <p:nvPr/>
-        </p:nvPicPr>
-        <p:blipFill>
-          <a:blip r:embed="rId2"/>
-          <a:stretch>
-            <a:fillRect/>
-          </a:stretch>
-        </p:blipFill>
-        <p:spPr>
-          <a:xfrm>
-            <a:off x="1715544" y="1521664"/>
-            <a:ext cx="5712912" cy="4834685"/>
-          </a:xfrm>
-          <a:prstGeom prst="rect">
-            <a:avLst/>
-          </a:prstGeom>
-        </p:spPr>
-      </p:pic>
-      <p:sp>
-        <p:nvSpPr>
-          <p:cNvPr id="2" name="Title 1"/>
-          <p:cNvSpPr>
-            <a:spLocks noGrp="1"/>
-          </p:cNvSpPr>
-          <p:nvPr>
-            <p:ph type="title"/>
-          </p:nvPr>
-        </p:nvSpPr>
-        <p:spPr/>
-        <p:txBody>
-          <a:bodyPr>
-            <a:noAutofit/>
-          </a:bodyPr>
-          <a:lstStyle/>
-          <a:p>
-            <a:pPr algn="ctr"/>
-            <a:r>
-              <a:rPr lang="en-US" sz="3200" dirty="0">
-                <a:latin typeface="+mn-lt"/>
-              </a:rPr>
-              <a:t>Search on </a:t>
-            </a:r>
-            <a:r>
-              <a:rPr lang="en-US" sz="3200" b="1" dirty="0">
-                <a:latin typeface="+mn-lt"/>
-              </a:rPr>
-              <a:t>PyPI</a:t>
-            </a:r>
-            <a:r>
-              <a:rPr lang="en-US" sz="3200" dirty="0">
-                <a:latin typeface="+mn-lt"/>
-              </a:rPr>
-              <a:t> and Select the </a:t>
-            </a:r>
-            <a:r>
-              <a:rPr lang="en-US" sz="3200" b="1" dirty="0">
-                <a:latin typeface="+mn-lt"/>
-              </a:rPr>
-              <a:t>plug-in</a:t>
-            </a:r>
-            <a:r>
-              <a:rPr lang="en-US" sz="3200" dirty="0">
-                <a:latin typeface="+mn-lt"/>
-              </a:rPr>
-              <a:t> name</a:t>
-            </a:r>
-            <a:endParaRPr lang="en-US" sz="3200" b="1" dirty="0">
-              <a:latin typeface="+mn-lt"/>
-            </a:endParaRPr>
-          </a:p>
-        </p:txBody>
-      </p:sp>
-      <p:sp>
-        <p:nvSpPr>
-          <p:cNvPr id="3" name="Slide Number Placeholder 2"/>
-          <p:cNvSpPr>
-            <a:spLocks noGrp="1"/>
-          </p:cNvSpPr>
-          <p:nvPr>
-            <p:ph type="sldNum" sz="quarter" idx="12"/>
-          </p:nvPr>
-        </p:nvSpPr>
-        <p:spPr/>
-        <p:txBody>
-          <a:bodyPr/>
-          <a:lstStyle/>
-          <a:p>
-            <a:fld id="{650AD656-6FF9-465D-B7B0-1CD0DD39CD23}" type="slidenum">
-              <a:rPr lang="en-US" smtClean="0"/>
-              <a:t>19</a:t>
-            </a:fld>
-            <a:endParaRPr lang="en-US" dirty="0"/>
-          </a:p>
-        </p:txBody>
-      </p:sp>
-      <p:sp>
-        <p:nvSpPr>
-          <p:cNvPr id="7" name="Rectangle 6">
-            <a:extLst>
-              <a:ext uri="{FF2B5EF4-FFF2-40B4-BE49-F238E27FC236}">
-                <a16:creationId xmlns:a16="http://schemas.microsoft.com/office/drawing/2014/main" id="{59CF4695-5684-C09B-9851-4975DA7A5955}"/>
-              </a:ext>
-            </a:extLst>
-          </p:cNvPr>
-          <p:cNvSpPr/>
-          <p:nvPr/>
-        </p:nvSpPr>
-        <p:spPr>
-          <a:xfrm>
-            <a:off x="1817518" y="2598660"/>
-            <a:ext cx="1225485" cy="236829"/>
-          </a:xfrm>
-          <a:prstGeom prst="rect">
-            <a:avLst/>
-          </a:prstGeom>
-          <a:noFill/>
-          <a:ln w="38100">
-            <a:solidFill>
-              <a:srgbClr val="FF0000"/>
-            </a:solidFill>
-          </a:ln>
-        </p:spPr>
-        <p:style>
-          <a:lnRef idx="2">
-            <a:schemeClr val="accent1">
-              <a:shade val="50000"/>
-            </a:schemeClr>
-          </a:lnRef>
-          <a:fillRef idx="1">
-            <a:schemeClr val="accent1"/>
-          </a:fillRef>
-          <a:effectRef idx="0">
-            <a:schemeClr val="accent1"/>
-          </a:effectRef>
-          <a:fontRef idx="minor">
-            <a:schemeClr val="lt1"/>
-          </a:fontRef>
-        </p:style>
-        <p:txBody>
-          <a:bodyPr rtlCol="0" anchor="ctr"/>
-          <a:lstStyle/>
-          <a:p>
-            <a:pPr algn="ctr"/>
-            <a:endParaRPr lang="en-US"/>
-          </a:p>
-        </p:txBody>
-      </p:sp>
-      <p:sp>
-        <p:nvSpPr>
-          <p:cNvPr id="8" name="Rectangle 7">
-            <a:extLst>
-              <a:ext uri="{FF2B5EF4-FFF2-40B4-BE49-F238E27FC236}">
-                <a16:creationId xmlns:a16="http://schemas.microsoft.com/office/drawing/2014/main" id="{55E71AC2-B7F9-AACB-91E4-AF3E67D652BD}"/>
-              </a:ext>
-            </a:extLst>
-          </p:cNvPr>
-          <p:cNvSpPr/>
-          <p:nvPr/>
-        </p:nvSpPr>
-        <p:spPr>
-          <a:xfrm>
-            <a:off x="6383000" y="2616186"/>
-            <a:ext cx="943481" cy="219303"/>
-          </a:xfrm>
-          <a:prstGeom prst="rect">
-            <a:avLst/>
-          </a:prstGeom>
-          <a:noFill/>
-          <a:ln w="38100">
-            <a:solidFill>
-              <a:srgbClr val="FF0000"/>
-            </a:solidFill>
-          </a:ln>
-        </p:spPr>
-        <p:style>
-          <a:lnRef idx="2">
-            <a:schemeClr val="accent1">
-              <a:shade val="50000"/>
-            </a:schemeClr>
-          </a:lnRef>
-          <a:fillRef idx="1">
-            <a:schemeClr val="accent1"/>
-          </a:fillRef>
-          <a:effectRef idx="0">
-            <a:schemeClr val="accent1"/>
-          </a:effectRef>
-          <a:fontRef idx="minor">
-            <a:schemeClr val="lt1"/>
-          </a:fontRef>
-        </p:style>
-        <p:txBody>
-          <a:bodyPr rtlCol="0" anchor="ctr"/>
-          <a:lstStyle/>
-          <a:p>
-            <a:pPr algn="ctr"/>
-            <a:endParaRPr lang="en-US"/>
-          </a:p>
-        </p:txBody>
-      </p:sp>
-      <p:cxnSp>
-        <p:nvCxnSpPr>
-          <p:cNvPr id="11" name="Connector: Elbow 10">
-            <a:extLst>
-              <a:ext uri="{FF2B5EF4-FFF2-40B4-BE49-F238E27FC236}">
-                <a16:creationId xmlns:a16="http://schemas.microsoft.com/office/drawing/2014/main" id="{60354B6E-D9C0-CEE8-BF9B-435F88181A4C}"/>
-              </a:ext>
-            </a:extLst>
-          </p:cNvPr>
-          <p:cNvCxnSpPr>
-            <a:cxnSpLocks/>
-            <a:stCxn id="7" idx="2"/>
-            <a:endCxn id="8" idx="2"/>
-          </p:cNvCxnSpPr>
-          <p:nvPr/>
-        </p:nvCxnSpPr>
-        <p:spPr>
-          <a:xfrm rot="16200000" flipH="1">
-            <a:off x="4642501" y="623249"/>
-            <a:ext cx="12700" cy="4424480"/>
-          </a:xfrm>
-          <a:prstGeom prst="bentConnector3">
-            <a:avLst>
-              <a:gd name="adj1" fmla="val 1800000"/>
-            </a:avLst>
-          </a:prstGeom>
-          <a:ln w="38100">
-            <a:solidFill>
-              <a:srgbClr val="FF0000"/>
-            </a:solidFill>
-            <a:tailEnd type="triangle"/>
-          </a:ln>
-        </p:spPr>
-        <p:style>
-          <a:lnRef idx="1">
-            <a:schemeClr val="accent1"/>
-          </a:lnRef>
-          <a:fillRef idx="0">
-            <a:schemeClr val="accent1"/>
-          </a:fillRef>
-          <a:effectRef idx="0">
-            <a:schemeClr val="accent1"/>
-          </a:effectRef>
-          <a:fontRef idx="minor">
-            <a:schemeClr val="tx1"/>
-          </a:fontRef>
-        </p:style>
-      </p:cxnSp>
-      <p:sp>
-        <p:nvSpPr>
-          <p:cNvPr id="15" name="Rectangle 14">
-            <a:extLst>
-              <a:ext uri="{FF2B5EF4-FFF2-40B4-BE49-F238E27FC236}">
-                <a16:creationId xmlns:a16="http://schemas.microsoft.com/office/drawing/2014/main" id="{EDB28F74-63D9-5805-4386-851F45E2073E}"/>
-              </a:ext>
-            </a:extLst>
-          </p:cNvPr>
-          <p:cNvSpPr/>
-          <p:nvPr/>
-        </p:nvSpPr>
-        <p:spPr>
-          <a:xfrm>
-            <a:off x="3181264" y="3364457"/>
-            <a:ext cx="3969044" cy="479889"/>
-          </a:xfrm>
-          <a:prstGeom prst="rect">
-            <a:avLst/>
-          </a:prstGeom>
-          <a:noFill/>
-          <a:ln w="38100">
-            <a:solidFill>
-              <a:srgbClr val="FF0000"/>
-            </a:solidFill>
-          </a:ln>
-        </p:spPr>
-        <p:style>
-          <a:lnRef idx="2">
-            <a:schemeClr val="accent1">
-              <a:shade val="50000"/>
-            </a:schemeClr>
-          </a:lnRef>
-          <a:fillRef idx="1">
-            <a:schemeClr val="accent1"/>
-          </a:fillRef>
-          <a:effectRef idx="0">
-            <a:schemeClr val="accent1"/>
-          </a:effectRef>
-          <a:fontRef idx="minor">
-            <a:schemeClr val="lt1"/>
-          </a:fontRef>
-        </p:style>
-        <p:txBody>
-          <a:bodyPr rtlCol="0" anchor="ctr"/>
-          <a:lstStyle/>
-          <a:p>
-            <a:pPr algn="ctr"/>
-            <a:endParaRPr lang="en-US"/>
-          </a:p>
-        </p:txBody>
-      </p:sp>
-      <p:cxnSp>
-        <p:nvCxnSpPr>
-          <p:cNvPr id="16" name="Straight Arrow Connector 15">
-            <a:extLst>
-              <a:ext uri="{FF2B5EF4-FFF2-40B4-BE49-F238E27FC236}">
-                <a16:creationId xmlns:a16="http://schemas.microsoft.com/office/drawing/2014/main" id="{01105F49-D0F5-8A42-32C8-9C3D34EB47BC}"/>
-              </a:ext>
-            </a:extLst>
-          </p:cNvPr>
-          <p:cNvCxnSpPr>
-            <a:cxnSpLocks/>
-          </p:cNvCxnSpPr>
-          <p:nvPr/>
-        </p:nvCxnSpPr>
-        <p:spPr>
-          <a:xfrm flipH="1" flipV="1">
-            <a:off x="3919465" y="3549542"/>
-            <a:ext cx="831954" cy="1011836"/>
-          </a:xfrm>
-          <a:prstGeom prst="straightConnector1">
-            <a:avLst/>
-          </a:prstGeom>
-          <a:ln w="38100">
-            <a:solidFill>
-              <a:srgbClr val="FF0000"/>
-            </a:solidFill>
-            <a:tailEnd type="triangle"/>
-          </a:ln>
-        </p:spPr>
-        <p:style>
-          <a:lnRef idx="1">
-            <a:schemeClr val="accent1"/>
-          </a:lnRef>
-          <a:fillRef idx="0">
-            <a:schemeClr val="accent1"/>
-          </a:fillRef>
-          <a:effectRef idx="0">
-            <a:schemeClr val="accent1"/>
-          </a:effectRef>
-          <a:fontRef idx="minor">
-            <a:schemeClr val="tx1"/>
-          </a:fontRef>
-        </p:style>
-      </p:cxnSp>
-    </p:spTree>
-    <p:extLst>
-      <p:ext uri="{BB962C8B-B14F-4D97-AF65-F5344CB8AC3E}">
-        <p14:creationId xmlns:p14="http://schemas.microsoft.com/office/powerpoint/2010/main" val="872670754"/>
       </p:ext>
     </p:extLst>
   </p:cSld>
@@ -7537,6 +9588,391 @@
           <p:cNvPr id="5" name="Picture 4">
             <a:extLst>
               <a:ext uri="{FF2B5EF4-FFF2-40B4-BE49-F238E27FC236}">
+                <a16:creationId xmlns:a16="http://schemas.microsoft.com/office/drawing/2014/main" id="{66882057-07C8-7EC6-F05F-2B29D4499092}"/>
+              </a:ext>
+            </a:extLst>
+          </p:cNvPr>
+          <p:cNvPicPr>
+            <a:picLocks noChangeAspect="1"/>
+          </p:cNvPicPr>
+          <p:nvPr/>
+        </p:nvPicPr>
+        <p:blipFill>
+          <a:blip r:embed="rId2"/>
+          <a:stretch>
+            <a:fillRect/>
+          </a:stretch>
+        </p:blipFill>
+        <p:spPr>
+          <a:xfrm>
+            <a:off x="1715544" y="1521664"/>
+            <a:ext cx="5712912" cy="4834685"/>
+          </a:xfrm>
+          <a:prstGeom prst="rect">
+            <a:avLst/>
+          </a:prstGeom>
+        </p:spPr>
+      </p:pic>
+      <p:sp>
+        <p:nvSpPr>
+          <p:cNvPr id="2" name="Title 1"/>
+          <p:cNvSpPr>
+            <a:spLocks noGrp="1"/>
+          </p:cNvSpPr>
+          <p:nvPr>
+            <p:ph type="title"/>
+          </p:nvPr>
+        </p:nvSpPr>
+        <p:spPr/>
+        <p:txBody>
+          <a:bodyPr>
+            <a:noAutofit/>
+          </a:bodyPr>
+          <a:lstStyle/>
+          <a:p>
+            <a:pPr algn="ctr"/>
+            <a:r>
+              <a:rPr lang="en-US" sz="3200" dirty="0">
+                <a:latin typeface="+mn-lt"/>
+              </a:rPr>
+              <a:t>Search on </a:t>
+            </a:r>
+            <a:r>
+              <a:rPr lang="en-US" sz="3200" b="1" dirty="0">
+                <a:latin typeface="+mn-lt"/>
+              </a:rPr>
+              <a:t>PyPI</a:t>
+            </a:r>
+            <a:r>
+              <a:rPr lang="en-US" sz="3200" dirty="0">
+                <a:latin typeface="+mn-lt"/>
+              </a:rPr>
+              <a:t> and Select the </a:t>
+            </a:r>
+            <a:r>
+              <a:rPr lang="en-US" sz="3200" b="1" dirty="0">
+                <a:latin typeface="+mn-lt"/>
+              </a:rPr>
+              <a:t>plug-in</a:t>
+            </a:r>
+            <a:r>
+              <a:rPr lang="en-US" sz="3200" dirty="0">
+                <a:latin typeface="+mn-lt"/>
+              </a:rPr>
+              <a:t> name</a:t>
+            </a:r>
+            <a:endParaRPr lang="en-US" sz="3200" b="1" dirty="0">
+              <a:latin typeface="+mn-lt"/>
+            </a:endParaRPr>
+          </a:p>
+        </p:txBody>
+      </p:sp>
+      <p:sp>
+        <p:nvSpPr>
+          <p:cNvPr id="3" name="Slide Number Placeholder 2"/>
+          <p:cNvSpPr>
+            <a:spLocks noGrp="1"/>
+          </p:cNvSpPr>
+          <p:nvPr>
+            <p:ph type="sldNum" sz="quarter" idx="12"/>
+          </p:nvPr>
+        </p:nvSpPr>
+        <p:spPr/>
+        <p:txBody>
+          <a:bodyPr/>
+          <a:lstStyle/>
+          <a:p>
+            <a:fld id="{650AD656-6FF9-465D-B7B0-1CD0DD39CD23}" type="slidenum">
+              <a:rPr lang="en-US" smtClean="0"/>
+              <a:t>20</a:t>
+            </a:fld>
+            <a:endParaRPr lang="en-US" dirty="0"/>
+          </a:p>
+        </p:txBody>
+      </p:sp>
+      <p:sp>
+        <p:nvSpPr>
+          <p:cNvPr id="7" name="Rectangle 6">
+            <a:extLst>
+              <a:ext uri="{FF2B5EF4-FFF2-40B4-BE49-F238E27FC236}">
+                <a16:creationId xmlns:a16="http://schemas.microsoft.com/office/drawing/2014/main" id="{59CF4695-5684-C09B-9851-4975DA7A5955}"/>
+              </a:ext>
+            </a:extLst>
+          </p:cNvPr>
+          <p:cNvSpPr/>
+          <p:nvPr/>
+        </p:nvSpPr>
+        <p:spPr>
+          <a:xfrm>
+            <a:off x="1817518" y="2598660"/>
+            <a:ext cx="1225485" cy="236829"/>
+          </a:xfrm>
+          <a:prstGeom prst="rect">
+            <a:avLst/>
+          </a:prstGeom>
+          <a:noFill/>
+          <a:ln w="38100">
+            <a:solidFill>
+              <a:srgbClr val="FF0000"/>
+            </a:solidFill>
+          </a:ln>
+        </p:spPr>
+        <p:style>
+          <a:lnRef idx="2">
+            <a:schemeClr val="accent1">
+              <a:shade val="50000"/>
+            </a:schemeClr>
+          </a:lnRef>
+          <a:fillRef idx="1">
+            <a:schemeClr val="accent1"/>
+          </a:fillRef>
+          <a:effectRef idx="0">
+            <a:schemeClr val="accent1"/>
+          </a:effectRef>
+          <a:fontRef idx="minor">
+            <a:schemeClr val="lt1"/>
+          </a:fontRef>
+        </p:style>
+        <p:txBody>
+          <a:bodyPr rtlCol="0" anchor="ctr"/>
+          <a:lstStyle/>
+          <a:p>
+            <a:pPr algn="ctr"/>
+            <a:endParaRPr lang="en-US"/>
+          </a:p>
+        </p:txBody>
+      </p:sp>
+      <p:sp>
+        <p:nvSpPr>
+          <p:cNvPr id="8" name="Rectangle 7">
+            <a:extLst>
+              <a:ext uri="{FF2B5EF4-FFF2-40B4-BE49-F238E27FC236}">
+                <a16:creationId xmlns:a16="http://schemas.microsoft.com/office/drawing/2014/main" id="{55E71AC2-B7F9-AACB-91E4-AF3E67D652BD}"/>
+              </a:ext>
+            </a:extLst>
+          </p:cNvPr>
+          <p:cNvSpPr/>
+          <p:nvPr/>
+        </p:nvSpPr>
+        <p:spPr>
+          <a:xfrm>
+            <a:off x="6383000" y="2616186"/>
+            <a:ext cx="943481" cy="219303"/>
+          </a:xfrm>
+          <a:prstGeom prst="rect">
+            <a:avLst/>
+          </a:prstGeom>
+          <a:noFill/>
+          <a:ln w="38100">
+            <a:solidFill>
+              <a:srgbClr val="FF0000"/>
+            </a:solidFill>
+          </a:ln>
+        </p:spPr>
+        <p:style>
+          <a:lnRef idx="2">
+            <a:schemeClr val="accent1">
+              <a:shade val="50000"/>
+            </a:schemeClr>
+          </a:lnRef>
+          <a:fillRef idx="1">
+            <a:schemeClr val="accent1"/>
+          </a:fillRef>
+          <a:effectRef idx="0">
+            <a:schemeClr val="accent1"/>
+          </a:effectRef>
+          <a:fontRef idx="minor">
+            <a:schemeClr val="lt1"/>
+          </a:fontRef>
+        </p:style>
+        <p:txBody>
+          <a:bodyPr rtlCol="0" anchor="ctr"/>
+          <a:lstStyle/>
+          <a:p>
+            <a:pPr algn="ctr"/>
+            <a:endParaRPr lang="en-US"/>
+          </a:p>
+        </p:txBody>
+      </p:sp>
+      <p:cxnSp>
+        <p:nvCxnSpPr>
+          <p:cNvPr id="11" name="Connector: Elbow 10">
+            <a:extLst>
+              <a:ext uri="{FF2B5EF4-FFF2-40B4-BE49-F238E27FC236}">
+                <a16:creationId xmlns:a16="http://schemas.microsoft.com/office/drawing/2014/main" id="{60354B6E-D9C0-CEE8-BF9B-435F88181A4C}"/>
+              </a:ext>
+            </a:extLst>
+          </p:cNvPr>
+          <p:cNvCxnSpPr>
+            <a:cxnSpLocks/>
+            <a:stCxn id="7" idx="2"/>
+            <a:endCxn id="8" idx="2"/>
+          </p:cNvCxnSpPr>
+          <p:nvPr/>
+        </p:nvCxnSpPr>
+        <p:spPr>
+          <a:xfrm rot="16200000" flipH="1">
+            <a:off x="4642501" y="623249"/>
+            <a:ext cx="12700" cy="4424480"/>
+          </a:xfrm>
+          <a:prstGeom prst="bentConnector3">
+            <a:avLst>
+              <a:gd name="adj1" fmla="val 1800000"/>
+            </a:avLst>
+          </a:prstGeom>
+          <a:ln w="38100">
+            <a:solidFill>
+              <a:srgbClr val="FF0000"/>
+            </a:solidFill>
+            <a:tailEnd type="triangle"/>
+          </a:ln>
+        </p:spPr>
+        <p:style>
+          <a:lnRef idx="1">
+            <a:schemeClr val="accent1"/>
+          </a:lnRef>
+          <a:fillRef idx="0">
+            <a:schemeClr val="accent1"/>
+          </a:fillRef>
+          <a:effectRef idx="0">
+            <a:schemeClr val="accent1"/>
+          </a:effectRef>
+          <a:fontRef idx="minor">
+            <a:schemeClr val="tx1"/>
+          </a:fontRef>
+        </p:style>
+      </p:cxnSp>
+      <p:sp>
+        <p:nvSpPr>
+          <p:cNvPr id="15" name="Rectangle 14">
+            <a:extLst>
+              <a:ext uri="{FF2B5EF4-FFF2-40B4-BE49-F238E27FC236}">
+                <a16:creationId xmlns:a16="http://schemas.microsoft.com/office/drawing/2014/main" id="{EDB28F74-63D9-5805-4386-851F45E2073E}"/>
+              </a:ext>
+            </a:extLst>
+          </p:cNvPr>
+          <p:cNvSpPr/>
+          <p:nvPr/>
+        </p:nvSpPr>
+        <p:spPr>
+          <a:xfrm>
+            <a:off x="3181264" y="3364457"/>
+            <a:ext cx="3969044" cy="479889"/>
+          </a:xfrm>
+          <a:prstGeom prst="rect">
+            <a:avLst/>
+          </a:prstGeom>
+          <a:noFill/>
+          <a:ln w="38100">
+            <a:solidFill>
+              <a:srgbClr val="FF0000"/>
+            </a:solidFill>
+          </a:ln>
+        </p:spPr>
+        <p:style>
+          <a:lnRef idx="2">
+            <a:schemeClr val="accent1">
+              <a:shade val="50000"/>
+            </a:schemeClr>
+          </a:lnRef>
+          <a:fillRef idx="1">
+            <a:schemeClr val="accent1"/>
+          </a:fillRef>
+          <a:effectRef idx="0">
+            <a:schemeClr val="accent1"/>
+          </a:effectRef>
+          <a:fontRef idx="minor">
+            <a:schemeClr val="lt1"/>
+          </a:fontRef>
+        </p:style>
+        <p:txBody>
+          <a:bodyPr rtlCol="0" anchor="ctr"/>
+          <a:lstStyle/>
+          <a:p>
+            <a:pPr algn="ctr"/>
+            <a:endParaRPr lang="en-US"/>
+          </a:p>
+        </p:txBody>
+      </p:sp>
+      <p:cxnSp>
+        <p:nvCxnSpPr>
+          <p:cNvPr id="16" name="Straight Arrow Connector 15">
+            <a:extLst>
+              <a:ext uri="{FF2B5EF4-FFF2-40B4-BE49-F238E27FC236}">
+                <a16:creationId xmlns:a16="http://schemas.microsoft.com/office/drawing/2014/main" id="{01105F49-D0F5-8A42-32C8-9C3D34EB47BC}"/>
+              </a:ext>
+            </a:extLst>
+          </p:cNvPr>
+          <p:cNvCxnSpPr>
+            <a:cxnSpLocks/>
+          </p:cNvCxnSpPr>
+          <p:nvPr/>
+        </p:nvCxnSpPr>
+        <p:spPr>
+          <a:xfrm flipH="1" flipV="1">
+            <a:off x="3919465" y="3549542"/>
+            <a:ext cx="831954" cy="1011836"/>
+          </a:xfrm>
+          <a:prstGeom prst="straightConnector1">
+            <a:avLst/>
+          </a:prstGeom>
+          <a:ln w="38100">
+            <a:solidFill>
+              <a:srgbClr val="FF0000"/>
+            </a:solidFill>
+            <a:tailEnd type="triangle"/>
+          </a:ln>
+        </p:spPr>
+        <p:style>
+          <a:lnRef idx="1">
+            <a:schemeClr val="accent1"/>
+          </a:lnRef>
+          <a:fillRef idx="0">
+            <a:schemeClr val="accent1"/>
+          </a:fillRef>
+          <a:effectRef idx="0">
+            <a:schemeClr val="accent1"/>
+          </a:effectRef>
+          <a:fontRef idx="minor">
+            <a:schemeClr val="tx1"/>
+          </a:fontRef>
+        </p:style>
+      </p:cxnSp>
+    </p:spTree>
+    <p:extLst>
+      <p:ext uri="{BB962C8B-B14F-4D97-AF65-F5344CB8AC3E}">
+        <p14:creationId xmlns:p14="http://schemas.microsoft.com/office/powerpoint/2010/main" val="872670754"/>
+      </p:ext>
+    </p:extLst>
+  </p:cSld>
+  <p:clrMapOvr>
+    <a:masterClrMapping/>
+  </p:clrMapOvr>
+</p:sld>
+</file>
+
+<file path=ppt/slides/slide21.xml><?xml version="1.0" encoding="utf-8"?>
+<p:sld xmlns:a="http://schemas.openxmlformats.org/drawingml/2006/main" xmlns:r="http://schemas.openxmlformats.org/officeDocument/2006/relationships" xmlns:p="http://schemas.openxmlformats.org/presentationml/2006/main">
+  <p:cSld>
+    <p:spTree>
+      <p:nvGrpSpPr>
+        <p:cNvPr id="1" name=""/>
+        <p:cNvGrpSpPr/>
+        <p:nvPr/>
+      </p:nvGrpSpPr>
+      <p:grpSpPr>
+        <a:xfrm>
+          <a:off x="0" y="0"/>
+          <a:ext cx="0" cy="0"/>
+          <a:chOff x="0" y="0"/>
+          <a:chExt cx="0" cy="0"/>
+        </a:xfrm>
+      </p:grpSpPr>
+      <p:pic>
+        <p:nvPicPr>
+          <p:cNvPr id="5" name="Picture 4">
+            <a:extLst>
+              <a:ext uri="{FF2B5EF4-FFF2-40B4-BE49-F238E27FC236}">
                 <a16:creationId xmlns:a16="http://schemas.microsoft.com/office/drawing/2014/main" id="{325B4D94-3A16-81B2-A28C-5D77A106FCC9}"/>
               </a:ext>
             </a:extLst>
@@ -7621,7 +10057,7 @@
           <a:p>
             <a:fld id="{650AD656-6FF9-465D-B7B0-1CD0DD39CD23}" type="slidenum">
               <a:rPr lang="en-US" smtClean="0"/>
-              <a:t>20</a:t>
+              <a:t>21</a:t>
             </a:fld>
             <a:endParaRPr lang="en-US" dirty="0"/>
           </a:p>
@@ -7914,7 +10350,7 @@
 </p:sld>
 </file>
 
-<file path=ppt/slides/slide21.xml><?xml version="1.0" encoding="utf-8"?>
+<file path=ppt/slides/slide22.xml><?xml version="1.0" encoding="utf-8"?>
 <p:sld xmlns:a="http://schemas.openxmlformats.org/drawingml/2006/main" xmlns:r="http://schemas.openxmlformats.org/officeDocument/2006/relationships" xmlns:p="http://schemas.openxmlformats.org/presentationml/2006/main">
   <p:cSld>
     <p:spTree>
@@ -8020,7 +10456,7 @@
           <a:p>
             <a:fld id="{650AD656-6FF9-465D-B7B0-1CD0DD39CD23}" type="slidenum">
               <a:rPr lang="en-US" smtClean="0"/>
-              <a:t>21</a:t>
+              <a:t>22</a:t>
             </a:fld>
             <a:endParaRPr lang="en-US" dirty="0"/>
           </a:p>
@@ -8135,7 +10571,7 @@
 </p:sld>
 </file>
 
-<file path=ppt/slides/slide22.xml><?xml version="1.0" encoding="utf-8"?>
+<file path=ppt/slides/slide23.xml><?xml version="1.0" encoding="utf-8"?>
 <p:sld xmlns:a="http://schemas.openxmlformats.org/drawingml/2006/main" xmlns:r="http://schemas.openxmlformats.org/officeDocument/2006/relationships" xmlns:p="http://schemas.openxmlformats.org/presentationml/2006/main">
   <p:cSld>
     <p:spTree>
@@ -8238,7 +10674,7 @@
           <a:p>
             <a:fld id="{650AD656-6FF9-465D-B7B0-1CD0DD39CD23}" type="slidenum">
               <a:rPr lang="en-US" smtClean="0"/>
-              <a:t>22</a:t>
+              <a:t>23</a:t>
             </a:fld>
             <a:endParaRPr lang="en-US" dirty="0"/>
           </a:p>
@@ -8425,7 +10861,7 @@
 </p:sld>
 </file>
 
-<file path=ppt/slides/slide23.xml><?xml version="1.0" encoding="utf-8"?>
+<file path=ppt/slides/slide24.xml><?xml version="1.0" encoding="utf-8"?>
 <p:sld xmlns:a="http://schemas.openxmlformats.org/drawingml/2006/main" xmlns:r="http://schemas.openxmlformats.org/officeDocument/2006/relationships" xmlns:p="http://schemas.openxmlformats.org/presentationml/2006/main">
   <p:cSld>
     <p:spTree>
@@ -8516,7 +10952,7 @@
           <a:p>
             <a:fld id="{650AD656-6FF9-465D-B7B0-1CD0DD39CD23}" type="slidenum">
               <a:rPr lang="en-US" smtClean="0"/>
-              <a:t>23</a:t>
+              <a:t>24</a:t>
             </a:fld>
             <a:endParaRPr lang="en-US" dirty="0"/>
           </a:p>
@@ -8676,7 +11112,7 @@
 </p:sld>
 </file>
 
-<file path=ppt/slides/slide24.xml><?xml version="1.0" encoding="utf-8"?>
+<file path=ppt/slides/slide25.xml><?xml version="1.0" encoding="utf-8"?>
 <p:sld xmlns:a="http://schemas.openxmlformats.org/drawingml/2006/main" xmlns:r="http://schemas.openxmlformats.org/officeDocument/2006/relationships" xmlns:p="http://schemas.openxmlformats.org/presentationml/2006/main">
   <p:cSld>
     <p:spTree>
@@ -8767,7 +11203,7 @@
           <a:p>
             <a:fld id="{650AD656-6FF9-465D-B7B0-1CD0DD39CD23}" type="slidenum">
               <a:rPr lang="en-US" smtClean="0"/>
-              <a:t>24</a:t>
+              <a:t>25</a:t>
             </a:fld>
             <a:endParaRPr lang="en-US" dirty="0"/>
           </a:p>
@@ -9015,7 +11451,7 @@
 </p:sld>
 </file>
 
-<file path=ppt/slides/slide25.xml><?xml version="1.0" encoding="utf-8"?>
+<file path=ppt/slides/slide26.xml><?xml version="1.0" encoding="utf-8"?>
 <p:sld xmlns:a="http://schemas.openxmlformats.org/drawingml/2006/main" xmlns:r="http://schemas.openxmlformats.org/officeDocument/2006/relationships" xmlns:p="http://schemas.openxmlformats.org/presentationml/2006/main">
   <p:cSld>
     <p:spTree>
@@ -9106,7 +11542,7 @@
           <a:p>
             <a:fld id="{650AD656-6FF9-465D-B7B0-1CD0DD39CD23}" type="slidenum">
               <a:rPr lang="en-US" smtClean="0"/>
-              <a:t>25</a:t>
+              <a:t>26</a:t>
             </a:fld>
             <a:endParaRPr lang="en-US" dirty="0"/>
           </a:p>
@@ -9178,7 +11614,7 @@
 </p:sld>
 </file>
 
-<file path=ppt/slides/slide26.xml><?xml version="1.0" encoding="utf-8"?>
+<file path=ppt/slides/slide27.xml><?xml version="1.0" encoding="utf-8"?>
 <p:sld xmlns:a="http://schemas.openxmlformats.org/drawingml/2006/main" xmlns:r="http://schemas.openxmlformats.org/officeDocument/2006/relationships" xmlns:p="http://schemas.openxmlformats.org/presentationml/2006/main">
   <p:cSld>
     <p:spTree>
@@ -9311,7 +11747,7 @@
             <a:fld id="{650AD656-6FF9-465D-B7B0-1CD0DD39CD23}" type="slidenum">
               <a:rPr lang="en-US" smtClean="0"/>
               <a:pPr/>
-              <a:t>26</a:t>
+              <a:t>27</a:t>
             </a:fld>
             <a:endParaRPr lang="en-US"/>
           </a:p>
@@ -9556,7 +11992,7 @@
 </p:sld>
 </file>
 
-<file path=ppt/slides/slide27.xml><?xml version="1.0" encoding="utf-8"?>
+<file path=ppt/slides/slide28.xml><?xml version="1.0" encoding="utf-8"?>
 <p:sld xmlns:a="http://schemas.openxmlformats.org/drawingml/2006/main" xmlns:r="http://schemas.openxmlformats.org/officeDocument/2006/relationships" xmlns:p="http://schemas.openxmlformats.org/presentationml/2006/main">
   <p:cSld>
     <p:spTree>
@@ -9626,7 +12062,7 @@
           <a:p>
             <a:fld id="{650AD656-6FF9-465D-B7B0-1CD0DD39CD23}" type="slidenum">
               <a:rPr lang="en-US" smtClean="0"/>
-              <a:t>27</a:t>
+              <a:t>28</a:t>
             </a:fld>
             <a:endParaRPr lang="en-US" dirty="0"/>
           </a:p>
@@ -11275,7 +13711,7 @@
 </p:sld>
 </file>
 
-<file path=ppt/slides/slide28.xml><?xml version="1.0" encoding="utf-8"?>
+<file path=ppt/slides/slide29.xml><?xml version="1.0" encoding="utf-8"?>
 <p:sld xmlns:a="http://schemas.openxmlformats.org/drawingml/2006/main" xmlns:r="http://schemas.openxmlformats.org/officeDocument/2006/relationships" xmlns:p="http://schemas.openxmlformats.org/presentationml/2006/main">
   <p:cSld>
     <p:spTree>
@@ -11375,7 +13811,7 @@
           <a:p>
             <a:fld id="{650AD656-6FF9-465D-B7B0-1CD0DD39CD23}" type="slidenum">
               <a:rPr lang="en-US" smtClean="0"/>
-              <a:t>28</a:t>
+              <a:t>29</a:t>
             </a:fld>
             <a:endParaRPr lang="en-US" dirty="0"/>
           </a:p>
@@ -11896,701 +14332,6 @@
       <p:bldP spid="8" grpId="0"/>
       <p:bldP spid="17" grpId="0"/>
     </p:bldLst>
-  </p:timing>
-</p:sld>
-</file>
-
-<file path=ppt/slides/slide29.xml><?xml version="1.0" encoding="utf-8"?>
-<p:sld xmlns:a="http://schemas.openxmlformats.org/drawingml/2006/main" xmlns:r="http://schemas.openxmlformats.org/officeDocument/2006/relationships" xmlns:p="http://schemas.openxmlformats.org/presentationml/2006/main">
-  <p:cSld>
-    <p:spTree>
-      <p:nvGrpSpPr>
-        <p:cNvPr id="1" name=""/>
-        <p:cNvGrpSpPr/>
-        <p:nvPr/>
-      </p:nvGrpSpPr>
-      <p:grpSpPr>
-        <a:xfrm>
-          <a:off x="0" y="0"/>
-          <a:ext cx="0" cy="0"/>
-          <a:chOff x="0" y="0"/>
-          <a:chExt cx="0" cy="0"/>
-        </a:xfrm>
-      </p:grpSpPr>
-      <p:pic>
-        <p:nvPicPr>
-          <p:cNvPr id="7" name="Picture 6"/>
-          <p:cNvPicPr>
-            <a:picLocks noChangeAspect="1"/>
-          </p:cNvPicPr>
-          <p:nvPr/>
-        </p:nvPicPr>
-        <p:blipFill>
-          <a:blip r:embed="rId2" cstate="screen">
-            <a:extLst>
-              <a:ext uri="{28A0092B-C50C-407E-A947-70E740481C1C}">
-                <a14:useLocalDpi xmlns:a14="http://schemas.microsoft.com/office/drawing/2010/main"/>
-              </a:ext>
-            </a:extLst>
-          </a:blip>
-          <a:stretch>
-            <a:fillRect/>
-          </a:stretch>
-        </p:blipFill>
-        <p:spPr>
-          <a:xfrm>
-            <a:off x="1017262" y="1617198"/>
-            <a:ext cx="6696145" cy="4863516"/>
-          </a:xfrm>
-          <a:prstGeom prst="rect">
-            <a:avLst/>
-          </a:prstGeom>
-        </p:spPr>
-      </p:pic>
-      <p:sp>
-        <p:nvSpPr>
-          <p:cNvPr id="2" name="Title 1"/>
-          <p:cNvSpPr>
-            <a:spLocks noGrp="1"/>
-          </p:cNvSpPr>
-          <p:nvPr>
-            <p:ph type="title"/>
-          </p:nvPr>
-        </p:nvSpPr>
-        <p:spPr>
-          <a:xfrm>
-            <a:off x="628650" y="365126"/>
-            <a:ext cx="7886700" cy="1103455"/>
-          </a:xfrm>
-        </p:spPr>
-        <p:txBody>
-          <a:bodyPr>
-            <a:noAutofit/>
-          </a:bodyPr>
-          <a:lstStyle/>
-          <a:p>
-            <a:pPr algn="ctr"/>
-            <a:r>
-              <a:rPr lang="en-US" sz="3200" dirty="0">
-                <a:latin typeface="+mn-lt"/>
-              </a:rPr>
-              <a:t>How did we calculate absolute zero in </a:t>
-            </a:r>
-            <a:r>
-              <a:rPr lang="en-US" sz="3200" b="1" dirty="0">
-                <a:latin typeface="+mn-lt"/>
-              </a:rPr>
-              <a:t>1779</a:t>
-            </a:r>
-            <a:r>
-              <a:rPr lang="en-US" sz="3200" dirty="0">
-                <a:latin typeface="+mn-lt"/>
-              </a:rPr>
-              <a:t>?</a:t>
-            </a:r>
-            <a:br>
-              <a:rPr lang="en-US" sz="3200" dirty="0">
-                <a:latin typeface="+mn-lt"/>
-              </a:rPr>
-            </a:br>
-            <a:r>
-              <a:rPr lang="en-US" sz="3200" dirty="0">
-                <a:latin typeface="+mn-lt"/>
-              </a:rPr>
-              <a:t>(PV = </a:t>
-            </a:r>
-            <a:r>
-              <a:rPr lang="en-US" sz="3200" dirty="0" err="1">
-                <a:latin typeface="+mn-lt"/>
-              </a:rPr>
-              <a:t>nRT</a:t>
-            </a:r>
-            <a:r>
-              <a:rPr lang="en-US" sz="3200" dirty="0">
-                <a:latin typeface="+mn-lt"/>
-              </a:rPr>
-              <a:t>)</a:t>
-            </a:r>
-          </a:p>
-        </p:txBody>
-      </p:sp>
-      <p:sp>
-        <p:nvSpPr>
-          <p:cNvPr id="4" name="Slide Number Placeholder 3"/>
-          <p:cNvSpPr>
-            <a:spLocks noGrp="1"/>
-          </p:cNvSpPr>
-          <p:nvPr>
-            <p:ph type="sldNum" sz="quarter" idx="12"/>
-          </p:nvPr>
-        </p:nvSpPr>
-        <p:spPr/>
-        <p:txBody>
-          <a:bodyPr/>
-          <a:lstStyle/>
-          <a:p>
-            <a:fld id="{650AD656-6FF9-465D-B7B0-1CD0DD39CD23}" type="slidenum">
-              <a:rPr lang="en-US" smtClean="0"/>
-              <a:t>29</a:t>
-            </a:fld>
-            <a:endParaRPr lang="en-US" dirty="0"/>
-          </a:p>
-        </p:txBody>
-      </p:sp>
-      <p:pic>
-        <p:nvPicPr>
-          <p:cNvPr id="6" name="Picture 5"/>
-          <p:cNvPicPr>
-            <a:picLocks noChangeAspect="1"/>
-          </p:cNvPicPr>
-          <p:nvPr/>
-        </p:nvPicPr>
-        <p:blipFill>
-          <a:blip r:embed="rId3"/>
-          <a:stretch>
-            <a:fillRect/>
-          </a:stretch>
-        </p:blipFill>
-        <p:spPr>
-          <a:xfrm>
-            <a:off x="1771650" y="2661770"/>
-            <a:ext cx="1784814" cy="1003204"/>
-          </a:xfrm>
-          <a:prstGeom prst="rect">
-            <a:avLst/>
-          </a:prstGeom>
-        </p:spPr>
-      </p:pic>
-      <p:pic>
-        <p:nvPicPr>
-          <p:cNvPr id="8" name="Picture 7"/>
-          <p:cNvPicPr>
-            <a:picLocks noChangeAspect="1"/>
-          </p:cNvPicPr>
-          <p:nvPr/>
-        </p:nvPicPr>
-        <p:blipFill>
-          <a:blip r:embed="rId4" cstate="screen">
-            <a:extLst>
-              <a:ext uri="{28A0092B-C50C-407E-A947-70E740481C1C}">
-                <a14:useLocalDpi xmlns:a14="http://schemas.microsoft.com/office/drawing/2010/main"/>
-              </a:ext>
-            </a:extLst>
-          </a:blip>
-          <a:stretch>
-            <a:fillRect/>
-          </a:stretch>
-        </p:blipFill>
-        <p:spPr>
-          <a:xfrm>
-            <a:off x="6213994" y="3553964"/>
-            <a:ext cx="2545311" cy="1389182"/>
-          </a:xfrm>
-          <a:prstGeom prst="rect">
-            <a:avLst/>
-          </a:prstGeom>
-          <a:ln>
-            <a:solidFill>
-              <a:schemeClr val="tx1"/>
-            </a:solidFill>
-          </a:ln>
-        </p:spPr>
-      </p:pic>
-      <p:cxnSp>
-        <p:nvCxnSpPr>
-          <p:cNvPr id="10" name="Straight Arrow Connector 9"/>
-          <p:cNvCxnSpPr/>
-          <p:nvPr/>
-        </p:nvCxnSpPr>
-        <p:spPr>
-          <a:xfrm flipV="1">
-            <a:off x="3431381" y="2671508"/>
-            <a:ext cx="3326607" cy="377758"/>
-          </a:xfrm>
-          <a:prstGeom prst="straightConnector1">
-            <a:avLst/>
-          </a:prstGeom>
-          <a:ln w="12700">
-            <a:solidFill>
-              <a:srgbClr val="FF0000"/>
-            </a:solidFill>
-            <a:tailEnd type="triangle"/>
-          </a:ln>
-        </p:spPr>
-        <p:style>
-          <a:lnRef idx="1">
-            <a:schemeClr val="accent1"/>
-          </a:lnRef>
-          <a:fillRef idx="0">
-            <a:schemeClr val="accent1"/>
-          </a:fillRef>
-          <a:effectRef idx="0">
-            <a:schemeClr val="accent1"/>
-          </a:effectRef>
-          <a:fontRef idx="minor">
-            <a:schemeClr val="tx1"/>
-          </a:fontRef>
-        </p:style>
-      </p:cxnSp>
-      <p:cxnSp>
-        <p:nvCxnSpPr>
-          <p:cNvPr id="11" name="Straight Arrow Connector 10"/>
-          <p:cNvCxnSpPr/>
-          <p:nvPr/>
-        </p:nvCxnSpPr>
-        <p:spPr>
-          <a:xfrm flipH="1">
-            <a:off x="2293144" y="4855369"/>
-            <a:ext cx="4081462" cy="661987"/>
-          </a:xfrm>
-          <a:prstGeom prst="straightConnector1">
-            <a:avLst/>
-          </a:prstGeom>
-          <a:ln w="12700">
-            <a:solidFill>
-              <a:srgbClr val="FF0000"/>
-            </a:solidFill>
-            <a:tailEnd type="triangle"/>
-          </a:ln>
-        </p:spPr>
-        <p:style>
-          <a:lnRef idx="1">
-            <a:schemeClr val="accent1"/>
-          </a:lnRef>
-          <a:fillRef idx="0">
-            <a:schemeClr val="accent1"/>
-          </a:fillRef>
-          <a:effectRef idx="0">
-            <a:schemeClr val="accent1"/>
-          </a:effectRef>
-          <a:fontRef idx="minor">
-            <a:schemeClr val="tx1"/>
-          </a:fontRef>
-        </p:style>
-      </p:cxnSp>
-      <p:cxnSp>
-        <p:nvCxnSpPr>
-          <p:cNvPr id="18" name="Straight Arrow Connector 17"/>
-          <p:cNvCxnSpPr/>
-          <p:nvPr/>
-        </p:nvCxnSpPr>
-        <p:spPr>
-          <a:xfrm flipV="1">
-            <a:off x="3431380" y="2903941"/>
-            <a:ext cx="2943226" cy="382220"/>
-          </a:xfrm>
-          <a:prstGeom prst="straightConnector1">
-            <a:avLst/>
-          </a:prstGeom>
-          <a:ln w="12700">
-            <a:solidFill>
-              <a:srgbClr val="FF0000"/>
-            </a:solidFill>
-            <a:tailEnd type="triangle"/>
-          </a:ln>
-        </p:spPr>
-        <p:style>
-          <a:lnRef idx="1">
-            <a:schemeClr val="accent1"/>
-          </a:lnRef>
-          <a:fillRef idx="0">
-            <a:schemeClr val="accent1"/>
-          </a:fillRef>
-          <a:effectRef idx="0">
-            <a:schemeClr val="accent1"/>
-          </a:effectRef>
-          <a:fontRef idx="minor">
-            <a:schemeClr val="tx1"/>
-          </a:fontRef>
-        </p:style>
-      </p:cxnSp>
-      <p:cxnSp>
-        <p:nvCxnSpPr>
-          <p:cNvPr id="24" name="Straight Arrow Connector 23"/>
-          <p:cNvCxnSpPr/>
-          <p:nvPr/>
-        </p:nvCxnSpPr>
-        <p:spPr>
-          <a:xfrm flipV="1">
-            <a:off x="3431381" y="3120408"/>
-            <a:ext cx="2643188" cy="421888"/>
-          </a:xfrm>
-          <a:prstGeom prst="straightConnector1">
-            <a:avLst/>
-          </a:prstGeom>
-          <a:ln w="12700">
-            <a:solidFill>
-              <a:srgbClr val="FF0000"/>
-            </a:solidFill>
-            <a:tailEnd type="triangle"/>
-          </a:ln>
-        </p:spPr>
-        <p:style>
-          <a:lnRef idx="1">
-            <a:schemeClr val="accent1"/>
-          </a:lnRef>
-          <a:fillRef idx="0">
-            <a:schemeClr val="accent1"/>
-          </a:fillRef>
-          <a:effectRef idx="0">
-            <a:schemeClr val="accent1"/>
-          </a:effectRef>
-          <a:fontRef idx="minor">
-            <a:schemeClr val="tx1"/>
-          </a:fontRef>
-        </p:style>
-      </p:cxnSp>
-    </p:spTree>
-    <p:extLst>
-      <p:ext uri="{BB962C8B-B14F-4D97-AF65-F5344CB8AC3E}">
-        <p14:creationId xmlns:p14="http://schemas.microsoft.com/office/powerpoint/2010/main" val="3944205411"/>
-      </p:ext>
-    </p:extLst>
-  </p:cSld>
-  <p:clrMapOvr>
-    <a:masterClrMapping/>
-  </p:clrMapOvr>
-  <p:timing>
-    <p:tnLst>
-      <p:par>
-        <p:cTn id="1" dur="indefinite" restart="never" nodeType="tmRoot">
-          <p:childTnLst>
-            <p:seq concurrent="1" nextAc="seek">
-              <p:cTn id="2" dur="indefinite" nodeType="mainSeq">
-                <p:childTnLst>
-                  <p:par>
-                    <p:cTn id="3" fill="hold">
-                      <p:stCondLst>
-                        <p:cond delay="indefinite"/>
-                      </p:stCondLst>
-                      <p:childTnLst>
-                        <p:par>
-                          <p:cTn id="4" fill="hold">
-                            <p:stCondLst>
-                              <p:cond delay="0"/>
-                            </p:stCondLst>
-                            <p:childTnLst>
-                              <p:par>
-                                <p:cTn id="5" presetID="1" presetClass="entr" presetSubtype="0" fill="hold" nodeType="clickEffect">
-                                  <p:stCondLst>
-                                    <p:cond delay="0"/>
-                                  </p:stCondLst>
-                                  <p:childTnLst>
-                                    <p:set>
-                                      <p:cBhvr>
-                                        <p:cTn id="6" dur="1" fill="hold">
-                                          <p:stCondLst>
-                                            <p:cond delay="0"/>
-                                          </p:stCondLst>
-                                        </p:cTn>
-                                        <p:tgtEl>
-                                          <p:spTgt spid="7"/>
-                                        </p:tgtEl>
-                                        <p:attrNameLst>
-                                          <p:attrName>style.visibility</p:attrName>
-                                        </p:attrNameLst>
-                                      </p:cBhvr>
-                                      <p:to>
-                                        <p:strVal val="visible"/>
-                                      </p:to>
-                                    </p:set>
-                                  </p:childTnLst>
-                                </p:cTn>
-                              </p:par>
-                            </p:childTnLst>
-                          </p:cTn>
-                        </p:par>
-                      </p:childTnLst>
-                    </p:cTn>
-                  </p:par>
-                  <p:par>
-                    <p:cTn id="7" fill="hold">
-                      <p:stCondLst>
-                        <p:cond delay="indefinite"/>
-                      </p:stCondLst>
-                      <p:childTnLst>
-                        <p:par>
-                          <p:cTn id="8" fill="hold">
-                            <p:stCondLst>
-                              <p:cond delay="0"/>
-                            </p:stCondLst>
-                            <p:childTnLst>
-                              <p:par>
-                                <p:cTn id="9" presetID="22" presetClass="entr" presetSubtype="4" fill="hold" nodeType="clickEffect">
-                                  <p:stCondLst>
-                                    <p:cond delay="0"/>
-                                  </p:stCondLst>
-                                  <p:childTnLst>
-                                    <p:set>
-                                      <p:cBhvr>
-                                        <p:cTn id="10" dur="1" fill="hold">
-                                          <p:stCondLst>
-                                            <p:cond delay="0"/>
-                                          </p:stCondLst>
-                                        </p:cTn>
-                                        <p:tgtEl>
-                                          <p:spTgt spid="10"/>
-                                        </p:tgtEl>
-                                        <p:attrNameLst>
-                                          <p:attrName>style.visibility</p:attrName>
-                                        </p:attrNameLst>
-                                      </p:cBhvr>
-                                      <p:to>
-                                        <p:strVal val="visible"/>
-                                      </p:to>
-                                    </p:set>
-                                    <p:animEffect transition="in" filter="wipe(down)">
-                                      <p:cBhvr>
-                                        <p:cTn id="11" dur="500"/>
-                                        <p:tgtEl>
-                                          <p:spTgt spid="10"/>
-                                        </p:tgtEl>
-                                      </p:cBhvr>
-                                    </p:animEffect>
-                                  </p:childTnLst>
-                                </p:cTn>
-                              </p:par>
-                              <p:par>
-                                <p:cTn id="12" presetID="22" presetClass="entr" presetSubtype="4" fill="hold" nodeType="withEffect">
-                                  <p:stCondLst>
-                                    <p:cond delay="0"/>
-                                  </p:stCondLst>
-                                  <p:childTnLst>
-                                    <p:set>
-                                      <p:cBhvr>
-                                        <p:cTn id="13" dur="1" fill="hold">
-                                          <p:stCondLst>
-                                            <p:cond delay="0"/>
-                                          </p:stCondLst>
-                                        </p:cTn>
-                                        <p:tgtEl>
-                                          <p:spTgt spid="18"/>
-                                        </p:tgtEl>
-                                        <p:attrNameLst>
-                                          <p:attrName>style.visibility</p:attrName>
-                                        </p:attrNameLst>
-                                      </p:cBhvr>
-                                      <p:to>
-                                        <p:strVal val="visible"/>
-                                      </p:to>
-                                    </p:set>
-                                    <p:animEffect transition="in" filter="wipe(down)">
-                                      <p:cBhvr>
-                                        <p:cTn id="14" dur="500"/>
-                                        <p:tgtEl>
-                                          <p:spTgt spid="18"/>
-                                        </p:tgtEl>
-                                      </p:cBhvr>
-                                    </p:animEffect>
-                                  </p:childTnLst>
-                                </p:cTn>
-                              </p:par>
-                              <p:par>
-                                <p:cTn id="15" presetID="22" presetClass="entr" presetSubtype="4" fill="hold" nodeType="withEffect">
-                                  <p:stCondLst>
-                                    <p:cond delay="0"/>
-                                  </p:stCondLst>
-                                  <p:childTnLst>
-                                    <p:set>
-                                      <p:cBhvr>
-                                        <p:cTn id="16" dur="1" fill="hold">
-                                          <p:stCondLst>
-                                            <p:cond delay="0"/>
-                                          </p:stCondLst>
-                                        </p:cTn>
-                                        <p:tgtEl>
-                                          <p:spTgt spid="24"/>
-                                        </p:tgtEl>
-                                        <p:attrNameLst>
-                                          <p:attrName>style.visibility</p:attrName>
-                                        </p:attrNameLst>
-                                      </p:cBhvr>
-                                      <p:to>
-                                        <p:strVal val="visible"/>
-                                      </p:to>
-                                    </p:set>
-                                    <p:animEffect transition="in" filter="wipe(down)">
-                                      <p:cBhvr>
-                                        <p:cTn id="17" dur="500"/>
-                                        <p:tgtEl>
-                                          <p:spTgt spid="24"/>
-                                        </p:tgtEl>
-                                      </p:cBhvr>
-                                    </p:animEffect>
-                                  </p:childTnLst>
-                                </p:cTn>
-                              </p:par>
-                            </p:childTnLst>
-                          </p:cTn>
-                        </p:par>
-                      </p:childTnLst>
-                    </p:cTn>
-                  </p:par>
-                  <p:par>
-                    <p:cTn id="18" fill="hold">
-                      <p:stCondLst>
-                        <p:cond delay="indefinite"/>
-                      </p:stCondLst>
-                      <p:childTnLst>
-                        <p:par>
-                          <p:cTn id="19" fill="hold">
-                            <p:stCondLst>
-                              <p:cond delay="0"/>
-                            </p:stCondLst>
-                            <p:childTnLst>
-                              <p:par>
-                                <p:cTn id="20" presetID="2" presetClass="entr" presetSubtype="2" fill="hold" nodeType="clickEffect">
-                                  <p:stCondLst>
-                                    <p:cond delay="0"/>
-                                  </p:stCondLst>
-                                  <p:childTnLst>
-                                    <p:set>
-                                      <p:cBhvr>
-                                        <p:cTn id="21" dur="1" fill="hold">
-                                          <p:stCondLst>
-                                            <p:cond delay="0"/>
-                                          </p:stCondLst>
-                                        </p:cTn>
-                                        <p:tgtEl>
-                                          <p:spTgt spid="8"/>
-                                        </p:tgtEl>
-                                        <p:attrNameLst>
-                                          <p:attrName>style.visibility</p:attrName>
-                                        </p:attrNameLst>
-                                      </p:cBhvr>
-                                      <p:to>
-                                        <p:strVal val="visible"/>
-                                      </p:to>
-                                    </p:set>
-                                    <p:anim calcmode="lin" valueType="num">
-                                      <p:cBhvr additive="base">
-                                        <p:cTn id="22" dur="500" fill="hold"/>
-                                        <p:tgtEl>
-                                          <p:spTgt spid="8"/>
-                                        </p:tgtEl>
-                                        <p:attrNameLst>
-                                          <p:attrName>ppt_x</p:attrName>
-                                        </p:attrNameLst>
-                                      </p:cBhvr>
-                                      <p:tavLst>
-                                        <p:tav tm="0">
-                                          <p:val>
-                                            <p:strVal val="1+#ppt_w/2"/>
-                                          </p:val>
-                                        </p:tav>
-                                        <p:tav tm="100000">
-                                          <p:val>
-                                            <p:strVal val="#ppt_x"/>
-                                          </p:val>
-                                        </p:tav>
-                                      </p:tavLst>
-                                    </p:anim>
-                                    <p:anim calcmode="lin" valueType="num">
-                                      <p:cBhvr additive="base">
-                                        <p:cTn id="23" dur="500" fill="hold"/>
-                                        <p:tgtEl>
-                                          <p:spTgt spid="8"/>
-                                        </p:tgtEl>
-                                        <p:attrNameLst>
-                                          <p:attrName>ppt_y</p:attrName>
-                                        </p:attrNameLst>
-                                      </p:cBhvr>
-                                      <p:tavLst>
-                                        <p:tav tm="0">
-                                          <p:val>
-                                            <p:strVal val="#ppt_y"/>
-                                          </p:val>
-                                        </p:tav>
-                                        <p:tav tm="100000">
-                                          <p:val>
-                                            <p:strVal val="#ppt_y"/>
-                                          </p:val>
-                                        </p:tav>
-                                      </p:tavLst>
-                                    </p:anim>
-                                  </p:childTnLst>
-                                </p:cTn>
-                              </p:par>
-                            </p:childTnLst>
-                          </p:cTn>
-                        </p:par>
-                      </p:childTnLst>
-                    </p:cTn>
-                  </p:par>
-                  <p:par>
-                    <p:cTn id="24" fill="hold">
-                      <p:stCondLst>
-                        <p:cond delay="indefinite"/>
-                      </p:stCondLst>
-                      <p:childTnLst>
-                        <p:par>
-                          <p:cTn id="25" fill="hold">
-                            <p:stCondLst>
-                              <p:cond delay="0"/>
-                            </p:stCondLst>
-                            <p:childTnLst>
-                              <p:par>
-                                <p:cTn id="26" presetID="22" presetClass="entr" presetSubtype="2" fill="hold" nodeType="clickEffect">
-                                  <p:stCondLst>
-                                    <p:cond delay="0"/>
-                                  </p:stCondLst>
-                                  <p:childTnLst>
-                                    <p:set>
-                                      <p:cBhvr>
-                                        <p:cTn id="27" dur="1" fill="hold">
-                                          <p:stCondLst>
-                                            <p:cond delay="0"/>
-                                          </p:stCondLst>
-                                        </p:cTn>
-                                        <p:tgtEl>
-                                          <p:spTgt spid="11"/>
-                                        </p:tgtEl>
-                                        <p:attrNameLst>
-                                          <p:attrName>style.visibility</p:attrName>
-                                        </p:attrNameLst>
-                                      </p:cBhvr>
-                                      <p:to>
-                                        <p:strVal val="visible"/>
-                                      </p:to>
-                                    </p:set>
-                                    <p:animEffect transition="in" filter="wipe(right)">
-                                      <p:cBhvr>
-                                        <p:cTn id="28" dur="500"/>
-                                        <p:tgtEl>
-                                          <p:spTgt spid="11"/>
-                                        </p:tgtEl>
-                                      </p:cBhvr>
-                                    </p:animEffect>
-                                  </p:childTnLst>
-                                </p:cTn>
-                              </p:par>
-                            </p:childTnLst>
-                          </p:cTn>
-                        </p:par>
-                      </p:childTnLst>
-                    </p:cTn>
-                  </p:par>
-                </p:childTnLst>
-              </p:cTn>
-              <p:prevCondLst>
-                <p:cond evt="onPrev" delay="0">
-                  <p:tgtEl>
-                    <p:sldTgt/>
-                  </p:tgtEl>
-                </p:cond>
-              </p:prevCondLst>
-              <p:nextCondLst>
-                <p:cond evt="onNext" delay="0">
-                  <p:tgtEl>
-                    <p:sldTgt/>
-                  </p:tgtEl>
-                </p:cond>
-              </p:nextCondLst>
-            </p:seq>
-          </p:childTnLst>
-        </p:cTn>
-      </p:par>
-    </p:tnLst>
   </p:timing>
 </p:sld>
 </file>
@@ -13209,6 +14950,701 @@
           <a:chExt cx="0" cy="0"/>
         </a:xfrm>
       </p:grpSpPr>
+      <p:pic>
+        <p:nvPicPr>
+          <p:cNvPr id="7" name="Picture 6"/>
+          <p:cNvPicPr>
+            <a:picLocks noChangeAspect="1"/>
+          </p:cNvPicPr>
+          <p:nvPr/>
+        </p:nvPicPr>
+        <p:blipFill>
+          <a:blip r:embed="rId2" cstate="screen">
+            <a:extLst>
+              <a:ext uri="{28A0092B-C50C-407E-A947-70E740481C1C}">
+                <a14:useLocalDpi xmlns:a14="http://schemas.microsoft.com/office/drawing/2010/main"/>
+              </a:ext>
+            </a:extLst>
+          </a:blip>
+          <a:stretch>
+            <a:fillRect/>
+          </a:stretch>
+        </p:blipFill>
+        <p:spPr>
+          <a:xfrm>
+            <a:off x="1017262" y="1617198"/>
+            <a:ext cx="6696145" cy="4863516"/>
+          </a:xfrm>
+          <a:prstGeom prst="rect">
+            <a:avLst/>
+          </a:prstGeom>
+        </p:spPr>
+      </p:pic>
+      <p:sp>
+        <p:nvSpPr>
+          <p:cNvPr id="2" name="Title 1"/>
+          <p:cNvSpPr>
+            <a:spLocks noGrp="1"/>
+          </p:cNvSpPr>
+          <p:nvPr>
+            <p:ph type="title"/>
+          </p:nvPr>
+        </p:nvSpPr>
+        <p:spPr>
+          <a:xfrm>
+            <a:off x="628650" y="365126"/>
+            <a:ext cx="7886700" cy="1103455"/>
+          </a:xfrm>
+        </p:spPr>
+        <p:txBody>
+          <a:bodyPr>
+            <a:noAutofit/>
+          </a:bodyPr>
+          <a:lstStyle/>
+          <a:p>
+            <a:pPr algn="ctr"/>
+            <a:r>
+              <a:rPr lang="en-US" sz="3200" dirty="0">
+                <a:latin typeface="+mn-lt"/>
+              </a:rPr>
+              <a:t>How did we calculate absolute zero in </a:t>
+            </a:r>
+            <a:r>
+              <a:rPr lang="en-US" sz="3200" b="1" dirty="0">
+                <a:latin typeface="+mn-lt"/>
+              </a:rPr>
+              <a:t>1779</a:t>
+            </a:r>
+            <a:r>
+              <a:rPr lang="en-US" sz="3200" dirty="0">
+                <a:latin typeface="+mn-lt"/>
+              </a:rPr>
+              <a:t>?</a:t>
+            </a:r>
+            <a:br>
+              <a:rPr lang="en-US" sz="3200" dirty="0">
+                <a:latin typeface="+mn-lt"/>
+              </a:rPr>
+            </a:br>
+            <a:r>
+              <a:rPr lang="en-US" sz="3200" dirty="0">
+                <a:latin typeface="+mn-lt"/>
+              </a:rPr>
+              <a:t>(PV = </a:t>
+            </a:r>
+            <a:r>
+              <a:rPr lang="en-US" sz="3200" dirty="0" err="1">
+                <a:latin typeface="+mn-lt"/>
+              </a:rPr>
+              <a:t>nRT</a:t>
+            </a:r>
+            <a:r>
+              <a:rPr lang="en-US" sz="3200" dirty="0">
+                <a:latin typeface="+mn-lt"/>
+              </a:rPr>
+              <a:t>)</a:t>
+            </a:r>
+          </a:p>
+        </p:txBody>
+      </p:sp>
+      <p:sp>
+        <p:nvSpPr>
+          <p:cNvPr id="4" name="Slide Number Placeholder 3"/>
+          <p:cNvSpPr>
+            <a:spLocks noGrp="1"/>
+          </p:cNvSpPr>
+          <p:nvPr>
+            <p:ph type="sldNum" sz="quarter" idx="12"/>
+          </p:nvPr>
+        </p:nvSpPr>
+        <p:spPr/>
+        <p:txBody>
+          <a:bodyPr/>
+          <a:lstStyle/>
+          <a:p>
+            <a:fld id="{650AD656-6FF9-465D-B7B0-1CD0DD39CD23}" type="slidenum">
+              <a:rPr lang="en-US" smtClean="0"/>
+              <a:t>30</a:t>
+            </a:fld>
+            <a:endParaRPr lang="en-US" dirty="0"/>
+          </a:p>
+        </p:txBody>
+      </p:sp>
+      <p:pic>
+        <p:nvPicPr>
+          <p:cNvPr id="6" name="Picture 5"/>
+          <p:cNvPicPr>
+            <a:picLocks noChangeAspect="1"/>
+          </p:cNvPicPr>
+          <p:nvPr/>
+        </p:nvPicPr>
+        <p:blipFill>
+          <a:blip r:embed="rId3"/>
+          <a:stretch>
+            <a:fillRect/>
+          </a:stretch>
+        </p:blipFill>
+        <p:spPr>
+          <a:xfrm>
+            <a:off x="1771650" y="2661770"/>
+            <a:ext cx="1784814" cy="1003204"/>
+          </a:xfrm>
+          <a:prstGeom prst="rect">
+            <a:avLst/>
+          </a:prstGeom>
+        </p:spPr>
+      </p:pic>
+      <p:pic>
+        <p:nvPicPr>
+          <p:cNvPr id="8" name="Picture 7"/>
+          <p:cNvPicPr>
+            <a:picLocks noChangeAspect="1"/>
+          </p:cNvPicPr>
+          <p:nvPr/>
+        </p:nvPicPr>
+        <p:blipFill>
+          <a:blip r:embed="rId4" cstate="screen">
+            <a:extLst>
+              <a:ext uri="{28A0092B-C50C-407E-A947-70E740481C1C}">
+                <a14:useLocalDpi xmlns:a14="http://schemas.microsoft.com/office/drawing/2010/main"/>
+              </a:ext>
+            </a:extLst>
+          </a:blip>
+          <a:stretch>
+            <a:fillRect/>
+          </a:stretch>
+        </p:blipFill>
+        <p:spPr>
+          <a:xfrm>
+            <a:off x="6213994" y="3553964"/>
+            <a:ext cx="2545311" cy="1389182"/>
+          </a:xfrm>
+          <a:prstGeom prst="rect">
+            <a:avLst/>
+          </a:prstGeom>
+          <a:ln>
+            <a:solidFill>
+              <a:schemeClr val="tx1"/>
+            </a:solidFill>
+          </a:ln>
+        </p:spPr>
+      </p:pic>
+      <p:cxnSp>
+        <p:nvCxnSpPr>
+          <p:cNvPr id="10" name="Straight Arrow Connector 9"/>
+          <p:cNvCxnSpPr/>
+          <p:nvPr/>
+        </p:nvCxnSpPr>
+        <p:spPr>
+          <a:xfrm flipV="1">
+            <a:off x="3431381" y="2671508"/>
+            <a:ext cx="3326607" cy="377758"/>
+          </a:xfrm>
+          <a:prstGeom prst="straightConnector1">
+            <a:avLst/>
+          </a:prstGeom>
+          <a:ln w="12700">
+            <a:solidFill>
+              <a:srgbClr val="FF0000"/>
+            </a:solidFill>
+            <a:tailEnd type="triangle"/>
+          </a:ln>
+        </p:spPr>
+        <p:style>
+          <a:lnRef idx="1">
+            <a:schemeClr val="accent1"/>
+          </a:lnRef>
+          <a:fillRef idx="0">
+            <a:schemeClr val="accent1"/>
+          </a:fillRef>
+          <a:effectRef idx="0">
+            <a:schemeClr val="accent1"/>
+          </a:effectRef>
+          <a:fontRef idx="minor">
+            <a:schemeClr val="tx1"/>
+          </a:fontRef>
+        </p:style>
+      </p:cxnSp>
+      <p:cxnSp>
+        <p:nvCxnSpPr>
+          <p:cNvPr id="11" name="Straight Arrow Connector 10"/>
+          <p:cNvCxnSpPr/>
+          <p:nvPr/>
+        </p:nvCxnSpPr>
+        <p:spPr>
+          <a:xfrm flipH="1">
+            <a:off x="2293144" y="4855369"/>
+            <a:ext cx="4081462" cy="661987"/>
+          </a:xfrm>
+          <a:prstGeom prst="straightConnector1">
+            <a:avLst/>
+          </a:prstGeom>
+          <a:ln w="12700">
+            <a:solidFill>
+              <a:srgbClr val="FF0000"/>
+            </a:solidFill>
+            <a:tailEnd type="triangle"/>
+          </a:ln>
+        </p:spPr>
+        <p:style>
+          <a:lnRef idx="1">
+            <a:schemeClr val="accent1"/>
+          </a:lnRef>
+          <a:fillRef idx="0">
+            <a:schemeClr val="accent1"/>
+          </a:fillRef>
+          <a:effectRef idx="0">
+            <a:schemeClr val="accent1"/>
+          </a:effectRef>
+          <a:fontRef idx="minor">
+            <a:schemeClr val="tx1"/>
+          </a:fontRef>
+        </p:style>
+      </p:cxnSp>
+      <p:cxnSp>
+        <p:nvCxnSpPr>
+          <p:cNvPr id="18" name="Straight Arrow Connector 17"/>
+          <p:cNvCxnSpPr/>
+          <p:nvPr/>
+        </p:nvCxnSpPr>
+        <p:spPr>
+          <a:xfrm flipV="1">
+            <a:off x="3431380" y="2903941"/>
+            <a:ext cx="2943226" cy="382220"/>
+          </a:xfrm>
+          <a:prstGeom prst="straightConnector1">
+            <a:avLst/>
+          </a:prstGeom>
+          <a:ln w="12700">
+            <a:solidFill>
+              <a:srgbClr val="FF0000"/>
+            </a:solidFill>
+            <a:tailEnd type="triangle"/>
+          </a:ln>
+        </p:spPr>
+        <p:style>
+          <a:lnRef idx="1">
+            <a:schemeClr val="accent1"/>
+          </a:lnRef>
+          <a:fillRef idx="0">
+            <a:schemeClr val="accent1"/>
+          </a:fillRef>
+          <a:effectRef idx="0">
+            <a:schemeClr val="accent1"/>
+          </a:effectRef>
+          <a:fontRef idx="minor">
+            <a:schemeClr val="tx1"/>
+          </a:fontRef>
+        </p:style>
+      </p:cxnSp>
+      <p:cxnSp>
+        <p:nvCxnSpPr>
+          <p:cNvPr id="24" name="Straight Arrow Connector 23"/>
+          <p:cNvCxnSpPr/>
+          <p:nvPr/>
+        </p:nvCxnSpPr>
+        <p:spPr>
+          <a:xfrm flipV="1">
+            <a:off x="3431381" y="3120408"/>
+            <a:ext cx="2643188" cy="421888"/>
+          </a:xfrm>
+          <a:prstGeom prst="straightConnector1">
+            <a:avLst/>
+          </a:prstGeom>
+          <a:ln w="12700">
+            <a:solidFill>
+              <a:srgbClr val="FF0000"/>
+            </a:solidFill>
+            <a:tailEnd type="triangle"/>
+          </a:ln>
+        </p:spPr>
+        <p:style>
+          <a:lnRef idx="1">
+            <a:schemeClr val="accent1"/>
+          </a:lnRef>
+          <a:fillRef idx="0">
+            <a:schemeClr val="accent1"/>
+          </a:fillRef>
+          <a:effectRef idx="0">
+            <a:schemeClr val="accent1"/>
+          </a:effectRef>
+          <a:fontRef idx="minor">
+            <a:schemeClr val="tx1"/>
+          </a:fontRef>
+        </p:style>
+      </p:cxnSp>
+    </p:spTree>
+    <p:extLst>
+      <p:ext uri="{BB962C8B-B14F-4D97-AF65-F5344CB8AC3E}">
+        <p14:creationId xmlns:p14="http://schemas.microsoft.com/office/powerpoint/2010/main" val="3944205411"/>
+      </p:ext>
+    </p:extLst>
+  </p:cSld>
+  <p:clrMapOvr>
+    <a:masterClrMapping/>
+  </p:clrMapOvr>
+  <p:timing>
+    <p:tnLst>
+      <p:par>
+        <p:cTn id="1" dur="indefinite" restart="never" nodeType="tmRoot">
+          <p:childTnLst>
+            <p:seq concurrent="1" nextAc="seek">
+              <p:cTn id="2" dur="indefinite" nodeType="mainSeq">
+                <p:childTnLst>
+                  <p:par>
+                    <p:cTn id="3" fill="hold">
+                      <p:stCondLst>
+                        <p:cond delay="indefinite"/>
+                      </p:stCondLst>
+                      <p:childTnLst>
+                        <p:par>
+                          <p:cTn id="4" fill="hold">
+                            <p:stCondLst>
+                              <p:cond delay="0"/>
+                            </p:stCondLst>
+                            <p:childTnLst>
+                              <p:par>
+                                <p:cTn id="5" presetID="1" presetClass="entr" presetSubtype="0" fill="hold" nodeType="clickEffect">
+                                  <p:stCondLst>
+                                    <p:cond delay="0"/>
+                                  </p:stCondLst>
+                                  <p:childTnLst>
+                                    <p:set>
+                                      <p:cBhvr>
+                                        <p:cTn id="6" dur="1" fill="hold">
+                                          <p:stCondLst>
+                                            <p:cond delay="0"/>
+                                          </p:stCondLst>
+                                        </p:cTn>
+                                        <p:tgtEl>
+                                          <p:spTgt spid="7"/>
+                                        </p:tgtEl>
+                                        <p:attrNameLst>
+                                          <p:attrName>style.visibility</p:attrName>
+                                        </p:attrNameLst>
+                                      </p:cBhvr>
+                                      <p:to>
+                                        <p:strVal val="visible"/>
+                                      </p:to>
+                                    </p:set>
+                                  </p:childTnLst>
+                                </p:cTn>
+                              </p:par>
+                            </p:childTnLst>
+                          </p:cTn>
+                        </p:par>
+                      </p:childTnLst>
+                    </p:cTn>
+                  </p:par>
+                  <p:par>
+                    <p:cTn id="7" fill="hold">
+                      <p:stCondLst>
+                        <p:cond delay="indefinite"/>
+                      </p:stCondLst>
+                      <p:childTnLst>
+                        <p:par>
+                          <p:cTn id="8" fill="hold">
+                            <p:stCondLst>
+                              <p:cond delay="0"/>
+                            </p:stCondLst>
+                            <p:childTnLst>
+                              <p:par>
+                                <p:cTn id="9" presetID="22" presetClass="entr" presetSubtype="4" fill="hold" nodeType="clickEffect">
+                                  <p:stCondLst>
+                                    <p:cond delay="0"/>
+                                  </p:stCondLst>
+                                  <p:childTnLst>
+                                    <p:set>
+                                      <p:cBhvr>
+                                        <p:cTn id="10" dur="1" fill="hold">
+                                          <p:stCondLst>
+                                            <p:cond delay="0"/>
+                                          </p:stCondLst>
+                                        </p:cTn>
+                                        <p:tgtEl>
+                                          <p:spTgt spid="10"/>
+                                        </p:tgtEl>
+                                        <p:attrNameLst>
+                                          <p:attrName>style.visibility</p:attrName>
+                                        </p:attrNameLst>
+                                      </p:cBhvr>
+                                      <p:to>
+                                        <p:strVal val="visible"/>
+                                      </p:to>
+                                    </p:set>
+                                    <p:animEffect transition="in" filter="wipe(down)">
+                                      <p:cBhvr>
+                                        <p:cTn id="11" dur="500"/>
+                                        <p:tgtEl>
+                                          <p:spTgt spid="10"/>
+                                        </p:tgtEl>
+                                      </p:cBhvr>
+                                    </p:animEffect>
+                                  </p:childTnLst>
+                                </p:cTn>
+                              </p:par>
+                              <p:par>
+                                <p:cTn id="12" presetID="22" presetClass="entr" presetSubtype="4" fill="hold" nodeType="withEffect">
+                                  <p:stCondLst>
+                                    <p:cond delay="0"/>
+                                  </p:stCondLst>
+                                  <p:childTnLst>
+                                    <p:set>
+                                      <p:cBhvr>
+                                        <p:cTn id="13" dur="1" fill="hold">
+                                          <p:stCondLst>
+                                            <p:cond delay="0"/>
+                                          </p:stCondLst>
+                                        </p:cTn>
+                                        <p:tgtEl>
+                                          <p:spTgt spid="18"/>
+                                        </p:tgtEl>
+                                        <p:attrNameLst>
+                                          <p:attrName>style.visibility</p:attrName>
+                                        </p:attrNameLst>
+                                      </p:cBhvr>
+                                      <p:to>
+                                        <p:strVal val="visible"/>
+                                      </p:to>
+                                    </p:set>
+                                    <p:animEffect transition="in" filter="wipe(down)">
+                                      <p:cBhvr>
+                                        <p:cTn id="14" dur="500"/>
+                                        <p:tgtEl>
+                                          <p:spTgt spid="18"/>
+                                        </p:tgtEl>
+                                      </p:cBhvr>
+                                    </p:animEffect>
+                                  </p:childTnLst>
+                                </p:cTn>
+                              </p:par>
+                              <p:par>
+                                <p:cTn id="15" presetID="22" presetClass="entr" presetSubtype="4" fill="hold" nodeType="withEffect">
+                                  <p:stCondLst>
+                                    <p:cond delay="0"/>
+                                  </p:stCondLst>
+                                  <p:childTnLst>
+                                    <p:set>
+                                      <p:cBhvr>
+                                        <p:cTn id="16" dur="1" fill="hold">
+                                          <p:stCondLst>
+                                            <p:cond delay="0"/>
+                                          </p:stCondLst>
+                                        </p:cTn>
+                                        <p:tgtEl>
+                                          <p:spTgt spid="24"/>
+                                        </p:tgtEl>
+                                        <p:attrNameLst>
+                                          <p:attrName>style.visibility</p:attrName>
+                                        </p:attrNameLst>
+                                      </p:cBhvr>
+                                      <p:to>
+                                        <p:strVal val="visible"/>
+                                      </p:to>
+                                    </p:set>
+                                    <p:animEffect transition="in" filter="wipe(down)">
+                                      <p:cBhvr>
+                                        <p:cTn id="17" dur="500"/>
+                                        <p:tgtEl>
+                                          <p:spTgt spid="24"/>
+                                        </p:tgtEl>
+                                      </p:cBhvr>
+                                    </p:animEffect>
+                                  </p:childTnLst>
+                                </p:cTn>
+                              </p:par>
+                            </p:childTnLst>
+                          </p:cTn>
+                        </p:par>
+                      </p:childTnLst>
+                    </p:cTn>
+                  </p:par>
+                  <p:par>
+                    <p:cTn id="18" fill="hold">
+                      <p:stCondLst>
+                        <p:cond delay="indefinite"/>
+                      </p:stCondLst>
+                      <p:childTnLst>
+                        <p:par>
+                          <p:cTn id="19" fill="hold">
+                            <p:stCondLst>
+                              <p:cond delay="0"/>
+                            </p:stCondLst>
+                            <p:childTnLst>
+                              <p:par>
+                                <p:cTn id="20" presetID="2" presetClass="entr" presetSubtype="2" fill="hold" nodeType="clickEffect">
+                                  <p:stCondLst>
+                                    <p:cond delay="0"/>
+                                  </p:stCondLst>
+                                  <p:childTnLst>
+                                    <p:set>
+                                      <p:cBhvr>
+                                        <p:cTn id="21" dur="1" fill="hold">
+                                          <p:stCondLst>
+                                            <p:cond delay="0"/>
+                                          </p:stCondLst>
+                                        </p:cTn>
+                                        <p:tgtEl>
+                                          <p:spTgt spid="8"/>
+                                        </p:tgtEl>
+                                        <p:attrNameLst>
+                                          <p:attrName>style.visibility</p:attrName>
+                                        </p:attrNameLst>
+                                      </p:cBhvr>
+                                      <p:to>
+                                        <p:strVal val="visible"/>
+                                      </p:to>
+                                    </p:set>
+                                    <p:anim calcmode="lin" valueType="num">
+                                      <p:cBhvr additive="base">
+                                        <p:cTn id="22" dur="500" fill="hold"/>
+                                        <p:tgtEl>
+                                          <p:spTgt spid="8"/>
+                                        </p:tgtEl>
+                                        <p:attrNameLst>
+                                          <p:attrName>ppt_x</p:attrName>
+                                        </p:attrNameLst>
+                                      </p:cBhvr>
+                                      <p:tavLst>
+                                        <p:tav tm="0">
+                                          <p:val>
+                                            <p:strVal val="1+#ppt_w/2"/>
+                                          </p:val>
+                                        </p:tav>
+                                        <p:tav tm="100000">
+                                          <p:val>
+                                            <p:strVal val="#ppt_x"/>
+                                          </p:val>
+                                        </p:tav>
+                                      </p:tavLst>
+                                    </p:anim>
+                                    <p:anim calcmode="lin" valueType="num">
+                                      <p:cBhvr additive="base">
+                                        <p:cTn id="23" dur="500" fill="hold"/>
+                                        <p:tgtEl>
+                                          <p:spTgt spid="8"/>
+                                        </p:tgtEl>
+                                        <p:attrNameLst>
+                                          <p:attrName>ppt_y</p:attrName>
+                                        </p:attrNameLst>
+                                      </p:cBhvr>
+                                      <p:tavLst>
+                                        <p:tav tm="0">
+                                          <p:val>
+                                            <p:strVal val="#ppt_y"/>
+                                          </p:val>
+                                        </p:tav>
+                                        <p:tav tm="100000">
+                                          <p:val>
+                                            <p:strVal val="#ppt_y"/>
+                                          </p:val>
+                                        </p:tav>
+                                      </p:tavLst>
+                                    </p:anim>
+                                  </p:childTnLst>
+                                </p:cTn>
+                              </p:par>
+                            </p:childTnLst>
+                          </p:cTn>
+                        </p:par>
+                      </p:childTnLst>
+                    </p:cTn>
+                  </p:par>
+                  <p:par>
+                    <p:cTn id="24" fill="hold">
+                      <p:stCondLst>
+                        <p:cond delay="indefinite"/>
+                      </p:stCondLst>
+                      <p:childTnLst>
+                        <p:par>
+                          <p:cTn id="25" fill="hold">
+                            <p:stCondLst>
+                              <p:cond delay="0"/>
+                            </p:stCondLst>
+                            <p:childTnLst>
+                              <p:par>
+                                <p:cTn id="26" presetID="22" presetClass="entr" presetSubtype="2" fill="hold" nodeType="clickEffect">
+                                  <p:stCondLst>
+                                    <p:cond delay="0"/>
+                                  </p:stCondLst>
+                                  <p:childTnLst>
+                                    <p:set>
+                                      <p:cBhvr>
+                                        <p:cTn id="27" dur="1" fill="hold">
+                                          <p:stCondLst>
+                                            <p:cond delay="0"/>
+                                          </p:stCondLst>
+                                        </p:cTn>
+                                        <p:tgtEl>
+                                          <p:spTgt spid="11"/>
+                                        </p:tgtEl>
+                                        <p:attrNameLst>
+                                          <p:attrName>style.visibility</p:attrName>
+                                        </p:attrNameLst>
+                                      </p:cBhvr>
+                                      <p:to>
+                                        <p:strVal val="visible"/>
+                                      </p:to>
+                                    </p:set>
+                                    <p:animEffect transition="in" filter="wipe(right)">
+                                      <p:cBhvr>
+                                        <p:cTn id="28" dur="500"/>
+                                        <p:tgtEl>
+                                          <p:spTgt spid="11"/>
+                                        </p:tgtEl>
+                                      </p:cBhvr>
+                                    </p:animEffect>
+                                  </p:childTnLst>
+                                </p:cTn>
+                              </p:par>
+                            </p:childTnLst>
+                          </p:cTn>
+                        </p:par>
+                      </p:childTnLst>
+                    </p:cTn>
+                  </p:par>
+                </p:childTnLst>
+              </p:cTn>
+              <p:prevCondLst>
+                <p:cond evt="onPrev" delay="0">
+                  <p:tgtEl>
+                    <p:sldTgt/>
+                  </p:tgtEl>
+                </p:cond>
+              </p:prevCondLst>
+              <p:nextCondLst>
+                <p:cond evt="onNext" delay="0">
+                  <p:tgtEl>
+                    <p:sldTgt/>
+                  </p:tgtEl>
+                </p:cond>
+              </p:nextCondLst>
+            </p:seq>
+          </p:childTnLst>
+        </p:cTn>
+      </p:par>
+    </p:tnLst>
+  </p:timing>
+</p:sld>
+</file>
+
+<file path=ppt/slides/slide31.xml><?xml version="1.0" encoding="utf-8"?>
+<p:sld xmlns:a="http://schemas.openxmlformats.org/drawingml/2006/main" xmlns:r="http://schemas.openxmlformats.org/officeDocument/2006/relationships" xmlns:p="http://schemas.openxmlformats.org/presentationml/2006/main">
+  <p:cSld>
+    <p:spTree>
+      <p:nvGrpSpPr>
+        <p:cNvPr id="1" name=""/>
+        <p:cNvGrpSpPr/>
+        <p:nvPr/>
+      </p:nvGrpSpPr>
+      <p:grpSpPr>
+        <a:xfrm>
+          <a:off x="0" y="0"/>
+          <a:ext cx="0" cy="0"/>
+          <a:chOff x="0" y="0"/>
+          <a:chExt cx="0" cy="0"/>
+        </a:xfrm>
+      </p:grpSpPr>
       <p:sp>
         <p:nvSpPr>
           <p:cNvPr id="2" name="Title 1"/>
@@ -13439,7 +15875,7 @@
             <a:fld id="{650AD656-6FF9-465D-B7B0-1CD0DD39CD23}" type="slidenum">
               <a:rPr lang="en-US" smtClean="0"/>
               <a:pPr/>
-              <a:t>30</a:t>
+              <a:t>31</a:t>
             </a:fld>
             <a:endParaRPr lang="en-US" dirty="0"/>
           </a:p>
@@ -14825,148 +17261,6 @@
 </p:sld>
 </file>
 
-<file path=ppt/slides/slide31.xml><?xml version="1.0" encoding="utf-8"?>
-<p:sld xmlns:a="http://schemas.openxmlformats.org/drawingml/2006/main" xmlns:r="http://schemas.openxmlformats.org/officeDocument/2006/relationships" xmlns:p="http://schemas.openxmlformats.org/presentationml/2006/main">
-  <p:cSld>
-    <p:spTree>
-      <p:nvGrpSpPr>
-        <p:cNvPr id="1" name=""/>
-        <p:cNvGrpSpPr/>
-        <p:nvPr/>
-      </p:nvGrpSpPr>
-      <p:grpSpPr>
-        <a:xfrm>
-          <a:off x="0" y="0"/>
-          <a:ext cx="0" cy="0"/>
-          <a:chOff x="0" y="0"/>
-          <a:chExt cx="0" cy="0"/>
-        </a:xfrm>
-      </p:grpSpPr>
-      <p:sp>
-        <p:nvSpPr>
-          <p:cNvPr id="4" name="Slide Number Placeholder 3"/>
-          <p:cNvSpPr>
-            <a:spLocks noGrp="1"/>
-          </p:cNvSpPr>
-          <p:nvPr>
-            <p:ph type="sldNum" sz="quarter" idx="12"/>
-          </p:nvPr>
-        </p:nvSpPr>
-        <p:spPr/>
-        <p:txBody>
-          <a:bodyPr/>
-          <a:lstStyle/>
-          <a:p>
-            <a:fld id="{650AD656-6FF9-465D-B7B0-1CD0DD39CD23}" type="slidenum">
-              <a:rPr lang="en-US" smtClean="0"/>
-              <a:t>31</a:t>
-            </a:fld>
-            <a:endParaRPr lang="en-US" dirty="0"/>
-          </a:p>
-        </p:txBody>
-      </p:sp>
-      <p:sp>
-        <p:nvSpPr>
-          <p:cNvPr id="7" name="Title 1">
-            <a:extLst>
-              <a:ext uri="{FF2B5EF4-FFF2-40B4-BE49-F238E27FC236}">
-                <a16:creationId xmlns:a16="http://schemas.microsoft.com/office/drawing/2014/main" id="{FFA4614F-6CA5-44D7-AD07-09DC5228602C}"/>
-              </a:ext>
-            </a:extLst>
-          </p:cNvPr>
-          <p:cNvSpPr txBox="1">
-            <a:spLocks/>
-          </p:cNvSpPr>
-          <p:nvPr/>
-        </p:nvSpPr>
-        <p:spPr>
-          <a:xfrm>
-            <a:off x="628650" y="365126"/>
-            <a:ext cx="7886700" cy="1103455"/>
-          </a:xfrm>
-          <a:prstGeom prst="rect">
-            <a:avLst/>
-          </a:prstGeom>
-        </p:spPr>
-        <p:txBody>
-          <a:bodyPr anchor="ctr">
-            <a:noAutofit/>
-          </a:bodyPr>
-          <a:lstStyle>
-            <a:lvl1pPr algn="l" defTabSz="914400" rtl="0" eaLnBrk="1" latinLnBrk="0" hangingPunct="1">
-              <a:lnSpc>
-                <a:spcPct val="90000"/>
-              </a:lnSpc>
-              <a:spcBef>
-                <a:spcPct val="0"/>
-              </a:spcBef>
-              <a:buNone/>
-              <a:defRPr sz="4400" kern="1200">
-                <a:solidFill>
-                  <a:schemeClr val="tx1"/>
-                </a:solidFill>
-                <a:latin typeface="+mj-lt"/>
-                <a:ea typeface="+mj-ea"/>
-                <a:cs typeface="+mj-cs"/>
-              </a:defRPr>
-            </a:lvl1pPr>
-          </a:lstStyle>
-          <a:p>
-            <a:pPr algn="ctr"/>
-            <a:r>
-              <a:rPr lang="en-US" sz="3200" dirty="0">
-                <a:latin typeface="+mn-lt"/>
-              </a:rPr>
-              <a:t>The Harmonic Series Diverges</a:t>
-            </a:r>
-          </a:p>
-        </p:txBody>
-      </p:sp>
-      <p:pic>
-        <p:nvPicPr>
-          <p:cNvPr id="34" name="Picture 33">
-            <a:extLst>
-              <a:ext uri="{FF2B5EF4-FFF2-40B4-BE49-F238E27FC236}">
-                <a16:creationId xmlns:a16="http://schemas.microsoft.com/office/drawing/2014/main" id="{76385B50-2CC9-EBF9-84CC-418CF8C24DF1}"/>
-              </a:ext>
-            </a:extLst>
-          </p:cNvPr>
-          <p:cNvPicPr>
-            <a:picLocks noChangeAspect="1"/>
-          </p:cNvPicPr>
-          <p:nvPr/>
-        </p:nvPicPr>
-        <p:blipFill rotWithShape="1">
-          <a:blip r:embed="rId2"/>
-          <a:srcRect b="69587"/>
-          <a:stretch/>
-        </p:blipFill>
-        <p:spPr>
-          <a:xfrm>
-            <a:off x="1609662" y="2393746"/>
-            <a:ext cx="5251235" cy="566812"/>
-          </a:xfrm>
-          <a:prstGeom prst="rect">
-            <a:avLst/>
-          </a:prstGeom>
-          <a:ln>
-            <a:noFill/>
-          </a:ln>
-        </p:spPr>
-      </p:pic>
-    </p:spTree>
-    <p:extLst>
-      <p:ext uri="{BB962C8B-B14F-4D97-AF65-F5344CB8AC3E}">
-        <p14:creationId xmlns:p14="http://schemas.microsoft.com/office/powerpoint/2010/main" val="1782130125"/>
-      </p:ext>
-    </p:extLst>
-  </p:cSld>
-  <p:clrMapOvr>
-    <a:masterClrMapping/>
-  </p:clrMapOvr>
-</p:sld>
-</file>
-
 <file path=ppt/slides/slide32.xml><?xml version="1.0" encoding="utf-8"?>
 <p:sld xmlns:a="http://schemas.openxmlformats.org/drawingml/2006/main" xmlns:r="http://schemas.openxmlformats.org/officeDocument/2006/relationships" xmlns:p="http://schemas.openxmlformats.org/presentationml/2006/main">
   <p:cSld>
@@ -15080,13 +17374,13 @@
         </p:nvPicPr>
         <p:blipFill rotWithShape="1">
           <a:blip r:embed="rId2"/>
-          <a:srcRect b="44451"/>
+          <a:srcRect b="69587"/>
           <a:stretch/>
         </p:blipFill>
         <p:spPr>
           <a:xfrm>
-            <a:off x="1609662" y="2393745"/>
-            <a:ext cx="5251235" cy="1035255"/>
+            <a:off x="1609662" y="2393746"/>
+            <a:ext cx="5251235" cy="566812"/>
           </a:xfrm>
           <a:prstGeom prst="rect">
             <a:avLst/>
@@ -15099,7 +17393,7 @@
     </p:spTree>
     <p:extLst>
       <p:ext uri="{BB962C8B-B14F-4D97-AF65-F5344CB8AC3E}">
-        <p14:creationId xmlns:p14="http://schemas.microsoft.com/office/powerpoint/2010/main" val="2774976373"/>
+        <p14:creationId xmlns:p14="http://schemas.microsoft.com/office/powerpoint/2010/main" val="1782130125"/>
       </p:ext>
     </p:extLst>
   </p:cSld>
@@ -15144,6 +17438,148 @@
             <a:fld id="{650AD656-6FF9-465D-B7B0-1CD0DD39CD23}" type="slidenum">
               <a:rPr lang="en-US" smtClean="0"/>
               <a:t>33</a:t>
+            </a:fld>
+            <a:endParaRPr lang="en-US" dirty="0"/>
+          </a:p>
+        </p:txBody>
+      </p:sp>
+      <p:sp>
+        <p:nvSpPr>
+          <p:cNvPr id="7" name="Title 1">
+            <a:extLst>
+              <a:ext uri="{FF2B5EF4-FFF2-40B4-BE49-F238E27FC236}">
+                <a16:creationId xmlns:a16="http://schemas.microsoft.com/office/drawing/2014/main" id="{FFA4614F-6CA5-44D7-AD07-09DC5228602C}"/>
+              </a:ext>
+            </a:extLst>
+          </p:cNvPr>
+          <p:cNvSpPr txBox="1">
+            <a:spLocks/>
+          </p:cNvSpPr>
+          <p:nvPr/>
+        </p:nvSpPr>
+        <p:spPr>
+          <a:xfrm>
+            <a:off x="628650" y="365126"/>
+            <a:ext cx="7886700" cy="1103455"/>
+          </a:xfrm>
+          <a:prstGeom prst="rect">
+            <a:avLst/>
+          </a:prstGeom>
+        </p:spPr>
+        <p:txBody>
+          <a:bodyPr anchor="ctr">
+            <a:noAutofit/>
+          </a:bodyPr>
+          <a:lstStyle>
+            <a:lvl1pPr algn="l" defTabSz="914400" rtl="0" eaLnBrk="1" latinLnBrk="0" hangingPunct="1">
+              <a:lnSpc>
+                <a:spcPct val="90000"/>
+              </a:lnSpc>
+              <a:spcBef>
+                <a:spcPct val="0"/>
+              </a:spcBef>
+              <a:buNone/>
+              <a:defRPr sz="4400" kern="1200">
+                <a:solidFill>
+                  <a:schemeClr val="tx1"/>
+                </a:solidFill>
+                <a:latin typeface="+mj-lt"/>
+                <a:ea typeface="+mj-ea"/>
+                <a:cs typeface="+mj-cs"/>
+              </a:defRPr>
+            </a:lvl1pPr>
+          </a:lstStyle>
+          <a:p>
+            <a:pPr algn="ctr"/>
+            <a:r>
+              <a:rPr lang="en-US" sz="3200" dirty="0">
+                <a:latin typeface="+mn-lt"/>
+              </a:rPr>
+              <a:t>The Harmonic Series Diverges</a:t>
+            </a:r>
+          </a:p>
+        </p:txBody>
+      </p:sp>
+      <p:pic>
+        <p:nvPicPr>
+          <p:cNvPr id="34" name="Picture 33">
+            <a:extLst>
+              <a:ext uri="{FF2B5EF4-FFF2-40B4-BE49-F238E27FC236}">
+                <a16:creationId xmlns:a16="http://schemas.microsoft.com/office/drawing/2014/main" id="{76385B50-2CC9-EBF9-84CC-418CF8C24DF1}"/>
+              </a:ext>
+            </a:extLst>
+          </p:cNvPr>
+          <p:cNvPicPr>
+            <a:picLocks noChangeAspect="1"/>
+          </p:cNvPicPr>
+          <p:nvPr/>
+        </p:nvPicPr>
+        <p:blipFill rotWithShape="1">
+          <a:blip r:embed="rId2"/>
+          <a:srcRect b="44451"/>
+          <a:stretch/>
+        </p:blipFill>
+        <p:spPr>
+          <a:xfrm>
+            <a:off x="1609662" y="2393745"/>
+            <a:ext cx="5251235" cy="1035255"/>
+          </a:xfrm>
+          <a:prstGeom prst="rect">
+            <a:avLst/>
+          </a:prstGeom>
+          <a:ln>
+            <a:noFill/>
+          </a:ln>
+        </p:spPr>
+      </p:pic>
+    </p:spTree>
+    <p:extLst>
+      <p:ext uri="{BB962C8B-B14F-4D97-AF65-F5344CB8AC3E}">
+        <p14:creationId xmlns:p14="http://schemas.microsoft.com/office/powerpoint/2010/main" val="2774976373"/>
+      </p:ext>
+    </p:extLst>
+  </p:cSld>
+  <p:clrMapOvr>
+    <a:masterClrMapping/>
+  </p:clrMapOvr>
+</p:sld>
+</file>
+
+<file path=ppt/slides/slide34.xml><?xml version="1.0" encoding="utf-8"?>
+<p:sld xmlns:a="http://schemas.openxmlformats.org/drawingml/2006/main" xmlns:r="http://schemas.openxmlformats.org/officeDocument/2006/relationships" xmlns:p="http://schemas.openxmlformats.org/presentationml/2006/main">
+  <p:cSld>
+    <p:spTree>
+      <p:nvGrpSpPr>
+        <p:cNvPr id="1" name=""/>
+        <p:cNvGrpSpPr/>
+        <p:nvPr/>
+      </p:nvGrpSpPr>
+      <p:grpSpPr>
+        <a:xfrm>
+          <a:off x="0" y="0"/>
+          <a:ext cx="0" cy="0"/>
+          <a:chOff x="0" y="0"/>
+          <a:chExt cx="0" cy="0"/>
+        </a:xfrm>
+      </p:grpSpPr>
+      <p:sp>
+        <p:nvSpPr>
+          <p:cNvPr id="4" name="Slide Number Placeholder 3"/>
+          <p:cNvSpPr>
+            <a:spLocks noGrp="1"/>
+          </p:cNvSpPr>
+          <p:nvPr>
+            <p:ph type="sldNum" sz="quarter" idx="12"/>
+          </p:nvPr>
+        </p:nvSpPr>
+        <p:spPr/>
+        <p:txBody>
+          <a:bodyPr/>
+          <a:lstStyle/>
+          <a:p>
+            <a:fld id="{650AD656-6FF9-465D-B7B0-1CD0DD39CD23}" type="slidenum">
+              <a:rPr lang="en-US" smtClean="0"/>
+              <a:t>34</a:t>
             </a:fld>
             <a:endParaRPr lang="en-US" dirty="0"/>
           </a:p>
@@ -15379,7 +17815,7 @@
 </p:sld>
 </file>
 
-<file path=ppt/slides/slide34.xml><?xml version="1.0" encoding="utf-8"?>
+<file path=ppt/slides/slide35.xml><?xml version="1.0" encoding="utf-8"?>
 <p:sld xmlns:a="http://schemas.openxmlformats.org/drawingml/2006/main" xmlns:r="http://schemas.openxmlformats.org/officeDocument/2006/relationships" xmlns:p="http://schemas.openxmlformats.org/presentationml/2006/main">
   <p:cSld>
     <p:spTree>
@@ -15413,7 +17849,7 @@
           <a:p>
             <a:fld id="{650AD656-6FF9-465D-B7B0-1CD0DD39CD23}" type="slidenum">
               <a:rPr lang="en-US" smtClean="0"/>
-              <a:t>34</a:t>
+              <a:t>35</a:t>
             </a:fld>
             <a:endParaRPr lang="en-US" dirty="0"/>
           </a:p>
@@ -15986,7 +18422,7 @@
 </p:sld>
 </file>
 
-<file path=ppt/slides/slide35.xml><?xml version="1.0" encoding="utf-8"?>
+<file path=ppt/slides/slide36.xml><?xml version="1.0" encoding="utf-8"?>
 <p:sld xmlns:a="http://schemas.openxmlformats.org/drawingml/2006/main" xmlns:r="http://schemas.openxmlformats.org/officeDocument/2006/relationships" xmlns:p="http://schemas.openxmlformats.org/presentationml/2006/main">
   <p:cSld>
     <p:spTree>
@@ -16020,7 +18456,7 @@
           <a:p>
             <a:fld id="{650AD656-6FF9-465D-B7B0-1CD0DD39CD23}" type="slidenum">
               <a:rPr lang="en-US" smtClean="0"/>
-              <a:t>35</a:t>
+              <a:t>36</a:t>
             </a:fld>
             <a:endParaRPr lang="en-US" dirty="0"/>
           </a:p>
@@ -17893,7 +20329,7 @@
 </p:sld>
 </file>
 
-<file path=ppt/slides/slide36.xml><?xml version="1.0" encoding="utf-8"?>
+<file path=ppt/slides/slide37.xml><?xml version="1.0" encoding="utf-8"?>
 <p:sld xmlns:a="http://schemas.openxmlformats.org/drawingml/2006/main" xmlns:r="http://schemas.openxmlformats.org/officeDocument/2006/relationships" xmlns:p="http://schemas.openxmlformats.org/presentationml/2006/main">
   <p:cSld>
     <p:spTree>
@@ -17934,7 +20370,7 @@
                 </a:solidFill>
               </a:rPr>
               <a:pPr/>
-              <a:t>36</a:t>
+              <a:t>37</a:t>
             </a:fld>
             <a:endParaRPr lang="en-US" dirty="0">
               <a:solidFill>
@@ -18221,7 +20657,7 @@
 </p:sld>
 </file>
 
-<file path=ppt/slides/slide37.xml><?xml version="1.0" encoding="utf-8"?>
+<file path=ppt/slides/slide38.xml><?xml version="1.0" encoding="utf-8"?>
 <p:sld xmlns:a="http://schemas.openxmlformats.org/drawingml/2006/main" xmlns:r="http://schemas.openxmlformats.org/officeDocument/2006/relationships" xmlns:p="http://schemas.openxmlformats.org/presentationml/2006/main">
   <p:cSld>
     <p:spTree>
@@ -18468,7 +20904,7 @@
             <a:fld id="{650AD656-6FF9-465D-B7B0-1CD0DD39CD23}" type="slidenum">
               <a:rPr lang="en-US" smtClean="0"/>
               <a:pPr/>
-              <a:t>37</a:t>
+              <a:t>38</a:t>
             </a:fld>
             <a:endParaRPr lang="en-US" dirty="0"/>
           </a:p>
@@ -19662,7 +22098,7 @@
 </p:sld>
 </file>
 
-<file path=ppt/slides/slide38.xml><?xml version="1.0" encoding="utf-8"?>
+<file path=ppt/slides/slide39.xml><?xml version="1.0" encoding="utf-8"?>
 <p:sld xmlns:a="http://schemas.openxmlformats.org/drawingml/2006/main" xmlns:r="http://schemas.openxmlformats.org/officeDocument/2006/relationships" xmlns:p="http://schemas.openxmlformats.org/presentationml/2006/main">
   <p:cSld>
     <p:spTree>
@@ -19732,7 +22168,7 @@
           <a:p>
             <a:fld id="{650AD656-6FF9-465D-B7B0-1CD0DD39CD23}" type="slidenum">
               <a:rPr lang="en-US" smtClean="0"/>
-              <a:t>38</a:t>
+              <a:t>39</a:t>
             </a:fld>
             <a:endParaRPr lang="en-US" dirty="0"/>
           </a:p>
@@ -22171,7 +24607,278 @@
 </p:sld>
 </file>
 
-<file path=ppt/slides/slide39.xml><?xml version="1.0" encoding="utf-8"?>
+<file path=ppt/slides/slide4.xml><?xml version="1.0" encoding="utf-8"?>
+<p:sld xmlns:a="http://schemas.openxmlformats.org/drawingml/2006/main" xmlns:r="http://schemas.openxmlformats.org/officeDocument/2006/relationships" xmlns:p="http://schemas.openxmlformats.org/presentationml/2006/main">
+  <p:cSld>
+    <p:spTree>
+      <p:nvGrpSpPr>
+        <p:cNvPr id="1" name=""/>
+        <p:cNvGrpSpPr/>
+        <p:nvPr/>
+      </p:nvGrpSpPr>
+      <p:grpSpPr>
+        <a:xfrm>
+          <a:off x="0" y="0"/>
+          <a:ext cx="0" cy="0"/>
+          <a:chOff x="0" y="0"/>
+          <a:chExt cx="0" cy="0"/>
+        </a:xfrm>
+      </p:grpSpPr>
+      <p:pic>
+        <p:nvPicPr>
+          <p:cNvPr id="8" name="Picture 7">
+            <a:extLst>
+              <a:ext uri="{FF2B5EF4-FFF2-40B4-BE49-F238E27FC236}">
+                <a16:creationId xmlns:a16="http://schemas.microsoft.com/office/drawing/2014/main" id="{A73E1F1E-20BF-42B2-B9AE-F806AB3C9958}"/>
+              </a:ext>
+            </a:extLst>
+          </p:cNvPr>
+          <p:cNvPicPr>
+            <a:picLocks noChangeAspect="1"/>
+          </p:cNvPicPr>
+          <p:nvPr/>
+        </p:nvPicPr>
+        <p:blipFill>
+          <a:blip r:embed="rId3"/>
+          <a:stretch>
+            <a:fillRect/>
+          </a:stretch>
+        </p:blipFill>
+        <p:spPr>
+          <a:xfrm>
+            <a:off x="1742852" y="1277939"/>
+            <a:ext cx="5658294" cy="5366209"/>
+          </a:xfrm>
+          <a:prstGeom prst="rect">
+            <a:avLst/>
+          </a:prstGeom>
+          <a:ln>
+            <a:solidFill>
+              <a:schemeClr val="tx1"/>
+            </a:solidFill>
+          </a:ln>
+        </p:spPr>
+      </p:pic>
+      <p:sp>
+        <p:nvSpPr>
+          <p:cNvPr id="4" name="Slide Number Placeholder 3"/>
+          <p:cNvSpPr>
+            <a:spLocks noGrp="1"/>
+          </p:cNvSpPr>
+          <p:nvPr>
+            <p:ph type="sldNum" sz="quarter" idx="12"/>
+          </p:nvPr>
+        </p:nvSpPr>
+        <p:spPr/>
+        <p:txBody>
+          <a:bodyPr/>
+          <a:lstStyle/>
+          <a:p>
+            <a:fld id="{650AD656-6FF9-465D-B7B0-1CD0DD39CD23}" type="slidenum">
+              <a:rPr lang="en-US" smtClean="0"/>
+              <a:t>4</a:t>
+            </a:fld>
+            <a:endParaRPr lang="en-US"/>
+          </a:p>
+        </p:txBody>
+      </p:sp>
+      <p:sp>
+        <p:nvSpPr>
+          <p:cNvPr id="11" name="TextBox 10">
+            <a:extLst>
+              <a:ext uri="{FF2B5EF4-FFF2-40B4-BE49-F238E27FC236}">
+                <a16:creationId xmlns:a16="http://schemas.microsoft.com/office/drawing/2014/main" id="{50115AEA-EDD1-432A-B3AC-64B348E9C427}"/>
+              </a:ext>
+            </a:extLst>
+          </p:cNvPr>
+          <p:cNvSpPr txBox="1"/>
+          <p:nvPr/>
+        </p:nvSpPr>
+        <p:spPr>
+          <a:xfrm>
+            <a:off x="2993922" y="714058"/>
+            <a:ext cx="3156155" cy="369332"/>
+          </a:xfrm>
+          <a:prstGeom prst="rect">
+            <a:avLst/>
+          </a:prstGeom>
+          <a:noFill/>
+        </p:spPr>
+        <p:txBody>
+          <a:bodyPr wrap="square" rtlCol="0">
+            <a:spAutoFit/>
+          </a:bodyPr>
+          <a:lstStyle/>
+          <a:p>
+            <a:pPr algn="ctr"/>
+            <a:r>
+              <a:rPr lang="en-US" dirty="0">
+                <a:hlinkClick r:id="rId4"/>
+              </a:rPr>
+              <a:t>https://matplotlib.org</a:t>
+            </a:r>
+            <a:r>
+              <a:rPr lang="en-US" dirty="0"/>
+              <a:t>  </a:t>
+            </a:r>
+          </a:p>
+        </p:txBody>
+      </p:sp>
+      <p:sp>
+        <p:nvSpPr>
+          <p:cNvPr id="5" name="Rectangle 4">
+            <a:extLst>
+              <a:ext uri="{FF2B5EF4-FFF2-40B4-BE49-F238E27FC236}">
+                <a16:creationId xmlns:a16="http://schemas.microsoft.com/office/drawing/2014/main" id="{0E06B530-5900-415F-8909-0D3FE4F41FDB}"/>
+              </a:ext>
+            </a:extLst>
+          </p:cNvPr>
+          <p:cNvSpPr/>
+          <p:nvPr/>
+        </p:nvSpPr>
+        <p:spPr>
+          <a:xfrm>
+            <a:off x="1799303" y="3156156"/>
+            <a:ext cx="4564626" cy="250722"/>
+          </a:xfrm>
+          <a:prstGeom prst="rect">
+            <a:avLst/>
+          </a:prstGeom>
+          <a:noFill/>
+          <a:ln w="38100">
+            <a:solidFill>
+              <a:srgbClr val="FF0000"/>
+            </a:solidFill>
+          </a:ln>
+        </p:spPr>
+        <p:style>
+          <a:lnRef idx="2">
+            <a:schemeClr val="accent1">
+              <a:shade val="50000"/>
+            </a:schemeClr>
+          </a:lnRef>
+          <a:fillRef idx="1">
+            <a:schemeClr val="accent1"/>
+          </a:fillRef>
+          <a:effectRef idx="0">
+            <a:schemeClr val="accent1"/>
+          </a:effectRef>
+          <a:fontRef idx="minor">
+            <a:schemeClr val="lt1"/>
+          </a:fontRef>
+        </p:style>
+        <p:txBody>
+          <a:bodyPr rtlCol="0" anchor="ctr"/>
+          <a:lstStyle/>
+          <a:p>
+            <a:pPr algn="ctr"/>
+            <a:endParaRPr lang="en-US"/>
+          </a:p>
+        </p:txBody>
+      </p:sp>
+    </p:spTree>
+    <p:extLst>
+      <p:ext uri="{BB962C8B-B14F-4D97-AF65-F5344CB8AC3E}">
+        <p14:creationId xmlns:p14="http://schemas.microsoft.com/office/powerpoint/2010/main" val="2176795366"/>
+      </p:ext>
+    </p:extLst>
+  </p:cSld>
+  <p:clrMapOvr>
+    <a:masterClrMapping/>
+  </p:clrMapOvr>
+  <p:timing>
+    <p:tnLst>
+      <p:par>
+        <p:cTn id="1" dur="indefinite" restart="never" nodeType="tmRoot">
+          <p:childTnLst>
+            <p:seq concurrent="1" nextAc="seek">
+              <p:cTn id="2" dur="indefinite" nodeType="mainSeq">
+                <p:childTnLst>
+                  <p:par>
+                    <p:cTn id="3" fill="hold">
+                      <p:stCondLst>
+                        <p:cond delay="indefinite"/>
+                        <p:cond evt="onBegin" delay="0">
+                          <p:tn val="2"/>
+                        </p:cond>
+                      </p:stCondLst>
+                      <p:childTnLst>
+                        <p:par>
+                          <p:cTn id="4" fill="hold">
+                            <p:stCondLst>
+                              <p:cond delay="0"/>
+                            </p:stCondLst>
+                            <p:childTnLst>
+                              <p:par>
+                                <p:cTn id="5" presetID="16" presetClass="entr" presetSubtype="21" fill="hold" grpId="0" nodeType="afterEffect">
+                                  <p:stCondLst>
+                                    <p:cond delay="0"/>
+                                  </p:stCondLst>
+                                  <p:childTnLst>
+                                    <p:set>
+                                      <p:cBhvr>
+                                        <p:cTn id="6" dur="1" fill="hold">
+                                          <p:stCondLst>
+                                            <p:cond delay="0"/>
+                                          </p:stCondLst>
+                                        </p:cTn>
+                                        <p:tgtEl>
+                                          <p:spTgt spid="5"/>
+                                        </p:tgtEl>
+                                        <p:attrNameLst>
+                                          <p:attrName>style.visibility</p:attrName>
+                                        </p:attrNameLst>
+                                      </p:cBhvr>
+                                      <p:to>
+                                        <p:strVal val="visible"/>
+                                      </p:to>
+                                    </p:set>
+                                    <p:animEffect transition="in" filter="barn(inVertical)">
+                                      <p:cBhvr>
+                                        <p:cTn id="7" dur="500"/>
+                                        <p:tgtEl>
+                                          <p:spTgt spid="5"/>
+                                        </p:tgtEl>
+                                      </p:cBhvr>
+                                    </p:animEffect>
+                                  </p:childTnLst>
+                                </p:cTn>
+                              </p:par>
+                            </p:childTnLst>
+                          </p:cTn>
+                        </p:par>
+                      </p:childTnLst>
+                    </p:cTn>
+                  </p:par>
+                </p:childTnLst>
+              </p:cTn>
+              <p:prevCondLst>
+                <p:cond evt="onPrev" delay="0">
+                  <p:tgtEl>
+                    <p:sldTgt/>
+                  </p:tgtEl>
+                </p:cond>
+              </p:prevCondLst>
+              <p:nextCondLst>
+                <p:cond evt="onNext" delay="0">
+                  <p:tgtEl>
+                    <p:sldTgt/>
+                  </p:tgtEl>
+                </p:cond>
+              </p:nextCondLst>
+            </p:seq>
+          </p:childTnLst>
+        </p:cTn>
+      </p:par>
+    </p:tnLst>
+    <p:bldLst>
+      <p:bldP spid="5" grpId="0" animBg="1"/>
+    </p:bldLst>
+  </p:timing>
+</p:sld>
+</file>
+
+<file path=ppt/slides/slide40.xml><?xml version="1.0" encoding="utf-8"?>
 <p:sld xmlns:a="http://schemas.openxmlformats.org/drawingml/2006/main" xmlns:r="http://schemas.openxmlformats.org/officeDocument/2006/relationships" xmlns:p="http://schemas.openxmlformats.org/presentationml/2006/main">
   <p:cSld>
     <p:spTree>
@@ -22271,7 +24978,7 @@
           <a:p>
             <a:fld id="{650AD656-6FF9-465D-B7B0-1CD0DD39CD23}" type="slidenum">
               <a:rPr lang="en-US" smtClean="0"/>
-              <a:t>39</a:t>
+              <a:t>40</a:t>
             </a:fld>
             <a:endParaRPr lang="en-US" dirty="0"/>
           </a:p>
@@ -22319,8 +25026,8 @@
           </a:effectLst>
         </p:spPr>
       </p:pic>
-      <mc:AlternateContent xmlns:mc="http://schemas.openxmlformats.org/markup-compatibility/2006">
-        <mc:Choice xmlns:a14="http://schemas.microsoft.com/office/drawing/2010/main" Requires="a14">
+      <mc:AlternateContent xmlns:mc="http://schemas.openxmlformats.org/markup-compatibility/2006" xmlns:a14="http://schemas.microsoft.com/office/drawing/2010/main">
+        <mc:Choice Requires="a14">
           <p:sp>
             <p:nvSpPr>
               <p:cNvPr id="9" name="TextBox 8">
@@ -22386,7 +25093,7 @@
             </p:txBody>
           </p:sp>
         </mc:Choice>
-        <mc:Fallback>
+        <mc:Fallback xmlns="">
           <p:sp>
             <p:nvSpPr>
               <p:cNvPr id="9" name="TextBox 8">
@@ -22827,278 +25534,7 @@
 </p:sld>
 </file>
 
-<file path=ppt/slides/slide4.xml><?xml version="1.0" encoding="utf-8"?>
-<p:sld xmlns:a="http://schemas.openxmlformats.org/drawingml/2006/main" xmlns:r="http://schemas.openxmlformats.org/officeDocument/2006/relationships" xmlns:p="http://schemas.openxmlformats.org/presentationml/2006/main">
-  <p:cSld>
-    <p:spTree>
-      <p:nvGrpSpPr>
-        <p:cNvPr id="1" name=""/>
-        <p:cNvGrpSpPr/>
-        <p:nvPr/>
-      </p:nvGrpSpPr>
-      <p:grpSpPr>
-        <a:xfrm>
-          <a:off x="0" y="0"/>
-          <a:ext cx="0" cy="0"/>
-          <a:chOff x="0" y="0"/>
-          <a:chExt cx="0" cy="0"/>
-        </a:xfrm>
-      </p:grpSpPr>
-      <p:pic>
-        <p:nvPicPr>
-          <p:cNvPr id="8" name="Picture 7">
-            <a:extLst>
-              <a:ext uri="{FF2B5EF4-FFF2-40B4-BE49-F238E27FC236}">
-                <a16:creationId xmlns:a16="http://schemas.microsoft.com/office/drawing/2014/main" id="{A73E1F1E-20BF-42B2-B9AE-F806AB3C9958}"/>
-              </a:ext>
-            </a:extLst>
-          </p:cNvPr>
-          <p:cNvPicPr>
-            <a:picLocks noChangeAspect="1"/>
-          </p:cNvPicPr>
-          <p:nvPr/>
-        </p:nvPicPr>
-        <p:blipFill>
-          <a:blip r:embed="rId3"/>
-          <a:stretch>
-            <a:fillRect/>
-          </a:stretch>
-        </p:blipFill>
-        <p:spPr>
-          <a:xfrm>
-            <a:off x="1742852" y="1277939"/>
-            <a:ext cx="5658294" cy="5366209"/>
-          </a:xfrm>
-          <a:prstGeom prst="rect">
-            <a:avLst/>
-          </a:prstGeom>
-          <a:ln>
-            <a:solidFill>
-              <a:schemeClr val="tx1"/>
-            </a:solidFill>
-          </a:ln>
-        </p:spPr>
-      </p:pic>
-      <p:sp>
-        <p:nvSpPr>
-          <p:cNvPr id="4" name="Slide Number Placeholder 3"/>
-          <p:cNvSpPr>
-            <a:spLocks noGrp="1"/>
-          </p:cNvSpPr>
-          <p:nvPr>
-            <p:ph type="sldNum" sz="quarter" idx="12"/>
-          </p:nvPr>
-        </p:nvSpPr>
-        <p:spPr/>
-        <p:txBody>
-          <a:bodyPr/>
-          <a:lstStyle/>
-          <a:p>
-            <a:fld id="{650AD656-6FF9-465D-B7B0-1CD0DD39CD23}" type="slidenum">
-              <a:rPr lang="en-US" smtClean="0"/>
-              <a:t>4</a:t>
-            </a:fld>
-            <a:endParaRPr lang="en-US"/>
-          </a:p>
-        </p:txBody>
-      </p:sp>
-      <p:sp>
-        <p:nvSpPr>
-          <p:cNvPr id="11" name="TextBox 10">
-            <a:extLst>
-              <a:ext uri="{FF2B5EF4-FFF2-40B4-BE49-F238E27FC236}">
-                <a16:creationId xmlns:a16="http://schemas.microsoft.com/office/drawing/2014/main" id="{50115AEA-EDD1-432A-B3AC-64B348E9C427}"/>
-              </a:ext>
-            </a:extLst>
-          </p:cNvPr>
-          <p:cNvSpPr txBox="1"/>
-          <p:nvPr/>
-        </p:nvSpPr>
-        <p:spPr>
-          <a:xfrm>
-            <a:off x="2993922" y="714058"/>
-            <a:ext cx="3156155" cy="369332"/>
-          </a:xfrm>
-          <a:prstGeom prst="rect">
-            <a:avLst/>
-          </a:prstGeom>
-          <a:noFill/>
-        </p:spPr>
-        <p:txBody>
-          <a:bodyPr wrap="square" rtlCol="0">
-            <a:spAutoFit/>
-          </a:bodyPr>
-          <a:lstStyle/>
-          <a:p>
-            <a:pPr algn="ctr"/>
-            <a:r>
-              <a:rPr lang="en-US" dirty="0">
-                <a:hlinkClick r:id="rId4"/>
-              </a:rPr>
-              <a:t>https://matplotlib.org</a:t>
-            </a:r>
-            <a:r>
-              <a:rPr lang="en-US" dirty="0"/>
-              <a:t>  </a:t>
-            </a:r>
-          </a:p>
-        </p:txBody>
-      </p:sp>
-      <p:sp>
-        <p:nvSpPr>
-          <p:cNvPr id="5" name="Rectangle 4">
-            <a:extLst>
-              <a:ext uri="{FF2B5EF4-FFF2-40B4-BE49-F238E27FC236}">
-                <a16:creationId xmlns:a16="http://schemas.microsoft.com/office/drawing/2014/main" id="{0E06B530-5900-415F-8909-0D3FE4F41FDB}"/>
-              </a:ext>
-            </a:extLst>
-          </p:cNvPr>
-          <p:cNvSpPr/>
-          <p:nvPr/>
-        </p:nvSpPr>
-        <p:spPr>
-          <a:xfrm>
-            <a:off x="1799303" y="3156156"/>
-            <a:ext cx="4564626" cy="250722"/>
-          </a:xfrm>
-          <a:prstGeom prst="rect">
-            <a:avLst/>
-          </a:prstGeom>
-          <a:noFill/>
-          <a:ln w="38100">
-            <a:solidFill>
-              <a:srgbClr val="FF0000"/>
-            </a:solidFill>
-          </a:ln>
-        </p:spPr>
-        <p:style>
-          <a:lnRef idx="2">
-            <a:schemeClr val="accent1">
-              <a:shade val="50000"/>
-            </a:schemeClr>
-          </a:lnRef>
-          <a:fillRef idx="1">
-            <a:schemeClr val="accent1"/>
-          </a:fillRef>
-          <a:effectRef idx="0">
-            <a:schemeClr val="accent1"/>
-          </a:effectRef>
-          <a:fontRef idx="minor">
-            <a:schemeClr val="lt1"/>
-          </a:fontRef>
-        </p:style>
-        <p:txBody>
-          <a:bodyPr rtlCol="0" anchor="ctr"/>
-          <a:lstStyle/>
-          <a:p>
-            <a:pPr algn="ctr"/>
-            <a:endParaRPr lang="en-US"/>
-          </a:p>
-        </p:txBody>
-      </p:sp>
-    </p:spTree>
-    <p:extLst>
-      <p:ext uri="{BB962C8B-B14F-4D97-AF65-F5344CB8AC3E}">
-        <p14:creationId xmlns:p14="http://schemas.microsoft.com/office/powerpoint/2010/main" val="2176795366"/>
-      </p:ext>
-    </p:extLst>
-  </p:cSld>
-  <p:clrMapOvr>
-    <a:masterClrMapping/>
-  </p:clrMapOvr>
-  <p:timing>
-    <p:tnLst>
-      <p:par>
-        <p:cTn id="1" dur="indefinite" restart="never" nodeType="tmRoot">
-          <p:childTnLst>
-            <p:seq concurrent="1" nextAc="seek">
-              <p:cTn id="2" dur="indefinite" nodeType="mainSeq">
-                <p:childTnLst>
-                  <p:par>
-                    <p:cTn id="3" fill="hold">
-                      <p:stCondLst>
-                        <p:cond delay="indefinite"/>
-                        <p:cond evt="onBegin" delay="0">
-                          <p:tn val="2"/>
-                        </p:cond>
-                      </p:stCondLst>
-                      <p:childTnLst>
-                        <p:par>
-                          <p:cTn id="4" fill="hold">
-                            <p:stCondLst>
-                              <p:cond delay="0"/>
-                            </p:stCondLst>
-                            <p:childTnLst>
-                              <p:par>
-                                <p:cTn id="5" presetID="16" presetClass="entr" presetSubtype="21" fill="hold" grpId="0" nodeType="afterEffect">
-                                  <p:stCondLst>
-                                    <p:cond delay="0"/>
-                                  </p:stCondLst>
-                                  <p:childTnLst>
-                                    <p:set>
-                                      <p:cBhvr>
-                                        <p:cTn id="6" dur="1" fill="hold">
-                                          <p:stCondLst>
-                                            <p:cond delay="0"/>
-                                          </p:stCondLst>
-                                        </p:cTn>
-                                        <p:tgtEl>
-                                          <p:spTgt spid="5"/>
-                                        </p:tgtEl>
-                                        <p:attrNameLst>
-                                          <p:attrName>style.visibility</p:attrName>
-                                        </p:attrNameLst>
-                                      </p:cBhvr>
-                                      <p:to>
-                                        <p:strVal val="visible"/>
-                                      </p:to>
-                                    </p:set>
-                                    <p:animEffect transition="in" filter="barn(inVertical)">
-                                      <p:cBhvr>
-                                        <p:cTn id="7" dur="500"/>
-                                        <p:tgtEl>
-                                          <p:spTgt spid="5"/>
-                                        </p:tgtEl>
-                                      </p:cBhvr>
-                                    </p:animEffect>
-                                  </p:childTnLst>
-                                </p:cTn>
-                              </p:par>
-                            </p:childTnLst>
-                          </p:cTn>
-                        </p:par>
-                      </p:childTnLst>
-                    </p:cTn>
-                  </p:par>
-                </p:childTnLst>
-              </p:cTn>
-              <p:prevCondLst>
-                <p:cond evt="onPrev" delay="0">
-                  <p:tgtEl>
-                    <p:sldTgt/>
-                  </p:tgtEl>
-                </p:cond>
-              </p:prevCondLst>
-              <p:nextCondLst>
-                <p:cond evt="onNext" delay="0">
-                  <p:tgtEl>
-                    <p:sldTgt/>
-                  </p:tgtEl>
-                </p:cond>
-              </p:nextCondLst>
-            </p:seq>
-          </p:childTnLst>
-        </p:cTn>
-      </p:par>
-    </p:tnLst>
-    <p:bldLst>
-      <p:bldP spid="5" grpId="0" animBg="1"/>
-    </p:bldLst>
-  </p:timing>
-</p:sld>
-</file>
-
-<file path=ppt/slides/slide40.xml><?xml version="1.0" encoding="utf-8"?>
+<file path=ppt/slides/slide41.xml><?xml version="1.0" encoding="utf-8"?>
 <p:sld xmlns:a="http://schemas.openxmlformats.org/drawingml/2006/main" xmlns:r="http://schemas.openxmlformats.org/officeDocument/2006/relationships" xmlns:p="http://schemas.openxmlformats.org/presentationml/2006/main">
   <p:cSld>
     <p:spTree>
@@ -23180,7 +25616,7 @@
                 </a:solidFill>
               </a:rPr>
               <a:pPr/>
-              <a:t>40</a:t>
+              <a:t>41</a:t>
             </a:fld>
             <a:endParaRPr lang="en-US" dirty="0">
               <a:solidFill>
@@ -24214,7 +26650,7 @@
 </p:sld>
 </file>
 
-<file path=ppt/slides/slide41.xml><?xml version="1.0" encoding="utf-8"?>
+<file path=ppt/slides/slide42.xml><?xml version="1.0" encoding="utf-8"?>
 <p:sld xmlns:a="http://schemas.openxmlformats.org/drawingml/2006/main" xmlns:r="http://schemas.openxmlformats.org/officeDocument/2006/relationships" xmlns:p="http://schemas.openxmlformats.org/presentationml/2006/main">
   <p:cSld>
     <p:spTree>
@@ -24455,7 +26891,7 @@
             <a:fld id="{650AD656-6FF9-465D-B7B0-1CD0DD39CD23}" type="slidenum">
               <a:rPr lang="en-US" smtClean="0"/>
               <a:pPr/>
-              <a:t>41</a:t>
+              <a:t>42</a:t>
             </a:fld>
             <a:endParaRPr lang="en-US"/>
           </a:p>
@@ -24602,7 +27038,7 @@
 </p:sld>
 </file>
 
-<file path=ppt/slides/slide42.xml><?xml version="1.0" encoding="utf-8"?>
+<file path=ppt/slides/slide43.xml><?xml version="1.0" encoding="utf-8"?>
 <p:sld xmlns:a="http://schemas.openxmlformats.org/drawingml/2006/main" xmlns:r="http://schemas.openxmlformats.org/officeDocument/2006/relationships" xmlns:p="http://schemas.openxmlformats.org/presentationml/2006/main">
   <p:cSld>
     <p:spTree>
@@ -24692,7 +27128,7 @@
           <a:p>
             <a:fld id="{650AD656-6FF9-465D-B7B0-1CD0DD39CD23}" type="slidenum">
               <a:rPr lang="en-US" smtClean="0"/>
-              <a:t>42</a:t>
+              <a:t>43</a:t>
             </a:fld>
             <a:endParaRPr lang="en-US" dirty="0"/>
           </a:p>
@@ -27301,7 +29737,7 @@
 </p:sld>
 </file>
 
-<file path=ppt/slides/slide43.xml><?xml version="1.0" encoding="utf-8"?>
+<file path=ppt/slides/slide44.xml><?xml version="1.0" encoding="utf-8"?>
 <p:sld xmlns:a="http://schemas.openxmlformats.org/drawingml/2006/main" xmlns:r="http://schemas.openxmlformats.org/officeDocument/2006/relationships" xmlns:p="http://schemas.openxmlformats.org/presentationml/2006/main">
   <p:cSld>
     <p:spTree>
@@ -27371,7 +29807,7 @@
           <a:p>
             <a:fld id="{650AD656-6FF9-465D-B7B0-1CD0DD39CD23}" type="slidenum">
               <a:rPr lang="en-US" smtClean="0"/>
-              <a:t>43</a:t>
+              <a:t>44</a:t>
             </a:fld>
             <a:endParaRPr lang="en-US" dirty="0"/>
           </a:p>
@@ -29317,7 +31753,7 @@
 </p:sld>
 </file>
 
-<file path=ppt/slides/slide44.xml><?xml version="1.0" encoding="utf-8"?>
+<file path=ppt/slides/slide45.xml><?xml version="1.0" encoding="utf-8"?>
 <p:sld xmlns:a="http://schemas.openxmlformats.org/drawingml/2006/main" xmlns:r="http://schemas.openxmlformats.org/officeDocument/2006/relationships" xmlns:p="http://schemas.openxmlformats.org/presentationml/2006/main">
   <p:cSld>
     <p:spTree>
@@ -29434,7 +31870,7 @@
                 </a:solidFill>
               </a:rPr>
               <a:pPr/>
-              <a:t>44</a:t>
+              <a:t>45</a:t>
             </a:fld>
             <a:endParaRPr lang="en-US" dirty="0">
               <a:solidFill>
@@ -30225,7 +32661,7 @@
 </p:sld>
 </file>
 
-<file path=ppt/slides/slide45.xml><?xml version="1.0" encoding="utf-8"?>
+<file path=ppt/slides/slide46.xml><?xml version="1.0" encoding="utf-8"?>
 <p:sld xmlns:a="http://schemas.openxmlformats.org/drawingml/2006/main" xmlns:r="http://schemas.openxmlformats.org/officeDocument/2006/relationships" xmlns:p="http://schemas.openxmlformats.org/presentationml/2006/main">
   <p:cSld>
     <p:spTree>
@@ -30556,7 +32992,7 @@
           <a:p>
             <a:fld id="{650AD656-6FF9-465D-B7B0-1CD0DD39CD23}" type="slidenum">
               <a:rPr lang="en-US" smtClean="0"/>
-              <a:t>45</a:t>
+              <a:t>46</a:t>
             </a:fld>
             <a:endParaRPr lang="en-US" dirty="0"/>
           </a:p>
@@ -30801,7 +33237,7 @@
 </p:sld>
 </file>
 
-<file path=ppt/slides/slide46.xml><?xml version="1.0" encoding="utf-8"?>
+<file path=ppt/slides/slide47.xml><?xml version="1.0" encoding="utf-8"?>
 <p:sld xmlns:a="http://schemas.openxmlformats.org/drawingml/2006/main" xmlns:r="http://schemas.openxmlformats.org/officeDocument/2006/relationships" xmlns:p="http://schemas.openxmlformats.org/presentationml/2006/main">
   <p:cSld>
     <p:spTree>
@@ -31388,7 +33824,7 @@
             <a:fld id="{650AD656-6FF9-465D-B7B0-1CD0DD39CD23}" type="slidenum">
               <a:rPr lang="en-US" smtClean="0"/>
               <a:pPr/>
-              <a:t>46</a:t>
+              <a:t>47</a:t>
             </a:fld>
             <a:endParaRPr lang="en-US"/>
           </a:p>
@@ -31748,6 +34184,258 @@
           <a:chExt cx="0" cy="0"/>
         </a:xfrm>
       </p:grpSpPr>
+      <p:sp>
+        <p:nvSpPr>
+          <p:cNvPr id="4" name="Slide Number Placeholder 3"/>
+          <p:cNvSpPr>
+            <a:spLocks noGrp="1"/>
+          </p:cNvSpPr>
+          <p:nvPr>
+            <p:ph type="sldNum" sz="quarter" idx="12"/>
+          </p:nvPr>
+        </p:nvSpPr>
+        <p:spPr/>
+        <p:txBody>
+          <a:bodyPr/>
+          <a:lstStyle/>
+          <a:p>
+            <a:fld id="{650AD656-6FF9-465D-B7B0-1CD0DD39CD23}" type="slidenum">
+              <a:rPr lang="en-US" smtClean="0"/>
+              <a:t>5</a:t>
+            </a:fld>
+            <a:endParaRPr lang="en-US" dirty="0"/>
+          </a:p>
+        </p:txBody>
+      </p:sp>
+      <p:pic>
+        <p:nvPicPr>
+          <p:cNvPr id="45" name="Picture 44">
+            <a:extLst>
+              <a:ext uri="{FF2B5EF4-FFF2-40B4-BE49-F238E27FC236}">
+                <a16:creationId xmlns:a16="http://schemas.microsoft.com/office/drawing/2014/main" id="{548AC1BF-07EC-4001-B09A-963CE289DACD}"/>
+              </a:ext>
+            </a:extLst>
+          </p:cNvPr>
+          <p:cNvPicPr>
+            <a:picLocks noChangeAspect="1"/>
+          </p:cNvPicPr>
+          <p:nvPr/>
+        </p:nvPicPr>
+        <p:blipFill rotWithShape="1">
+          <a:blip r:embed="rId2"/>
+          <a:srcRect r="276"/>
+          <a:stretch/>
+        </p:blipFill>
+        <p:spPr>
+          <a:xfrm>
+            <a:off x="2499335" y="1690689"/>
+            <a:ext cx="4145330" cy="4329560"/>
+          </a:xfrm>
+          <a:prstGeom prst="rect">
+            <a:avLst/>
+          </a:prstGeom>
+        </p:spPr>
+      </p:pic>
+      <p:sp>
+        <p:nvSpPr>
+          <p:cNvPr id="7" name="Title 1">
+            <a:extLst>
+              <a:ext uri="{FF2B5EF4-FFF2-40B4-BE49-F238E27FC236}">
+                <a16:creationId xmlns:a16="http://schemas.microsoft.com/office/drawing/2014/main" id="{4607274B-43E7-683E-54F1-5F13703A11CE}"/>
+              </a:ext>
+            </a:extLst>
+          </p:cNvPr>
+          <p:cNvSpPr>
+            <a:spLocks noGrp="1"/>
+          </p:cNvSpPr>
+          <p:nvPr>
+            <p:ph type="title"/>
+          </p:nvPr>
+        </p:nvSpPr>
+        <p:spPr>
+          <a:xfrm>
+            <a:off x="628650" y="365126"/>
+            <a:ext cx="7886700" cy="1325563"/>
+          </a:xfrm>
+        </p:spPr>
+        <p:txBody>
+          <a:bodyPr>
+            <a:normAutofit/>
+          </a:bodyPr>
+          <a:lstStyle/>
+          <a:p>
+            <a:pPr algn="ctr"/>
+            <a:r>
+              <a:rPr lang="en-US" sz="3200" dirty="0">
+                <a:latin typeface="+mn-lt"/>
+              </a:rPr>
+              <a:t>Matplotlib Container Hierarchy</a:t>
+            </a:r>
+          </a:p>
+        </p:txBody>
+      </p:sp>
+    </p:spTree>
+    <p:extLst>
+      <p:ext uri="{BB962C8B-B14F-4D97-AF65-F5344CB8AC3E}">
+        <p14:creationId xmlns:p14="http://schemas.microsoft.com/office/powerpoint/2010/main" val="898233011"/>
+      </p:ext>
+    </p:extLst>
+  </p:cSld>
+  <p:clrMapOvr>
+    <a:masterClrMapping/>
+  </p:clrMapOvr>
+  <p:timing>
+    <p:tnLst>
+      <p:par>
+        <p:cTn id="1" dur="indefinite" restart="never" nodeType="tmRoot">
+          <p:childTnLst>
+            <p:seq concurrent="1" nextAc="seek">
+              <p:cTn id="2" dur="indefinite" nodeType="mainSeq">
+                <p:childTnLst>
+                  <p:par>
+                    <p:cTn id="3" fill="hold">
+                      <p:stCondLst>
+                        <p:cond delay="indefinite"/>
+                        <p:cond evt="onBegin" delay="0">
+                          <p:tn val="2"/>
+                        </p:cond>
+                      </p:stCondLst>
+                      <p:childTnLst>
+                        <p:par>
+                          <p:cTn id="4" fill="hold">
+                            <p:stCondLst>
+                              <p:cond delay="0"/>
+                            </p:stCondLst>
+                            <p:childTnLst>
+                              <p:par>
+                                <p:cTn id="5" presetID="53" presetClass="entr" presetSubtype="16" fill="hold" nodeType="afterEffect">
+                                  <p:stCondLst>
+                                    <p:cond delay="0"/>
+                                  </p:stCondLst>
+                                  <p:childTnLst>
+                                    <p:set>
+                                      <p:cBhvr>
+                                        <p:cTn id="6" dur="1" fill="hold">
+                                          <p:stCondLst>
+                                            <p:cond delay="0"/>
+                                          </p:stCondLst>
+                                        </p:cTn>
+                                        <p:tgtEl>
+                                          <p:spTgt spid="45"/>
+                                        </p:tgtEl>
+                                        <p:attrNameLst>
+                                          <p:attrName>style.visibility</p:attrName>
+                                        </p:attrNameLst>
+                                      </p:cBhvr>
+                                      <p:to>
+                                        <p:strVal val="visible"/>
+                                      </p:to>
+                                    </p:set>
+                                    <p:anim calcmode="lin" valueType="num">
+                                      <p:cBhvr>
+                                        <p:cTn id="7" dur="500" fill="hold"/>
+                                        <p:tgtEl>
+                                          <p:spTgt spid="45"/>
+                                        </p:tgtEl>
+                                        <p:attrNameLst>
+                                          <p:attrName>ppt_w</p:attrName>
+                                        </p:attrNameLst>
+                                      </p:cBhvr>
+                                      <p:tavLst>
+                                        <p:tav tm="0">
+                                          <p:val>
+                                            <p:fltVal val="0"/>
+                                          </p:val>
+                                        </p:tav>
+                                        <p:tav tm="100000">
+                                          <p:val>
+                                            <p:strVal val="#ppt_w"/>
+                                          </p:val>
+                                        </p:tav>
+                                      </p:tavLst>
+                                    </p:anim>
+                                    <p:anim calcmode="lin" valueType="num">
+                                      <p:cBhvr>
+                                        <p:cTn id="8" dur="500" fill="hold"/>
+                                        <p:tgtEl>
+                                          <p:spTgt spid="45"/>
+                                        </p:tgtEl>
+                                        <p:attrNameLst>
+                                          <p:attrName>ppt_h</p:attrName>
+                                        </p:attrNameLst>
+                                      </p:cBhvr>
+                                      <p:tavLst>
+                                        <p:tav tm="0">
+                                          <p:val>
+                                            <p:fltVal val="0"/>
+                                          </p:val>
+                                        </p:tav>
+                                        <p:tav tm="100000">
+                                          <p:val>
+                                            <p:strVal val="#ppt_h"/>
+                                          </p:val>
+                                        </p:tav>
+                                      </p:tavLst>
+                                    </p:anim>
+                                    <p:animEffect transition="in" filter="fade">
+                                      <p:cBhvr>
+                                        <p:cTn id="9" dur="500"/>
+                                        <p:tgtEl>
+                                          <p:spTgt spid="45"/>
+                                        </p:tgtEl>
+                                      </p:cBhvr>
+                                    </p:animEffect>
+                                  </p:childTnLst>
+                                </p:cTn>
+                              </p:par>
+                            </p:childTnLst>
+                          </p:cTn>
+                        </p:par>
+                      </p:childTnLst>
+                    </p:cTn>
+                  </p:par>
+                </p:childTnLst>
+              </p:cTn>
+              <p:prevCondLst>
+                <p:cond evt="onPrev" delay="0">
+                  <p:tgtEl>
+                    <p:sldTgt/>
+                  </p:tgtEl>
+                </p:cond>
+              </p:prevCondLst>
+              <p:nextCondLst>
+                <p:cond evt="onNext" delay="0">
+                  <p:tgtEl>
+                    <p:sldTgt/>
+                  </p:tgtEl>
+                </p:cond>
+              </p:nextCondLst>
+            </p:seq>
+          </p:childTnLst>
+        </p:cTn>
+      </p:par>
+    </p:tnLst>
+  </p:timing>
+</p:sld>
+</file>
+
+<file path=ppt/slides/slide6.xml><?xml version="1.0" encoding="utf-8"?>
+<p:sld xmlns:a="http://schemas.openxmlformats.org/drawingml/2006/main" xmlns:r="http://schemas.openxmlformats.org/officeDocument/2006/relationships" xmlns:p="http://schemas.openxmlformats.org/presentationml/2006/main">
+  <p:cSld>
+    <p:spTree>
+      <p:nvGrpSpPr>
+        <p:cNvPr id="1" name=""/>
+        <p:cNvGrpSpPr/>
+        <p:nvPr/>
+      </p:nvGrpSpPr>
+      <p:grpSpPr>
+        <a:xfrm>
+          <a:off x="0" y="0"/>
+          <a:ext cx="0" cy="0"/>
+          <a:chOff x="0" y="0"/>
+          <a:chExt cx="0" cy="0"/>
+        </a:xfrm>
+      </p:grpSpPr>
       <p:pic>
         <p:nvPicPr>
           <p:cNvPr id="7" name="Picture 6">
@@ -31820,231 +34508,6 @@
                 <a:latin typeface="+mn-lt"/>
               </a:rPr>
               <a:t> Package</a:t>
-            </a:r>
-          </a:p>
-        </p:txBody>
-      </p:sp>
-      <p:sp>
-        <p:nvSpPr>
-          <p:cNvPr id="3" name="Slide Number Placeholder 2"/>
-          <p:cNvSpPr>
-            <a:spLocks noGrp="1"/>
-          </p:cNvSpPr>
-          <p:nvPr>
-            <p:ph type="sldNum" sz="quarter" idx="12"/>
-          </p:nvPr>
-        </p:nvSpPr>
-        <p:spPr/>
-        <p:txBody>
-          <a:bodyPr/>
-          <a:lstStyle/>
-          <a:p>
-            <a:fld id="{650AD656-6FF9-465D-B7B0-1CD0DD39CD23}" type="slidenum">
-              <a:rPr lang="en-US" smtClean="0"/>
-              <a:t>5</a:t>
-            </a:fld>
-            <a:endParaRPr lang="en-US" dirty="0"/>
-          </a:p>
-        </p:txBody>
-      </p:sp>
-      <p:sp>
-        <p:nvSpPr>
-          <p:cNvPr id="6" name="Rectangle 5">
-            <a:extLst>
-              <a:ext uri="{FF2B5EF4-FFF2-40B4-BE49-F238E27FC236}">
-                <a16:creationId xmlns:a16="http://schemas.microsoft.com/office/drawing/2014/main" id="{7C173D85-117D-4567-C143-818C4FBCD056}"/>
-              </a:ext>
-            </a:extLst>
-          </p:cNvPr>
-          <p:cNvSpPr/>
-          <p:nvPr/>
-        </p:nvSpPr>
-        <p:spPr>
-          <a:xfrm>
-            <a:off x="3065748" y="2876734"/>
-            <a:ext cx="4204482" cy="391122"/>
-          </a:xfrm>
-          <a:prstGeom prst="rect">
-            <a:avLst/>
-          </a:prstGeom>
-          <a:noFill/>
-          <a:ln w="38100">
-            <a:solidFill>
-              <a:srgbClr val="FF0000"/>
-            </a:solidFill>
-          </a:ln>
-        </p:spPr>
-        <p:style>
-          <a:lnRef idx="2">
-            <a:schemeClr val="accent1">
-              <a:shade val="50000"/>
-            </a:schemeClr>
-          </a:lnRef>
-          <a:fillRef idx="1">
-            <a:schemeClr val="accent1"/>
-          </a:fillRef>
-          <a:effectRef idx="0">
-            <a:schemeClr val="accent1"/>
-          </a:effectRef>
-          <a:fontRef idx="minor">
-            <a:schemeClr val="lt1"/>
-          </a:fontRef>
-        </p:style>
-        <p:txBody>
-          <a:bodyPr rtlCol="0" anchor="ctr"/>
-          <a:lstStyle/>
-          <a:p>
-            <a:pPr algn="ctr"/>
-            <a:endParaRPr lang="en-US"/>
-          </a:p>
-        </p:txBody>
-      </p:sp>
-      <p:cxnSp>
-        <p:nvCxnSpPr>
-          <p:cNvPr id="9" name="Straight Arrow Connector 8">
-            <a:extLst>
-              <a:ext uri="{FF2B5EF4-FFF2-40B4-BE49-F238E27FC236}">
-                <a16:creationId xmlns:a16="http://schemas.microsoft.com/office/drawing/2014/main" id="{3CF4CDAA-1421-49EE-8671-BD87CD979C87}"/>
-              </a:ext>
-            </a:extLst>
-          </p:cNvPr>
-          <p:cNvCxnSpPr>
-            <a:cxnSpLocks/>
-          </p:cNvCxnSpPr>
-          <p:nvPr/>
-        </p:nvCxnSpPr>
-        <p:spPr>
-          <a:xfrm>
-            <a:off x="2189061" y="2256020"/>
-            <a:ext cx="876687" cy="770841"/>
-          </a:xfrm>
-          <a:prstGeom prst="straightConnector1">
-            <a:avLst/>
-          </a:prstGeom>
-          <a:ln w="38100">
-            <a:solidFill>
-              <a:srgbClr val="FF0000"/>
-            </a:solidFill>
-            <a:tailEnd type="triangle"/>
-          </a:ln>
-        </p:spPr>
-        <p:style>
-          <a:lnRef idx="1">
-            <a:schemeClr val="accent1"/>
-          </a:lnRef>
-          <a:fillRef idx="0">
-            <a:schemeClr val="accent1"/>
-          </a:fillRef>
-          <a:effectRef idx="0">
-            <a:schemeClr val="accent1"/>
-          </a:effectRef>
-          <a:fontRef idx="minor">
-            <a:schemeClr val="tx1"/>
-          </a:fontRef>
-        </p:style>
-      </p:cxnSp>
-    </p:spTree>
-    <p:extLst>
-      <p:ext uri="{BB962C8B-B14F-4D97-AF65-F5344CB8AC3E}">
-        <p14:creationId xmlns:p14="http://schemas.microsoft.com/office/powerpoint/2010/main" val="1685433884"/>
-      </p:ext>
-    </p:extLst>
-  </p:cSld>
-  <p:clrMapOvr>
-    <a:masterClrMapping/>
-  </p:clrMapOvr>
-</p:sld>
-</file>
-
-<file path=ppt/slides/slide6.xml><?xml version="1.0" encoding="utf-8"?>
-<p:sld xmlns:a="http://schemas.openxmlformats.org/drawingml/2006/main" xmlns:r="http://schemas.openxmlformats.org/officeDocument/2006/relationships" xmlns:p="http://schemas.openxmlformats.org/presentationml/2006/main">
-  <p:cSld>
-    <p:spTree>
-      <p:nvGrpSpPr>
-        <p:cNvPr id="1" name=""/>
-        <p:cNvGrpSpPr/>
-        <p:nvPr/>
-      </p:nvGrpSpPr>
-      <p:grpSpPr>
-        <a:xfrm>
-          <a:off x="0" y="0"/>
-          <a:ext cx="0" cy="0"/>
-          <a:chOff x="0" y="0"/>
-          <a:chExt cx="0" cy="0"/>
-        </a:xfrm>
-      </p:grpSpPr>
-      <p:pic>
-        <p:nvPicPr>
-          <p:cNvPr id="7" name="Picture 6">
-            <a:extLst>
-              <a:ext uri="{FF2B5EF4-FFF2-40B4-BE49-F238E27FC236}">
-                <a16:creationId xmlns:a16="http://schemas.microsoft.com/office/drawing/2014/main" id="{80242100-013B-62C0-185A-3ADC906DC598}"/>
-              </a:ext>
-            </a:extLst>
-          </p:cNvPr>
-          <p:cNvPicPr>
-            <a:picLocks noChangeAspect="1"/>
-          </p:cNvPicPr>
-          <p:nvPr/>
-        </p:nvPicPr>
-        <p:blipFill>
-          <a:blip r:embed="rId2"/>
-          <a:stretch>
-            <a:fillRect/>
-          </a:stretch>
-        </p:blipFill>
-        <p:spPr>
-          <a:xfrm>
-            <a:off x="1505330" y="1690689"/>
-            <a:ext cx="6133333" cy="4419048"/>
-          </a:xfrm>
-          <a:prstGeom prst="rect">
-            <a:avLst/>
-          </a:prstGeom>
-          <a:effectLst>
-            <a:outerShdw blurRad="50800" dist="38100" dir="2700000" algn="tl" rotWithShape="0">
-              <a:prstClr val="black">
-                <a:alpha val="40000"/>
-              </a:prstClr>
-            </a:outerShdw>
-          </a:effectLst>
-        </p:spPr>
-      </p:pic>
-      <p:sp>
-        <p:nvSpPr>
-          <p:cNvPr id="2" name="Title 1"/>
-          <p:cNvSpPr>
-            <a:spLocks noGrp="1"/>
-          </p:cNvSpPr>
-          <p:nvPr>
-            <p:ph type="title"/>
-          </p:nvPr>
-        </p:nvSpPr>
-        <p:spPr/>
-        <p:txBody>
-          <a:bodyPr>
-            <a:noAutofit/>
-          </a:bodyPr>
-          <a:lstStyle/>
-          <a:p>
-            <a:pPr algn="ctr"/>
-            <a:r>
-              <a:rPr lang="en-US" sz="3200" dirty="0">
-                <a:latin typeface="+mn-lt"/>
-              </a:rPr>
-              <a:t>Verify the </a:t>
-            </a:r>
-            <a:r>
-              <a:rPr lang="en-US" sz="3200" b="1" dirty="0">
-                <a:latin typeface="+mn-lt"/>
-              </a:rPr>
-              <a:t>matplotlib</a:t>
-            </a:r>
-            <a:r>
-              <a:rPr lang="en-US" sz="3200" dirty="0">
-                <a:latin typeface="+mn-lt"/>
-              </a:rPr>
-              <a:t> Package Installation</a:t>
             </a:r>
           </a:p>
         </p:txBody>
@@ -32171,6 +34634,231 @@
     </p:spTree>
     <p:extLst>
       <p:ext uri="{BB962C8B-B14F-4D97-AF65-F5344CB8AC3E}">
+        <p14:creationId xmlns:p14="http://schemas.microsoft.com/office/powerpoint/2010/main" val="1685433884"/>
+      </p:ext>
+    </p:extLst>
+  </p:cSld>
+  <p:clrMapOvr>
+    <a:masterClrMapping/>
+  </p:clrMapOvr>
+</p:sld>
+</file>
+
+<file path=ppt/slides/slide7.xml><?xml version="1.0" encoding="utf-8"?>
+<p:sld xmlns:a="http://schemas.openxmlformats.org/drawingml/2006/main" xmlns:r="http://schemas.openxmlformats.org/officeDocument/2006/relationships" xmlns:p="http://schemas.openxmlformats.org/presentationml/2006/main">
+  <p:cSld>
+    <p:spTree>
+      <p:nvGrpSpPr>
+        <p:cNvPr id="1" name=""/>
+        <p:cNvGrpSpPr/>
+        <p:nvPr/>
+      </p:nvGrpSpPr>
+      <p:grpSpPr>
+        <a:xfrm>
+          <a:off x="0" y="0"/>
+          <a:ext cx="0" cy="0"/>
+          <a:chOff x="0" y="0"/>
+          <a:chExt cx="0" cy="0"/>
+        </a:xfrm>
+      </p:grpSpPr>
+      <p:pic>
+        <p:nvPicPr>
+          <p:cNvPr id="7" name="Picture 6">
+            <a:extLst>
+              <a:ext uri="{FF2B5EF4-FFF2-40B4-BE49-F238E27FC236}">
+                <a16:creationId xmlns:a16="http://schemas.microsoft.com/office/drawing/2014/main" id="{80242100-013B-62C0-185A-3ADC906DC598}"/>
+              </a:ext>
+            </a:extLst>
+          </p:cNvPr>
+          <p:cNvPicPr>
+            <a:picLocks noChangeAspect="1"/>
+          </p:cNvPicPr>
+          <p:nvPr/>
+        </p:nvPicPr>
+        <p:blipFill>
+          <a:blip r:embed="rId2"/>
+          <a:stretch>
+            <a:fillRect/>
+          </a:stretch>
+        </p:blipFill>
+        <p:spPr>
+          <a:xfrm>
+            <a:off x="1505330" y="1690689"/>
+            <a:ext cx="6133333" cy="4419048"/>
+          </a:xfrm>
+          <a:prstGeom prst="rect">
+            <a:avLst/>
+          </a:prstGeom>
+          <a:effectLst>
+            <a:outerShdw blurRad="50800" dist="38100" dir="2700000" algn="tl" rotWithShape="0">
+              <a:prstClr val="black">
+                <a:alpha val="40000"/>
+              </a:prstClr>
+            </a:outerShdw>
+          </a:effectLst>
+        </p:spPr>
+      </p:pic>
+      <p:sp>
+        <p:nvSpPr>
+          <p:cNvPr id="2" name="Title 1"/>
+          <p:cNvSpPr>
+            <a:spLocks noGrp="1"/>
+          </p:cNvSpPr>
+          <p:nvPr>
+            <p:ph type="title"/>
+          </p:nvPr>
+        </p:nvSpPr>
+        <p:spPr/>
+        <p:txBody>
+          <a:bodyPr>
+            <a:noAutofit/>
+          </a:bodyPr>
+          <a:lstStyle/>
+          <a:p>
+            <a:pPr algn="ctr"/>
+            <a:r>
+              <a:rPr lang="en-US" sz="3200" dirty="0">
+                <a:latin typeface="+mn-lt"/>
+              </a:rPr>
+              <a:t>Verify the </a:t>
+            </a:r>
+            <a:r>
+              <a:rPr lang="en-US" sz="3200" b="1" dirty="0">
+                <a:latin typeface="+mn-lt"/>
+              </a:rPr>
+              <a:t>matplotlib</a:t>
+            </a:r>
+            <a:r>
+              <a:rPr lang="en-US" sz="3200" dirty="0">
+                <a:latin typeface="+mn-lt"/>
+              </a:rPr>
+              <a:t> Package Installation</a:t>
+            </a:r>
+          </a:p>
+        </p:txBody>
+      </p:sp>
+      <p:sp>
+        <p:nvSpPr>
+          <p:cNvPr id="3" name="Slide Number Placeholder 2"/>
+          <p:cNvSpPr>
+            <a:spLocks noGrp="1"/>
+          </p:cNvSpPr>
+          <p:nvPr>
+            <p:ph type="sldNum" sz="quarter" idx="12"/>
+          </p:nvPr>
+        </p:nvSpPr>
+        <p:spPr/>
+        <p:txBody>
+          <a:bodyPr/>
+          <a:lstStyle/>
+          <a:p>
+            <a:fld id="{650AD656-6FF9-465D-B7B0-1CD0DD39CD23}" type="slidenum">
+              <a:rPr lang="en-US" smtClean="0"/>
+              <a:t>7</a:t>
+            </a:fld>
+            <a:endParaRPr lang="en-US" dirty="0"/>
+          </a:p>
+        </p:txBody>
+      </p:sp>
+      <p:sp>
+        <p:nvSpPr>
+          <p:cNvPr id="6" name="Rectangle 5">
+            <a:extLst>
+              <a:ext uri="{FF2B5EF4-FFF2-40B4-BE49-F238E27FC236}">
+                <a16:creationId xmlns:a16="http://schemas.microsoft.com/office/drawing/2014/main" id="{7C173D85-117D-4567-C143-818C4FBCD056}"/>
+              </a:ext>
+            </a:extLst>
+          </p:cNvPr>
+          <p:cNvSpPr/>
+          <p:nvPr/>
+        </p:nvSpPr>
+        <p:spPr>
+          <a:xfrm>
+            <a:off x="3065748" y="2876734"/>
+            <a:ext cx="4204482" cy="391122"/>
+          </a:xfrm>
+          <a:prstGeom prst="rect">
+            <a:avLst/>
+          </a:prstGeom>
+          <a:noFill/>
+          <a:ln w="38100">
+            <a:solidFill>
+              <a:srgbClr val="FF0000"/>
+            </a:solidFill>
+          </a:ln>
+        </p:spPr>
+        <p:style>
+          <a:lnRef idx="2">
+            <a:schemeClr val="accent1">
+              <a:shade val="50000"/>
+            </a:schemeClr>
+          </a:lnRef>
+          <a:fillRef idx="1">
+            <a:schemeClr val="accent1"/>
+          </a:fillRef>
+          <a:effectRef idx="0">
+            <a:schemeClr val="accent1"/>
+          </a:effectRef>
+          <a:fontRef idx="minor">
+            <a:schemeClr val="lt1"/>
+          </a:fontRef>
+        </p:style>
+        <p:txBody>
+          <a:bodyPr rtlCol="0" anchor="ctr"/>
+          <a:lstStyle/>
+          <a:p>
+            <a:pPr algn="ctr"/>
+            <a:endParaRPr lang="en-US"/>
+          </a:p>
+        </p:txBody>
+      </p:sp>
+      <p:cxnSp>
+        <p:nvCxnSpPr>
+          <p:cNvPr id="9" name="Straight Arrow Connector 8">
+            <a:extLst>
+              <a:ext uri="{FF2B5EF4-FFF2-40B4-BE49-F238E27FC236}">
+                <a16:creationId xmlns:a16="http://schemas.microsoft.com/office/drawing/2014/main" id="{3CF4CDAA-1421-49EE-8671-BD87CD979C87}"/>
+              </a:ext>
+            </a:extLst>
+          </p:cNvPr>
+          <p:cNvCxnSpPr>
+            <a:cxnSpLocks/>
+          </p:cNvCxnSpPr>
+          <p:nvPr/>
+        </p:nvCxnSpPr>
+        <p:spPr>
+          <a:xfrm>
+            <a:off x="2189061" y="2256020"/>
+            <a:ext cx="876687" cy="770841"/>
+          </a:xfrm>
+          <a:prstGeom prst="straightConnector1">
+            <a:avLst/>
+          </a:prstGeom>
+          <a:ln w="38100">
+            <a:solidFill>
+              <a:srgbClr val="FF0000"/>
+            </a:solidFill>
+            <a:tailEnd type="triangle"/>
+          </a:ln>
+        </p:spPr>
+        <p:style>
+          <a:lnRef idx="1">
+            <a:schemeClr val="accent1"/>
+          </a:lnRef>
+          <a:fillRef idx="0">
+            <a:schemeClr val="accent1"/>
+          </a:fillRef>
+          <a:effectRef idx="0">
+            <a:schemeClr val="accent1"/>
+          </a:effectRef>
+          <a:fontRef idx="minor">
+            <a:schemeClr val="tx1"/>
+          </a:fontRef>
+        </p:style>
+      </p:cxnSp>
+    </p:spTree>
+    <p:extLst>
+      <p:ext uri="{BB962C8B-B14F-4D97-AF65-F5344CB8AC3E}">
         <p14:creationId xmlns:p14="http://schemas.microsoft.com/office/powerpoint/2010/main" val="2709447525"/>
       </p:ext>
     </p:extLst>
@@ -32181,7 +34869,7 @@
 </p:sld>
 </file>
 
-<file path=ppt/slides/slide7.xml><?xml version="1.0" encoding="utf-8"?>
+<file path=ppt/slides/slide8.xml><?xml version="1.0" encoding="utf-8"?>
 <p:sld xmlns:a="http://schemas.openxmlformats.org/drawingml/2006/main" xmlns:r="http://schemas.openxmlformats.org/officeDocument/2006/relationships" xmlns:p="http://schemas.openxmlformats.org/presentationml/2006/main">
   <p:cSld>
     <p:spTree>
@@ -32242,7 +34930,7 @@
           <a:p>
             <a:fld id="{650AD656-6FF9-465D-B7B0-1CD0DD39CD23}" type="slidenum">
               <a:rPr lang="en-US" smtClean="0"/>
-              <a:t>7</a:t>
+              <a:t>8</a:t>
             </a:fld>
             <a:endParaRPr lang="en-US" dirty="0"/>
           </a:p>
@@ -32341,7 +35029,7 @@
 </p:sld>
 </file>
 
-<file path=ppt/slides/slide8.xml><?xml version="1.0" encoding="utf-8"?>
+<file path=ppt/slides/slide9.xml><?xml version="1.0" encoding="utf-8"?>
 <p:sld xmlns:a="http://schemas.openxmlformats.org/drawingml/2006/main" xmlns:r="http://schemas.openxmlformats.org/officeDocument/2006/relationships" xmlns:p="http://schemas.openxmlformats.org/presentationml/2006/main">
   <p:cSld>
     <p:spTree>
@@ -32669,7 +35357,7 @@
             <a:fld id="{650AD656-6FF9-465D-B7B0-1CD0DD39CD23}" type="slidenum">
               <a:rPr lang="en-US" smtClean="0"/>
               <a:pPr/>
-              <a:t>8</a:t>
+              <a:t>9</a:t>
             </a:fld>
             <a:endParaRPr lang="en-US"/>
           </a:p>
@@ -32685,2441 +35373,6 @@
   <p:clrMapOvr>
     <a:masterClrMapping/>
   </p:clrMapOvr>
-</p:sld>
-</file>
-
-<file path=ppt/slides/slide9.xml><?xml version="1.0" encoding="utf-8"?>
-<p:sld xmlns:a="http://schemas.openxmlformats.org/drawingml/2006/main" xmlns:r="http://schemas.openxmlformats.org/officeDocument/2006/relationships" xmlns:p="http://schemas.openxmlformats.org/presentationml/2006/main">
-  <p:cSld>
-    <p:spTree>
-      <p:nvGrpSpPr>
-        <p:cNvPr id="1" name=""/>
-        <p:cNvGrpSpPr/>
-        <p:nvPr/>
-      </p:nvGrpSpPr>
-      <p:grpSpPr>
-        <a:xfrm>
-          <a:off x="0" y="0"/>
-          <a:ext cx="0" cy="0"/>
-          <a:chOff x="0" y="0"/>
-          <a:chExt cx="0" cy="0"/>
-        </a:xfrm>
-      </p:grpSpPr>
-      <p:pic>
-        <p:nvPicPr>
-          <p:cNvPr id="5" name="Picture 4">
-            <a:extLst>
-              <a:ext uri="{FF2B5EF4-FFF2-40B4-BE49-F238E27FC236}">
-                <a16:creationId xmlns:a16="http://schemas.microsoft.com/office/drawing/2014/main" id="{74E993A7-5568-631B-3940-FD187641C177}"/>
-              </a:ext>
-            </a:extLst>
-          </p:cNvPr>
-          <p:cNvPicPr>
-            <a:picLocks noChangeAspect="1"/>
-          </p:cNvPicPr>
-          <p:nvPr/>
-        </p:nvPicPr>
-        <p:blipFill>
-          <a:blip r:embed="rId2"/>
-          <a:stretch>
-            <a:fillRect/>
-          </a:stretch>
-        </p:blipFill>
-        <p:spPr>
-          <a:xfrm>
-            <a:off x="2221859" y="1690689"/>
-            <a:ext cx="4700283" cy="4378897"/>
-          </a:xfrm>
-          <a:prstGeom prst="rect">
-            <a:avLst/>
-          </a:prstGeom>
-          <a:ln>
-            <a:solidFill>
-              <a:schemeClr val="tx1"/>
-            </a:solidFill>
-          </a:ln>
-          <a:effectLst>
-            <a:outerShdw blurRad="50800" dist="38100" dir="2700000" algn="tl" rotWithShape="0">
-              <a:prstClr val="black">
-                <a:alpha val="40000"/>
-              </a:prstClr>
-            </a:outerShdw>
-          </a:effectLst>
-        </p:spPr>
-      </p:pic>
-      <p:sp>
-        <p:nvSpPr>
-          <p:cNvPr id="2" name="Title 1"/>
-          <p:cNvSpPr>
-            <a:spLocks noGrp="1"/>
-          </p:cNvSpPr>
-          <p:nvPr>
-            <p:ph type="title"/>
-          </p:nvPr>
-        </p:nvSpPr>
-        <p:spPr/>
-        <p:txBody>
-          <a:bodyPr>
-            <a:noAutofit/>
-          </a:bodyPr>
-          <a:lstStyle/>
-          <a:p>
-            <a:pPr algn="ctr"/>
-            <a:r>
-              <a:rPr lang="en-US" sz="3200" b="1" dirty="0">
-                <a:solidFill>
-                  <a:srgbClr val="FF0000"/>
-                </a:solidFill>
-                <a:latin typeface="+mn-lt"/>
-              </a:rPr>
-              <a:t>Edit</a:t>
-            </a:r>
-            <a:r>
-              <a:rPr lang="en-US" sz="3200" dirty="0">
-                <a:latin typeface="+mn-lt"/>
-              </a:rPr>
-              <a:t> line_graphs.py</a:t>
-            </a:r>
-          </a:p>
-        </p:txBody>
-      </p:sp>
-      <p:sp>
-        <p:nvSpPr>
-          <p:cNvPr id="3" name="Slide Number Placeholder 2"/>
-          <p:cNvSpPr>
-            <a:spLocks noGrp="1"/>
-          </p:cNvSpPr>
-          <p:nvPr>
-            <p:ph type="sldNum" sz="quarter" idx="12"/>
-          </p:nvPr>
-        </p:nvSpPr>
-        <p:spPr/>
-        <p:txBody>
-          <a:bodyPr/>
-          <a:lstStyle/>
-          <a:p>
-            <a:fld id="{650AD656-6FF9-465D-B7B0-1CD0DD39CD23}" type="slidenum">
-              <a:rPr lang="en-US" smtClean="0"/>
-              <a:t>9</a:t>
-            </a:fld>
-            <a:endParaRPr lang="en-US" dirty="0"/>
-          </a:p>
-        </p:txBody>
-      </p:sp>
-      <p:grpSp>
-        <p:nvGrpSpPr>
-          <p:cNvPr id="7" name="Group 6">
-            <a:extLst>
-              <a:ext uri="{FF2B5EF4-FFF2-40B4-BE49-F238E27FC236}">
-                <a16:creationId xmlns:a16="http://schemas.microsoft.com/office/drawing/2014/main" id="{C5AFBB28-2E8D-F3ED-B248-756DD1ACB2F0}"/>
-              </a:ext>
-            </a:extLst>
-          </p:cNvPr>
-          <p:cNvGrpSpPr/>
-          <p:nvPr/>
-        </p:nvGrpSpPr>
-        <p:grpSpPr>
-          <a:xfrm>
-            <a:off x="5148180" y="2256915"/>
-            <a:ext cx="1076632" cy="369332"/>
-            <a:chOff x="4968362" y="2079211"/>
-            <a:chExt cx="1076632" cy="369332"/>
-          </a:xfrm>
-        </p:grpSpPr>
-        <p:cxnSp>
-          <p:nvCxnSpPr>
-            <p:cNvPr id="8" name="Straight Arrow Connector 7">
-              <a:extLst>
-                <a:ext uri="{FF2B5EF4-FFF2-40B4-BE49-F238E27FC236}">
-                  <a16:creationId xmlns:a16="http://schemas.microsoft.com/office/drawing/2014/main" id="{F422595A-2EEC-9265-0C8A-28902F8828C2}"/>
-                </a:ext>
-              </a:extLst>
-            </p:cNvPr>
-            <p:cNvCxnSpPr>
-              <a:cxnSpLocks/>
-            </p:cNvCxnSpPr>
-            <p:nvPr/>
-          </p:nvCxnSpPr>
-          <p:spPr>
-            <a:xfrm flipH="1">
-              <a:off x="4968362" y="2263877"/>
-              <a:ext cx="693174" cy="0"/>
-            </a:xfrm>
-            <a:prstGeom prst="straightConnector1">
-              <a:avLst/>
-            </a:prstGeom>
-            <a:ln w="38100">
-              <a:solidFill>
-                <a:srgbClr val="FF0000"/>
-              </a:solidFill>
-              <a:tailEnd type="triangle"/>
-            </a:ln>
-          </p:spPr>
-          <p:style>
-            <a:lnRef idx="1">
-              <a:schemeClr val="accent1"/>
-            </a:lnRef>
-            <a:fillRef idx="0">
-              <a:schemeClr val="accent1"/>
-            </a:fillRef>
-            <a:effectRef idx="0">
-              <a:schemeClr val="accent1"/>
-            </a:effectRef>
-            <a:fontRef idx="minor">
-              <a:schemeClr val="tx1"/>
-            </a:fontRef>
-          </p:style>
-        </p:cxnSp>
-        <p:sp>
-          <p:nvSpPr>
-            <p:cNvPr id="9" name="TextBox 8">
-              <a:extLst>
-                <a:ext uri="{FF2B5EF4-FFF2-40B4-BE49-F238E27FC236}">
-                  <a16:creationId xmlns:a16="http://schemas.microsoft.com/office/drawing/2014/main" id="{8749644F-0AD3-FC88-2EF7-F7F4789173A1}"/>
-                </a:ext>
-              </a:extLst>
-            </p:cNvPr>
-            <p:cNvSpPr txBox="1"/>
-            <p:nvPr/>
-          </p:nvSpPr>
-          <p:spPr>
-            <a:xfrm>
-              <a:off x="5661536" y="2079211"/>
-              <a:ext cx="383458" cy="369332"/>
-            </a:xfrm>
-            <a:prstGeom prst="rect">
-              <a:avLst/>
-            </a:prstGeom>
-            <a:noFill/>
-          </p:spPr>
-          <p:txBody>
-            <a:bodyPr wrap="square" rtlCol="0">
-              <a:spAutoFit/>
-            </a:bodyPr>
-            <a:lstStyle/>
-            <a:p>
-              <a:r>
-                <a:rPr lang="en-US" dirty="0">
-                  <a:ln>
-                    <a:solidFill>
-                      <a:srgbClr val="FF0000"/>
-                    </a:solidFill>
-                  </a:ln>
-                  <a:solidFill>
-                    <a:srgbClr val="FF0000"/>
-                  </a:solidFill>
-                  <a:sym typeface="Wingdings" panose="05000000000000000000" pitchFamily="2" charset="2"/>
-                </a:rPr>
-                <a:t></a:t>
-              </a:r>
-              <a:endParaRPr lang="en-US" dirty="0">
-                <a:ln>
-                  <a:solidFill>
-                    <a:srgbClr val="FF0000"/>
-                  </a:solidFill>
-                </a:ln>
-                <a:solidFill>
-                  <a:srgbClr val="FF0000"/>
-                </a:solidFill>
-              </a:endParaRPr>
-            </a:p>
-          </p:txBody>
-        </p:sp>
-      </p:grpSp>
-      <p:grpSp>
-        <p:nvGrpSpPr>
-          <p:cNvPr id="10" name="Group 9">
-            <a:extLst>
-              <a:ext uri="{FF2B5EF4-FFF2-40B4-BE49-F238E27FC236}">
-                <a16:creationId xmlns:a16="http://schemas.microsoft.com/office/drawing/2014/main" id="{2A24ADDD-732A-AD5B-9D43-39A4591E5DDB}"/>
-              </a:ext>
-            </a:extLst>
-          </p:cNvPr>
-          <p:cNvGrpSpPr/>
-          <p:nvPr/>
-        </p:nvGrpSpPr>
-        <p:grpSpPr>
-          <a:xfrm>
-            <a:off x="6693150" y="2513606"/>
-            <a:ext cx="1076632" cy="369332"/>
-            <a:chOff x="4704120" y="2356972"/>
-            <a:chExt cx="1076632" cy="369332"/>
-          </a:xfrm>
-        </p:grpSpPr>
-        <p:cxnSp>
-          <p:nvCxnSpPr>
-            <p:cNvPr id="17" name="Straight Arrow Connector 16">
-              <a:extLst>
-                <a:ext uri="{FF2B5EF4-FFF2-40B4-BE49-F238E27FC236}">
-                  <a16:creationId xmlns:a16="http://schemas.microsoft.com/office/drawing/2014/main" id="{34646E30-BD0A-2F62-2E56-CD999DA3EB97}"/>
-                </a:ext>
-              </a:extLst>
-            </p:cNvPr>
-            <p:cNvCxnSpPr>
-              <a:cxnSpLocks/>
-            </p:cNvCxnSpPr>
-            <p:nvPr/>
-          </p:nvCxnSpPr>
-          <p:spPr>
-            <a:xfrm flipH="1">
-              <a:off x="4704120" y="2541638"/>
-              <a:ext cx="693174" cy="0"/>
-            </a:xfrm>
-            <a:prstGeom prst="straightConnector1">
-              <a:avLst/>
-            </a:prstGeom>
-            <a:ln w="38100">
-              <a:solidFill>
-                <a:srgbClr val="FF0000"/>
-              </a:solidFill>
-              <a:tailEnd type="triangle"/>
-            </a:ln>
-          </p:spPr>
-          <p:style>
-            <a:lnRef idx="1">
-              <a:schemeClr val="accent1"/>
-            </a:lnRef>
-            <a:fillRef idx="0">
-              <a:schemeClr val="accent1"/>
-            </a:fillRef>
-            <a:effectRef idx="0">
-              <a:schemeClr val="accent1"/>
-            </a:effectRef>
-            <a:fontRef idx="minor">
-              <a:schemeClr val="tx1"/>
-            </a:fontRef>
-          </p:style>
-        </p:cxnSp>
-        <p:sp>
-          <p:nvSpPr>
-            <p:cNvPr id="18" name="TextBox 17">
-              <a:extLst>
-                <a:ext uri="{FF2B5EF4-FFF2-40B4-BE49-F238E27FC236}">
-                  <a16:creationId xmlns:a16="http://schemas.microsoft.com/office/drawing/2014/main" id="{7EE0D585-A3C9-1107-0F4E-8B0A22CEFCDA}"/>
-                </a:ext>
-              </a:extLst>
-            </p:cNvPr>
-            <p:cNvSpPr txBox="1"/>
-            <p:nvPr/>
-          </p:nvSpPr>
-          <p:spPr>
-            <a:xfrm>
-              <a:off x="5397294" y="2356972"/>
-              <a:ext cx="383458" cy="369332"/>
-            </a:xfrm>
-            <a:prstGeom prst="rect">
-              <a:avLst/>
-            </a:prstGeom>
-            <a:noFill/>
-          </p:spPr>
-          <p:txBody>
-            <a:bodyPr wrap="square" rtlCol="0">
-              <a:spAutoFit/>
-            </a:bodyPr>
-            <a:lstStyle/>
-            <a:p>
-              <a:r>
-                <a:rPr lang="en-US" dirty="0">
-                  <a:ln>
-                    <a:solidFill>
-                      <a:srgbClr val="FF0000"/>
-                    </a:solidFill>
-                  </a:ln>
-                  <a:solidFill>
-                    <a:srgbClr val="FF0000"/>
-                  </a:solidFill>
-                  <a:sym typeface="Wingdings" panose="05000000000000000000" pitchFamily="2" charset="2"/>
-                </a:rPr>
-                <a:t></a:t>
-              </a:r>
-              <a:endParaRPr lang="en-US" dirty="0">
-                <a:ln>
-                  <a:solidFill>
-                    <a:srgbClr val="FF0000"/>
-                  </a:solidFill>
-                </a:ln>
-                <a:solidFill>
-                  <a:srgbClr val="FF0000"/>
-                </a:solidFill>
-              </a:endParaRPr>
-            </a:p>
-          </p:txBody>
-        </p:sp>
-      </p:grpSp>
-      <p:grpSp>
-        <p:nvGrpSpPr>
-          <p:cNvPr id="19" name="Group 18">
-            <a:extLst>
-              <a:ext uri="{FF2B5EF4-FFF2-40B4-BE49-F238E27FC236}">
-                <a16:creationId xmlns:a16="http://schemas.microsoft.com/office/drawing/2014/main" id="{99C86E34-C444-0E3E-5A4D-BA7E9CC8A875}"/>
-              </a:ext>
-            </a:extLst>
-          </p:cNvPr>
-          <p:cNvGrpSpPr/>
-          <p:nvPr/>
-        </p:nvGrpSpPr>
-        <p:grpSpPr>
-          <a:xfrm>
-            <a:off x="5624507" y="3020865"/>
-            <a:ext cx="1068643" cy="369332"/>
-            <a:chOff x="3647644" y="4910075"/>
-            <a:chExt cx="1068643" cy="369332"/>
-          </a:xfrm>
-        </p:grpSpPr>
-        <p:sp>
-          <p:nvSpPr>
-            <p:cNvPr id="20" name="TextBox 19">
-              <a:extLst>
-                <a:ext uri="{FF2B5EF4-FFF2-40B4-BE49-F238E27FC236}">
-                  <a16:creationId xmlns:a16="http://schemas.microsoft.com/office/drawing/2014/main" id="{5FEFC542-016A-DABC-3781-5DAFB10E3204}"/>
-                </a:ext>
-              </a:extLst>
-            </p:cNvPr>
-            <p:cNvSpPr txBox="1"/>
-            <p:nvPr/>
-          </p:nvSpPr>
-          <p:spPr>
-            <a:xfrm>
-              <a:off x="4332829" y="4910075"/>
-              <a:ext cx="383458" cy="369332"/>
-            </a:xfrm>
-            <a:prstGeom prst="rect">
-              <a:avLst/>
-            </a:prstGeom>
-            <a:noFill/>
-          </p:spPr>
-          <p:txBody>
-            <a:bodyPr wrap="square" rtlCol="0">
-              <a:spAutoFit/>
-            </a:bodyPr>
-            <a:lstStyle/>
-            <a:p>
-              <a:r>
-                <a:rPr lang="en-US" dirty="0">
-                  <a:ln>
-                    <a:solidFill>
-                      <a:srgbClr val="FF0000"/>
-                    </a:solidFill>
-                  </a:ln>
-                  <a:solidFill>
-                    <a:srgbClr val="FF0000"/>
-                  </a:solidFill>
-                  <a:sym typeface="Wingdings" panose="05000000000000000000" pitchFamily="2" charset="2"/>
-                </a:rPr>
-                <a:t></a:t>
-              </a:r>
-              <a:endParaRPr lang="en-US" dirty="0">
-                <a:ln>
-                  <a:solidFill>
-                    <a:srgbClr val="FF0000"/>
-                  </a:solidFill>
-                </a:ln>
-                <a:solidFill>
-                  <a:srgbClr val="FF0000"/>
-                </a:solidFill>
-              </a:endParaRPr>
-            </a:p>
-          </p:txBody>
-        </p:sp>
-        <p:cxnSp>
-          <p:nvCxnSpPr>
-            <p:cNvPr id="21" name="Straight Arrow Connector 20">
-              <a:extLst>
-                <a:ext uri="{FF2B5EF4-FFF2-40B4-BE49-F238E27FC236}">
-                  <a16:creationId xmlns:a16="http://schemas.microsoft.com/office/drawing/2014/main" id="{F713A8D0-FD44-C0DA-F50F-3CBE07FAEFE1}"/>
-                </a:ext>
-              </a:extLst>
-            </p:cNvPr>
-            <p:cNvCxnSpPr>
-              <a:cxnSpLocks/>
-            </p:cNvCxnSpPr>
-            <p:nvPr/>
-          </p:nvCxnSpPr>
-          <p:spPr>
-            <a:xfrm flipH="1">
-              <a:off x="3647644" y="5094741"/>
-              <a:ext cx="693174" cy="0"/>
-            </a:xfrm>
-            <a:prstGeom prst="straightConnector1">
-              <a:avLst/>
-            </a:prstGeom>
-            <a:ln w="38100">
-              <a:solidFill>
-                <a:srgbClr val="FF0000"/>
-              </a:solidFill>
-              <a:tailEnd type="triangle"/>
-            </a:ln>
-          </p:spPr>
-          <p:style>
-            <a:lnRef idx="1">
-              <a:schemeClr val="accent1"/>
-            </a:lnRef>
-            <a:fillRef idx="0">
-              <a:schemeClr val="accent1"/>
-            </a:fillRef>
-            <a:effectRef idx="0">
-              <a:schemeClr val="accent1"/>
-            </a:effectRef>
-            <a:fontRef idx="minor">
-              <a:schemeClr val="tx1"/>
-            </a:fontRef>
-          </p:style>
-        </p:cxnSp>
-      </p:grpSp>
-      <p:grpSp>
-        <p:nvGrpSpPr>
-          <p:cNvPr id="22" name="Group 21">
-            <a:extLst>
-              <a:ext uri="{FF2B5EF4-FFF2-40B4-BE49-F238E27FC236}">
-                <a16:creationId xmlns:a16="http://schemas.microsoft.com/office/drawing/2014/main" id="{E7FB3F3D-D85C-9F46-FE76-5971DD39F49E}"/>
-              </a:ext>
-            </a:extLst>
-          </p:cNvPr>
-          <p:cNvGrpSpPr/>
-          <p:nvPr/>
-        </p:nvGrpSpPr>
-        <p:grpSpPr>
-          <a:xfrm>
-            <a:off x="3982922" y="3590691"/>
-            <a:ext cx="1064340" cy="369332"/>
-            <a:chOff x="3647644" y="5421073"/>
-            <a:chExt cx="1064340" cy="369332"/>
-          </a:xfrm>
-        </p:grpSpPr>
-        <p:sp>
-          <p:nvSpPr>
-            <p:cNvPr id="23" name="TextBox 22">
-              <a:extLst>
-                <a:ext uri="{FF2B5EF4-FFF2-40B4-BE49-F238E27FC236}">
-                  <a16:creationId xmlns:a16="http://schemas.microsoft.com/office/drawing/2014/main" id="{1AA49A53-E8C8-6D5C-36E4-E9CB85D449E0}"/>
-                </a:ext>
-              </a:extLst>
-            </p:cNvPr>
-            <p:cNvSpPr txBox="1"/>
-            <p:nvPr/>
-          </p:nvSpPr>
-          <p:spPr>
-            <a:xfrm>
-              <a:off x="4328526" y="5421073"/>
-              <a:ext cx="383458" cy="369332"/>
-            </a:xfrm>
-            <a:prstGeom prst="rect">
-              <a:avLst/>
-            </a:prstGeom>
-            <a:noFill/>
-          </p:spPr>
-          <p:txBody>
-            <a:bodyPr wrap="square" rtlCol="0">
-              <a:spAutoFit/>
-            </a:bodyPr>
-            <a:lstStyle/>
-            <a:p>
-              <a:r>
-                <a:rPr lang="en-US" dirty="0">
-                  <a:ln>
-                    <a:solidFill>
-                      <a:srgbClr val="FF0000"/>
-                    </a:solidFill>
-                  </a:ln>
-                  <a:solidFill>
-                    <a:srgbClr val="FF0000"/>
-                  </a:solidFill>
-                  <a:sym typeface="Wingdings" panose="05000000000000000000" pitchFamily="2" charset="2"/>
-                </a:rPr>
-                <a:t></a:t>
-              </a:r>
-              <a:endParaRPr lang="en-US" dirty="0">
-                <a:ln>
-                  <a:solidFill>
-                    <a:srgbClr val="FF0000"/>
-                  </a:solidFill>
-                </a:ln>
-                <a:solidFill>
-                  <a:srgbClr val="FF0000"/>
-                </a:solidFill>
-              </a:endParaRPr>
-            </a:p>
-          </p:txBody>
-        </p:sp>
-        <p:cxnSp>
-          <p:nvCxnSpPr>
-            <p:cNvPr id="24" name="Straight Arrow Connector 23">
-              <a:extLst>
-                <a:ext uri="{FF2B5EF4-FFF2-40B4-BE49-F238E27FC236}">
-                  <a16:creationId xmlns:a16="http://schemas.microsoft.com/office/drawing/2014/main" id="{213BA620-FAF8-F9DD-04F5-696E1FF2EAA7}"/>
-                </a:ext>
-              </a:extLst>
-            </p:cNvPr>
-            <p:cNvCxnSpPr>
-              <a:cxnSpLocks/>
-            </p:cNvCxnSpPr>
-            <p:nvPr/>
-          </p:nvCxnSpPr>
-          <p:spPr>
-            <a:xfrm flipH="1">
-              <a:off x="3647644" y="5594437"/>
-              <a:ext cx="693174" cy="0"/>
-            </a:xfrm>
-            <a:prstGeom prst="straightConnector1">
-              <a:avLst/>
-            </a:prstGeom>
-            <a:ln w="38100">
-              <a:solidFill>
-                <a:srgbClr val="FF0000"/>
-              </a:solidFill>
-              <a:tailEnd type="triangle"/>
-            </a:ln>
-          </p:spPr>
-          <p:style>
-            <a:lnRef idx="1">
-              <a:schemeClr val="accent1"/>
-            </a:lnRef>
-            <a:fillRef idx="0">
-              <a:schemeClr val="accent1"/>
-            </a:fillRef>
-            <a:effectRef idx="0">
-              <a:schemeClr val="accent1"/>
-            </a:effectRef>
-            <a:fontRef idx="minor">
-              <a:schemeClr val="tx1"/>
-            </a:fontRef>
-          </p:style>
-        </p:cxnSp>
-      </p:grpSp>
-      <p:grpSp>
-        <p:nvGrpSpPr>
-          <p:cNvPr id="25" name="Group 24">
-            <a:extLst>
-              <a:ext uri="{FF2B5EF4-FFF2-40B4-BE49-F238E27FC236}">
-                <a16:creationId xmlns:a16="http://schemas.microsoft.com/office/drawing/2014/main" id="{8306890E-5C7D-D941-9022-2F901076E5A5}"/>
-              </a:ext>
-            </a:extLst>
-          </p:cNvPr>
-          <p:cNvGrpSpPr/>
-          <p:nvPr/>
-        </p:nvGrpSpPr>
-        <p:grpSpPr>
-          <a:xfrm>
-            <a:off x="4821543" y="3848820"/>
-            <a:ext cx="1068643" cy="369332"/>
-            <a:chOff x="3647644" y="5359159"/>
-            <a:chExt cx="1068643" cy="369332"/>
-          </a:xfrm>
-        </p:grpSpPr>
-        <p:sp>
-          <p:nvSpPr>
-            <p:cNvPr id="26" name="TextBox 25">
-              <a:extLst>
-                <a:ext uri="{FF2B5EF4-FFF2-40B4-BE49-F238E27FC236}">
-                  <a16:creationId xmlns:a16="http://schemas.microsoft.com/office/drawing/2014/main" id="{CE050985-50D8-C341-6AAC-44DBA3FB7E35}"/>
-                </a:ext>
-              </a:extLst>
-            </p:cNvPr>
-            <p:cNvSpPr txBox="1"/>
-            <p:nvPr/>
-          </p:nvSpPr>
-          <p:spPr>
-            <a:xfrm>
-              <a:off x="4332829" y="5359159"/>
-              <a:ext cx="383458" cy="369332"/>
-            </a:xfrm>
-            <a:prstGeom prst="rect">
-              <a:avLst/>
-            </a:prstGeom>
-            <a:noFill/>
-          </p:spPr>
-          <p:txBody>
-            <a:bodyPr wrap="square" rtlCol="0">
-              <a:spAutoFit/>
-            </a:bodyPr>
-            <a:lstStyle/>
-            <a:p>
-              <a:r>
-                <a:rPr lang="en-US" dirty="0">
-                  <a:ln>
-                    <a:solidFill>
-                      <a:srgbClr val="FF0000"/>
-                    </a:solidFill>
-                  </a:ln>
-                  <a:solidFill>
-                    <a:srgbClr val="FF0000"/>
-                  </a:solidFill>
-                  <a:sym typeface="Wingdings" panose="05000000000000000000" pitchFamily="2" charset="2"/>
-                </a:rPr>
-                <a:t></a:t>
-              </a:r>
-              <a:endParaRPr lang="en-US" dirty="0">
-                <a:ln>
-                  <a:solidFill>
-                    <a:srgbClr val="FF0000"/>
-                  </a:solidFill>
-                </a:ln>
-                <a:solidFill>
-                  <a:srgbClr val="FF0000"/>
-                </a:solidFill>
-              </a:endParaRPr>
-            </a:p>
-          </p:txBody>
-        </p:sp>
-        <p:cxnSp>
-          <p:nvCxnSpPr>
-            <p:cNvPr id="27" name="Straight Arrow Connector 26">
-              <a:extLst>
-                <a:ext uri="{FF2B5EF4-FFF2-40B4-BE49-F238E27FC236}">
-                  <a16:creationId xmlns:a16="http://schemas.microsoft.com/office/drawing/2014/main" id="{26120CC8-E8D6-012D-27E8-39234A7024E7}"/>
-                </a:ext>
-              </a:extLst>
-            </p:cNvPr>
-            <p:cNvCxnSpPr>
-              <a:cxnSpLocks/>
-            </p:cNvCxnSpPr>
-            <p:nvPr/>
-          </p:nvCxnSpPr>
-          <p:spPr>
-            <a:xfrm flipH="1">
-              <a:off x="3647644" y="5541057"/>
-              <a:ext cx="693174" cy="0"/>
-            </a:xfrm>
-            <a:prstGeom prst="straightConnector1">
-              <a:avLst/>
-            </a:prstGeom>
-            <a:ln w="38100">
-              <a:solidFill>
-                <a:srgbClr val="FF0000"/>
-              </a:solidFill>
-              <a:tailEnd type="triangle"/>
-            </a:ln>
-          </p:spPr>
-          <p:style>
-            <a:lnRef idx="1">
-              <a:schemeClr val="accent1"/>
-            </a:lnRef>
-            <a:fillRef idx="0">
-              <a:schemeClr val="accent1"/>
-            </a:fillRef>
-            <a:effectRef idx="0">
-              <a:schemeClr val="accent1"/>
-            </a:effectRef>
-            <a:fontRef idx="minor">
-              <a:schemeClr val="tx1"/>
-            </a:fontRef>
-          </p:style>
-        </p:cxnSp>
-      </p:grpSp>
-      <p:grpSp>
-        <p:nvGrpSpPr>
-          <p:cNvPr id="28" name="Group 27">
-            <a:extLst>
-              <a:ext uri="{FF2B5EF4-FFF2-40B4-BE49-F238E27FC236}">
-                <a16:creationId xmlns:a16="http://schemas.microsoft.com/office/drawing/2014/main" id="{AE5ACA05-2700-263B-219F-97951CD899F1}"/>
-              </a:ext>
-            </a:extLst>
-          </p:cNvPr>
-          <p:cNvGrpSpPr/>
-          <p:nvPr/>
-        </p:nvGrpSpPr>
-        <p:grpSpPr>
-          <a:xfrm>
-            <a:off x="4646015" y="4650449"/>
-            <a:ext cx="1076632" cy="369332"/>
-            <a:chOff x="2157212" y="5356391"/>
-            <a:chExt cx="1076632" cy="369332"/>
-          </a:xfrm>
-        </p:grpSpPr>
-        <p:sp>
-          <p:nvSpPr>
-            <p:cNvPr id="29" name="TextBox 28">
-              <a:extLst>
-                <a:ext uri="{FF2B5EF4-FFF2-40B4-BE49-F238E27FC236}">
-                  <a16:creationId xmlns:a16="http://schemas.microsoft.com/office/drawing/2014/main" id="{0C31EFF3-C825-348A-430D-E466E2F6FF20}"/>
-                </a:ext>
-              </a:extLst>
-            </p:cNvPr>
-            <p:cNvSpPr txBox="1"/>
-            <p:nvPr/>
-          </p:nvSpPr>
-          <p:spPr>
-            <a:xfrm>
-              <a:off x="2850386" y="5356391"/>
-              <a:ext cx="383458" cy="369332"/>
-            </a:xfrm>
-            <a:prstGeom prst="rect">
-              <a:avLst/>
-            </a:prstGeom>
-            <a:noFill/>
-          </p:spPr>
-          <p:txBody>
-            <a:bodyPr wrap="square" rtlCol="0">
-              <a:spAutoFit/>
-            </a:bodyPr>
-            <a:lstStyle/>
-            <a:p>
-              <a:r>
-                <a:rPr lang="en-US" dirty="0">
-                  <a:ln>
-                    <a:solidFill>
-                      <a:srgbClr val="FF0000"/>
-                    </a:solidFill>
-                  </a:ln>
-                  <a:solidFill>
-                    <a:srgbClr val="FF0000"/>
-                  </a:solidFill>
-                  <a:sym typeface="Wingdings" panose="05000000000000000000" pitchFamily="2" charset="2"/>
-                </a:rPr>
-                <a:t></a:t>
-              </a:r>
-              <a:endParaRPr lang="en-US" dirty="0">
-                <a:ln>
-                  <a:solidFill>
-                    <a:srgbClr val="FF0000"/>
-                  </a:solidFill>
-                </a:ln>
-                <a:solidFill>
-                  <a:srgbClr val="FF0000"/>
-                </a:solidFill>
-              </a:endParaRPr>
-            </a:p>
-          </p:txBody>
-        </p:sp>
-        <p:cxnSp>
-          <p:nvCxnSpPr>
-            <p:cNvPr id="30" name="Straight Arrow Connector 29">
-              <a:extLst>
-                <a:ext uri="{FF2B5EF4-FFF2-40B4-BE49-F238E27FC236}">
-                  <a16:creationId xmlns:a16="http://schemas.microsoft.com/office/drawing/2014/main" id="{CC989731-A617-0238-5761-D0284826B80E}"/>
-                </a:ext>
-              </a:extLst>
-            </p:cNvPr>
-            <p:cNvCxnSpPr>
-              <a:cxnSpLocks/>
-            </p:cNvCxnSpPr>
-            <p:nvPr/>
-          </p:nvCxnSpPr>
-          <p:spPr>
-            <a:xfrm flipH="1">
-              <a:off x="2157212" y="5545146"/>
-              <a:ext cx="693174" cy="0"/>
-            </a:xfrm>
-            <a:prstGeom prst="straightConnector1">
-              <a:avLst/>
-            </a:prstGeom>
-            <a:ln w="38100">
-              <a:solidFill>
-                <a:srgbClr val="FF0000"/>
-              </a:solidFill>
-              <a:tailEnd type="triangle"/>
-            </a:ln>
-          </p:spPr>
-          <p:style>
-            <a:lnRef idx="1">
-              <a:schemeClr val="accent1"/>
-            </a:lnRef>
-            <a:fillRef idx="0">
-              <a:schemeClr val="accent1"/>
-            </a:fillRef>
-            <a:effectRef idx="0">
-              <a:schemeClr val="accent1"/>
-            </a:effectRef>
-            <a:fontRef idx="minor">
-              <a:schemeClr val="tx1"/>
-            </a:fontRef>
-          </p:style>
-        </p:cxnSp>
-      </p:grpSp>
-      <p:grpSp>
-        <p:nvGrpSpPr>
-          <p:cNvPr id="31" name="Group 30">
-            <a:extLst>
-              <a:ext uri="{FF2B5EF4-FFF2-40B4-BE49-F238E27FC236}">
-                <a16:creationId xmlns:a16="http://schemas.microsoft.com/office/drawing/2014/main" id="{642FF154-686E-36BD-E461-844BF2883750}"/>
-              </a:ext>
-            </a:extLst>
-          </p:cNvPr>
-          <p:cNvGrpSpPr/>
-          <p:nvPr/>
-        </p:nvGrpSpPr>
-        <p:grpSpPr>
-          <a:xfrm>
-            <a:off x="4647551" y="4920497"/>
-            <a:ext cx="1076632" cy="369332"/>
-            <a:chOff x="2157212" y="5356391"/>
-            <a:chExt cx="1076632" cy="369332"/>
-          </a:xfrm>
-        </p:grpSpPr>
-        <p:sp>
-          <p:nvSpPr>
-            <p:cNvPr id="32" name="TextBox 31">
-              <a:extLst>
-                <a:ext uri="{FF2B5EF4-FFF2-40B4-BE49-F238E27FC236}">
-                  <a16:creationId xmlns:a16="http://schemas.microsoft.com/office/drawing/2014/main" id="{8A607470-1D39-915D-BADE-E51B50FFF928}"/>
-                </a:ext>
-              </a:extLst>
-            </p:cNvPr>
-            <p:cNvSpPr txBox="1"/>
-            <p:nvPr/>
-          </p:nvSpPr>
-          <p:spPr>
-            <a:xfrm>
-              <a:off x="2850386" y="5356391"/>
-              <a:ext cx="383458" cy="369332"/>
-            </a:xfrm>
-            <a:prstGeom prst="rect">
-              <a:avLst/>
-            </a:prstGeom>
-            <a:noFill/>
-          </p:spPr>
-          <p:txBody>
-            <a:bodyPr wrap="square" rtlCol="0">
-              <a:spAutoFit/>
-            </a:bodyPr>
-            <a:lstStyle/>
-            <a:p>
-              <a:r>
-                <a:rPr lang="en-US" dirty="0">
-                  <a:ln>
-                    <a:solidFill>
-                      <a:srgbClr val="FF0000"/>
-                    </a:solidFill>
-                  </a:ln>
-                  <a:solidFill>
-                    <a:srgbClr val="FF0000"/>
-                  </a:solidFill>
-                  <a:sym typeface="Wingdings" panose="05000000000000000000" pitchFamily="2" charset="2"/>
-                </a:rPr>
-                <a:t></a:t>
-              </a:r>
-              <a:endParaRPr lang="en-US" dirty="0">
-                <a:ln>
-                  <a:solidFill>
-                    <a:srgbClr val="FF0000"/>
-                  </a:solidFill>
-                </a:ln>
-                <a:solidFill>
-                  <a:srgbClr val="FF0000"/>
-                </a:solidFill>
-              </a:endParaRPr>
-            </a:p>
-          </p:txBody>
-        </p:sp>
-        <p:cxnSp>
-          <p:nvCxnSpPr>
-            <p:cNvPr id="33" name="Straight Arrow Connector 32">
-              <a:extLst>
-                <a:ext uri="{FF2B5EF4-FFF2-40B4-BE49-F238E27FC236}">
-                  <a16:creationId xmlns:a16="http://schemas.microsoft.com/office/drawing/2014/main" id="{BD6537CD-CAE8-D68D-08F3-63C8BB4B59FA}"/>
-                </a:ext>
-              </a:extLst>
-            </p:cNvPr>
-            <p:cNvCxnSpPr>
-              <a:cxnSpLocks/>
-            </p:cNvCxnSpPr>
-            <p:nvPr/>
-          </p:nvCxnSpPr>
-          <p:spPr>
-            <a:xfrm flipH="1">
-              <a:off x="2157212" y="5545146"/>
-              <a:ext cx="693174" cy="0"/>
-            </a:xfrm>
-            <a:prstGeom prst="straightConnector1">
-              <a:avLst/>
-            </a:prstGeom>
-            <a:ln w="38100">
-              <a:solidFill>
-                <a:srgbClr val="FF0000"/>
-              </a:solidFill>
-              <a:tailEnd type="triangle"/>
-            </a:ln>
-          </p:spPr>
-          <p:style>
-            <a:lnRef idx="1">
-              <a:schemeClr val="accent1"/>
-            </a:lnRef>
-            <a:fillRef idx="0">
-              <a:schemeClr val="accent1"/>
-            </a:fillRef>
-            <a:effectRef idx="0">
-              <a:schemeClr val="accent1"/>
-            </a:effectRef>
-            <a:fontRef idx="minor">
-              <a:schemeClr val="tx1"/>
-            </a:fontRef>
-          </p:style>
-        </p:cxnSp>
-      </p:grpSp>
-      <p:grpSp>
-        <p:nvGrpSpPr>
-          <p:cNvPr id="34" name="Group 33">
-            <a:extLst>
-              <a:ext uri="{FF2B5EF4-FFF2-40B4-BE49-F238E27FC236}">
-                <a16:creationId xmlns:a16="http://schemas.microsoft.com/office/drawing/2014/main" id="{DCFA1802-6F2E-8BA1-4BA2-0BE7F3838285}"/>
-              </a:ext>
-            </a:extLst>
-          </p:cNvPr>
-          <p:cNvGrpSpPr/>
-          <p:nvPr/>
-        </p:nvGrpSpPr>
-        <p:grpSpPr>
-          <a:xfrm>
-            <a:off x="4181159" y="5190545"/>
-            <a:ext cx="1076632" cy="369332"/>
-            <a:chOff x="2157212" y="5356391"/>
-            <a:chExt cx="1076632" cy="369332"/>
-          </a:xfrm>
-        </p:grpSpPr>
-        <p:sp>
-          <p:nvSpPr>
-            <p:cNvPr id="35" name="TextBox 34">
-              <a:extLst>
-                <a:ext uri="{FF2B5EF4-FFF2-40B4-BE49-F238E27FC236}">
-                  <a16:creationId xmlns:a16="http://schemas.microsoft.com/office/drawing/2014/main" id="{72D4AB87-F2A9-A10A-8672-02FEBCCFCEF3}"/>
-                </a:ext>
-              </a:extLst>
-            </p:cNvPr>
-            <p:cNvSpPr txBox="1"/>
-            <p:nvPr/>
-          </p:nvSpPr>
-          <p:spPr>
-            <a:xfrm>
-              <a:off x="2850386" y="5356391"/>
-              <a:ext cx="383458" cy="369332"/>
-            </a:xfrm>
-            <a:prstGeom prst="rect">
-              <a:avLst/>
-            </a:prstGeom>
-            <a:noFill/>
-          </p:spPr>
-          <p:txBody>
-            <a:bodyPr wrap="square" rtlCol="0">
-              <a:spAutoFit/>
-            </a:bodyPr>
-            <a:lstStyle/>
-            <a:p>
-              <a:r>
-                <a:rPr lang="en-US" dirty="0">
-                  <a:ln>
-                    <a:solidFill>
-                      <a:srgbClr val="FF0000"/>
-                    </a:solidFill>
-                  </a:ln>
-                  <a:solidFill>
-                    <a:srgbClr val="FF0000"/>
-                  </a:solidFill>
-                  <a:sym typeface="Wingdings" panose="05000000000000000000" pitchFamily="2" charset="2"/>
-                </a:rPr>
-                <a:t></a:t>
-              </a:r>
-              <a:endParaRPr lang="en-US" dirty="0">
-                <a:ln>
-                  <a:solidFill>
-                    <a:srgbClr val="FF0000"/>
-                  </a:solidFill>
-                </a:ln>
-                <a:solidFill>
-                  <a:srgbClr val="FF0000"/>
-                </a:solidFill>
-              </a:endParaRPr>
-            </a:p>
-          </p:txBody>
-        </p:sp>
-        <p:cxnSp>
-          <p:nvCxnSpPr>
-            <p:cNvPr id="36" name="Straight Arrow Connector 35">
-              <a:extLst>
-                <a:ext uri="{FF2B5EF4-FFF2-40B4-BE49-F238E27FC236}">
-                  <a16:creationId xmlns:a16="http://schemas.microsoft.com/office/drawing/2014/main" id="{50ED5729-05F8-1BCB-06B3-D033E0A6E3A7}"/>
-                </a:ext>
-              </a:extLst>
-            </p:cNvPr>
-            <p:cNvCxnSpPr>
-              <a:cxnSpLocks/>
-            </p:cNvCxnSpPr>
-            <p:nvPr/>
-          </p:nvCxnSpPr>
-          <p:spPr>
-            <a:xfrm flipH="1">
-              <a:off x="2157212" y="5545146"/>
-              <a:ext cx="693174" cy="0"/>
-            </a:xfrm>
-            <a:prstGeom prst="straightConnector1">
-              <a:avLst/>
-            </a:prstGeom>
-            <a:ln w="38100">
-              <a:solidFill>
-                <a:srgbClr val="FF0000"/>
-              </a:solidFill>
-              <a:tailEnd type="triangle"/>
-            </a:ln>
-          </p:spPr>
-          <p:style>
-            <a:lnRef idx="1">
-              <a:schemeClr val="accent1"/>
-            </a:lnRef>
-            <a:fillRef idx="0">
-              <a:schemeClr val="accent1"/>
-            </a:fillRef>
-            <a:effectRef idx="0">
-              <a:schemeClr val="accent1"/>
-            </a:effectRef>
-            <a:fontRef idx="minor">
-              <a:schemeClr val="tx1"/>
-            </a:fontRef>
-          </p:style>
-        </p:cxnSp>
-      </p:grpSp>
-      <p:grpSp>
-        <p:nvGrpSpPr>
-          <p:cNvPr id="37" name="Group 36">
-            <a:extLst>
-              <a:ext uri="{FF2B5EF4-FFF2-40B4-BE49-F238E27FC236}">
-                <a16:creationId xmlns:a16="http://schemas.microsoft.com/office/drawing/2014/main" id="{3F23C721-02A5-0752-5737-0FDA6277E298}"/>
-              </a:ext>
-            </a:extLst>
-          </p:cNvPr>
-          <p:cNvGrpSpPr/>
-          <p:nvPr/>
-        </p:nvGrpSpPr>
-        <p:grpSpPr>
-          <a:xfrm>
-            <a:off x="4419465" y="4380401"/>
-            <a:ext cx="1076632" cy="369332"/>
-            <a:chOff x="2157212" y="5356391"/>
-            <a:chExt cx="1076632" cy="369332"/>
-          </a:xfrm>
-        </p:grpSpPr>
-        <p:sp>
-          <p:nvSpPr>
-            <p:cNvPr id="38" name="TextBox 37">
-              <a:extLst>
-                <a:ext uri="{FF2B5EF4-FFF2-40B4-BE49-F238E27FC236}">
-                  <a16:creationId xmlns:a16="http://schemas.microsoft.com/office/drawing/2014/main" id="{AC5B1E93-A8AB-30C7-3680-7C7D092E5360}"/>
-                </a:ext>
-              </a:extLst>
-            </p:cNvPr>
-            <p:cNvSpPr txBox="1"/>
-            <p:nvPr/>
-          </p:nvSpPr>
-          <p:spPr>
-            <a:xfrm>
-              <a:off x="2850386" y="5356391"/>
-              <a:ext cx="383458" cy="369332"/>
-            </a:xfrm>
-            <a:prstGeom prst="rect">
-              <a:avLst/>
-            </a:prstGeom>
-            <a:noFill/>
-          </p:spPr>
-          <p:txBody>
-            <a:bodyPr wrap="square" rtlCol="0">
-              <a:spAutoFit/>
-            </a:bodyPr>
-            <a:lstStyle/>
-            <a:p>
-              <a:r>
-                <a:rPr lang="en-US" dirty="0">
-                  <a:ln>
-                    <a:solidFill>
-                      <a:srgbClr val="FF0000"/>
-                    </a:solidFill>
-                  </a:ln>
-                  <a:solidFill>
-                    <a:srgbClr val="FF0000"/>
-                  </a:solidFill>
-                  <a:sym typeface="Wingdings" panose="05000000000000000000" pitchFamily="2" charset="2"/>
-                </a:rPr>
-                <a:t></a:t>
-              </a:r>
-              <a:endParaRPr lang="en-US" dirty="0">
-                <a:ln>
-                  <a:solidFill>
-                    <a:srgbClr val="FF0000"/>
-                  </a:solidFill>
-                </a:ln>
-                <a:solidFill>
-                  <a:srgbClr val="FF0000"/>
-                </a:solidFill>
-              </a:endParaRPr>
-            </a:p>
-          </p:txBody>
-        </p:sp>
-        <p:cxnSp>
-          <p:nvCxnSpPr>
-            <p:cNvPr id="39" name="Straight Arrow Connector 38">
-              <a:extLst>
-                <a:ext uri="{FF2B5EF4-FFF2-40B4-BE49-F238E27FC236}">
-                  <a16:creationId xmlns:a16="http://schemas.microsoft.com/office/drawing/2014/main" id="{C87CC6AC-2DFC-6843-A88B-D8282EAF04CB}"/>
-                </a:ext>
-              </a:extLst>
-            </p:cNvPr>
-            <p:cNvCxnSpPr>
-              <a:cxnSpLocks/>
-            </p:cNvCxnSpPr>
-            <p:nvPr/>
-          </p:nvCxnSpPr>
-          <p:spPr>
-            <a:xfrm flipH="1">
-              <a:off x="2157212" y="5545146"/>
-              <a:ext cx="693174" cy="0"/>
-            </a:xfrm>
-            <a:prstGeom prst="straightConnector1">
-              <a:avLst/>
-            </a:prstGeom>
-            <a:ln w="38100">
-              <a:solidFill>
-                <a:srgbClr val="FF0000"/>
-              </a:solidFill>
-              <a:tailEnd type="triangle"/>
-            </a:ln>
-          </p:spPr>
-          <p:style>
-            <a:lnRef idx="1">
-              <a:schemeClr val="accent1"/>
-            </a:lnRef>
-            <a:fillRef idx="0">
-              <a:schemeClr val="accent1"/>
-            </a:fillRef>
-            <a:effectRef idx="0">
-              <a:schemeClr val="accent1"/>
-            </a:effectRef>
-            <a:fontRef idx="minor">
-              <a:schemeClr val="tx1"/>
-            </a:fontRef>
-          </p:style>
-        </p:cxnSp>
-      </p:grpSp>
-      <p:grpSp>
-        <p:nvGrpSpPr>
-          <p:cNvPr id="40" name="Group 39">
-            <a:extLst>
-              <a:ext uri="{FF2B5EF4-FFF2-40B4-BE49-F238E27FC236}">
-                <a16:creationId xmlns:a16="http://schemas.microsoft.com/office/drawing/2014/main" id="{83F58D5B-6F3A-4B2F-D3CE-D44474214A2B}"/>
-              </a:ext>
-            </a:extLst>
-          </p:cNvPr>
-          <p:cNvGrpSpPr/>
-          <p:nvPr/>
-        </p:nvGrpSpPr>
-        <p:grpSpPr>
-          <a:xfrm>
-            <a:off x="4182227" y="5460595"/>
-            <a:ext cx="1076632" cy="369332"/>
-            <a:chOff x="2157212" y="5356391"/>
-            <a:chExt cx="1076632" cy="369332"/>
-          </a:xfrm>
-        </p:grpSpPr>
-        <p:sp>
-          <p:nvSpPr>
-            <p:cNvPr id="41" name="TextBox 40">
-              <a:extLst>
-                <a:ext uri="{FF2B5EF4-FFF2-40B4-BE49-F238E27FC236}">
-                  <a16:creationId xmlns:a16="http://schemas.microsoft.com/office/drawing/2014/main" id="{9A967F3C-5135-B1C9-95C9-00CF76330433}"/>
-                </a:ext>
-              </a:extLst>
-            </p:cNvPr>
-            <p:cNvSpPr txBox="1"/>
-            <p:nvPr/>
-          </p:nvSpPr>
-          <p:spPr>
-            <a:xfrm>
-              <a:off x="2850386" y="5356391"/>
-              <a:ext cx="383458" cy="369332"/>
-            </a:xfrm>
-            <a:prstGeom prst="rect">
-              <a:avLst/>
-            </a:prstGeom>
-            <a:noFill/>
-          </p:spPr>
-          <p:txBody>
-            <a:bodyPr wrap="square" rtlCol="0">
-              <a:spAutoFit/>
-            </a:bodyPr>
-            <a:lstStyle/>
-            <a:p>
-              <a:r>
-                <a:rPr lang="en-US" dirty="0">
-                  <a:ln>
-                    <a:solidFill>
-                      <a:srgbClr val="FF0000"/>
-                    </a:solidFill>
-                  </a:ln>
-                  <a:solidFill>
-                    <a:srgbClr val="FF0000"/>
-                  </a:solidFill>
-                  <a:sym typeface="Wingdings" panose="05000000000000000000" pitchFamily="2" charset="2"/>
-                </a:rPr>
-                <a:t></a:t>
-              </a:r>
-              <a:endParaRPr lang="en-US" dirty="0">
-                <a:ln>
-                  <a:solidFill>
-                    <a:srgbClr val="FF0000"/>
-                  </a:solidFill>
-                </a:ln>
-                <a:solidFill>
-                  <a:srgbClr val="FF0000"/>
-                </a:solidFill>
-              </a:endParaRPr>
-            </a:p>
-          </p:txBody>
-        </p:sp>
-        <p:cxnSp>
-          <p:nvCxnSpPr>
-            <p:cNvPr id="42" name="Straight Arrow Connector 41">
-              <a:extLst>
-                <a:ext uri="{FF2B5EF4-FFF2-40B4-BE49-F238E27FC236}">
-                  <a16:creationId xmlns:a16="http://schemas.microsoft.com/office/drawing/2014/main" id="{36373DA2-07E2-3AD2-C628-FE7D4DCFB315}"/>
-                </a:ext>
-              </a:extLst>
-            </p:cNvPr>
-            <p:cNvCxnSpPr>
-              <a:cxnSpLocks/>
-            </p:cNvCxnSpPr>
-            <p:nvPr/>
-          </p:nvCxnSpPr>
-          <p:spPr>
-            <a:xfrm flipH="1">
-              <a:off x="2157212" y="5545146"/>
-              <a:ext cx="693174" cy="0"/>
-            </a:xfrm>
-            <a:prstGeom prst="straightConnector1">
-              <a:avLst/>
-            </a:prstGeom>
-            <a:ln w="38100">
-              <a:solidFill>
-                <a:srgbClr val="FF0000"/>
-              </a:solidFill>
-              <a:tailEnd type="triangle"/>
-            </a:ln>
-          </p:spPr>
-          <p:style>
-            <a:lnRef idx="1">
-              <a:schemeClr val="accent1"/>
-            </a:lnRef>
-            <a:fillRef idx="0">
-              <a:schemeClr val="accent1"/>
-            </a:fillRef>
-            <a:effectRef idx="0">
-              <a:schemeClr val="accent1"/>
-            </a:effectRef>
-            <a:fontRef idx="minor">
-              <a:schemeClr val="tx1"/>
-            </a:fontRef>
-          </p:style>
-        </p:cxnSp>
-      </p:grpSp>
-      <mc:AlternateContent xmlns:mc="http://schemas.openxmlformats.org/markup-compatibility/2006" xmlns:a14="http://schemas.microsoft.com/office/drawing/2010/main">
-        <mc:Choice Requires="a14">
-          <p:sp>
-            <p:nvSpPr>
-              <p:cNvPr id="44" name="TextBox 43">
-                <a:extLst>
-                  <a:ext uri="{FF2B5EF4-FFF2-40B4-BE49-F238E27FC236}">
-                    <a16:creationId xmlns:a16="http://schemas.microsoft.com/office/drawing/2014/main" id="{D84A567F-D707-BDC6-774C-F3EB78B0540A}"/>
-                  </a:ext>
-                </a:extLst>
-              </p:cNvPr>
-              <p:cNvSpPr txBox="1"/>
-              <p:nvPr/>
-            </p:nvSpPr>
-            <p:spPr>
-              <a:xfrm>
-                <a:off x="7084233" y="3019722"/>
-                <a:ext cx="1769519" cy="369332"/>
-              </a:xfrm>
-              <a:prstGeom prst="rect">
-                <a:avLst/>
-              </a:prstGeom>
-              <a:noFill/>
-            </p:spPr>
-            <p:txBody>
-              <a:bodyPr wrap="square">
-                <a:spAutoFit/>
-              </a:bodyPr>
-              <a:lstStyle/>
-              <a:p>
-                <a:pPr/>
-                <a14:m>
-                  <m:oMathPara xmlns:m="http://schemas.openxmlformats.org/officeDocument/2006/math">
-                    <m:oMathParaPr>
-                      <m:jc m:val="centerGroup"/>
-                    </m:oMathParaPr>
-                    <m:oMath xmlns:m="http://schemas.openxmlformats.org/officeDocument/2006/math">
-                      <m:r>
-                        <a:rPr lang="en-US" sz="1800" b="0" i="1" smtClean="0">
-                          <a:latin typeface="Cambria Math" panose="02040503050406030204" pitchFamily="18" charset="0"/>
-                        </a:rPr>
-                        <m:t>−10</m:t>
-                      </m:r>
-                      <m:r>
-                        <a:rPr lang="en-US" sz="1800" b="0" i="1" smtClean="0">
-                          <a:latin typeface="Cambria Math" panose="02040503050406030204" pitchFamily="18" charset="0"/>
-                          <a:ea typeface="Cambria Math" panose="02040503050406030204" pitchFamily="18" charset="0"/>
-                        </a:rPr>
-                        <m:t>≤</m:t>
-                      </m:r>
-                      <m:r>
-                        <a:rPr lang="en-US" sz="1800" b="0" i="1" smtClean="0">
-                          <a:latin typeface="Cambria Math" panose="02040503050406030204" pitchFamily="18" charset="0"/>
-                          <a:ea typeface="Cambria Math" panose="02040503050406030204" pitchFamily="18" charset="0"/>
-                        </a:rPr>
-                        <m:t>𝑥</m:t>
-                      </m:r>
-                      <m:r>
-                        <a:rPr lang="en-US" sz="1800" b="0" i="1" smtClean="0">
-                          <a:latin typeface="Cambria Math" panose="02040503050406030204" pitchFamily="18" charset="0"/>
-                          <a:ea typeface="Cambria Math" panose="02040503050406030204" pitchFamily="18" charset="0"/>
-                        </a:rPr>
-                        <m:t>≤10</m:t>
-                      </m:r>
-                    </m:oMath>
-                  </m:oMathPara>
-                </a14:m>
-                <a:endParaRPr lang="en-US" dirty="0"/>
-              </a:p>
-            </p:txBody>
-          </p:sp>
-        </mc:Choice>
-        <mc:Fallback xmlns="">
-          <p:sp>
-            <p:nvSpPr>
-              <p:cNvPr id="44" name="TextBox 43">
-                <a:extLst>
-                  <a:ext uri="{FF2B5EF4-FFF2-40B4-BE49-F238E27FC236}">
-                    <a16:creationId xmlns:a16="http://schemas.microsoft.com/office/drawing/2014/main" id="{D84A567F-D707-BDC6-774C-F3EB78B0540A}"/>
-                  </a:ext>
-                </a:extLst>
-              </p:cNvPr>
-              <p:cNvSpPr txBox="1">
-                <a:spLocks noRot="1" noChangeAspect="1" noMove="1" noResize="1" noEditPoints="1" noAdjustHandles="1" noChangeArrowheads="1" noChangeShapeType="1" noTextEdit="1"/>
-              </p:cNvSpPr>
-              <p:nvPr/>
-            </p:nvSpPr>
-            <p:spPr>
-              <a:xfrm>
-                <a:off x="7084233" y="3019722"/>
-                <a:ext cx="1769519" cy="369332"/>
-              </a:xfrm>
-              <a:prstGeom prst="rect">
-                <a:avLst/>
-              </a:prstGeom>
-              <a:blipFill>
-                <a:blip r:embed="rId3"/>
-                <a:stretch>
-                  <a:fillRect/>
-                </a:stretch>
-              </a:blipFill>
-            </p:spPr>
-            <p:txBody>
-              <a:bodyPr/>
-              <a:lstStyle/>
-              <a:p>
-                <a:r>
-                  <a:rPr lang="en-US">
-                    <a:noFill/>
-                  </a:rPr>
-                  <a:t> </a:t>
-                </a:r>
-              </a:p>
-            </p:txBody>
-          </p:sp>
-        </mc:Fallback>
-      </mc:AlternateContent>
-      <mc:AlternateContent xmlns:mc="http://schemas.openxmlformats.org/markup-compatibility/2006" xmlns:a14="http://schemas.microsoft.com/office/drawing/2010/main">
-        <mc:Choice Requires="a14">
-          <p:sp>
-            <p:nvSpPr>
-              <p:cNvPr id="46" name="TextBox 45">
-                <a:extLst>
-                  <a:ext uri="{FF2B5EF4-FFF2-40B4-BE49-F238E27FC236}">
-                    <a16:creationId xmlns:a16="http://schemas.microsoft.com/office/drawing/2014/main" id="{B00686D6-5DC1-3D47-D2DE-1E0E5158BC1F}"/>
-                  </a:ext>
-                </a:extLst>
-              </p:cNvPr>
-              <p:cNvSpPr txBox="1"/>
-              <p:nvPr/>
-            </p:nvSpPr>
-            <p:spPr>
-              <a:xfrm>
-                <a:off x="6922141" y="3579389"/>
-                <a:ext cx="2089322" cy="369332"/>
-              </a:xfrm>
-              <a:prstGeom prst="rect">
-                <a:avLst/>
-              </a:prstGeom>
-              <a:noFill/>
-            </p:spPr>
-            <p:txBody>
-              <a:bodyPr wrap="square">
-                <a:spAutoFit/>
-              </a:bodyPr>
-              <a:lstStyle/>
-              <a:p>
-                <a:pPr/>
-                <a14:m>
-                  <m:oMathPara xmlns:m="http://schemas.openxmlformats.org/officeDocument/2006/math">
-                    <m:oMathParaPr>
-                      <m:jc m:val="centerGroup"/>
-                    </m:oMathParaPr>
-                    <m:oMath xmlns:m="http://schemas.openxmlformats.org/officeDocument/2006/math">
-                      <m:sSub>
-                        <m:sSubPr>
-                          <m:ctrlPr>
-                            <a:rPr lang="en-US" sz="1800" i="1" smtClean="0">
-                              <a:latin typeface="Cambria Math" panose="02040503050406030204" pitchFamily="18" charset="0"/>
-                            </a:rPr>
-                          </m:ctrlPr>
-                        </m:sSubPr>
-                        <m:e>
-                          <m:r>
-                            <a:rPr lang="en-US" sz="1800" b="0" i="1" smtClean="0">
-                              <a:latin typeface="Cambria Math" panose="02040503050406030204" pitchFamily="18" charset="0"/>
-                            </a:rPr>
-                            <m:t>𝑦</m:t>
-                          </m:r>
-                        </m:e>
-                        <m:sub>
-                          <m:r>
-                            <a:rPr lang="en-US" sz="1800" b="0" i="1" smtClean="0">
-                              <a:latin typeface="Cambria Math" panose="02040503050406030204" pitchFamily="18" charset="0"/>
-                            </a:rPr>
-                            <m:t>1</m:t>
-                          </m:r>
-                        </m:sub>
-                      </m:sSub>
-                      <m:r>
-                        <a:rPr lang="en-US" sz="1800" b="0" i="1" smtClean="0">
-                          <a:latin typeface="Cambria Math" panose="02040503050406030204" pitchFamily="18" charset="0"/>
-                        </a:rPr>
-                        <m:t>=2</m:t>
-                      </m:r>
-                      <m:r>
-                        <a:rPr lang="en-US" sz="1800" b="0" i="1" smtClean="0">
-                          <a:latin typeface="Cambria Math" panose="02040503050406030204" pitchFamily="18" charset="0"/>
-                        </a:rPr>
-                        <m:t>𝑥</m:t>
-                      </m:r>
-                      <m:r>
-                        <a:rPr lang="en-US" sz="1800" b="0" i="1" smtClean="0">
-                          <a:latin typeface="Cambria Math" panose="02040503050406030204" pitchFamily="18" charset="0"/>
-                        </a:rPr>
-                        <m:t>−5</m:t>
-                      </m:r>
-                    </m:oMath>
-                  </m:oMathPara>
-                </a14:m>
-                <a:endParaRPr lang="en-US" dirty="0"/>
-              </a:p>
-            </p:txBody>
-          </p:sp>
-        </mc:Choice>
-        <mc:Fallback xmlns="">
-          <p:sp>
-            <p:nvSpPr>
-              <p:cNvPr id="46" name="TextBox 45">
-                <a:extLst>
-                  <a:ext uri="{FF2B5EF4-FFF2-40B4-BE49-F238E27FC236}">
-                    <a16:creationId xmlns:a16="http://schemas.microsoft.com/office/drawing/2014/main" id="{B00686D6-5DC1-3D47-D2DE-1E0E5158BC1F}"/>
-                  </a:ext>
-                </a:extLst>
-              </p:cNvPr>
-              <p:cNvSpPr txBox="1">
-                <a:spLocks noRot="1" noChangeAspect="1" noMove="1" noResize="1" noEditPoints="1" noAdjustHandles="1" noChangeArrowheads="1" noChangeShapeType="1" noTextEdit="1"/>
-              </p:cNvSpPr>
-              <p:nvPr/>
-            </p:nvSpPr>
-            <p:spPr>
-              <a:xfrm>
-                <a:off x="6922141" y="3579389"/>
-                <a:ext cx="2089322" cy="369332"/>
-              </a:xfrm>
-              <a:prstGeom prst="rect">
-                <a:avLst/>
-              </a:prstGeom>
-              <a:blipFill>
-                <a:blip r:embed="rId4"/>
-                <a:stretch>
-                  <a:fillRect b="-6557"/>
-                </a:stretch>
-              </a:blipFill>
-            </p:spPr>
-            <p:txBody>
-              <a:bodyPr/>
-              <a:lstStyle/>
-              <a:p>
-                <a:r>
-                  <a:rPr lang="en-US">
-                    <a:noFill/>
-                  </a:rPr>
-                  <a:t> </a:t>
-                </a:r>
-              </a:p>
-            </p:txBody>
-          </p:sp>
-        </mc:Fallback>
-      </mc:AlternateContent>
-      <mc:AlternateContent xmlns:mc="http://schemas.openxmlformats.org/markup-compatibility/2006" xmlns:a14="http://schemas.microsoft.com/office/drawing/2010/main">
-        <mc:Choice Requires="a14">
-          <p:sp>
-            <p:nvSpPr>
-              <p:cNvPr id="48" name="TextBox 47">
-                <a:extLst>
-                  <a:ext uri="{FF2B5EF4-FFF2-40B4-BE49-F238E27FC236}">
-                    <a16:creationId xmlns:a16="http://schemas.microsoft.com/office/drawing/2014/main" id="{A785E054-9F93-47F1-28D4-144C17CD2B49}"/>
-                  </a:ext>
-                </a:extLst>
-              </p:cNvPr>
-              <p:cNvSpPr txBox="1"/>
-              <p:nvPr/>
-            </p:nvSpPr>
-            <p:spPr>
-              <a:xfrm>
-                <a:off x="6862743" y="3848820"/>
-                <a:ext cx="2286000" cy="369332"/>
-              </a:xfrm>
-              <a:prstGeom prst="rect">
-                <a:avLst/>
-              </a:prstGeom>
-              <a:noFill/>
-            </p:spPr>
-            <p:txBody>
-              <a:bodyPr wrap="square">
-                <a:spAutoFit/>
-              </a:bodyPr>
-              <a:lstStyle/>
-              <a:p>
-                <a:pPr marL="0" indent="0">
-                  <a:buNone/>
-                </a:pPr>
-                <a14:m>
-                  <m:oMathPara xmlns:m="http://schemas.openxmlformats.org/officeDocument/2006/math">
-                    <m:oMathParaPr>
-                      <m:jc m:val="centerGroup"/>
-                    </m:oMathParaPr>
-                    <m:oMath xmlns:m="http://schemas.openxmlformats.org/officeDocument/2006/math">
-                      <m:sSub>
-                        <m:sSubPr>
-                          <m:ctrlPr>
-                            <a:rPr lang="en-US" sz="1800" i="1" smtClean="0">
-                              <a:latin typeface="Cambria Math" panose="02040503050406030204" pitchFamily="18" charset="0"/>
-                            </a:rPr>
-                          </m:ctrlPr>
-                        </m:sSubPr>
-                        <m:e>
-                          <m:r>
-                            <a:rPr lang="en-US" sz="1800" b="0" i="1" smtClean="0">
-                              <a:latin typeface="Cambria Math" panose="02040503050406030204" pitchFamily="18" charset="0"/>
-                            </a:rPr>
-                            <m:t>𝑦</m:t>
-                          </m:r>
-                        </m:e>
-                        <m:sub>
-                          <m:r>
-                            <a:rPr lang="en-US" sz="1800" b="0" i="1" smtClean="0">
-                              <a:latin typeface="Cambria Math" panose="02040503050406030204" pitchFamily="18" charset="0"/>
-                            </a:rPr>
-                            <m:t>2</m:t>
-                          </m:r>
-                        </m:sub>
-                      </m:sSub>
-                      <m:r>
-                        <a:rPr lang="en-US" sz="1800" b="0" i="1" smtClean="0">
-                          <a:latin typeface="Cambria Math" panose="02040503050406030204" pitchFamily="18" charset="0"/>
-                        </a:rPr>
-                        <m:t>=−0.3</m:t>
-                      </m:r>
-                      <m:sSup>
-                        <m:sSupPr>
-                          <m:ctrlPr>
-                            <a:rPr lang="en-US" sz="1800" b="0" i="1" smtClean="0">
-                              <a:latin typeface="Cambria Math" panose="02040503050406030204" pitchFamily="18" charset="0"/>
-                            </a:rPr>
-                          </m:ctrlPr>
-                        </m:sSupPr>
-                        <m:e>
-                          <m:r>
-                            <a:rPr lang="en-US" sz="1800" b="0" i="1" smtClean="0">
-                              <a:latin typeface="Cambria Math" panose="02040503050406030204" pitchFamily="18" charset="0"/>
-                            </a:rPr>
-                            <m:t>𝑥</m:t>
-                          </m:r>
-                        </m:e>
-                        <m:sup>
-                          <m:r>
-                            <a:rPr lang="en-US" sz="1800" b="0" i="1" smtClean="0">
-                              <a:latin typeface="Cambria Math" panose="02040503050406030204" pitchFamily="18" charset="0"/>
-                            </a:rPr>
-                            <m:t>2</m:t>
-                          </m:r>
-                        </m:sup>
-                      </m:sSup>
-                      <m:r>
-                        <a:rPr lang="en-US" sz="1800" b="0" i="1" smtClean="0">
-                          <a:latin typeface="Cambria Math" panose="02040503050406030204" pitchFamily="18" charset="0"/>
-                        </a:rPr>
-                        <m:t>+15</m:t>
-                      </m:r>
-                    </m:oMath>
-                  </m:oMathPara>
-                </a14:m>
-                <a:endParaRPr lang="en-US" sz="1800" dirty="0"/>
-              </a:p>
-            </p:txBody>
-          </p:sp>
-        </mc:Choice>
-        <mc:Fallback xmlns="">
-          <p:sp>
-            <p:nvSpPr>
-              <p:cNvPr id="48" name="TextBox 47">
-                <a:extLst>
-                  <a:ext uri="{FF2B5EF4-FFF2-40B4-BE49-F238E27FC236}">
-                    <a16:creationId xmlns:a16="http://schemas.microsoft.com/office/drawing/2014/main" id="{A785E054-9F93-47F1-28D4-144C17CD2B49}"/>
-                  </a:ext>
-                </a:extLst>
-              </p:cNvPr>
-              <p:cNvSpPr txBox="1">
-                <a:spLocks noRot="1" noChangeAspect="1" noMove="1" noResize="1" noEditPoints="1" noAdjustHandles="1" noChangeArrowheads="1" noChangeShapeType="1" noTextEdit="1"/>
-              </p:cNvSpPr>
-              <p:nvPr/>
-            </p:nvSpPr>
-            <p:spPr>
-              <a:xfrm>
-                <a:off x="6862743" y="3848820"/>
-                <a:ext cx="2286000" cy="369332"/>
-              </a:xfrm>
-              <a:prstGeom prst="rect">
-                <a:avLst/>
-              </a:prstGeom>
-              <a:blipFill>
-                <a:blip r:embed="rId5"/>
-                <a:stretch>
-                  <a:fillRect b="-6557"/>
-                </a:stretch>
-              </a:blipFill>
-            </p:spPr>
-            <p:txBody>
-              <a:bodyPr/>
-              <a:lstStyle/>
-              <a:p>
-                <a:r>
-                  <a:rPr lang="en-US">
-                    <a:noFill/>
-                  </a:rPr>
-                  <a:t> </a:t>
-                </a:r>
-              </a:p>
-            </p:txBody>
-          </p:sp>
-        </mc:Fallback>
-      </mc:AlternateContent>
-    </p:spTree>
-    <p:extLst>
-      <p:ext uri="{BB962C8B-B14F-4D97-AF65-F5344CB8AC3E}">
-        <p14:creationId xmlns:p14="http://schemas.microsoft.com/office/powerpoint/2010/main" val="571408325"/>
-      </p:ext>
-    </p:extLst>
-  </p:cSld>
-  <p:clrMapOvr>
-    <a:masterClrMapping/>
-  </p:clrMapOvr>
-  <p:timing>
-    <p:tnLst>
-      <p:par>
-        <p:cTn id="1" dur="indefinite" restart="never" nodeType="tmRoot">
-          <p:childTnLst>
-            <p:seq concurrent="1" nextAc="seek">
-              <p:cTn id="2" dur="indefinite" nodeType="mainSeq">
-                <p:childTnLst>
-                  <p:par>
-                    <p:cTn id="3" fill="hold">
-                      <p:stCondLst>
-                        <p:cond delay="indefinite"/>
-                        <p:cond evt="onBegin" delay="0">
-                          <p:tn val="2"/>
-                        </p:cond>
-                      </p:stCondLst>
-                      <p:childTnLst>
-                        <p:par>
-                          <p:cTn id="4" fill="hold">
-                            <p:stCondLst>
-                              <p:cond delay="0"/>
-                            </p:stCondLst>
-                            <p:childTnLst>
-                              <p:par>
-                                <p:cTn id="5" presetID="22" presetClass="entr" presetSubtype="2" fill="hold" nodeType="afterEffect">
-                                  <p:stCondLst>
-                                    <p:cond delay="0"/>
-                                  </p:stCondLst>
-                                  <p:childTnLst>
-                                    <p:set>
-                                      <p:cBhvr>
-                                        <p:cTn id="6" dur="1" fill="hold">
-                                          <p:stCondLst>
-                                            <p:cond delay="0"/>
-                                          </p:stCondLst>
-                                        </p:cTn>
-                                        <p:tgtEl>
-                                          <p:spTgt spid="7"/>
-                                        </p:tgtEl>
-                                        <p:attrNameLst>
-                                          <p:attrName>style.visibility</p:attrName>
-                                        </p:attrNameLst>
-                                      </p:cBhvr>
-                                      <p:to>
-                                        <p:strVal val="visible"/>
-                                      </p:to>
-                                    </p:set>
-                                    <p:animEffect transition="in" filter="wipe(right)">
-                                      <p:cBhvr>
-                                        <p:cTn id="7" dur="500"/>
-                                        <p:tgtEl>
-                                          <p:spTgt spid="7"/>
-                                        </p:tgtEl>
-                                      </p:cBhvr>
-                                    </p:animEffect>
-                                  </p:childTnLst>
-                                </p:cTn>
-                              </p:par>
-                            </p:childTnLst>
-                          </p:cTn>
-                        </p:par>
-                      </p:childTnLst>
-                    </p:cTn>
-                  </p:par>
-                  <p:par>
-                    <p:cTn id="8" fill="hold">
-                      <p:stCondLst>
-                        <p:cond delay="indefinite"/>
-                      </p:stCondLst>
-                      <p:childTnLst>
-                        <p:par>
-                          <p:cTn id="9" fill="hold">
-                            <p:stCondLst>
-                              <p:cond delay="0"/>
-                            </p:stCondLst>
-                            <p:childTnLst>
-                              <p:par>
-                                <p:cTn id="10" presetID="22" presetClass="entr" presetSubtype="2" fill="hold" nodeType="clickEffect">
-                                  <p:stCondLst>
-                                    <p:cond delay="0"/>
-                                  </p:stCondLst>
-                                  <p:childTnLst>
-                                    <p:set>
-                                      <p:cBhvr>
-                                        <p:cTn id="11" dur="1" fill="hold">
-                                          <p:stCondLst>
-                                            <p:cond delay="0"/>
-                                          </p:stCondLst>
-                                        </p:cTn>
-                                        <p:tgtEl>
-                                          <p:spTgt spid="10"/>
-                                        </p:tgtEl>
-                                        <p:attrNameLst>
-                                          <p:attrName>style.visibility</p:attrName>
-                                        </p:attrNameLst>
-                                      </p:cBhvr>
-                                      <p:to>
-                                        <p:strVal val="visible"/>
-                                      </p:to>
-                                    </p:set>
-                                    <p:animEffect transition="in" filter="wipe(right)">
-                                      <p:cBhvr>
-                                        <p:cTn id="12" dur="500"/>
-                                        <p:tgtEl>
-                                          <p:spTgt spid="10"/>
-                                        </p:tgtEl>
-                                      </p:cBhvr>
-                                    </p:animEffect>
-                                  </p:childTnLst>
-                                </p:cTn>
-                              </p:par>
-                            </p:childTnLst>
-                          </p:cTn>
-                        </p:par>
-                      </p:childTnLst>
-                    </p:cTn>
-                  </p:par>
-                  <p:par>
-                    <p:cTn id="13" fill="hold">
-                      <p:stCondLst>
-                        <p:cond delay="indefinite"/>
-                      </p:stCondLst>
-                      <p:childTnLst>
-                        <p:par>
-                          <p:cTn id="14" fill="hold">
-                            <p:stCondLst>
-                              <p:cond delay="0"/>
-                            </p:stCondLst>
-                            <p:childTnLst>
-                              <p:par>
-                                <p:cTn id="15" presetID="22" presetClass="entr" presetSubtype="2" fill="hold" nodeType="clickEffect">
-                                  <p:stCondLst>
-                                    <p:cond delay="0"/>
-                                  </p:stCondLst>
-                                  <p:childTnLst>
-                                    <p:set>
-                                      <p:cBhvr>
-                                        <p:cTn id="16" dur="1" fill="hold">
-                                          <p:stCondLst>
-                                            <p:cond delay="0"/>
-                                          </p:stCondLst>
-                                        </p:cTn>
-                                        <p:tgtEl>
-                                          <p:spTgt spid="19"/>
-                                        </p:tgtEl>
-                                        <p:attrNameLst>
-                                          <p:attrName>style.visibility</p:attrName>
-                                        </p:attrNameLst>
-                                      </p:cBhvr>
-                                      <p:to>
-                                        <p:strVal val="visible"/>
-                                      </p:to>
-                                    </p:set>
-                                    <p:animEffect transition="in" filter="wipe(right)">
-                                      <p:cBhvr>
-                                        <p:cTn id="17" dur="500"/>
-                                        <p:tgtEl>
-                                          <p:spTgt spid="19"/>
-                                        </p:tgtEl>
-                                      </p:cBhvr>
-                                    </p:animEffect>
-                                  </p:childTnLst>
-                                </p:cTn>
-                              </p:par>
-                            </p:childTnLst>
-                          </p:cTn>
-                        </p:par>
-                        <p:par>
-                          <p:cTn id="18" fill="hold">
-                            <p:stCondLst>
-                              <p:cond delay="500"/>
-                            </p:stCondLst>
-                            <p:childTnLst>
-                              <p:par>
-                                <p:cTn id="19" presetID="22" presetClass="entr" presetSubtype="8" fill="hold" grpId="0" nodeType="afterEffect">
-                                  <p:stCondLst>
-                                    <p:cond delay="0"/>
-                                  </p:stCondLst>
-                                  <p:childTnLst>
-                                    <p:set>
-                                      <p:cBhvr>
-                                        <p:cTn id="20" dur="1" fill="hold">
-                                          <p:stCondLst>
-                                            <p:cond delay="0"/>
-                                          </p:stCondLst>
-                                        </p:cTn>
-                                        <p:tgtEl>
-                                          <p:spTgt spid="44"/>
-                                        </p:tgtEl>
-                                        <p:attrNameLst>
-                                          <p:attrName>style.visibility</p:attrName>
-                                        </p:attrNameLst>
-                                      </p:cBhvr>
-                                      <p:to>
-                                        <p:strVal val="visible"/>
-                                      </p:to>
-                                    </p:set>
-                                    <p:animEffect transition="in" filter="wipe(left)">
-                                      <p:cBhvr>
-                                        <p:cTn id="21" dur="500"/>
-                                        <p:tgtEl>
-                                          <p:spTgt spid="44"/>
-                                        </p:tgtEl>
-                                      </p:cBhvr>
-                                    </p:animEffect>
-                                  </p:childTnLst>
-                                </p:cTn>
-                              </p:par>
-                            </p:childTnLst>
-                          </p:cTn>
-                        </p:par>
-                      </p:childTnLst>
-                    </p:cTn>
-                  </p:par>
-                  <p:par>
-                    <p:cTn id="22" fill="hold">
-                      <p:stCondLst>
-                        <p:cond delay="indefinite"/>
-                      </p:stCondLst>
-                      <p:childTnLst>
-                        <p:par>
-                          <p:cTn id="23" fill="hold">
-                            <p:stCondLst>
-                              <p:cond delay="0"/>
-                            </p:stCondLst>
-                            <p:childTnLst>
-                              <p:par>
-                                <p:cTn id="24" presetID="22" presetClass="entr" presetSubtype="2" fill="hold" nodeType="clickEffect">
-                                  <p:stCondLst>
-                                    <p:cond delay="0"/>
-                                  </p:stCondLst>
-                                  <p:childTnLst>
-                                    <p:set>
-                                      <p:cBhvr>
-                                        <p:cTn id="25" dur="1" fill="hold">
-                                          <p:stCondLst>
-                                            <p:cond delay="0"/>
-                                          </p:stCondLst>
-                                        </p:cTn>
-                                        <p:tgtEl>
-                                          <p:spTgt spid="22"/>
-                                        </p:tgtEl>
-                                        <p:attrNameLst>
-                                          <p:attrName>style.visibility</p:attrName>
-                                        </p:attrNameLst>
-                                      </p:cBhvr>
-                                      <p:to>
-                                        <p:strVal val="visible"/>
-                                      </p:to>
-                                    </p:set>
-                                    <p:animEffect transition="in" filter="wipe(right)">
-                                      <p:cBhvr>
-                                        <p:cTn id="26" dur="500"/>
-                                        <p:tgtEl>
-                                          <p:spTgt spid="22"/>
-                                        </p:tgtEl>
-                                      </p:cBhvr>
-                                    </p:animEffect>
-                                  </p:childTnLst>
-                                </p:cTn>
-                              </p:par>
-                            </p:childTnLst>
-                          </p:cTn>
-                        </p:par>
-                        <p:par>
-                          <p:cTn id="27" fill="hold">
-                            <p:stCondLst>
-                              <p:cond delay="500"/>
-                            </p:stCondLst>
-                            <p:childTnLst>
-                              <p:par>
-                                <p:cTn id="28" presetID="22" presetClass="entr" presetSubtype="8" fill="hold" grpId="0" nodeType="afterEffect">
-                                  <p:stCondLst>
-                                    <p:cond delay="0"/>
-                                  </p:stCondLst>
-                                  <p:childTnLst>
-                                    <p:set>
-                                      <p:cBhvr>
-                                        <p:cTn id="29" dur="1" fill="hold">
-                                          <p:stCondLst>
-                                            <p:cond delay="0"/>
-                                          </p:stCondLst>
-                                        </p:cTn>
-                                        <p:tgtEl>
-                                          <p:spTgt spid="46"/>
-                                        </p:tgtEl>
-                                        <p:attrNameLst>
-                                          <p:attrName>style.visibility</p:attrName>
-                                        </p:attrNameLst>
-                                      </p:cBhvr>
-                                      <p:to>
-                                        <p:strVal val="visible"/>
-                                      </p:to>
-                                    </p:set>
-                                    <p:animEffect transition="in" filter="wipe(left)">
-                                      <p:cBhvr>
-                                        <p:cTn id="30" dur="500"/>
-                                        <p:tgtEl>
-                                          <p:spTgt spid="46"/>
-                                        </p:tgtEl>
-                                      </p:cBhvr>
-                                    </p:animEffect>
-                                  </p:childTnLst>
-                                </p:cTn>
-                              </p:par>
-                            </p:childTnLst>
-                          </p:cTn>
-                        </p:par>
-                      </p:childTnLst>
-                    </p:cTn>
-                  </p:par>
-                  <p:par>
-                    <p:cTn id="31" fill="hold">
-                      <p:stCondLst>
-                        <p:cond delay="indefinite"/>
-                      </p:stCondLst>
-                      <p:childTnLst>
-                        <p:par>
-                          <p:cTn id="32" fill="hold">
-                            <p:stCondLst>
-                              <p:cond delay="0"/>
-                            </p:stCondLst>
-                            <p:childTnLst>
-                              <p:par>
-                                <p:cTn id="33" presetID="22" presetClass="entr" presetSubtype="2" fill="hold" nodeType="clickEffect">
-                                  <p:stCondLst>
-                                    <p:cond delay="0"/>
-                                  </p:stCondLst>
-                                  <p:childTnLst>
-                                    <p:set>
-                                      <p:cBhvr>
-                                        <p:cTn id="34" dur="1" fill="hold">
-                                          <p:stCondLst>
-                                            <p:cond delay="0"/>
-                                          </p:stCondLst>
-                                        </p:cTn>
-                                        <p:tgtEl>
-                                          <p:spTgt spid="25"/>
-                                        </p:tgtEl>
-                                        <p:attrNameLst>
-                                          <p:attrName>style.visibility</p:attrName>
-                                        </p:attrNameLst>
-                                      </p:cBhvr>
-                                      <p:to>
-                                        <p:strVal val="visible"/>
-                                      </p:to>
-                                    </p:set>
-                                    <p:animEffect transition="in" filter="wipe(right)">
-                                      <p:cBhvr>
-                                        <p:cTn id="35" dur="500"/>
-                                        <p:tgtEl>
-                                          <p:spTgt spid="25"/>
-                                        </p:tgtEl>
-                                      </p:cBhvr>
-                                    </p:animEffect>
-                                  </p:childTnLst>
-                                </p:cTn>
-                              </p:par>
-                            </p:childTnLst>
-                          </p:cTn>
-                        </p:par>
-                        <p:par>
-                          <p:cTn id="36" fill="hold">
-                            <p:stCondLst>
-                              <p:cond delay="500"/>
-                            </p:stCondLst>
-                            <p:childTnLst>
-                              <p:par>
-                                <p:cTn id="37" presetID="22" presetClass="entr" presetSubtype="8" fill="hold" grpId="0" nodeType="afterEffect">
-                                  <p:stCondLst>
-                                    <p:cond delay="0"/>
-                                  </p:stCondLst>
-                                  <p:childTnLst>
-                                    <p:set>
-                                      <p:cBhvr>
-                                        <p:cTn id="38" dur="1" fill="hold">
-                                          <p:stCondLst>
-                                            <p:cond delay="0"/>
-                                          </p:stCondLst>
-                                        </p:cTn>
-                                        <p:tgtEl>
-                                          <p:spTgt spid="48"/>
-                                        </p:tgtEl>
-                                        <p:attrNameLst>
-                                          <p:attrName>style.visibility</p:attrName>
-                                        </p:attrNameLst>
-                                      </p:cBhvr>
-                                      <p:to>
-                                        <p:strVal val="visible"/>
-                                      </p:to>
-                                    </p:set>
-                                    <p:animEffect transition="in" filter="wipe(left)">
-                                      <p:cBhvr>
-                                        <p:cTn id="39" dur="500"/>
-                                        <p:tgtEl>
-                                          <p:spTgt spid="48"/>
-                                        </p:tgtEl>
-                                      </p:cBhvr>
-                                    </p:animEffect>
-                                  </p:childTnLst>
-                                </p:cTn>
-                              </p:par>
-                            </p:childTnLst>
-                          </p:cTn>
-                        </p:par>
-                      </p:childTnLst>
-                    </p:cTn>
-                  </p:par>
-                  <p:par>
-                    <p:cTn id="40" fill="hold">
-                      <p:stCondLst>
-                        <p:cond delay="indefinite"/>
-                      </p:stCondLst>
-                      <p:childTnLst>
-                        <p:par>
-                          <p:cTn id="41" fill="hold">
-                            <p:stCondLst>
-                              <p:cond delay="0"/>
-                            </p:stCondLst>
-                            <p:childTnLst>
-                              <p:par>
-                                <p:cTn id="42" presetID="22" presetClass="entr" presetSubtype="2" fill="hold" nodeType="clickEffect">
-                                  <p:stCondLst>
-                                    <p:cond delay="0"/>
-                                  </p:stCondLst>
-                                  <p:childTnLst>
-                                    <p:set>
-                                      <p:cBhvr>
-                                        <p:cTn id="43" dur="1" fill="hold">
-                                          <p:stCondLst>
-                                            <p:cond delay="0"/>
-                                          </p:stCondLst>
-                                        </p:cTn>
-                                        <p:tgtEl>
-                                          <p:spTgt spid="37"/>
-                                        </p:tgtEl>
-                                        <p:attrNameLst>
-                                          <p:attrName>style.visibility</p:attrName>
-                                        </p:attrNameLst>
-                                      </p:cBhvr>
-                                      <p:to>
-                                        <p:strVal val="visible"/>
-                                      </p:to>
-                                    </p:set>
-                                    <p:animEffect transition="in" filter="wipe(right)">
-                                      <p:cBhvr>
-                                        <p:cTn id="44" dur="500"/>
-                                        <p:tgtEl>
-                                          <p:spTgt spid="37"/>
-                                        </p:tgtEl>
-                                      </p:cBhvr>
-                                    </p:animEffect>
-                                  </p:childTnLst>
-                                </p:cTn>
-                              </p:par>
-                            </p:childTnLst>
-                          </p:cTn>
-                        </p:par>
-                      </p:childTnLst>
-                    </p:cTn>
-                  </p:par>
-                  <p:par>
-                    <p:cTn id="45" fill="hold">
-                      <p:stCondLst>
-                        <p:cond delay="indefinite"/>
-                      </p:stCondLst>
-                      <p:childTnLst>
-                        <p:par>
-                          <p:cTn id="46" fill="hold">
-                            <p:stCondLst>
-                              <p:cond delay="0"/>
-                            </p:stCondLst>
-                            <p:childTnLst>
-                              <p:par>
-                                <p:cTn id="47" presetID="22" presetClass="entr" presetSubtype="2" fill="hold" nodeType="clickEffect">
-                                  <p:stCondLst>
-                                    <p:cond delay="0"/>
-                                  </p:stCondLst>
-                                  <p:childTnLst>
-                                    <p:set>
-                                      <p:cBhvr>
-                                        <p:cTn id="48" dur="1" fill="hold">
-                                          <p:stCondLst>
-                                            <p:cond delay="0"/>
-                                          </p:stCondLst>
-                                        </p:cTn>
-                                        <p:tgtEl>
-                                          <p:spTgt spid="28"/>
-                                        </p:tgtEl>
-                                        <p:attrNameLst>
-                                          <p:attrName>style.visibility</p:attrName>
-                                        </p:attrNameLst>
-                                      </p:cBhvr>
-                                      <p:to>
-                                        <p:strVal val="visible"/>
-                                      </p:to>
-                                    </p:set>
-                                    <p:animEffect transition="in" filter="wipe(right)">
-                                      <p:cBhvr>
-                                        <p:cTn id="49" dur="500"/>
-                                        <p:tgtEl>
-                                          <p:spTgt spid="28"/>
-                                        </p:tgtEl>
-                                      </p:cBhvr>
-                                    </p:animEffect>
-                                  </p:childTnLst>
-                                </p:cTn>
-                              </p:par>
-                            </p:childTnLst>
-                          </p:cTn>
-                        </p:par>
-                      </p:childTnLst>
-                    </p:cTn>
-                  </p:par>
-                  <p:par>
-                    <p:cTn id="50" fill="hold">
-                      <p:stCondLst>
-                        <p:cond delay="indefinite"/>
-                      </p:stCondLst>
-                      <p:childTnLst>
-                        <p:par>
-                          <p:cTn id="51" fill="hold">
-                            <p:stCondLst>
-                              <p:cond delay="0"/>
-                            </p:stCondLst>
-                            <p:childTnLst>
-                              <p:par>
-                                <p:cTn id="52" presetID="22" presetClass="entr" presetSubtype="2" fill="hold" nodeType="clickEffect">
-                                  <p:stCondLst>
-                                    <p:cond delay="0"/>
-                                  </p:stCondLst>
-                                  <p:childTnLst>
-                                    <p:set>
-                                      <p:cBhvr>
-                                        <p:cTn id="53" dur="1" fill="hold">
-                                          <p:stCondLst>
-                                            <p:cond delay="0"/>
-                                          </p:stCondLst>
-                                        </p:cTn>
-                                        <p:tgtEl>
-                                          <p:spTgt spid="31"/>
-                                        </p:tgtEl>
-                                        <p:attrNameLst>
-                                          <p:attrName>style.visibility</p:attrName>
-                                        </p:attrNameLst>
-                                      </p:cBhvr>
-                                      <p:to>
-                                        <p:strVal val="visible"/>
-                                      </p:to>
-                                    </p:set>
-                                    <p:animEffect transition="in" filter="wipe(right)">
-                                      <p:cBhvr>
-                                        <p:cTn id="54" dur="500"/>
-                                        <p:tgtEl>
-                                          <p:spTgt spid="31"/>
-                                        </p:tgtEl>
-                                      </p:cBhvr>
-                                    </p:animEffect>
-                                  </p:childTnLst>
-                                </p:cTn>
-                              </p:par>
-                            </p:childTnLst>
-                          </p:cTn>
-                        </p:par>
-                      </p:childTnLst>
-                    </p:cTn>
-                  </p:par>
-                  <p:par>
-                    <p:cTn id="55" fill="hold">
-                      <p:stCondLst>
-                        <p:cond delay="indefinite"/>
-                      </p:stCondLst>
-                      <p:childTnLst>
-                        <p:par>
-                          <p:cTn id="56" fill="hold">
-                            <p:stCondLst>
-                              <p:cond delay="0"/>
-                            </p:stCondLst>
-                            <p:childTnLst>
-                              <p:par>
-                                <p:cTn id="57" presetID="22" presetClass="entr" presetSubtype="2" fill="hold" nodeType="clickEffect">
-                                  <p:stCondLst>
-                                    <p:cond delay="0"/>
-                                  </p:stCondLst>
-                                  <p:childTnLst>
-                                    <p:set>
-                                      <p:cBhvr>
-                                        <p:cTn id="58" dur="1" fill="hold">
-                                          <p:stCondLst>
-                                            <p:cond delay="0"/>
-                                          </p:stCondLst>
-                                        </p:cTn>
-                                        <p:tgtEl>
-                                          <p:spTgt spid="34"/>
-                                        </p:tgtEl>
-                                        <p:attrNameLst>
-                                          <p:attrName>style.visibility</p:attrName>
-                                        </p:attrNameLst>
-                                      </p:cBhvr>
-                                      <p:to>
-                                        <p:strVal val="visible"/>
-                                      </p:to>
-                                    </p:set>
-                                    <p:animEffect transition="in" filter="wipe(right)">
-                                      <p:cBhvr>
-                                        <p:cTn id="59" dur="500"/>
-                                        <p:tgtEl>
-                                          <p:spTgt spid="34"/>
-                                        </p:tgtEl>
-                                      </p:cBhvr>
-                                    </p:animEffect>
-                                  </p:childTnLst>
-                                </p:cTn>
-                              </p:par>
-                            </p:childTnLst>
-                          </p:cTn>
-                        </p:par>
-                      </p:childTnLst>
-                    </p:cTn>
-                  </p:par>
-                  <p:par>
-                    <p:cTn id="60" fill="hold">
-                      <p:stCondLst>
-                        <p:cond delay="indefinite"/>
-                      </p:stCondLst>
-                      <p:childTnLst>
-                        <p:par>
-                          <p:cTn id="61" fill="hold">
-                            <p:stCondLst>
-                              <p:cond delay="0"/>
-                            </p:stCondLst>
-                            <p:childTnLst>
-                              <p:par>
-                                <p:cTn id="62" presetID="22" presetClass="entr" presetSubtype="2" fill="hold" nodeType="clickEffect">
-                                  <p:stCondLst>
-                                    <p:cond delay="0"/>
-                                  </p:stCondLst>
-                                  <p:childTnLst>
-                                    <p:set>
-                                      <p:cBhvr>
-                                        <p:cTn id="63" dur="1" fill="hold">
-                                          <p:stCondLst>
-                                            <p:cond delay="0"/>
-                                          </p:stCondLst>
-                                        </p:cTn>
-                                        <p:tgtEl>
-                                          <p:spTgt spid="40"/>
-                                        </p:tgtEl>
-                                        <p:attrNameLst>
-                                          <p:attrName>style.visibility</p:attrName>
-                                        </p:attrNameLst>
-                                      </p:cBhvr>
-                                      <p:to>
-                                        <p:strVal val="visible"/>
-                                      </p:to>
-                                    </p:set>
-                                    <p:animEffect transition="in" filter="wipe(right)">
-                                      <p:cBhvr>
-                                        <p:cTn id="64" dur="500"/>
-                                        <p:tgtEl>
-                                          <p:spTgt spid="40"/>
-                                        </p:tgtEl>
-                                      </p:cBhvr>
-                                    </p:animEffect>
-                                  </p:childTnLst>
-                                </p:cTn>
-                              </p:par>
-                            </p:childTnLst>
-                          </p:cTn>
-                        </p:par>
-                      </p:childTnLst>
-                    </p:cTn>
-                  </p:par>
-                </p:childTnLst>
-              </p:cTn>
-              <p:prevCondLst>
-                <p:cond evt="onPrev" delay="0">
-                  <p:tgtEl>
-                    <p:sldTgt/>
-                  </p:tgtEl>
-                </p:cond>
-              </p:prevCondLst>
-              <p:nextCondLst>
-                <p:cond evt="onNext" delay="0">
-                  <p:tgtEl>
-                    <p:sldTgt/>
-                  </p:tgtEl>
-                </p:cond>
-              </p:nextCondLst>
-            </p:seq>
-          </p:childTnLst>
-        </p:cTn>
-      </p:par>
-    </p:tnLst>
-    <p:bldLst>
-      <p:bldP spid="44" grpId="0"/>
-      <p:bldP spid="46" grpId="0"/>
-      <p:bldP spid="48" grpId="0"/>
-    </p:bldLst>
-  </p:timing>
 </p:sld>
 </file>
 

--- a/Session 03 - Making Line Graphs/Session 03 - Making Line Graphs.pptx
+++ b/Session 03 - Making Line Graphs/Session 03 - Making Line Graphs.pptx
@@ -33287,8 +33287,8 @@
           </a:p>
         </p:txBody>
       </p:sp>
-      <mc:AlternateContent xmlns:mc="http://schemas.openxmlformats.org/markup-compatibility/2006" xmlns:a14="http://schemas.microsoft.com/office/drawing/2010/main">
-        <mc:Choice Requires="a14">
+      <mc:AlternateContent xmlns:mc="http://schemas.openxmlformats.org/markup-compatibility/2006">
+        <mc:Choice xmlns:a14="http://schemas.microsoft.com/office/drawing/2010/main" Requires="a14">
           <p:sp>
             <p:nvSpPr>
               <p:cNvPr id="3" name="Content Placeholder 2">
@@ -33314,19 +33314,15 @@
               <a:p>
                 <a:r>
                   <a:rPr lang="en-US" sz="2400" dirty="0"/>
-                  <a:t>Your scientist at BNL has asked you to write Python code using </a:t>
+                  <a:t>Update the code in </a:t>
                 </a:r>
                 <a:r>
-                  <a:rPr lang="en-US" sz="2400" b="1" dirty="0">
-                    <a:solidFill>
-                      <a:srgbClr val="0070C0"/>
-                    </a:solidFill>
-                  </a:rPr>
-                  <a:t>matplotlib.pyplot </a:t>
+                  <a:rPr lang="en-US" sz="2400" b="1" dirty="0"/>
+                  <a:t>plot_quintic.py </a:t>
                 </a:r>
                 <a:r>
                   <a:rPr lang="en-US" sz="2400" dirty="0"/>
-                  <a:t>that will graph this polynomial:</a:t>
+                  <a:t>to graph this polynomial:</a:t>
                 </a:r>
               </a:p>
               <a:p>
@@ -33760,7 +33756,7 @@
             </p:txBody>
           </p:sp>
         </mc:Choice>
-        <mc:Fallback xmlns="">
+        <mc:Fallback>
           <p:sp>
             <p:nvSpPr>
               <p:cNvPr id="3" name="Content Placeholder 2">
@@ -33876,7 +33872,7 @@
                                         <p:tgtEl>
                                           <p:spTgt spid="3">
                                             <p:txEl>
-                                              <p:pRg st="0" end="0"/>
+                                              <p:pRg st="1" end="1"/>
                                             </p:txEl>
                                           </p:spTgt>
                                         </p:tgtEl>
@@ -33925,7 +33921,7 @@
                                         <p:tgtEl>
                                           <p:spTgt spid="3">
                                             <p:txEl>
-                                              <p:pRg st="1" end="1"/>
+                                              <p:pRg st="2" end="2"/>
                                             </p:txEl>
                                           </p:spTgt>
                                         </p:tgtEl>
@@ -33974,7 +33970,7 @@
                                         <p:tgtEl>
                                           <p:spTgt spid="3">
                                             <p:txEl>
-                                              <p:pRg st="2" end="2"/>
+                                              <p:pRg st="3" end="3"/>
                                             </p:txEl>
                                           </p:spTgt>
                                         </p:tgtEl>
@@ -34023,7 +34019,7 @@
                                         <p:tgtEl>
                                           <p:spTgt spid="3">
                                             <p:txEl>
-                                              <p:pRg st="3" end="3"/>
+                                              <p:pRg st="4" end="4"/>
                                             </p:txEl>
                                           </p:spTgt>
                                         </p:tgtEl>
@@ -34065,55 +34061,6 @@
                                     <p:set>
                                       <p:cBhvr>
                                         <p:cTn id="22" dur="1" fill="hold">
-                                          <p:stCondLst>
-                                            <p:cond delay="0"/>
-                                          </p:stCondLst>
-                                        </p:cTn>
-                                        <p:tgtEl>
-                                          <p:spTgt spid="3">
-                                            <p:txEl>
-                                              <p:pRg st="4" end="4"/>
-                                            </p:txEl>
-                                          </p:spTgt>
-                                        </p:tgtEl>
-                                        <p:attrNameLst>
-                                          <p:attrName>style.visibility</p:attrName>
-                                        </p:attrNameLst>
-                                      </p:cBhvr>
-                                      <p:to>
-                                        <p:strVal val="visible"/>
-                                      </p:to>
-                                    </p:set>
-                                  </p:childTnLst>
-                                </p:cTn>
-                              </p:par>
-                            </p:childTnLst>
-                          </p:cTn>
-                        </p:par>
-                      </p:childTnLst>
-                    </p:cTn>
-                  </p:par>
-                  <p:par>
-                    <p:cTn id="23" fill="hold">
-                      <p:stCondLst>
-                        <p:cond delay="indefinite"/>
-                      </p:stCondLst>
-                      <p:childTnLst>
-                        <p:par>
-                          <p:cTn id="24" fill="hold">
-                            <p:stCondLst>
-                              <p:cond delay="0"/>
-                            </p:stCondLst>
-                            <p:childTnLst>
-                              <p:par>
-                                <p:cTn id="25" presetID="1" presetClass="entr" presetSubtype="0" fill="hold" nodeType="clickEffect">
-                                  <p:stCondLst>
-                                    <p:cond delay="0"/>
-                                  </p:stCondLst>
-                                  <p:childTnLst>
-                                    <p:set>
-                                      <p:cBhvr>
-                                        <p:cTn id="26" dur="1" fill="hold">
                                           <p:stCondLst>
                                             <p:cond delay="0"/>
                                           </p:stCondLst>

--- a/Session 03 - Making Line Graphs/Session 03 - Making Line Graphs.pptx
+++ b/Session 03 - Making Line Graphs/Session 03 - Making Line Graphs.pptx
@@ -305,7 +305,7 @@
           <a:p>
             <a:fld id="{A241AC98-512A-4A35-865E-757B6C1F07A2}" type="datetimeFigureOut">
               <a:rPr lang="en-US" smtClean="0"/>
-              <a:t>9/24/2023</a:t>
+              <a:t>12/13/2023</a:t>
             </a:fld>
             <a:endParaRPr lang="en-US"/>
           </a:p>
@@ -471,7 +471,7 @@
           <a:p>
             <a:fld id="{3854CEE7-15DE-41D9-8CA2-D1E137B1D850}" type="datetimeFigureOut">
               <a:rPr lang="en-US" smtClean="0"/>
-              <a:t>9/24/2023</a:t>
+              <a:t>12/13/2023</a:t>
             </a:fld>
             <a:endParaRPr lang="en-US"/>
           </a:p>
@@ -1374,7 +1374,7 @@
           <a:p>
             <a:fld id="{5555EB2C-244D-4423-AD97-018ED6478B87}" type="datetime1">
               <a:rPr lang="en-US" smtClean="0"/>
-              <a:t>9/24/2023</a:t>
+              <a:t>12/13/2023</a:t>
             </a:fld>
             <a:endParaRPr lang="en-US"/>
           </a:p>
@@ -1553,7 +1553,7 @@
           <a:p>
             <a:fld id="{A2B41D1F-7576-4C60-B4EB-5115BC56CF40}" type="datetime1">
               <a:rPr lang="en-US" smtClean="0"/>
-              <a:t>9/24/2023</a:t>
+              <a:t>12/13/2023</a:t>
             </a:fld>
             <a:endParaRPr lang="en-US"/>
           </a:p>
@@ -1745,7 +1745,7 @@
           <a:p>
             <a:fld id="{E79D1398-4D56-44F9-BA35-34ACF3159A64}" type="datetime1">
               <a:rPr lang="en-US" smtClean="0"/>
-              <a:t>9/24/2023</a:t>
+              <a:t>12/13/2023</a:t>
             </a:fld>
             <a:endParaRPr lang="en-US"/>
           </a:p>
@@ -1927,7 +1927,7 @@
           <a:p>
             <a:fld id="{A3CF632E-48CB-4EEB-A6B6-DEC7AD7CC976}" type="datetime1">
               <a:rPr lang="en-US" smtClean="0"/>
-              <a:t>9/24/2023</a:t>
+              <a:t>12/13/2023</a:t>
             </a:fld>
             <a:endParaRPr lang="en-US"/>
           </a:p>
@@ -2180,7 +2180,7 @@
           <a:p>
             <a:fld id="{BAEEE52C-3A57-458E-95F6-96B2FA9D1DD4}" type="datetime1">
               <a:rPr lang="en-US" smtClean="0"/>
-              <a:t>9/24/2023</a:t>
+              <a:t>12/13/2023</a:t>
             </a:fld>
             <a:endParaRPr lang="en-US"/>
           </a:p>
@@ -2424,7 +2424,7 @@
           <a:p>
             <a:fld id="{766FC747-A48A-4FF2-8EE4-3E95ECD1C2A8}" type="datetime1">
               <a:rPr lang="en-US" smtClean="0"/>
-              <a:t>9/24/2023</a:t>
+              <a:t>12/13/2023</a:t>
             </a:fld>
             <a:endParaRPr lang="en-US"/>
           </a:p>
@@ -2803,7 +2803,7 @@
           <a:p>
             <a:fld id="{C9BF5758-AB7F-463D-B638-E1729B95E126}" type="datetime1">
               <a:rPr lang="en-US" smtClean="0"/>
-              <a:t>9/24/2023</a:t>
+              <a:t>12/13/2023</a:t>
             </a:fld>
             <a:endParaRPr lang="en-US"/>
           </a:p>
@@ -2933,7 +2933,7 @@
           <a:p>
             <a:fld id="{F3718C77-7DD0-4738-BF52-D0EC9F78A76E}" type="datetime1">
               <a:rPr lang="en-US" smtClean="0"/>
-              <a:t>9/24/2023</a:t>
+              <a:t>12/13/2023</a:t>
             </a:fld>
             <a:endParaRPr lang="en-US"/>
           </a:p>
@@ -3040,7 +3040,7 @@
           <a:p>
             <a:fld id="{948970CF-13D9-4E1D-A74F-2CFE4953FCDB}" type="datetime1">
               <a:rPr lang="en-US" smtClean="0"/>
-              <a:t>9/24/2023</a:t>
+              <a:t>12/13/2023</a:t>
             </a:fld>
             <a:endParaRPr lang="en-US"/>
           </a:p>
@@ -3329,7 +3329,7 @@
           <a:p>
             <a:fld id="{F68C49B9-4E1C-4967-B9CF-0BF9FECBE837}" type="datetime1">
               <a:rPr lang="en-US" smtClean="0"/>
-              <a:t>9/24/2023</a:t>
+              <a:t>12/13/2023</a:t>
             </a:fld>
             <a:endParaRPr lang="en-US"/>
           </a:p>
@@ -3597,7 +3597,7 @@
           <a:p>
             <a:fld id="{7E338CBB-1F06-4333-9BBF-66628B15E581}" type="datetime1">
               <a:rPr lang="en-US" smtClean="0"/>
-              <a:t>9/24/2023</a:t>
+              <a:t>12/13/2023</a:t>
             </a:fld>
             <a:endParaRPr lang="en-US"/>
           </a:p>
@@ -3822,7 +3822,7 @@
           <a:p>
             <a:fld id="{705EC883-F03C-4CA3-AF62-BEF30EEA4F65}" type="datetime1">
               <a:rPr lang="en-US" smtClean="0"/>
-              <a:t>9/24/2023</a:t>
+              <a:t>12/13/2023</a:t>
             </a:fld>
             <a:endParaRPr lang="en-US"/>
           </a:p>
@@ -6203,6 +6203,110 @@
           </p:sp>
         </mc:Fallback>
       </mc:AlternateContent>
+      <p:sp>
+        <p:nvSpPr>
+          <p:cNvPr id="4" name="Speech Bubble: Rectangle 3">
+            <a:extLst>
+              <a:ext uri="{FF2B5EF4-FFF2-40B4-BE49-F238E27FC236}">
+                <a16:creationId xmlns:a16="http://schemas.microsoft.com/office/drawing/2014/main" id="{6FB933CB-6EB1-9D76-1DE7-94D88FB8B2CF}"/>
+              </a:ext>
+            </a:extLst>
+          </p:cNvPr>
+          <p:cNvSpPr/>
+          <p:nvPr/>
+        </p:nvSpPr>
+        <p:spPr>
+          <a:xfrm>
+            <a:off x="153697" y="3385057"/>
+            <a:ext cx="1930882" cy="1127328"/>
+          </a:xfrm>
+          <a:prstGeom prst="wedgeRectCallout">
+            <a:avLst>
+              <a:gd name="adj1" fmla="val 90317"/>
+              <a:gd name="adj2" fmla="val -60174"/>
+            </a:avLst>
+          </a:prstGeom>
+        </p:spPr>
+        <p:style>
+          <a:lnRef idx="2">
+            <a:schemeClr val="accent1">
+              <a:shade val="15000"/>
+            </a:schemeClr>
+          </a:lnRef>
+          <a:fillRef idx="1">
+            <a:schemeClr val="accent1"/>
+          </a:fillRef>
+          <a:effectRef idx="0">
+            <a:schemeClr val="accent1"/>
+          </a:effectRef>
+          <a:fontRef idx="minor">
+            <a:schemeClr val="lt1"/>
+          </a:fontRef>
+        </p:style>
+        <p:txBody>
+          <a:bodyPr rtlCol="0" anchor="ctr"/>
+          <a:lstStyle/>
+          <a:p>
+            <a:pPr algn="ctr"/>
+            <a:r>
+              <a:rPr lang="en-US" dirty="0"/>
+              <a:t>x is now an array containing 50 numbers between -10 and 10</a:t>
+            </a:r>
+          </a:p>
+        </p:txBody>
+      </p:sp>
+      <p:sp>
+        <p:nvSpPr>
+          <p:cNvPr id="6" name="Speech Bubble: Rectangle 5">
+            <a:extLst>
+              <a:ext uri="{FF2B5EF4-FFF2-40B4-BE49-F238E27FC236}">
+                <a16:creationId xmlns:a16="http://schemas.microsoft.com/office/drawing/2014/main" id="{DE3371DF-E201-6819-E1E7-0BE0E85E3834}"/>
+              </a:ext>
+            </a:extLst>
+          </p:cNvPr>
+          <p:cNvSpPr/>
+          <p:nvPr/>
+        </p:nvSpPr>
+        <p:spPr>
+          <a:xfrm>
+            <a:off x="153697" y="4775283"/>
+            <a:ext cx="1930882" cy="1127328"/>
+          </a:xfrm>
+          <a:prstGeom prst="wedgeRectCallout">
+            <a:avLst>
+              <a:gd name="adj1" fmla="val 89143"/>
+              <a:gd name="adj2" fmla="val -125198"/>
+            </a:avLst>
+          </a:prstGeom>
+        </p:spPr>
+        <p:style>
+          <a:lnRef idx="2">
+            <a:schemeClr val="accent1">
+              <a:shade val="15000"/>
+            </a:schemeClr>
+          </a:lnRef>
+          <a:fillRef idx="1">
+            <a:schemeClr val="accent1"/>
+          </a:fillRef>
+          <a:effectRef idx="0">
+            <a:schemeClr val="accent1"/>
+          </a:effectRef>
+          <a:fontRef idx="minor">
+            <a:schemeClr val="lt1"/>
+          </a:fontRef>
+        </p:style>
+        <p:txBody>
+          <a:bodyPr rtlCol="0" anchor="ctr"/>
+          <a:lstStyle/>
+          <a:p>
+            <a:pPr algn="ctr"/>
+            <a:r>
+              <a:rPr lang="en-US" dirty="0"/>
+              <a:t>y1 and y2 are now arrays containing 50 numbers</a:t>
+            </a:r>
+          </a:p>
+        </p:txBody>
+      </p:sp>
     </p:spTree>
     <p:extLst>
       <p:ext uri="{BB962C8B-B14F-4D97-AF65-F5344CB8AC3E}">
@@ -6424,30 +6528,74 @@
                             </p:childTnLst>
                           </p:cTn>
                         </p:par>
-                      </p:childTnLst>
-                    </p:cTn>
-                  </p:par>
-                  <p:par>
-                    <p:cTn id="22" fill="hold">
-                      <p:stCondLst>
-                        <p:cond delay="indefinite"/>
-                      </p:stCondLst>
-                      <p:childTnLst>
                         <p:par>
-                          <p:cTn id="23" fill="hold">
+                          <p:cTn id="22" fill="hold">
                             <p:stCondLst>
-                              <p:cond delay="0"/>
+                              <p:cond delay="1000"/>
                             </p:stCondLst>
                             <p:childTnLst>
                               <p:par>
-                                <p:cTn id="24" presetID="22" presetClass="entr" presetSubtype="2" fill="hold" nodeType="clickEffect">
+                                <p:cTn id="23" presetID="22" presetClass="entr" presetSubtype="8" fill="hold" grpId="0" nodeType="afterEffect">
                                   <p:stCondLst>
                                     <p:cond delay="0"/>
                                   </p:stCondLst>
                                   <p:childTnLst>
                                     <p:set>
                                       <p:cBhvr>
-                                        <p:cTn id="25" dur="1" fill="hold">
+                                        <p:cTn id="24" dur="1" fill="hold">
+                                          <p:stCondLst>
+                                            <p:cond delay="0"/>
+                                          </p:stCondLst>
+                                        </p:cTn>
+                                        <p:tgtEl>
+                                          <p:spTgt spid="4"/>
+                                        </p:tgtEl>
+                                        <p:attrNameLst>
+                                          <p:attrName>style.visibility</p:attrName>
+                                        </p:attrNameLst>
+                                      </p:cBhvr>
+                                      <p:to>
+                                        <p:strVal val="visible"/>
+                                      </p:to>
+                                    </p:set>
+                                    <p:animEffect transition="in" filter="wipe(left)">
+                                      <p:cBhvr>
+                                        <p:cTn id="25" dur="500"/>
+                                        <p:tgtEl>
+                                          <p:spTgt spid="4"/>
+                                        </p:tgtEl>
+                                      </p:cBhvr>
+                                    </p:animEffect>
+                                  </p:childTnLst>
+                                </p:cTn>
+                              </p:par>
+                            </p:childTnLst>
+                          </p:cTn>
+                        </p:par>
+                      </p:childTnLst>
+                    </p:cTn>
+                  </p:par>
+                  <p:par>
+                    <p:cTn id="26" fill="hold">
+                      <p:stCondLst>
+                        <p:cond delay="indefinite"/>
+                      </p:stCondLst>
+                      <p:childTnLst>
+                        <p:par>
+                          <p:cTn id="27" fill="hold">
+                            <p:stCondLst>
+                              <p:cond delay="0"/>
+                            </p:stCondLst>
+                            <p:childTnLst>
+                              <p:par>
+                                <p:cTn id="28" presetID="22" presetClass="entr" presetSubtype="2" fill="hold" nodeType="clickEffect">
+                                  <p:stCondLst>
+                                    <p:cond delay="0"/>
+                                  </p:stCondLst>
+                                  <p:childTnLst>
+                                    <p:set>
+                                      <p:cBhvr>
+                                        <p:cTn id="29" dur="1" fill="hold">
                                           <p:stCondLst>
                                             <p:cond delay="0"/>
                                           </p:stCondLst>
@@ -6465,7 +6613,7 @@
                                     </p:set>
                                     <p:animEffect transition="in" filter="wipe(right)">
                                       <p:cBhvr>
-                                        <p:cTn id="26" dur="500"/>
+                                        <p:cTn id="30" dur="500"/>
                                         <p:tgtEl>
                                           <p:spTgt spid="22"/>
                                         </p:tgtEl>
@@ -6478,20 +6626,20 @@
                           </p:cTn>
                         </p:par>
                         <p:par>
-                          <p:cTn id="27" fill="hold">
+                          <p:cTn id="31" fill="hold">
                             <p:stCondLst>
                               <p:cond delay="500"/>
                             </p:stCondLst>
                             <p:childTnLst>
                               <p:par>
-                                <p:cTn id="28" presetID="22" presetClass="entr" presetSubtype="8" fill="hold" grpId="0" nodeType="afterEffect">
+                                <p:cTn id="32" presetID="22" presetClass="entr" presetSubtype="8" fill="hold" grpId="0" nodeType="afterEffect">
                                   <p:stCondLst>
                                     <p:cond delay="0"/>
                                   </p:stCondLst>
                                   <p:childTnLst>
                                     <p:set>
                                       <p:cBhvr>
-                                        <p:cTn id="29" dur="1" fill="hold">
+                                        <p:cTn id="33" dur="1" fill="hold">
                                           <p:stCondLst>
                                             <p:cond delay="0"/>
                                           </p:stCondLst>
@@ -6509,7 +6657,7 @@
                                     </p:set>
                                     <p:animEffect transition="in" filter="wipe(left)">
                                       <p:cBhvr>
-                                        <p:cTn id="30" dur="500"/>
+                                        <p:cTn id="34" dur="500"/>
                                         <p:tgtEl>
                                           <p:spTgt spid="46"/>
                                         </p:tgtEl>
@@ -6525,26 +6673,26 @@
                     </p:cTn>
                   </p:par>
                   <p:par>
-                    <p:cTn id="31" fill="hold">
+                    <p:cTn id="35" fill="hold">
                       <p:stCondLst>
                         <p:cond delay="indefinite"/>
                       </p:stCondLst>
                       <p:childTnLst>
                         <p:par>
-                          <p:cTn id="32" fill="hold">
+                          <p:cTn id="36" fill="hold">
                             <p:stCondLst>
                               <p:cond delay="0"/>
                             </p:stCondLst>
                             <p:childTnLst>
                               <p:par>
-                                <p:cTn id="33" presetID="22" presetClass="entr" presetSubtype="2" fill="hold" nodeType="clickEffect">
+                                <p:cTn id="37" presetID="22" presetClass="entr" presetSubtype="2" fill="hold" nodeType="clickEffect">
                                   <p:stCondLst>
                                     <p:cond delay="0"/>
                                   </p:stCondLst>
                                   <p:childTnLst>
                                     <p:set>
                                       <p:cBhvr>
-                                        <p:cTn id="34" dur="1" fill="hold">
+                                        <p:cTn id="38" dur="1" fill="hold">
                                           <p:stCondLst>
                                             <p:cond delay="0"/>
                                           </p:stCondLst>
@@ -6562,7 +6710,7 @@
                                     </p:set>
                                     <p:animEffect transition="in" filter="wipe(right)">
                                       <p:cBhvr>
-                                        <p:cTn id="35" dur="500"/>
+                                        <p:cTn id="39" dur="500"/>
                                         <p:tgtEl>
                                           <p:spTgt spid="25"/>
                                         </p:tgtEl>
@@ -6575,20 +6723,20 @@
                           </p:cTn>
                         </p:par>
                         <p:par>
-                          <p:cTn id="36" fill="hold">
+                          <p:cTn id="40" fill="hold">
                             <p:stCondLst>
                               <p:cond delay="500"/>
                             </p:stCondLst>
                             <p:childTnLst>
                               <p:par>
-                                <p:cTn id="37" presetID="22" presetClass="entr" presetSubtype="8" fill="hold" grpId="0" nodeType="afterEffect">
+                                <p:cTn id="41" presetID="22" presetClass="entr" presetSubtype="8" fill="hold" grpId="0" nodeType="afterEffect">
                                   <p:stCondLst>
                                     <p:cond delay="0"/>
                                   </p:stCondLst>
                                   <p:childTnLst>
                                     <p:set>
                                       <p:cBhvr>
-                                        <p:cTn id="38" dur="1" fill="hold">
+                                        <p:cTn id="42" dur="1" fill="hold">
                                           <p:stCondLst>
                                             <p:cond delay="0"/>
                                           </p:stCondLst>
@@ -6606,9 +6754,53 @@
                                     </p:set>
                                     <p:animEffect transition="in" filter="wipe(left)">
                                       <p:cBhvr>
-                                        <p:cTn id="39" dur="500"/>
+                                        <p:cTn id="43" dur="500"/>
                                         <p:tgtEl>
                                           <p:spTgt spid="48"/>
+                                        </p:tgtEl>
+                                      </p:cBhvr>
+                                    </p:animEffect>
+                                  </p:childTnLst>
+                                </p:cTn>
+                              </p:par>
+                            </p:childTnLst>
+                          </p:cTn>
+                        </p:par>
+                        <p:par>
+                          <p:cTn id="44" fill="hold">
+                            <p:stCondLst>
+                              <p:cond delay="1000"/>
+                            </p:stCondLst>
+                            <p:childTnLst>
+                              <p:par>
+                                <p:cTn id="45" presetID="22" presetClass="entr" presetSubtype="8" fill="hold" grpId="0" nodeType="afterEffect">
+                                  <p:stCondLst>
+                                    <p:cond delay="0"/>
+                                  </p:stCondLst>
+                                  <p:childTnLst>
+                                    <p:set>
+                                      <p:cBhvr>
+                                        <p:cTn id="46" dur="1" fill="hold">
+                                          <p:stCondLst>
+                                            <p:cond delay="0"/>
+                                          </p:stCondLst>
+                                        </p:cTn>
+                                        <p:tgtEl>
+                                          <p:spTgt spid="6"/>
+                                        </p:tgtEl>
+                                        <p:attrNameLst>
+                                          <p:attrName>style.visibility</p:attrName>
+                                        </p:attrNameLst>
+                                      </p:cBhvr>
+                                      <p:to>
+                                        <p:strVal val="visible"/>
+                                      </p:to>
+                                    </p:set>
+                                    <p:animEffect transition="in" filter="wipe(left)">
+                                      <p:cBhvr>
+                                        <p:cTn id="47" dur="500"/>
+                                        <p:tgtEl>
+                                          <p:spTgt spid="6"/>
                                         </p:tgtEl>
                                       </p:cBhvr>
                                     </p:animEffect>
@@ -6622,26 +6814,26 @@
                     </p:cTn>
                   </p:par>
                   <p:par>
-                    <p:cTn id="40" fill="hold">
+                    <p:cTn id="48" fill="hold">
                       <p:stCondLst>
                         <p:cond delay="indefinite"/>
                       </p:stCondLst>
                       <p:childTnLst>
                         <p:par>
-                          <p:cTn id="41" fill="hold">
+                          <p:cTn id="49" fill="hold">
                             <p:stCondLst>
                               <p:cond delay="0"/>
                             </p:stCondLst>
                             <p:childTnLst>
                               <p:par>
-                                <p:cTn id="42" presetID="22" presetClass="entr" presetSubtype="2" fill="hold" nodeType="clickEffect">
+                                <p:cTn id="50" presetID="22" presetClass="entr" presetSubtype="2" fill="hold" nodeType="clickEffect">
                                   <p:stCondLst>
                                     <p:cond delay="0"/>
                                   </p:stCondLst>
                                   <p:childTnLst>
                                     <p:set>
                                       <p:cBhvr>
-                                        <p:cTn id="43" dur="1" fill="hold">
+                                        <p:cTn id="51" dur="1" fill="hold">
                                           <p:stCondLst>
                                             <p:cond delay="0"/>
                                           </p:stCondLst>
@@ -6659,7 +6851,7 @@
                                     </p:set>
                                     <p:animEffect transition="in" filter="wipe(right)">
                                       <p:cBhvr>
-                                        <p:cTn id="44" dur="500"/>
+                                        <p:cTn id="52" dur="500"/>
                                         <p:tgtEl>
                                           <p:spTgt spid="37"/>
                                         </p:tgtEl>
@@ -6675,26 +6867,26 @@
                     </p:cTn>
                   </p:par>
                   <p:par>
-                    <p:cTn id="45" fill="hold">
+                    <p:cTn id="53" fill="hold">
                       <p:stCondLst>
                         <p:cond delay="indefinite"/>
                       </p:stCondLst>
                       <p:childTnLst>
                         <p:par>
-                          <p:cTn id="46" fill="hold">
+                          <p:cTn id="54" fill="hold">
                             <p:stCondLst>
                               <p:cond delay="0"/>
                             </p:stCondLst>
                             <p:childTnLst>
                               <p:par>
-                                <p:cTn id="47" presetID="22" presetClass="entr" presetSubtype="2" fill="hold" nodeType="clickEffect">
+                                <p:cTn id="55" presetID="22" presetClass="entr" presetSubtype="2" fill="hold" nodeType="clickEffect">
                                   <p:stCondLst>
                                     <p:cond delay="0"/>
                                   </p:stCondLst>
                                   <p:childTnLst>
                                     <p:set>
                                       <p:cBhvr>
-                                        <p:cTn id="48" dur="1" fill="hold">
+                                        <p:cTn id="56" dur="1" fill="hold">
                                           <p:stCondLst>
                                             <p:cond delay="0"/>
                                           </p:stCondLst>
@@ -6712,7 +6904,7 @@
                                     </p:set>
                                     <p:animEffect transition="in" filter="wipe(right)">
                                       <p:cBhvr>
-                                        <p:cTn id="49" dur="500"/>
+                                        <p:cTn id="57" dur="500"/>
                                         <p:tgtEl>
                                           <p:spTgt spid="28"/>
                                         </p:tgtEl>
@@ -6728,26 +6920,26 @@
                     </p:cTn>
                   </p:par>
                   <p:par>
-                    <p:cTn id="50" fill="hold">
+                    <p:cTn id="58" fill="hold">
                       <p:stCondLst>
                         <p:cond delay="indefinite"/>
                       </p:stCondLst>
                       <p:childTnLst>
                         <p:par>
-                          <p:cTn id="51" fill="hold">
+                          <p:cTn id="59" fill="hold">
                             <p:stCondLst>
                               <p:cond delay="0"/>
                             </p:stCondLst>
                             <p:childTnLst>
                               <p:par>
-                                <p:cTn id="52" presetID="22" presetClass="entr" presetSubtype="2" fill="hold" nodeType="clickEffect">
+                                <p:cTn id="60" presetID="22" presetClass="entr" presetSubtype="2" fill="hold" nodeType="clickEffect">
                                   <p:stCondLst>
                                     <p:cond delay="0"/>
                                   </p:stCondLst>
                                   <p:childTnLst>
                                     <p:set>
                                       <p:cBhvr>
-                                        <p:cTn id="53" dur="1" fill="hold">
+                                        <p:cTn id="61" dur="1" fill="hold">
                                           <p:stCondLst>
                                             <p:cond delay="0"/>
                                           </p:stCondLst>
@@ -6765,7 +6957,7 @@
                                     </p:set>
                                     <p:animEffect transition="in" filter="wipe(right)">
                                       <p:cBhvr>
-                                        <p:cTn id="54" dur="500"/>
+                                        <p:cTn id="62" dur="500"/>
                                         <p:tgtEl>
                                           <p:spTgt spid="31"/>
                                         </p:tgtEl>
@@ -6781,26 +6973,26 @@
                     </p:cTn>
                   </p:par>
                   <p:par>
-                    <p:cTn id="55" fill="hold">
+                    <p:cTn id="63" fill="hold">
                       <p:stCondLst>
                         <p:cond delay="indefinite"/>
                       </p:stCondLst>
                       <p:childTnLst>
                         <p:par>
-                          <p:cTn id="56" fill="hold">
+                          <p:cTn id="64" fill="hold">
                             <p:stCondLst>
                               <p:cond delay="0"/>
                             </p:stCondLst>
                             <p:childTnLst>
                               <p:par>
-                                <p:cTn id="57" presetID="22" presetClass="entr" presetSubtype="2" fill="hold" nodeType="clickEffect">
+                                <p:cTn id="65" presetID="22" presetClass="entr" presetSubtype="2" fill="hold" nodeType="clickEffect">
                                   <p:stCondLst>
                                     <p:cond delay="0"/>
                                   </p:stCondLst>
                                   <p:childTnLst>
                                     <p:set>
                                       <p:cBhvr>
-                                        <p:cTn id="58" dur="1" fill="hold">
+                                        <p:cTn id="66" dur="1" fill="hold">
                                           <p:stCondLst>
                                             <p:cond delay="0"/>
                                           </p:stCondLst>
@@ -6818,7 +7010,7 @@
                                     </p:set>
                                     <p:animEffect transition="in" filter="wipe(right)">
                                       <p:cBhvr>
-                                        <p:cTn id="59" dur="500"/>
+                                        <p:cTn id="67" dur="500"/>
                                         <p:tgtEl>
                                           <p:spTgt spid="34"/>
                                         </p:tgtEl>
@@ -6834,26 +7026,26 @@
                     </p:cTn>
                   </p:par>
                   <p:par>
-                    <p:cTn id="60" fill="hold">
+                    <p:cTn id="68" fill="hold">
                       <p:stCondLst>
                         <p:cond delay="indefinite"/>
                       </p:stCondLst>
                       <p:childTnLst>
                         <p:par>
-                          <p:cTn id="61" fill="hold">
+                          <p:cTn id="69" fill="hold">
                             <p:stCondLst>
                               <p:cond delay="0"/>
                             </p:stCondLst>
                             <p:childTnLst>
                               <p:par>
-                                <p:cTn id="62" presetID="22" presetClass="entr" presetSubtype="2" fill="hold" nodeType="clickEffect">
+                                <p:cTn id="70" presetID="22" presetClass="entr" presetSubtype="2" fill="hold" nodeType="clickEffect">
                                   <p:stCondLst>
                                     <p:cond delay="0"/>
                                   </p:stCondLst>
                                   <p:childTnLst>
                                     <p:set>
                                       <p:cBhvr>
-                                        <p:cTn id="63" dur="1" fill="hold">
+                                        <p:cTn id="71" dur="1" fill="hold">
                                           <p:stCondLst>
                                             <p:cond delay="0"/>
                                           </p:stCondLst>
@@ -6871,7 +7063,7 @@
                                     </p:set>
                                     <p:animEffect transition="in" filter="wipe(right)">
                                       <p:cBhvr>
-                                        <p:cTn id="64" dur="500"/>
+                                        <p:cTn id="72" dur="500"/>
                                         <p:tgtEl>
                                           <p:spTgt spid="40"/>
                                         </p:tgtEl>
@@ -6911,6 +7103,8 @@
       <p:bldP spid="44" grpId="0"/>
       <p:bldP spid="46" grpId="0"/>
       <p:bldP spid="48" grpId="0"/>
+      <p:bldP spid="4" grpId="0" animBg="1"/>
+      <p:bldP spid="6" grpId="0" animBg="1"/>
     </p:bldLst>
   </p:timing>
 </p:sld>
@@ -11305,6 +11499,58 @@
           </a:fontRef>
         </p:style>
       </p:cxnSp>
+      <p:sp>
+        <p:nvSpPr>
+          <p:cNvPr id="4" name="Rectangle 3">
+            <a:extLst>
+              <a:ext uri="{FF2B5EF4-FFF2-40B4-BE49-F238E27FC236}">
+                <a16:creationId xmlns:a16="http://schemas.microsoft.com/office/drawing/2014/main" id="{8A088277-9094-4EE0-FDEA-729FDB28C51E}"/>
+              </a:ext>
+            </a:extLst>
+          </p:cNvPr>
+          <p:cNvSpPr/>
+          <p:nvPr/>
+        </p:nvSpPr>
+        <p:spPr>
+          <a:xfrm>
+            <a:off x="2010170" y="3604279"/>
+            <a:ext cx="2032838" cy="416058"/>
+          </a:xfrm>
+          <a:prstGeom prst="rect">
+            <a:avLst/>
+          </a:prstGeom>
+          <a:noFill/>
+          <a:ln w="38100">
+            <a:solidFill>
+              <a:srgbClr val="FF0000"/>
+            </a:solidFill>
+          </a:ln>
+        </p:spPr>
+        <p:style>
+          <a:lnRef idx="2">
+            <a:schemeClr val="accent1">
+              <a:shade val="15000"/>
+            </a:schemeClr>
+          </a:lnRef>
+          <a:fillRef idx="1">
+            <a:schemeClr val="accent1"/>
+          </a:fillRef>
+          <a:effectRef idx="0">
+            <a:schemeClr val="accent1"/>
+          </a:effectRef>
+          <a:fontRef idx="minor">
+            <a:schemeClr val="lt1"/>
+          </a:fontRef>
+        </p:style>
+        <p:txBody>
+          <a:bodyPr rtlCol="0" anchor="ctr"/>
+          <a:lstStyle/>
+          <a:p>
+            <a:pPr algn="ctr"/>
+            <a:endParaRPr lang="en-US"/>
+          </a:p>
+        </p:txBody>
+      </p:sp>
     </p:spTree>
     <p:extLst>
       <p:ext uri="{BB962C8B-B14F-4D97-AF65-F5344CB8AC3E}">
@@ -11352,7 +11598,7 @@
                                           </p:stCondLst>
                                         </p:cTn>
                                         <p:tgtEl>
-                                          <p:spTgt spid="8"/>
+                                          <p:spTgt spid="4"/>
                                         </p:tgtEl>
                                         <p:attrNameLst>
                                           <p:attrName>style.visibility</p:attrName>
@@ -11366,7 +11612,7 @@
                                       <p:cBhvr>
                                         <p:cTn id="7" dur="500"/>
                                         <p:tgtEl>
-                                          <p:spTgt spid="8"/>
+                                          <p:spTgt spid="4"/>
                                         </p:tgtEl>
                                       </p:cBhvr>
                                     </p:animEffect>
@@ -11383,7 +11629,7 @@
                             </p:stCondLst>
                             <p:childTnLst>
                               <p:par>
-                                <p:cTn id="9" presetID="22" presetClass="entr" presetSubtype="8" fill="hold" nodeType="afterEffect">
+                                <p:cTn id="9" presetID="16" presetClass="entr" presetSubtype="21" fill="hold" grpId="0" nodeType="afterEffect">
                                   <p:stCondLst>
                                     <p:cond delay="0"/>
                                   </p:stCondLst>
@@ -11391,6 +11637,50 @@
                                     <p:set>
                                       <p:cBhvr>
                                         <p:cTn id="10" dur="1" fill="hold">
+                                          <p:stCondLst>
+                                            <p:cond delay="0"/>
+                                          </p:stCondLst>
+                                        </p:cTn>
+                                        <p:tgtEl>
+                                          <p:spTgt spid="8"/>
+                                        </p:tgtEl>
+                                        <p:attrNameLst>
+                                          <p:attrName>style.visibility</p:attrName>
+                                        </p:attrNameLst>
+                                      </p:cBhvr>
+                                      <p:to>
+                                        <p:strVal val="visible"/>
+                                      </p:to>
+                                    </p:set>
+                                    <p:animEffect transition="in" filter="barn(inVertical)">
+                                      <p:cBhvr>
+                                        <p:cTn id="11" dur="500"/>
+                                        <p:tgtEl>
+                                          <p:spTgt spid="8"/>
+                                        </p:tgtEl>
+                                      </p:cBhvr>
+                                    </p:animEffect>
+                                  </p:childTnLst>
+                                </p:cTn>
+                              </p:par>
+                            </p:childTnLst>
+                          </p:cTn>
+                        </p:par>
+                        <p:par>
+                          <p:cTn id="12" fill="hold">
+                            <p:stCondLst>
+                              <p:cond delay="1000"/>
+                            </p:stCondLst>
+                            <p:childTnLst>
+                              <p:par>
+                                <p:cTn id="13" presetID="22" presetClass="entr" presetSubtype="8" fill="hold" nodeType="afterEffect">
+                                  <p:stCondLst>
+                                    <p:cond delay="0"/>
+                                  </p:stCondLst>
+                                  <p:childTnLst>
+                                    <p:set>
+                                      <p:cBhvr>
+                                        <p:cTn id="14" dur="1" fill="hold">
                                           <p:stCondLst>
                                             <p:cond delay="0"/>
                                           </p:stCondLst>
@@ -11408,7 +11698,7 @@
                                     </p:set>
                                     <p:animEffect transition="in" filter="wipe(left)">
                                       <p:cBhvr>
-                                        <p:cTn id="11" dur="500"/>
+                                        <p:cTn id="15" dur="500"/>
                                         <p:tgtEl>
                                           <p:spTgt spid="9"/>
                                         </p:tgtEl>
@@ -11446,6 +11736,7 @@
     </p:tnLst>
     <p:bldLst>
       <p:bldP spid="8" grpId="0" animBg="1"/>
+      <p:bldP spid="4" grpId="0" animBg="1"/>
     </p:bldLst>
   </p:timing>
 </p:sld>
@@ -11718,7 +12009,35 @@
           <a:p>
             <a:r>
               <a:rPr lang="en-US" sz="2400" dirty="0"/>
-              <a:t>The research question is, "What is the one temperature that is the same in Fahrenheit and Celsius?"</a:t>
+              <a:t>The research question is, "</a:t>
+            </a:r>
+            <a:r>
+              <a:rPr lang="en-US" sz="2400" b="1" dirty="0">
+                <a:solidFill>
+                  <a:srgbClr val="FF0000"/>
+                </a:solidFill>
+              </a:rPr>
+              <a:t>What is the one temperature that is the </a:t>
+            </a:r>
+            <a:r>
+              <a:rPr lang="en-US" sz="2400" b="1" u="sng" dirty="0">
+                <a:solidFill>
+                  <a:srgbClr val="FF0000"/>
+                </a:solidFill>
+              </a:rPr>
+              <a:t>same</a:t>
+            </a:r>
+            <a:r>
+              <a:rPr lang="en-US" sz="2400" b="1" dirty="0">
+                <a:solidFill>
+                  <a:srgbClr val="FF0000"/>
+                </a:solidFill>
+              </a:rPr>
+              <a:t> in both Fahrenheit and Celsius?</a:t>
+            </a:r>
+            <a:r>
+              <a:rPr lang="en-US" sz="2400" dirty="0"/>
+              <a:t>"</a:t>
             </a:r>
           </a:p>
         </p:txBody>
@@ -33287,8 +33606,8 @@
           </a:p>
         </p:txBody>
       </p:sp>
-      <mc:AlternateContent xmlns:mc="http://schemas.openxmlformats.org/markup-compatibility/2006">
-        <mc:Choice xmlns:a14="http://schemas.microsoft.com/office/drawing/2010/main" Requires="a14">
+      <mc:AlternateContent xmlns:mc="http://schemas.openxmlformats.org/markup-compatibility/2006" xmlns:a14="http://schemas.microsoft.com/office/drawing/2010/main">
+        <mc:Choice Requires="a14">
           <p:sp>
             <p:nvSpPr>
               <p:cNvPr id="3" name="Content Placeholder 2">
@@ -33756,7 +34075,7 @@
             </p:txBody>
           </p:sp>
         </mc:Choice>
-        <mc:Fallback>
+        <mc:Fallback xmlns="">
           <p:sp>
             <p:nvSpPr>
               <p:cNvPr id="3" name="Content Placeholder 2">

--- a/Session 03 - Making Line Graphs/Session 03 - Making Line Graphs.pptx
+++ b/Session 03 - Making Line Graphs/Session 03 - Making Line Graphs.pptx
@@ -305,7 +305,7 @@
           <a:p>
             <a:fld id="{A241AC98-512A-4A35-865E-757B6C1F07A2}" type="datetimeFigureOut">
               <a:rPr lang="en-US" smtClean="0"/>
-              <a:t>12/13/2023</a:t>
+              <a:t>12/20/2023</a:t>
             </a:fld>
             <a:endParaRPr lang="en-US"/>
           </a:p>
@@ -471,7 +471,7 @@
           <a:p>
             <a:fld id="{3854CEE7-15DE-41D9-8CA2-D1E137B1D850}" type="datetimeFigureOut">
               <a:rPr lang="en-US" smtClean="0"/>
-              <a:t>12/13/2023</a:t>
+              <a:t>12/20/2023</a:t>
             </a:fld>
             <a:endParaRPr lang="en-US"/>
           </a:p>
@@ -1374,7 +1374,7 @@
           <a:p>
             <a:fld id="{5555EB2C-244D-4423-AD97-018ED6478B87}" type="datetime1">
               <a:rPr lang="en-US" smtClean="0"/>
-              <a:t>12/13/2023</a:t>
+              <a:t>12/20/2023</a:t>
             </a:fld>
             <a:endParaRPr lang="en-US"/>
           </a:p>
@@ -1553,7 +1553,7 @@
           <a:p>
             <a:fld id="{A2B41D1F-7576-4C60-B4EB-5115BC56CF40}" type="datetime1">
               <a:rPr lang="en-US" smtClean="0"/>
-              <a:t>12/13/2023</a:t>
+              <a:t>12/20/2023</a:t>
             </a:fld>
             <a:endParaRPr lang="en-US"/>
           </a:p>
@@ -1745,7 +1745,7 @@
           <a:p>
             <a:fld id="{E79D1398-4D56-44F9-BA35-34ACF3159A64}" type="datetime1">
               <a:rPr lang="en-US" smtClean="0"/>
-              <a:t>12/13/2023</a:t>
+              <a:t>12/20/2023</a:t>
             </a:fld>
             <a:endParaRPr lang="en-US"/>
           </a:p>
@@ -1927,7 +1927,7 @@
           <a:p>
             <a:fld id="{A3CF632E-48CB-4EEB-A6B6-DEC7AD7CC976}" type="datetime1">
               <a:rPr lang="en-US" smtClean="0"/>
-              <a:t>12/13/2023</a:t>
+              <a:t>12/20/2023</a:t>
             </a:fld>
             <a:endParaRPr lang="en-US"/>
           </a:p>
@@ -2180,7 +2180,7 @@
           <a:p>
             <a:fld id="{BAEEE52C-3A57-458E-95F6-96B2FA9D1DD4}" type="datetime1">
               <a:rPr lang="en-US" smtClean="0"/>
-              <a:t>12/13/2023</a:t>
+              <a:t>12/20/2023</a:t>
             </a:fld>
             <a:endParaRPr lang="en-US"/>
           </a:p>
@@ -2424,7 +2424,7 @@
           <a:p>
             <a:fld id="{766FC747-A48A-4FF2-8EE4-3E95ECD1C2A8}" type="datetime1">
               <a:rPr lang="en-US" smtClean="0"/>
-              <a:t>12/13/2023</a:t>
+              <a:t>12/20/2023</a:t>
             </a:fld>
             <a:endParaRPr lang="en-US"/>
           </a:p>
@@ -2803,7 +2803,7 @@
           <a:p>
             <a:fld id="{C9BF5758-AB7F-463D-B638-E1729B95E126}" type="datetime1">
               <a:rPr lang="en-US" smtClean="0"/>
-              <a:t>12/13/2023</a:t>
+              <a:t>12/20/2023</a:t>
             </a:fld>
             <a:endParaRPr lang="en-US"/>
           </a:p>
@@ -2933,7 +2933,7 @@
           <a:p>
             <a:fld id="{F3718C77-7DD0-4738-BF52-D0EC9F78A76E}" type="datetime1">
               <a:rPr lang="en-US" smtClean="0"/>
-              <a:t>12/13/2023</a:t>
+              <a:t>12/20/2023</a:t>
             </a:fld>
             <a:endParaRPr lang="en-US"/>
           </a:p>
@@ -3040,7 +3040,7 @@
           <a:p>
             <a:fld id="{948970CF-13D9-4E1D-A74F-2CFE4953FCDB}" type="datetime1">
               <a:rPr lang="en-US" smtClean="0"/>
-              <a:t>12/13/2023</a:t>
+              <a:t>12/20/2023</a:t>
             </a:fld>
             <a:endParaRPr lang="en-US"/>
           </a:p>
@@ -3329,7 +3329,7 @@
           <a:p>
             <a:fld id="{F68C49B9-4E1C-4967-B9CF-0BF9FECBE837}" type="datetime1">
               <a:rPr lang="en-US" smtClean="0"/>
-              <a:t>12/13/2023</a:t>
+              <a:t>12/20/2023</a:t>
             </a:fld>
             <a:endParaRPr lang="en-US"/>
           </a:p>
@@ -3597,7 +3597,7 @@
           <a:p>
             <a:fld id="{7E338CBB-1F06-4333-9BBF-66628B15E581}" type="datetime1">
               <a:rPr lang="en-US" smtClean="0"/>
-              <a:t>12/13/2023</a:t>
+              <a:t>12/20/2023</a:t>
             </a:fld>
             <a:endParaRPr lang="en-US"/>
           </a:p>
@@ -3822,7 +3822,7 @@
           <a:p>
             <a:fld id="{705EC883-F03C-4CA3-AF62-BEF30EEA4F65}" type="datetime1">
               <a:rPr lang="en-US" smtClean="0"/>
-              <a:t>12/13/2023</a:t>
+              <a:t>12/20/2023</a:t>
             </a:fld>
             <a:endParaRPr lang="en-US"/>
           </a:p>
@@ -27045,7 +27045,7 @@
             </p:spPr>
             <p:txBody>
               <a:bodyPr>
-                <a:normAutofit/>
+                <a:noAutofit/>
               </a:bodyPr>
               <a:lstStyle/>
               <a:p>
@@ -27081,13 +27081,217 @@
                 </a14:m>
                 <a:r>
                   <a:rPr lang="en-US" sz="2400" dirty="0"/>
-                  <a:t> that any two positive random integers are coprime</a:t>
+                  <a:t> that any two positive random integers are </a:t>
+                </a:r>
+                <a:r>
+                  <a:rPr lang="en-US" sz="2400" b="1" dirty="0">
+                    <a:solidFill>
+                      <a:srgbClr val="FF0000"/>
+                    </a:solidFill>
+                  </a:rPr>
+                  <a:t>coprime</a:t>
                 </a:r>
               </a:p>
               <a:p>
                 <a:r>
                   <a:rPr lang="en-US" sz="2400" dirty="0"/>
-                  <a:t>She wants you to sample one million pairs of random integers between one and one million inclusive</a:t>
+                  <a:t>Two numbers are </a:t>
+                </a:r>
+                <a:r>
+                  <a:rPr lang="en-US" sz="2400" b="1" dirty="0">
+                    <a:solidFill>
+                      <a:srgbClr val="FF0000"/>
+                    </a:solidFill>
+                  </a:rPr>
+                  <a:t>coprime</a:t>
+                </a:r>
+                <a:r>
+                  <a:rPr lang="en-US" sz="2400" dirty="0"/>
+                  <a:t> if they share </a:t>
+                </a:r>
+                <a:r>
+                  <a:rPr lang="en-US" sz="2400" b="1" dirty="0">
+                    <a:solidFill>
+                      <a:srgbClr val="00B050"/>
+                    </a:solidFill>
+                  </a:rPr>
+                  <a:t>no common factors</a:t>
+                </a:r>
+              </a:p>
+              <a:p>
+                <a:r>
+                  <a:rPr lang="en-US" sz="2400" dirty="0"/>
+                  <a:t>For example, the numbers </a:t>
+                </a:r>
+                <a14:m>
+                  <m:oMath xmlns:m="http://schemas.openxmlformats.org/officeDocument/2006/math">
+                    <m:r>
+                      <a:rPr lang="en-US" sz="2400" b="0" i="1" smtClean="0">
+                        <a:latin typeface="Cambria Math" panose="02040503050406030204" pitchFamily="18" charset="0"/>
+                      </a:rPr>
+                      <m:t>6</m:t>
+                    </m:r>
+                  </m:oMath>
+                </a14:m>
+                <a:r>
+                  <a:rPr lang="en-US" sz="2400" dirty="0"/>
+                  <a:t> and </a:t>
+                </a:r>
+                <a14:m>
+                  <m:oMath xmlns:m="http://schemas.openxmlformats.org/officeDocument/2006/math">
+                    <m:r>
+                      <a:rPr lang="en-US" sz="2400" b="0" i="1" smtClean="0">
+                        <a:latin typeface="Cambria Math" panose="02040503050406030204" pitchFamily="18" charset="0"/>
+                      </a:rPr>
+                      <m:t>35</m:t>
+                    </m:r>
+                  </m:oMath>
+                </a14:m>
+                <a:r>
+                  <a:rPr lang="en-US" sz="2400" dirty="0"/>
+                  <a:t> are </a:t>
+                </a:r>
+                <a:r>
+                  <a:rPr lang="en-US" sz="2400" b="1" dirty="0">
+                    <a:solidFill>
+                      <a:srgbClr val="0070C0"/>
+                    </a:solidFill>
+                  </a:rPr>
+                  <a:t>not prime </a:t>
+                </a:r>
+                <a:r>
+                  <a:rPr lang="en-US" sz="2400" dirty="0"/>
+                  <a:t>because </a:t>
+                </a:r>
+                <a14:m>
+                  <m:oMath xmlns:m="http://schemas.openxmlformats.org/officeDocument/2006/math">
+                    <m:r>
+                      <a:rPr lang="en-US" sz="2400" b="0" i="1" smtClean="0">
+                        <a:latin typeface="Cambria Math" panose="02040503050406030204" pitchFamily="18" charset="0"/>
+                      </a:rPr>
+                      <m:t>6=2</m:t>
+                    </m:r>
+                    <m:r>
+                      <a:rPr lang="en-US" sz="2400" b="0" i="1" smtClean="0">
+                        <a:latin typeface="Cambria Math" panose="02040503050406030204" pitchFamily="18" charset="0"/>
+                        <a:ea typeface="Cambria Math" panose="02040503050406030204" pitchFamily="18" charset="0"/>
+                      </a:rPr>
+                      <m:t>×3</m:t>
+                    </m:r>
+                  </m:oMath>
+                </a14:m>
+                <a:r>
+                  <a:rPr lang="en-US" sz="2400" dirty="0"/>
+                  <a:t> and </a:t>
+                </a:r>
+                <a14:m>
+                  <m:oMath xmlns:m="http://schemas.openxmlformats.org/officeDocument/2006/math">
+                    <m:r>
+                      <a:rPr lang="en-US" sz="2400" b="0" i="1" smtClean="0">
+                        <a:latin typeface="Cambria Math" panose="02040503050406030204" pitchFamily="18" charset="0"/>
+                      </a:rPr>
+                      <m:t>35=5</m:t>
+                    </m:r>
+                    <m:r>
+                      <a:rPr lang="en-US" sz="2400" b="0" i="1" smtClean="0">
+                        <a:latin typeface="Cambria Math" panose="02040503050406030204" pitchFamily="18" charset="0"/>
+                        <a:ea typeface="Cambria Math" panose="02040503050406030204" pitchFamily="18" charset="0"/>
+                      </a:rPr>
+                      <m:t>×7</m:t>
+                    </m:r>
+                  </m:oMath>
+                </a14:m>
+                <a:r>
+                  <a:rPr lang="en-US" sz="2400" dirty="0"/>
+                  <a:t> </a:t>
+                </a:r>
+              </a:p>
+              <a:p>
+                <a:r>
+                  <a:rPr lang="en-US" sz="2400" dirty="0"/>
+                  <a:t>However, when </a:t>
+                </a:r>
+                <a:r>
+                  <a:rPr lang="en-US" sz="2400" b="1" dirty="0">
+                    <a:solidFill>
+                      <a:srgbClr val="7030A0"/>
+                    </a:solidFill>
+                  </a:rPr>
+                  <a:t>compared to each other</a:t>
+                </a:r>
+                <a:r>
+                  <a:rPr lang="en-US" sz="2400" dirty="0"/>
+                  <a:t>, </a:t>
+                </a:r>
+                <a14:m>
+                  <m:oMath xmlns:m="http://schemas.openxmlformats.org/officeDocument/2006/math">
+                    <m:r>
+                      <a:rPr lang="en-US" sz="2400" b="0" i="1" smtClean="0">
+                        <a:latin typeface="Cambria Math" panose="02040503050406030204" pitchFamily="18" charset="0"/>
+                      </a:rPr>
+                      <m:t>6</m:t>
+                    </m:r>
+                  </m:oMath>
+                </a14:m>
+                <a:r>
+                  <a:rPr lang="en-US" sz="2400" dirty="0"/>
+                  <a:t> and </a:t>
+                </a:r>
+                <a14:m>
+                  <m:oMath xmlns:m="http://schemas.openxmlformats.org/officeDocument/2006/math">
+                    <m:r>
+                      <a:rPr lang="en-US" sz="2400" b="0" i="1" smtClean="0">
+                        <a:latin typeface="Cambria Math" panose="02040503050406030204" pitchFamily="18" charset="0"/>
+                      </a:rPr>
+                      <m:t>35</m:t>
+                    </m:r>
+                  </m:oMath>
+                </a14:m>
+                <a:r>
+                  <a:rPr lang="en-US" sz="2400" dirty="0"/>
+                  <a:t> </a:t>
+                </a:r>
+                <a:r>
+                  <a:rPr lang="en-US" sz="2400" u="sng" dirty="0"/>
+                  <a:t>are</a:t>
+                </a:r>
+                <a:r>
+                  <a:rPr lang="en-US" sz="2400" dirty="0"/>
+                  <a:t> </a:t>
+                </a:r>
+                <a:r>
+                  <a:rPr lang="en-US" sz="2400" b="1" dirty="0">
+                    <a:solidFill>
+                      <a:srgbClr val="FF0000"/>
+                    </a:solidFill>
+                  </a:rPr>
+                  <a:t>coprime</a:t>
+                </a:r>
+                <a:r>
+                  <a:rPr lang="en-US" sz="2400" dirty="0"/>
+                  <a:t> because they share </a:t>
+                </a:r>
+                <a:r>
+                  <a:rPr lang="en-US" sz="2400" b="1" dirty="0">
+                    <a:solidFill>
+                      <a:srgbClr val="00B050"/>
+                    </a:solidFill>
+                  </a:rPr>
+                  <a:t>no common factors</a:t>
+                </a:r>
+              </a:p>
+              <a:p>
+                <a:r>
+                  <a:rPr lang="en-US" sz="2400" dirty="0"/>
+                  <a:t>She wants you to sample </a:t>
+                </a:r>
+                <a:r>
+                  <a:rPr lang="en-US" sz="2400" b="1" dirty="0"/>
+                  <a:t>one million pairs </a:t>
+                </a:r>
+                <a:r>
+                  <a:rPr lang="en-US" sz="2400" dirty="0"/>
+                  <a:t>of random integers between one and one million inclusive</a:t>
                 </a:r>
               </a:p>
               <a:p>
@@ -27167,7 +27371,7 @@
               <a:blipFill>
                 <a:blip r:embed="rId2"/>
                 <a:stretch>
-                  <a:fillRect l="-1005" t="-1966"/>
+                  <a:fillRect l="-1005" t="-1966" b="-7584"/>
                 </a:stretch>
               </a:blipFill>
             </p:spPr>
@@ -27312,6 +27516,153 @@
                                           <p:spTgt spid="3">
                                             <p:txEl>
                                               <p:pRg st="2" end="2"/>
+                                            </p:txEl>
+                                          </p:spTgt>
+                                        </p:tgtEl>
+                                        <p:attrNameLst>
+                                          <p:attrName>style.visibility</p:attrName>
+                                        </p:attrNameLst>
+                                      </p:cBhvr>
+                                      <p:to>
+                                        <p:strVal val="visible"/>
+                                      </p:to>
+                                    </p:set>
+                                  </p:childTnLst>
+                                </p:cTn>
+                              </p:par>
+                            </p:childTnLst>
+                          </p:cTn>
+                        </p:par>
+                      </p:childTnLst>
+                    </p:cTn>
+                  </p:par>
+                  <p:par>
+                    <p:cTn id="11" fill="hold">
+                      <p:stCondLst>
+                        <p:cond delay="indefinite"/>
+                      </p:stCondLst>
+                      <p:childTnLst>
+                        <p:par>
+                          <p:cTn id="12" fill="hold">
+                            <p:stCondLst>
+                              <p:cond delay="0"/>
+                            </p:stCondLst>
+                            <p:childTnLst>
+                              <p:par>
+                                <p:cTn id="13" presetID="1" presetClass="entr" presetSubtype="0" fill="hold" nodeType="clickEffect">
+                                  <p:stCondLst>
+                                    <p:cond delay="0"/>
+                                  </p:stCondLst>
+                                  <p:childTnLst>
+                                    <p:set>
+                                      <p:cBhvr>
+                                        <p:cTn id="14" dur="1" fill="hold">
+                                          <p:stCondLst>
+                                            <p:cond delay="0"/>
+                                          </p:stCondLst>
+                                        </p:cTn>
+                                        <p:tgtEl>
+                                          <p:spTgt spid="3">
+                                            <p:txEl>
+                                              <p:pRg st="3" end="3"/>
+                                            </p:txEl>
+                                          </p:spTgt>
+                                        </p:tgtEl>
+                                        <p:attrNameLst>
+                                          <p:attrName>style.visibility</p:attrName>
+                                        </p:attrNameLst>
+                                      </p:cBhvr>
+                                      <p:to>
+                                        <p:strVal val="visible"/>
+                                      </p:to>
+                                    </p:set>
+                                  </p:childTnLst>
+                                </p:cTn>
+                              </p:par>
+                            </p:childTnLst>
+                          </p:cTn>
+                        </p:par>
+                      </p:childTnLst>
+                    </p:cTn>
+                  </p:par>
+                  <p:par>
+                    <p:cTn id="15" fill="hold">
+                      <p:stCondLst>
+                        <p:cond delay="indefinite"/>
+                      </p:stCondLst>
+                      <p:childTnLst>
+                        <p:par>
+                          <p:cTn id="16" fill="hold">
+                            <p:stCondLst>
+                              <p:cond delay="0"/>
+                            </p:stCondLst>
+                            <p:childTnLst>
+                              <p:par>
+                                <p:cTn id="17" presetID="1" presetClass="entr" presetSubtype="0" fill="hold" nodeType="clickEffect">
+                                  <p:stCondLst>
+                                    <p:cond delay="0"/>
+                                  </p:stCondLst>
+                                  <p:childTnLst>
+                                    <p:set>
+                                      <p:cBhvr>
+                                        <p:cTn id="18" dur="1" fill="hold">
+                                          <p:stCondLst>
+                                            <p:cond delay="0"/>
+                                          </p:stCondLst>
+                                        </p:cTn>
+                                        <p:tgtEl>
+                                          <p:spTgt spid="3">
+                                            <p:txEl>
+                                              <p:pRg st="4" end="4"/>
+                                            </p:txEl>
+                                          </p:spTgt>
+                                        </p:tgtEl>
+                                        <p:attrNameLst>
+                                          <p:attrName>style.visibility</p:attrName>
+                                        </p:attrNameLst>
+                                      </p:cBhvr>
+                                      <p:to>
+                                        <p:strVal val="visible"/>
+                                      </p:to>
+                                    </p:set>
+                                  </p:childTnLst>
+                                </p:cTn>
+                              </p:par>
+                            </p:childTnLst>
+                          </p:cTn>
+                        </p:par>
+                      </p:childTnLst>
+                    </p:cTn>
+                  </p:par>
+                  <p:par>
+                    <p:cTn id="19" fill="hold">
+                      <p:stCondLst>
+                        <p:cond delay="indefinite"/>
+                      </p:stCondLst>
+                      <p:childTnLst>
+                        <p:par>
+                          <p:cTn id="20" fill="hold">
+                            <p:stCondLst>
+                              <p:cond delay="0"/>
+                            </p:stCondLst>
+                            <p:childTnLst>
+                              <p:par>
+                                <p:cTn id="21" presetID="1" presetClass="entr" presetSubtype="0" fill="hold" nodeType="clickEffect">
+                                  <p:stCondLst>
+                                    <p:cond delay="0"/>
+                                  </p:stCondLst>
+                                  <p:childTnLst>
+                                    <p:set>
+                                      <p:cBhvr>
+                                        <p:cTn id="22" dur="1" fill="hold">
+                                          <p:stCondLst>
+                                            <p:cond delay="0"/>
+                                          </p:stCondLst>
+                                        </p:cTn>
+                                        <p:tgtEl>
+                                          <p:spTgt spid="3">
+                                            <p:txEl>
+                                              <p:pRg st="5" end="5"/>
                                             </p:txEl>
                                           </p:spTgt>
                                         </p:tgtEl>
@@ -28712,6 +29063,46 @@
           </p:sp>
         </mc:Fallback>
       </mc:AlternateContent>
+      <p:sp>
+        <p:nvSpPr>
+          <p:cNvPr id="6" name="TextBox 5">
+            <a:extLst>
+              <a:ext uri="{FF2B5EF4-FFF2-40B4-BE49-F238E27FC236}">
+                <a16:creationId xmlns:a16="http://schemas.microsoft.com/office/drawing/2014/main" id="{46DA292D-1E1C-DEA6-150A-59DC5880BE77}"/>
+              </a:ext>
+            </a:extLst>
+          </p:cNvPr>
+          <p:cNvSpPr txBox="1"/>
+          <p:nvPr/>
+        </p:nvSpPr>
+        <p:spPr>
+          <a:xfrm>
+            <a:off x="2750757" y="1171074"/>
+            <a:ext cx="3642486" cy="369332"/>
+          </a:xfrm>
+          <a:prstGeom prst="rect">
+            <a:avLst/>
+          </a:prstGeom>
+          <a:noFill/>
+        </p:spPr>
+        <p:txBody>
+          <a:bodyPr wrap="square" rtlCol="0">
+            <a:spAutoFit/>
+          </a:bodyPr>
+          <a:lstStyle/>
+          <a:p>
+            <a:pPr algn="ctr"/>
+            <a:r>
+              <a:rPr lang="en-US" b="1" dirty="0">
+                <a:solidFill>
+                  <a:srgbClr val="7030A0"/>
+                </a:solidFill>
+              </a:rPr>
+              <a:t>Greatest Common Factor (GCF)</a:t>
+            </a:r>
+          </a:p>
+        </p:txBody>
+      </p:sp>
     </p:spTree>
     <p:extLst>
       <p:ext uri="{BB962C8B-B14F-4D97-AF65-F5344CB8AC3E}">
@@ -31238,6 +31629,51 @@
           </a:p>
         </p:txBody>
       </p:sp>
+      <p:sp>
+        <p:nvSpPr>
+          <p:cNvPr id="6" name="TextBox 5">
+            <a:extLst>
+              <a:ext uri="{FF2B5EF4-FFF2-40B4-BE49-F238E27FC236}">
+                <a16:creationId xmlns:a16="http://schemas.microsoft.com/office/drawing/2014/main" id="{847FE34E-3FCE-F1DE-9CA2-B8DA9F6F710C}"/>
+              </a:ext>
+            </a:extLst>
+          </p:cNvPr>
+          <p:cNvSpPr txBox="1"/>
+          <p:nvPr/>
+        </p:nvSpPr>
+        <p:spPr>
+          <a:xfrm>
+            <a:off x="212080" y="4770133"/>
+            <a:ext cx="1731685" cy="923330"/>
+          </a:xfrm>
+          <a:prstGeom prst="rect">
+            <a:avLst/>
+          </a:prstGeom>
+          <a:noFill/>
+        </p:spPr>
+        <p:txBody>
+          <a:bodyPr wrap="square" rtlCol="0">
+            <a:spAutoFit/>
+          </a:bodyPr>
+          <a:lstStyle/>
+          <a:p>
+            <a:pPr algn="ctr"/>
+            <a:r>
+              <a:rPr lang="en-US" dirty="0">
+                <a:ln>
+                  <a:solidFill>
+                    <a:srgbClr val="0070C0"/>
+                  </a:solidFill>
+                </a:ln>
+                <a:solidFill>
+                  <a:srgbClr val="0070C0"/>
+                </a:solidFill>
+              </a:rPr>
+              <a:t>If GCD(a, b) == 1 then a and b are coprime</a:t>
+            </a:r>
+          </a:p>
+        </p:txBody>
+      </p:sp>
     </p:spTree>
     <p:extLst>
       <p:ext uri="{BB962C8B-B14F-4D97-AF65-F5344CB8AC3E}">
@@ -31865,7 +32301,7 @@
                             </p:stCondLst>
                             <p:childTnLst>
                               <p:par>
-                                <p:cTn id="50" presetID="22" presetClass="entr" presetSubtype="2" fill="hold" nodeType="clickEffect">
+                                <p:cTn id="50" presetID="2" presetClass="entr" presetSubtype="8" fill="hold" grpId="0" nodeType="clickEffect">
                                   <p:stCondLst>
                                     <p:cond delay="0"/>
                                   </p:stCondLst>
@@ -31878,7 +32314,7 @@
                                           </p:stCondLst>
                                         </p:cTn>
                                         <p:tgtEl>
-                                          <p:spTgt spid="52"/>
+                                          <p:spTgt spid="6"/>
                                         </p:tgtEl>
                                         <p:attrNameLst>
                                           <p:attrName>style.visibility</p:attrName>
@@ -31888,35 +32324,82 @@
                                         <p:strVal val="visible"/>
                                       </p:to>
                                     </p:set>
-                                    <p:animEffect transition="in" filter="wipe(right)">
-                                      <p:cBhvr>
-                                        <p:cTn id="52" dur="500"/>
+                                    <p:anim calcmode="lin" valueType="num">
+                                      <p:cBhvr additive="base">
+                                        <p:cTn id="52" dur="500" fill="hold"/>
                                         <p:tgtEl>
-                                          <p:spTgt spid="52"/>
+                                          <p:spTgt spid="6"/>
                                         </p:tgtEl>
+                                        <p:attrNameLst>
+                                          <p:attrName>ppt_x</p:attrName>
+                                        </p:attrNameLst>
                                       </p:cBhvr>
-                                    </p:animEffect>
+                                      <p:tavLst>
+                                        <p:tav tm="0">
+                                          <p:val>
+                                            <p:strVal val="0-#ppt_w/2"/>
+                                          </p:val>
+                                        </p:tav>
+                                        <p:tav tm="100000">
+                                          <p:val>
+                                            <p:strVal val="#ppt_x"/>
+                                          </p:val>
+                                        </p:tav>
+                                      </p:tavLst>
+                                    </p:anim>
+                                    <p:anim calcmode="lin" valueType="num">
+                                      <p:cBhvr additive="base">
+                                        <p:cTn id="53" dur="500" fill="hold"/>
+                                        <p:tgtEl>
+                                          <p:spTgt spid="6"/>
+                                        </p:tgtEl>
+                                        <p:attrNameLst>
+                                          <p:attrName>ppt_y</p:attrName>
+                                        </p:attrNameLst>
+                                      </p:cBhvr>
+                                      <p:tavLst>
+                                        <p:tav tm="0">
+                                          <p:val>
+                                            <p:strVal val="#ppt_y"/>
+                                          </p:val>
+                                        </p:tav>
+                                        <p:tav tm="100000">
+                                          <p:val>
+                                            <p:strVal val="#ppt_y"/>
+                                          </p:val>
+                                        </p:tav>
+                                      </p:tavLst>
+                                    </p:anim>
                                   </p:childTnLst>
                                 </p:cTn>
                               </p:par>
                             </p:childTnLst>
                           </p:cTn>
                         </p:par>
+                      </p:childTnLst>
+                    </p:cTn>
+                  </p:par>
+                  <p:par>
+                    <p:cTn id="54" fill="hold">
+                      <p:stCondLst>
+                        <p:cond delay="indefinite"/>
+                      </p:stCondLst>
+                      <p:childTnLst>
                         <p:par>
-                          <p:cTn id="53" fill="hold">
+                          <p:cTn id="55" fill="hold">
                             <p:stCondLst>
-                              <p:cond delay="500"/>
+                              <p:cond delay="0"/>
                             </p:stCondLst>
                             <p:childTnLst>
                               <p:par>
-                                <p:cTn id="54" presetID="2" presetClass="entr" presetSubtype="2" fill="hold" grpId="0" nodeType="afterEffect">
+                                <p:cTn id="56" presetID="2" presetClass="entr" presetSubtype="2" fill="hold" grpId="0" nodeType="clickEffect">
                                   <p:stCondLst>
                                     <p:cond delay="0"/>
                                   </p:stCondLst>
                                   <p:childTnLst>
                                     <p:set>
                                       <p:cBhvr>
-                                        <p:cTn id="55" dur="1" fill="hold">
+                                        <p:cTn id="57" dur="1" fill="hold">
                                           <p:stCondLst>
                                             <p:cond delay="0"/>
                                           </p:stCondLst>
@@ -31934,7 +32417,7 @@
                                     </p:set>
                                     <p:anim calcmode="lin" valueType="num">
                                       <p:cBhvr additive="base">
-                                        <p:cTn id="56" dur="500" fill="hold"/>
+                                        <p:cTn id="58" dur="500" fill="hold"/>
                                         <p:tgtEl>
                                           <p:spTgt spid="61"/>
                                         </p:tgtEl>
@@ -31957,7 +32440,7 @@
                                     </p:anim>
                                     <p:anim calcmode="lin" valueType="num">
                                       <p:cBhvr additive="base">
-                                        <p:cTn id="57" dur="500" fill="hold"/>
+                                        <p:cTn id="59" dur="500" fill="hold"/>
                                         <p:tgtEl>
                                           <p:spTgt spid="61"/>
                                         </p:tgtEl>
@@ -31988,26 +32471,79 @@
                     </p:cTn>
                   </p:par>
                   <p:par>
-                    <p:cTn id="58" fill="hold">
+                    <p:cTn id="60" fill="hold">
                       <p:stCondLst>
                         <p:cond delay="indefinite"/>
                       </p:stCondLst>
                       <p:childTnLst>
                         <p:par>
-                          <p:cTn id="59" fill="hold">
+                          <p:cTn id="61" fill="hold">
                             <p:stCondLst>
                               <p:cond delay="0"/>
                             </p:stCondLst>
                             <p:childTnLst>
                               <p:par>
-                                <p:cTn id="60" presetID="22" presetClass="entr" presetSubtype="2" fill="hold" nodeType="clickEffect">
+                                <p:cTn id="62" presetID="22" presetClass="entr" presetSubtype="2" fill="hold" nodeType="clickEffect">
                                   <p:stCondLst>
                                     <p:cond delay="0"/>
                                   </p:stCondLst>
                                   <p:childTnLst>
                                     <p:set>
                                       <p:cBhvr>
-                                        <p:cTn id="61" dur="1" fill="hold">
+                                        <p:cTn id="63" dur="1" fill="hold">
+                                          <p:stCondLst>
+                                            <p:cond delay="0"/>
+                                          </p:stCondLst>
+                                        </p:cTn>
+                                        <p:tgtEl>
+                                          <p:spTgt spid="52"/>
+                                        </p:tgtEl>
+                                        <p:attrNameLst>
+                                          <p:attrName>style.visibility</p:attrName>
+                                        </p:attrNameLst>
+                                      </p:cBhvr>
+                                      <p:to>
+                                        <p:strVal val="visible"/>
+                                      </p:to>
+                                    </p:set>
+                                    <p:animEffect transition="in" filter="wipe(right)">
+                                      <p:cBhvr>
+                                        <p:cTn id="64" dur="500"/>
+                                        <p:tgtEl>
+                                          <p:spTgt spid="52"/>
+                                        </p:tgtEl>
+                                      </p:cBhvr>
+                                    </p:animEffect>
+                                  </p:childTnLst>
+                                </p:cTn>
+                              </p:par>
+                            </p:childTnLst>
+                          </p:cTn>
+                        </p:par>
+                      </p:childTnLst>
+                    </p:cTn>
+                  </p:par>
+                  <p:par>
+                    <p:cTn id="65" fill="hold">
+                      <p:stCondLst>
+                        <p:cond delay="indefinite"/>
+                      </p:stCondLst>
+                      <p:childTnLst>
+                        <p:par>
+                          <p:cTn id="66" fill="hold">
+                            <p:stCondLst>
+                              <p:cond delay="0"/>
+                            </p:stCondLst>
+                            <p:childTnLst>
+                              <p:par>
+                                <p:cTn id="67" presetID="22" presetClass="entr" presetSubtype="2" fill="hold" nodeType="clickEffect">
+                                  <p:stCondLst>
+                                    <p:cond delay="0"/>
+                                  </p:stCondLst>
+                                  <p:childTnLst>
+                                    <p:set>
+                                      <p:cBhvr>
+                                        <p:cTn id="68" dur="1" fill="hold">
                                           <p:stCondLst>
                                             <p:cond delay="0"/>
                                           </p:stCondLst>
@@ -32025,7 +32561,7 @@
                                     </p:set>
                                     <p:animEffect transition="in" filter="wipe(right)">
                                       <p:cBhvr>
-                                        <p:cTn id="62" dur="500"/>
+                                        <p:cTn id="69" dur="500"/>
                                         <p:tgtEl>
                                           <p:spTgt spid="55"/>
                                         </p:tgtEl>
@@ -32067,6 +32603,7 @@
       <p:bldP spid="60" grpId="0"/>
       <p:bldP spid="61" grpId="0" animBg="1"/>
       <p:bldP spid="4" grpId="0"/>
+      <p:bldP spid="6" grpId="0"/>
     </p:bldLst>
   </p:timing>
 </p:sld>
@@ -32293,8 +32830,8 @@
         </p:nvSpPr>
         <p:spPr>
           <a:xfrm>
-            <a:off x="1139435" y="2519103"/>
-            <a:ext cx="1234500" cy="248716"/>
+            <a:off x="1231795" y="2519103"/>
+            <a:ext cx="665018" cy="248716"/>
           </a:xfrm>
           <a:prstGeom prst="rect">
             <a:avLst/>
@@ -32428,6 +32965,130 @@
           </a:p>
         </p:txBody>
       </p:sp>
+      <p:sp>
+        <p:nvSpPr>
+          <p:cNvPr id="3" name="TextBox 2">
+            <a:extLst>
+              <a:ext uri="{FF2B5EF4-FFF2-40B4-BE49-F238E27FC236}">
+                <a16:creationId xmlns:a16="http://schemas.microsoft.com/office/drawing/2014/main" id="{BB25F128-4123-4D55-C512-6E012CFD3B2B}"/>
+              </a:ext>
+            </a:extLst>
+          </p:cNvPr>
+          <p:cNvSpPr txBox="1"/>
+          <p:nvPr/>
+        </p:nvSpPr>
+        <p:spPr>
+          <a:xfrm>
+            <a:off x="5373045" y="1726575"/>
+            <a:ext cx="2818770" cy="923330"/>
+          </a:xfrm>
+          <a:prstGeom prst="rect">
+            <a:avLst/>
+          </a:prstGeom>
+          <a:noFill/>
+        </p:spPr>
+        <p:txBody>
+          <a:bodyPr wrap="square" rtlCol="0">
+            <a:spAutoFit/>
+          </a:bodyPr>
+          <a:lstStyle/>
+          <a:p>
+            <a:pPr algn="ctr"/>
+            <a:r>
+              <a:rPr lang="en-US" dirty="0">
+                <a:solidFill>
+                  <a:srgbClr val="7030A0"/>
+                </a:solidFill>
+              </a:rPr>
+              <a:t>The odds are </a:t>
+            </a:r>
+            <a:r>
+              <a:rPr lang="en-US" b="1" dirty="0">
+                <a:solidFill>
+                  <a:srgbClr val="7030A0"/>
+                </a:solidFill>
+              </a:rPr>
+              <a:t>greater</a:t>
+            </a:r>
+            <a:r>
+              <a:rPr lang="en-US" dirty="0">
+                <a:solidFill>
+                  <a:srgbClr val="7030A0"/>
+                </a:solidFill>
+              </a:rPr>
+              <a:t> </a:t>
+            </a:r>
+            <a:r>
+              <a:rPr lang="en-US" b="1" dirty="0">
+                <a:solidFill>
+                  <a:srgbClr val="7030A0"/>
+                </a:solidFill>
+              </a:rPr>
+              <a:t>than</a:t>
+            </a:r>
+            <a:r>
+              <a:rPr lang="en-US" dirty="0">
+                <a:solidFill>
+                  <a:srgbClr val="7030A0"/>
+                </a:solidFill>
+              </a:rPr>
+              <a:t> 50/50 that any two random integers are coprime</a:t>
+            </a:r>
+          </a:p>
+        </p:txBody>
+      </p:sp>
+      <p:sp>
+        <p:nvSpPr>
+          <p:cNvPr id="7" name="Rectangle 6">
+            <a:extLst>
+              <a:ext uri="{FF2B5EF4-FFF2-40B4-BE49-F238E27FC236}">
+                <a16:creationId xmlns:a16="http://schemas.microsoft.com/office/drawing/2014/main" id="{D232B8A1-953D-A9C4-2837-75A6C14EFD0A}"/>
+              </a:ext>
+            </a:extLst>
+          </p:cNvPr>
+          <p:cNvSpPr/>
+          <p:nvPr/>
+        </p:nvSpPr>
+        <p:spPr>
+          <a:xfrm>
+            <a:off x="1231795" y="2234600"/>
+            <a:ext cx="1322478" cy="248716"/>
+          </a:xfrm>
+          <a:prstGeom prst="rect">
+            <a:avLst/>
+          </a:prstGeom>
+          <a:noFill/>
+          <a:ln w="28575">
+            <a:solidFill>
+              <a:srgbClr val="FF0000"/>
+            </a:solidFill>
+          </a:ln>
+        </p:spPr>
+        <p:style>
+          <a:lnRef idx="2">
+            <a:schemeClr val="accent1">
+              <a:shade val="50000"/>
+            </a:schemeClr>
+          </a:lnRef>
+          <a:fillRef idx="1">
+            <a:schemeClr val="accent1"/>
+          </a:fillRef>
+          <a:effectRef idx="0">
+            <a:schemeClr val="accent1"/>
+          </a:effectRef>
+          <a:fontRef idx="minor">
+            <a:schemeClr val="lt1"/>
+          </a:fontRef>
+        </p:style>
+        <p:txBody>
+          <a:bodyPr rtlCol="0" anchor="ctr"/>
+          <a:lstStyle/>
+          <a:p>
+            <a:pPr algn="ctr"/>
+            <a:endParaRPr lang="en-US"/>
+          </a:p>
+        </p:txBody>
+      </p:sp>
     </p:spTree>
     <p:extLst>
       <p:ext uri="{BB962C8B-B14F-4D97-AF65-F5344CB8AC3E}">
@@ -32496,21 +33157,127 @@
                             </p:childTnLst>
                           </p:cTn>
                         </p:par>
+                      </p:childTnLst>
+                    </p:cTn>
+                  </p:par>
+                  <p:par>
+                    <p:cTn id="8" fill="hold">
+                      <p:stCondLst>
+                        <p:cond delay="indefinite"/>
+                      </p:stCondLst>
+                      <p:childTnLst>
                         <p:par>
-                          <p:cTn id="8" fill="hold">
+                          <p:cTn id="9" fill="hold">
                             <p:stCondLst>
-                              <p:cond delay="500"/>
+                              <p:cond delay="0"/>
                             </p:stCondLst>
                             <p:childTnLst>
                               <p:par>
-                                <p:cTn id="9" presetID="16" presetClass="entr" presetSubtype="21" fill="hold" grpId="0" nodeType="afterEffect">
+                                <p:cTn id="10" presetID="16" presetClass="entr" presetSubtype="21" fill="hold" grpId="0" nodeType="clickEffect">
                                   <p:stCondLst>
                                     <p:cond delay="0"/>
                                   </p:stCondLst>
                                   <p:childTnLst>
                                     <p:set>
                                       <p:cBhvr>
-                                        <p:cTn id="10" dur="1" fill="hold">
+                                        <p:cTn id="11" dur="1" fill="hold">
+                                          <p:stCondLst>
+                                            <p:cond delay="0"/>
+                                          </p:stCondLst>
+                                        </p:cTn>
+                                        <p:tgtEl>
+                                          <p:spTgt spid="7"/>
+                                        </p:tgtEl>
+                                        <p:attrNameLst>
+                                          <p:attrName>style.visibility</p:attrName>
+                                        </p:attrNameLst>
+                                      </p:cBhvr>
+                                      <p:to>
+                                        <p:strVal val="visible"/>
+                                      </p:to>
+                                    </p:set>
+                                    <p:animEffect transition="in" filter="barn(inVertical)">
+                                      <p:cBhvr>
+                                        <p:cTn id="12" dur="500"/>
+                                        <p:tgtEl>
+                                          <p:spTgt spid="7"/>
+                                        </p:tgtEl>
+                                      </p:cBhvr>
+                                    </p:animEffect>
+                                  </p:childTnLst>
+                                </p:cTn>
+                              </p:par>
+                            </p:childTnLst>
+                          </p:cTn>
+                        </p:par>
+                        <p:par>
+                          <p:cTn id="13" fill="hold">
+                            <p:stCondLst>
+                              <p:cond delay="500"/>
+                            </p:stCondLst>
+                            <p:childTnLst>
+                              <p:par>
+                                <p:cTn id="14" presetID="22" presetClass="entr" presetSubtype="8" fill="hold" grpId="0" nodeType="afterEffect">
+                                  <p:stCondLst>
+                                    <p:cond delay="0"/>
+                                  </p:stCondLst>
+                                  <p:childTnLst>
+                                    <p:set>
+                                      <p:cBhvr>
+                                        <p:cTn id="15" dur="1" fill="hold">
+                                          <p:stCondLst>
+                                            <p:cond delay="0"/>
+                                          </p:stCondLst>
+                                        </p:cTn>
+                                        <p:tgtEl>
+                                          <p:spTgt spid="3"/>
+                                        </p:tgtEl>
+                                        <p:attrNameLst>
+                                          <p:attrName>style.visibility</p:attrName>
+                                        </p:attrNameLst>
+                                      </p:cBhvr>
+                                      <p:to>
+                                        <p:strVal val="visible"/>
+                                      </p:to>
+                                    </p:set>
+                                    <p:animEffect transition="in" filter="wipe(left)">
+                                      <p:cBhvr>
+                                        <p:cTn id="16" dur="500"/>
+                                        <p:tgtEl>
+                                          <p:spTgt spid="3"/>
+                                        </p:tgtEl>
+                                      </p:cBhvr>
+                                    </p:animEffect>
+                                  </p:childTnLst>
+                                </p:cTn>
+                              </p:par>
+                            </p:childTnLst>
+                          </p:cTn>
+                        </p:par>
+                      </p:childTnLst>
+                    </p:cTn>
+                  </p:par>
+                  <p:par>
+                    <p:cTn id="17" fill="hold">
+                      <p:stCondLst>
+                        <p:cond delay="indefinite"/>
+                      </p:stCondLst>
+                      <p:childTnLst>
+                        <p:par>
+                          <p:cTn id="18" fill="hold">
+                            <p:stCondLst>
+                              <p:cond delay="0"/>
+                            </p:stCondLst>
+                            <p:childTnLst>
+                              <p:par>
+                                <p:cTn id="19" presetID="16" presetClass="entr" presetSubtype="21" fill="hold" grpId="0" nodeType="clickEffect">
+                                  <p:stCondLst>
+                                    <p:cond delay="0"/>
+                                  </p:stCondLst>
+                                  <p:childTnLst>
+                                    <p:set>
+                                      <p:cBhvr>
+                                        <p:cTn id="20" dur="1" fill="hold">
                                           <p:stCondLst>
                                             <p:cond delay="0"/>
                                           </p:stCondLst>
@@ -32528,7 +33295,7 @@
                                     </p:set>
                                     <p:animEffect transition="in" filter="barn(inVertical)">
                                       <p:cBhvr>
-                                        <p:cTn id="11" dur="500"/>
+                                        <p:cTn id="21" dur="500"/>
                                         <p:tgtEl>
                                           <p:spTgt spid="6"/>
                                         </p:tgtEl>
@@ -32544,26 +33311,26 @@
                     </p:cTn>
                   </p:par>
                   <p:par>
-                    <p:cTn id="12" fill="hold">
+                    <p:cTn id="22" fill="hold">
                       <p:stCondLst>
                         <p:cond delay="indefinite"/>
                       </p:stCondLst>
                       <p:childTnLst>
                         <p:par>
-                          <p:cTn id="13" fill="hold">
+                          <p:cTn id="23" fill="hold">
                             <p:stCondLst>
                               <p:cond delay="0"/>
                             </p:stCondLst>
                             <p:childTnLst>
                               <p:par>
-                                <p:cTn id="14" presetID="2" presetClass="entr" presetSubtype="1" fill="hold" nodeType="clickEffect">
+                                <p:cTn id="24" presetID="2" presetClass="entr" presetSubtype="1" fill="hold" nodeType="clickEffect">
                                   <p:stCondLst>
                                     <p:cond delay="0"/>
                                   </p:stCondLst>
                                   <p:childTnLst>
                                     <p:set>
                                       <p:cBhvr>
-                                        <p:cTn id="15" dur="1" fill="hold">
+                                        <p:cTn id="25" dur="1" fill="hold">
                                           <p:stCondLst>
                                             <p:cond delay="0"/>
                                           </p:stCondLst>
@@ -32581,7 +33348,7 @@
                                     </p:set>
                                     <p:anim calcmode="lin" valueType="num">
                                       <p:cBhvr additive="base">
-                                        <p:cTn id="16" dur="500" fill="hold"/>
+                                        <p:cTn id="26" dur="500" fill="hold"/>
                                         <p:tgtEl>
                                           <p:spTgt spid="11"/>
                                         </p:tgtEl>
@@ -32604,7 +33371,7 @@
                                     </p:anim>
                                     <p:anim calcmode="lin" valueType="num">
                                       <p:cBhvr additive="base">
-                                        <p:cTn id="17" dur="500" fill="hold"/>
+                                        <p:cTn id="27" dur="500" fill="hold"/>
                                         <p:tgtEl>
                                           <p:spTgt spid="11"/>
                                         </p:tgtEl>
@@ -32625,141 +33392,6 @@
                                         </p:tav>
                                       </p:tavLst>
                                     </p:anim>
-                                  </p:childTnLst>
-                                </p:cTn>
-                              </p:par>
-                            </p:childTnLst>
-                          </p:cTn>
-                        </p:par>
-                      </p:childTnLst>
-                    </p:cTn>
-                  </p:par>
-                  <p:par>
-                    <p:cTn id="18" fill="hold">
-                      <p:stCondLst>
-                        <p:cond delay="indefinite"/>
-                      </p:stCondLst>
-                      <p:childTnLst>
-                        <p:par>
-                          <p:cTn id="19" fill="hold">
-                            <p:stCondLst>
-                              <p:cond delay="0"/>
-                            </p:stCondLst>
-                            <p:childTnLst>
-                              <p:par>
-                                <p:cTn id="20" presetID="2" presetClass="entr" presetSubtype="4" fill="hold" nodeType="clickEffect">
-                                  <p:stCondLst>
-                                    <p:cond delay="0"/>
-                                  </p:stCondLst>
-                                  <p:childTnLst>
-                                    <p:set>
-                                      <p:cBhvr>
-                                        <p:cTn id="21" dur="1" fill="hold">
-                                          <p:stCondLst>
-                                            <p:cond delay="0"/>
-                                          </p:stCondLst>
-                                        </p:cTn>
-                                        <p:tgtEl>
-                                          <p:spTgt spid="12"/>
-                                        </p:tgtEl>
-                                        <p:attrNameLst>
-                                          <p:attrName>style.visibility</p:attrName>
-                                        </p:attrNameLst>
-                                      </p:cBhvr>
-                                      <p:to>
-                                        <p:strVal val="visible"/>
-                                      </p:to>
-                                    </p:set>
-                                    <p:anim calcmode="lin" valueType="num">
-                                      <p:cBhvr additive="base">
-                                        <p:cTn id="22" dur="500" fill="hold"/>
-                                        <p:tgtEl>
-                                          <p:spTgt spid="12"/>
-                                        </p:tgtEl>
-                                        <p:attrNameLst>
-                                          <p:attrName>ppt_x</p:attrName>
-                                        </p:attrNameLst>
-                                      </p:cBhvr>
-                                      <p:tavLst>
-                                        <p:tav tm="0">
-                                          <p:val>
-                                            <p:strVal val="#ppt_x"/>
-                                          </p:val>
-                                        </p:tav>
-                                        <p:tav tm="100000">
-                                          <p:val>
-                                            <p:strVal val="#ppt_x"/>
-                                          </p:val>
-                                        </p:tav>
-                                      </p:tavLst>
-                                    </p:anim>
-                                    <p:anim calcmode="lin" valueType="num">
-                                      <p:cBhvr additive="base">
-                                        <p:cTn id="23" dur="500" fill="hold"/>
-                                        <p:tgtEl>
-                                          <p:spTgt spid="12"/>
-                                        </p:tgtEl>
-                                        <p:attrNameLst>
-                                          <p:attrName>ppt_y</p:attrName>
-                                        </p:attrNameLst>
-                                      </p:cBhvr>
-                                      <p:tavLst>
-                                        <p:tav tm="0">
-                                          <p:val>
-                                            <p:strVal val="1+#ppt_h/2"/>
-                                          </p:val>
-                                        </p:tav>
-                                        <p:tav tm="100000">
-                                          <p:val>
-                                            <p:strVal val="#ppt_y"/>
-                                          </p:val>
-                                        </p:tav>
-                                      </p:tavLst>
-                                    </p:anim>
-                                  </p:childTnLst>
-                                </p:cTn>
-                              </p:par>
-                            </p:childTnLst>
-                          </p:cTn>
-                        </p:par>
-                        <p:par>
-                          <p:cTn id="24" fill="hold">
-                            <p:stCondLst>
-                              <p:cond delay="500"/>
-                            </p:stCondLst>
-                            <p:childTnLst>
-                              <p:par>
-                                <p:cTn id="25" presetID="22" presetClass="entr" presetSubtype="4" fill="hold" grpId="0" nodeType="afterEffect">
-                                  <p:stCondLst>
-                                    <p:cond delay="0"/>
-                                  </p:stCondLst>
-                                  <p:childTnLst>
-                                    <p:set>
-                                      <p:cBhvr>
-                                        <p:cTn id="26" dur="1" fill="hold">
-                                          <p:stCondLst>
-                                            <p:cond delay="0"/>
-                                          </p:stCondLst>
-                                        </p:cTn>
-                                        <p:tgtEl>
-                                          <p:spTgt spid="14"/>
-                                        </p:tgtEl>
-                                        <p:attrNameLst>
-                                          <p:attrName>style.visibility</p:attrName>
-                                        </p:attrNameLst>
-                                      </p:cBhvr>
-                                      <p:to>
-                                        <p:strVal val="visible"/>
-                                      </p:to>
-                                    </p:set>
-                                    <p:animEffect transition="in" filter="wipe(down)">
-                                      <p:cBhvr>
-                                        <p:cTn id="27" dur="500"/>
-                                        <p:tgtEl>
-                                          <p:spTgt spid="14"/>
-                                        </p:tgtEl>
-                                      </p:cBhvr>
-                                    </p:animEffect>
                                   </p:childTnLst>
                                 </p:cTn>
                               </p:par>
@@ -32795,7 +33427,7 @@
                                           </p:stCondLst>
                                         </p:cTn>
                                         <p:tgtEl>
-                                          <p:spTgt spid="8"/>
+                                          <p:spTgt spid="12"/>
                                         </p:tgtEl>
                                         <p:attrNameLst>
                                           <p:attrName>style.visibility</p:attrName>
@@ -32809,7 +33441,7 @@
                                       <p:cBhvr additive="base">
                                         <p:cTn id="32" dur="500" fill="hold"/>
                                         <p:tgtEl>
-                                          <p:spTgt spid="8"/>
+                                          <p:spTgt spid="12"/>
                                         </p:tgtEl>
                                         <p:attrNameLst>
                                           <p:attrName>ppt_x</p:attrName>
@@ -32832,7 +33464,7 @@
                                       <p:cBhvr additive="base">
                                         <p:cTn id="33" dur="500" fill="hold"/>
                                         <p:tgtEl>
-                                          <p:spTgt spid="8"/>
+                                          <p:spTgt spid="12"/>
                                         </p:tgtEl>
                                         <p:attrNameLst>
                                           <p:attrName>ppt_y</p:attrName>
@@ -32864,7 +33496,7 @@
                             </p:stCondLst>
                             <p:childTnLst>
                               <p:par>
-                                <p:cTn id="35" presetID="53" presetClass="entr" presetSubtype="16" fill="hold" grpId="0" nodeType="afterEffect">
+                                <p:cTn id="35" presetID="22" presetClass="entr" presetSubtype="4" fill="hold" grpId="0" nodeType="afterEffect">
                                   <p:stCondLst>
                                     <p:cond delay="0"/>
                                   </p:stCondLst>
@@ -32872,6 +33504,141 @@
                                     <p:set>
                                       <p:cBhvr>
                                         <p:cTn id="36" dur="1" fill="hold">
+                                          <p:stCondLst>
+                                            <p:cond delay="0"/>
+                                          </p:stCondLst>
+                                        </p:cTn>
+                                        <p:tgtEl>
+                                          <p:spTgt spid="14"/>
+                                        </p:tgtEl>
+                                        <p:attrNameLst>
+                                          <p:attrName>style.visibility</p:attrName>
+                                        </p:attrNameLst>
+                                      </p:cBhvr>
+                                      <p:to>
+                                        <p:strVal val="visible"/>
+                                      </p:to>
+                                    </p:set>
+                                    <p:animEffect transition="in" filter="wipe(down)">
+                                      <p:cBhvr>
+                                        <p:cTn id="37" dur="500"/>
+                                        <p:tgtEl>
+                                          <p:spTgt spid="14"/>
+                                        </p:tgtEl>
+                                      </p:cBhvr>
+                                    </p:animEffect>
+                                  </p:childTnLst>
+                                </p:cTn>
+                              </p:par>
+                            </p:childTnLst>
+                          </p:cTn>
+                        </p:par>
+                      </p:childTnLst>
+                    </p:cTn>
+                  </p:par>
+                  <p:par>
+                    <p:cTn id="38" fill="hold">
+                      <p:stCondLst>
+                        <p:cond delay="indefinite"/>
+                      </p:stCondLst>
+                      <p:childTnLst>
+                        <p:par>
+                          <p:cTn id="39" fill="hold">
+                            <p:stCondLst>
+                              <p:cond delay="0"/>
+                            </p:stCondLst>
+                            <p:childTnLst>
+                              <p:par>
+                                <p:cTn id="40" presetID="2" presetClass="entr" presetSubtype="4" fill="hold" nodeType="clickEffect">
+                                  <p:stCondLst>
+                                    <p:cond delay="0"/>
+                                  </p:stCondLst>
+                                  <p:childTnLst>
+                                    <p:set>
+                                      <p:cBhvr>
+                                        <p:cTn id="41" dur="1" fill="hold">
+                                          <p:stCondLst>
+                                            <p:cond delay="0"/>
+                                          </p:stCondLst>
+                                        </p:cTn>
+                                        <p:tgtEl>
+                                          <p:spTgt spid="8"/>
+                                        </p:tgtEl>
+                                        <p:attrNameLst>
+                                          <p:attrName>style.visibility</p:attrName>
+                                        </p:attrNameLst>
+                                      </p:cBhvr>
+                                      <p:to>
+                                        <p:strVal val="visible"/>
+                                      </p:to>
+                                    </p:set>
+                                    <p:anim calcmode="lin" valueType="num">
+                                      <p:cBhvr additive="base">
+                                        <p:cTn id="42" dur="500" fill="hold"/>
+                                        <p:tgtEl>
+                                          <p:spTgt spid="8"/>
+                                        </p:tgtEl>
+                                        <p:attrNameLst>
+                                          <p:attrName>ppt_x</p:attrName>
+                                        </p:attrNameLst>
+                                      </p:cBhvr>
+                                      <p:tavLst>
+                                        <p:tav tm="0">
+                                          <p:val>
+                                            <p:strVal val="#ppt_x"/>
+                                          </p:val>
+                                        </p:tav>
+                                        <p:tav tm="100000">
+                                          <p:val>
+                                            <p:strVal val="#ppt_x"/>
+                                          </p:val>
+                                        </p:tav>
+                                      </p:tavLst>
+                                    </p:anim>
+                                    <p:anim calcmode="lin" valueType="num">
+                                      <p:cBhvr additive="base">
+                                        <p:cTn id="43" dur="500" fill="hold"/>
+                                        <p:tgtEl>
+                                          <p:spTgt spid="8"/>
+                                        </p:tgtEl>
+                                        <p:attrNameLst>
+                                          <p:attrName>ppt_y</p:attrName>
+                                        </p:attrNameLst>
+                                      </p:cBhvr>
+                                      <p:tavLst>
+                                        <p:tav tm="0">
+                                          <p:val>
+                                            <p:strVal val="1+#ppt_h/2"/>
+                                          </p:val>
+                                        </p:tav>
+                                        <p:tav tm="100000">
+                                          <p:val>
+                                            <p:strVal val="#ppt_y"/>
+                                          </p:val>
+                                        </p:tav>
+                                      </p:tavLst>
+                                    </p:anim>
+                                  </p:childTnLst>
+                                </p:cTn>
+                              </p:par>
+                            </p:childTnLst>
+                          </p:cTn>
+                        </p:par>
+                        <p:par>
+                          <p:cTn id="44" fill="hold">
+                            <p:stCondLst>
+                              <p:cond delay="500"/>
+                            </p:stCondLst>
+                            <p:childTnLst>
+                              <p:par>
+                                <p:cTn id="45" presetID="53" presetClass="entr" presetSubtype="16" fill="hold" grpId="0" nodeType="afterEffect">
+                                  <p:stCondLst>
+                                    <p:cond delay="0"/>
+                                  </p:stCondLst>
+                                  <p:childTnLst>
+                                    <p:set>
+                                      <p:cBhvr>
+                                        <p:cTn id="46" dur="1" fill="hold">
                                           <p:stCondLst>
                                             <p:cond delay="0"/>
                                           </p:stCondLst>
@@ -32889,7 +33656,7 @@
                                     </p:set>
                                     <p:anim calcmode="lin" valueType="num">
                                       <p:cBhvr>
-                                        <p:cTn id="37" dur="500" fill="hold"/>
+                                        <p:cTn id="47" dur="500" fill="hold"/>
                                         <p:tgtEl>
                                           <p:spTgt spid="13"/>
                                         </p:tgtEl>
@@ -32912,7 +33679,7 @@
                                     </p:anim>
                                     <p:anim calcmode="lin" valueType="num">
                                       <p:cBhvr>
-                                        <p:cTn id="38" dur="500" fill="hold"/>
+                                        <p:cTn id="48" dur="500" fill="hold"/>
                                         <p:tgtEl>
                                           <p:spTgt spid="13"/>
                                         </p:tgtEl>
@@ -32935,7 +33702,7 @@
                                     </p:anim>
                                     <p:animEffect transition="in" filter="fade">
                                       <p:cBhvr>
-                                        <p:cTn id="39" dur="500"/>
+                                        <p:cTn id="49" dur="500"/>
                                         <p:tgtEl>
                                           <p:spTgt spid="13"/>
                                         </p:tgtEl>
@@ -32975,6 +33742,8 @@
       <p:bldP spid="6" grpId="0" animBg="1"/>
       <p:bldP spid="13" grpId="0"/>
       <p:bldP spid="14" grpId="0" animBg="1"/>
+      <p:bldP spid="3" grpId="0"/>
+      <p:bldP spid="7" grpId="0" animBg="1"/>
     </p:bldLst>
   </p:timing>
 </p:sld>

--- a/Session 03 - Making Line Graphs/Session 03 - Making Line Graphs.pptx
+++ b/Session 03 - Making Line Graphs/Session 03 - Making Line Graphs.pptx
@@ -5,10 +5,10 @@
     <p:sldMasterId id="2147483660" r:id="rId1"/>
   </p:sldMasterIdLst>
   <p:notesMasterIdLst>
-    <p:notesMasterId r:id="rId49"/>
+    <p:notesMasterId r:id="rId51"/>
   </p:notesMasterIdLst>
   <p:handoutMasterIdLst>
-    <p:handoutMasterId r:id="rId50"/>
+    <p:handoutMasterId r:id="rId52"/>
   </p:handoutMasterIdLst>
   <p:sldIdLst>
     <p:sldId id="1019" r:id="rId2"/>
@@ -16,48 +16,50 @@
     <p:sldId id="1266" r:id="rId4"/>
     <p:sldId id="991" r:id="rId5"/>
     <p:sldId id="946" r:id="rId6"/>
-    <p:sldId id="1011" r:id="rId7"/>
-    <p:sldId id="1012" r:id="rId8"/>
-    <p:sldId id="258" r:id="rId9"/>
-    <p:sldId id="1267" r:id="rId10"/>
-    <p:sldId id="1278" r:id="rId11"/>
-    <p:sldId id="1268" r:id="rId12"/>
-    <p:sldId id="1279" r:id="rId13"/>
-    <p:sldId id="1264" r:id="rId14"/>
-    <p:sldId id="1271" r:id="rId15"/>
-    <p:sldId id="1004" r:id="rId16"/>
-    <p:sldId id="1259" r:id="rId17"/>
-    <p:sldId id="1260" r:id="rId18"/>
-    <p:sldId id="1261" r:id="rId19"/>
-    <p:sldId id="1013" r:id="rId20"/>
-    <p:sldId id="1014" r:id="rId21"/>
-    <p:sldId id="1017" r:id="rId22"/>
-    <p:sldId id="1262" r:id="rId23"/>
-    <p:sldId id="1265" r:id="rId24"/>
-    <p:sldId id="1280" r:id="rId25"/>
-    <p:sldId id="1281" r:id="rId26"/>
-    <p:sldId id="1282" r:id="rId27"/>
-    <p:sldId id="1269" r:id="rId28"/>
-    <p:sldId id="1270" r:id="rId29"/>
-    <p:sldId id="1272" r:id="rId30"/>
-    <p:sldId id="415" r:id="rId31"/>
-    <p:sldId id="987" r:id="rId32"/>
-    <p:sldId id="1001" r:id="rId33"/>
-    <p:sldId id="1029" r:id="rId34"/>
-    <p:sldId id="1031" r:id="rId35"/>
-    <p:sldId id="1030" r:id="rId36"/>
-    <p:sldId id="1032" r:id="rId37"/>
-    <p:sldId id="375" r:id="rId38"/>
-    <p:sldId id="1274" r:id="rId39"/>
-    <p:sldId id="1273" r:id="rId40"/>
-    <p:sldId id="1275" r:id="rId41"/>
-    <p:sldId id="377" r:id="rId42"/>
-    <p:sldId id="1276" r:id="rId43"/>
-    <p:sldId id="970" r:id="rId44"/>
-    <p:sldId id="1277" r:id="rId45"/>
-    <p:sldId id="383" r:id="rId46"/>
-    <p:sldId id="416" r:id="rId47"/>
-    <p:sldId id="1008" r:id="rId48"/>
+    <p:sldId id="1284" r:id="rId7"/>
+    <p:sldId id="1011" r:id="rId8"/>
+    <p:sldId id="1283" r:id="rId9"/>
+    <p:sldId id="1012" r:id="rId10"/>
+    <p:sldId id="258" r:id="rId11"/>
+    <p:sldId id="1267" r:id="rId12"/>
+    <p:sldId id="1278" r:id="rId13"/>
+    <p:sldId id="1268" r:id="rId14"/>
+    <p:sldId id="1279" r:id="rId15"/>
+    <p:sldId id="1264" r:id="rId16"/>
+    <p:sldId id="1271" r:id="rId17"/>
+    <p:sldId id="1004" r:id="rId18"/>
+    <p:sldId id="1259" r:id="rId19"/>
+    <p:sldId id="1260" r:id="rId20"/>
+    <p:sldId id="1261" r:id="rId21"/>
+    <p:sldId id="1013" r:id="rId22"/>
+    <p:sldId id="1014" r:id="rId23"/>
+    <p:sldId id="1017" r:id="rId24"/>
+    <p:sldId id="1262" r:id="rId25"/>
+    <p:sldId id="1265" r:id="rId26"/>
+    <p:sldId id="1280" r:id="rId27"/>
+    <p:sldId id="1281" r:id="rId28"/>
+    <p:sldId id="1282" r:id="rId29"/>
+    <p:sldId id="1269" r:id="rId30"/>
+    <p:sldId id="1270" r:id="rId31"/>
+    <p:sldId id="1272" r:id="rId32"/>
+    <p:sldId id="415" r:id="rId33"/>
+    <p:sldId id="987" r:id="rId34"/>
+    <p:sldId id="1001" r:id="rId35"/>
+    <p:sldId id="1029" r:id="rId36"/>
+    <p:sldId id="1031" r:id="rId37"/>
+    <p:sldId id="1030" r:id="rId38"/>
+    <p:sldId id="1032" r:id="rId39"/>
+    <p:sldId id="375" r:id="rId40"/>
+    <p:sldId id="1274" r:id="rId41"/>
+    <p:sldId id="1273" r:id="rId42"/>
+    <p:sldId id="1275" r:id="rId43"/>
+    <p:sldId id="377" r:id="rId44"/>
+    <p:sldId id="1276" r:id="rId45"/>
+    <p:sldId id="970" r:id="rId46"/>
+    <p:sldId id="1277" r:id="rId47"/>
+    <p:sldId id="383" r:id="rId48"/>
+    <p:sldId id="416" r:id="rId49"/>
+    <p:sldId id="1008" r:id="rId50"/>
   </p:sldIdLst>
   <p:sldSz cx="9144000" cy="6858000" type="screen4x3"/>
   <p:notesSz cx="7077075" cy="9363075"/>
@@ -305,7 +307,7 @@
           <a:p>
             <a:fld id="{A241AC98-512A-4A35-865E-757B6C1F07A2}" type="datetimeFigureOut">
               <a:rPr lang="en-US" smtClean="0"/>
-              <a:t>12/20/2023</a:t>
+              <a:t>10/23/2025</a:t>
             </a:fld>
             <a:endParaRPr lang="en-US"/>
           </a:p>
@@ -471,7 +473,7 @@
           <a:p>
             <a:fld id="{3854CEE7-15DE-41D9-8CA2-D1E137B1D850}" type="datetimeFigureOut">
               <a:rPr lang="en-US" smtClean="0"/>
-              <a:t>12/20/2023</a:t>
+              <a:t>10/23/2025</a:t>
             </a:fld>
             <a:endParaRPr lang="en-US"/>
           </a:p>
@@ -888,7 +890,7 @@
           <a:p>
             <a:fld id="{76317BBA-0BC6-419B-B826-088209688372}" type="slidenum">
               <a:rPr lang="en-US" smtClean="0"/>
-              <a:t>8</a:t>
+              <a:t>10</a:t>
             </a:fld>
             <a:endParaRPr lang="en-US"/>
           </a:p>
@@ -972,7 +974,7 @@
           <a:p>
             <a:fld id="{76317BBA-0BC6-419B-B826-088209688372}" type="slidenum">
               <a:rPr lang="en-US" smtClean="0"/>
-              <a:t>31</a:t>
+              <a:t>33</a:t>
             </a:fld>
             <a:endParaRPr lang="en-US" dirty="0"/>
           </a:p>
@@ -1056,7 +1058,7 @@
           <a:p>
             <a:fld id="{76317BBA-0BC6-419B-B826-088209688372}" type="slidenum">
               <a:rPr lang="en-US" smtClean="0"/>
-              <a:t>37</a:t>
+              <a:t>39</a:t>
             </a:fld>
             <a:endParaRPr lang="en-US" dirty="0"/>
           </a:p>
@@ -1140,7 +1142,7 @@
           <a:p>
             <a:fld id="{76317BBA-0BC6-419B-B826-088209688372}" type="slidenum">
               <a:rPr lang="en-US" smtClean="0"/>
-              <a:t>38</a:t>
+              <a:t>40</a:t>
             </a:fld>
             <a:endParaRPr lang="en-US" dirty="0"/>
           </a:p>
@@ -1224,7 +1226,7 @@
           <a:p>
             <a:fld id="{76317BBA-0BC6-419B-B826-088209688372}" type="slidenum">
               <a:rPr lang="en-US" smtClean="0"/>
-              <a:t>41</a:t>
+              <a:t>43</a:t>
             </a:fld>
             <a:endParaRPr lang="en-US" dirty="0"/>
           </a:p>
@@ -1374,7 +1376,7 @@
           <a:p>
             <a:fld id="{5555EB2C-244D-4423-AD97-018ED6478B87}" type="datetime1">
               <a:rPr lang="en-US" smtClean="0"/>
-              <a:t>12/20/2023</a:t>
+              <a:t>10/23/2025</a:t>
             </a:fld>
             <a:endParaRPr lang="en-US"/>
           </a:p>
@@ -1553,7 +1555,7 @@
           <a:p>
             <a:fld id="{A2B41D1F-7576-4C60-B4EB-5115BC56CF40}" type="datetime1">
               <a:rPr lang="en-US" smtClean="0"/>
-              <a:t>12/20/2023</a:t>
+              <a:t>10/23/2025</a:t>
             </a:fld>
             <a:endParaRPr lang="en-US"/>
           </a:p>
@@ -1745,7 +1747,7 @@
           <a:p>
             <a:fld id="{E79D1398-4D56-44F9-BA35-34ACF3159A64}" type="datetime1">
               <a:rPr lang="en-US" smtClean="0"/>
-              <a:t>12/20/2023</a:t>
+              <a:t>10/23/2025</a:t>
             </a:fld>
             <a:endParaRPr lang="en-US"/>
           </a:p>
@@ -1927,7 +1929,7 @@
           <a:p>
             <a:fld id="{A3CF632E-48CB-4EEB-A6B6-DEC7AD7CC976}" type="datetime1">
               <a:rPr lang="en-US" smtClean="0"/>
-              <a:t>12/20/2023</a:t>
+              <a:t>10/23/2025</a:t>
             </a:fld>
             <a:endParaRPr lang="en-US"/>
           </a:p>
@@ -2180,7 +2182,7 @@
           <a:p>
             <a:fld id="{BAEEE52C-3A57-458E-95F6-96B2FA9D1DD4}" type="datetime1">
               <a:rPr lang="en-US" smtClean="0"/>
-              <a:t>12/20/2023</a:t>
+              <a:t>10/23/2025</a:t>
             </a:fld>
             <a:endParaRPr lang="en-US"/>
           </a:p>
@@ -2424,7 +2426,7 @@
           <a:p>
             <a:fld id="{766FC747-A48A-4FF2-8EE4-3E95ECD1C2A8}" type="datetime1">
               <a:rPr lang="en-US" smtClean="0"/>
-              <a:t>12/20/2023</a:t>
+              <a:t>10/23/2025</a:t>
             </a:fld>
             <a:endParaRPr lang="en-US"/>
           </a:p>
@@ -2803,7 +2805,7 @@
           <a:p>
             <a:fld id="{C9BF5758-AB7F-463D-B638-E1729B95E126}" type="datetime1">
               <a:rPr lang="en-US" smtClean="0"/>
-              <a:t>12/20/2023</a:t>
+              <a:t>10/23/2025</a:t>
             </a:fld>
             <a:endParaRPr lang="en-US"/>
           </a:p>
@@ -2933,7 +2935,7 @@
           <a:p>
             <a:fld id="{F3718C77-7DD0-4738-BF52-D0EC9F78A76E}" type="datetime1">
               <a:rPr lang="en-US" smtClean="0"/>
-              <a:t>12/20/2023</a:t>
+              <a:t>10/23/2025</a:t>
             </a:fld>
             <a:endParaRPr lang="en-US"/>
           </a:p>
@@ -3040,7 +3042,7 @@
           <a:p>
             <a:fld id="{948970CF-13D9-4E1D-A74F-2CFE4953FCDB}" type="datetime1">
               <a:rPr lang="en-US" smtClean="0"/>
-              <a:t>12/20/2023</a:t>
+              <a:t>10/23/2025</a:t>
             </a:fld>
             <a:endParaRPr lang="en-US"/>
           </a:p>
@@ -3329,7 +3331,7 @@
           <a:p>
             <a:fld id="{F68C49B9-4E1C-4967-B9CF-0BF9FECBE837}" type="datetime1">
               <a:rPr lang="en-US" smtClean="0"/>
-              <a:t>12/20/2023</a:t>
+              <a:t>10/23/2025</a:t>
             </a:fld>
             <a:endParaRPr lang="en-US"/>
           </a:p>
@@ -3597,7 +3599,7 @@
           <a:p>
             <a:fld id="{7E338CBB-1F06-4333-9BBF-66628B15E581}" type="datetime1">
               <a:rPr lang="en-US" smtClean="0"/>
-              <a:t>12/20/2023</a:t>
+              <a:t>10/23/2025</a:t>
             </a:fld>
             <a:endParaRPr lang="en-US"/>
           </a:p>
@@ -3822,7 +3824,7 @@
           <a:p>
             <a:fld id="{705EC883-F03C-4CA3-AF62-BEF30EEA4F65}" type="datetime1">
               <a:rPr lang="en-US" smtClean="0"/>
-              <a:t>12/20/2023</a:t>
+              <a:t>10/23/2025</a:t>
             </a:fld>
             <a:endParaRPr lang="en-US"/>
           </a:p>
@@ -4498,6 +4500,513 @@
           <a:chExt cx="0" cy="0"/>
         </a:xfrm>
       </p:grpSpPr>
+      <p:sp>
+        <p:nvSpPr>
+          <p:cNvPr id="2" name="Title 1"/>
+          <p:cNvSpPr>
+            <a:spLocks noGrp="1"/>
+          </p:cNvSpPr>
+          <p:nvPr>
+            <p:ph type="title"/>
+          </p:nvPr>
+        </p:nvSpPr>
+        <p:spPr/>
+        <p:txBody>
+          <a:bodyPr>
+            <a:noAutofit/>
+          </a:bodyPr>
+          <a:lstStyle/>
+          <a:p>
+            <a:pPr algn="ctr"/>
+            <a:r>
+              <a:rPr lang="en-US" sz="3200" dirty="0">
+                <a:latin typeface="+mn-lt"/>
+              </a:rPr>
+              <a:t>Cartesian Coordinates</a:t>
+            </a:r>
+          </a:p>
+        </p:txBody>
+      </p:sp>
+      <p:sp>
+        <p:nvSpPr>
+          <p:cNvPr id="4" name="Slide Number Placeholder 3"/>
+          <p:cNvSpPr>
+            <a:spLocks noGrp="1"/>
+          </p:cNvSpPr>
+          <p:nvPr>
+            <p:ph type="sldNum" sz="quarter" idx="12"/>
+          </p:nvPr>
+        </p:nvSpPr>
+        <p:spPr/>
+        <p:txBody>
+          <a:bodyPr/>
+          <a:lstStyle/>
+          <a:p>
+            <a:fld id="{650AD656-6FF9-465D-B7B0-1CD0DD39CD23}" type="slidenum">
+              <a:rPr lang="en-US" smtClean="0"/>
+              <a:t>10</a:t>
+            </a:fld>
+            <a:endParaRPr lang="en-US" dirty="0"/>
+          </a:p>
+        </p:txBody>
+      </p:sp>
+      <p:sp>
+        <p:nvSpPr>
+          <p:cNvPr id="3" name="Content Placeholder 2"/>
+          <p:cNvSpPr>
+            <a:spLocks noGrp="1"/>
+          </p:cNvSpPr>
+          <p:nvPr>
+            <p:ph idx="4294967295"/>
+          </p:nvPr>
+        </p:nvSpPr>
+        <p:spPr>
+          <a:xfrm>
+            <a:off x="698988" y="1821585"/>
+            <a:ext cx="2184400" cy="1073150"/>
+          </a:xfrm>
+        </p:spPr>
+        <p:txBody>
+          <a:bodyPr>
+            <a:noAutofit/>
+          </a:bodyPr>
+          <a:lstStyle/>
+          <a:p>
+            <a:pPr marL="0" indent="0" algn="ctr">
+              <a:buNone/>
+            </a:pPr>
+            <a:r>
+              <a:rPr lang="en-US" sz="2400" dirty="0"/>
+              <a:t>Created by René Descartes in 1637</a:t>
+            </a:r>
+          </a:p>
+        </p:txBody>
+      </p:sp>
+      <p:pic>
+        <p:nvPicPr>
+          <p:cNvPr id="5" name="Picture 4"/>
+          <p:cNvPicPr>
+            <a:picLocks noChangeAspect="1"/>
+          </p:cNvPicPr>
+          <p:nvPr/>
+        </p:nvPicPr>
+        <p:blipFill>
+          <a:blip r:embed="rId3"/>
+          <a:stretch>
+            <a:fillRect/>
+          </a:stretch>
+        </p:blipFill>
+        <p:spPr>
+          <a:xfrm>
+            <a:off x="698988" y="3025631"/>
+            <a:ext cx="2200000" cy="2752381"/>
+          </a:xfrm>
+          <a:prstGeom prst="rect">
+            <a:avLst/>
+          </a:prstGeom>
+        </p:spPr>
+      </p:pic>
+      <p:pic>
+        <p:nvPicPr>
+          <p:cNvPr id="7" name="Picture 6"/>
+          <p:cNvPicPr>
+            <a:picLocks noChangeAspect="1"/>
+          </p:cNvPicPr>
+          <p:nvPr/>
+        </p:nvPicPr>
+        <p:blipFill>
+          <a:blip r:embed="rId4"/>
+          <a:stretch>
+            <a:fillRect/>
+          </a:stretch>
+        </p:blipFill>
+        <p:spPr>
+          <a:xfrm>
+            <a:off x="3799919" y="1825624"/>
+            <a:ext cx="4242112" cy="4242112"/>
+          </a:xfrm>
+          <a:prstGeom prst="rect">
+            <a:avLst/>
+          </a:prstGeom>
+        </p:spPr>
+      </p:pic>
+    </p:spTree>
+    <p:extLst>
+      <p:ext uri="{BB962C8B-B14F-4D97-AF65-F5344CB8AC3E}">
+        <p14:creationId xmlns:p14="http://schemas.microsoft.com/office/powerpoint/2010/main" val="4185308278"/>
+      </p:ext>
+    </p:extLst>
+  </p:cSld>
+  <p:clrMapOvr>
+    <a:masterClrMapping/>
+  </p:clrMapOvr>
+</p:sld>
+</file>
+
+<file path=ppt/slides/slide11.xml><?xml version="1.0" encoding="utf-8"?>
+<p:sld xmlns:a="http://schemas.openxmlformats.org/drawingml/2006/main" xmlns:r="http://schemas.openxmlformats.org/officeDocument/2006/relationships" xmlns:p="http://schemas.openxmlformats.org/presentationml/2006/main">
+  <p:cSld>
+    <p:spTree>
+      <p:nvGrpSpPr>
+        <p:cNvPr id="1" name=""/>
+        <p:cNvGrpSpPr/>
+        <p:nvPr/>
+      </p:nvGrpSpPr>
+      <p:grpSpPr>
+        <a:xfrm>
+          <a:off x="0" y="0"/>
+          <a:ext cx="0" cy="0"/>
+          <a:chOff x="0" y="0"/>
+          <a:chExt cx="0" cy="0"/>
+        </a:xfrm>
+      </p:grpSpPr>
+      <p:sp>
+        <p:nvSpPr>
+          <p:cNvPr id="2" name="Title 1">
+            <a:extLst>
+              <a:ext uri="{FF2B5EF4-FFF2-40B4-BE49-F238E27FC236}">
+                <a16:creationId xmlns:a16="http://schemas.microsoft.com/office/drawing/2014/main" id="{B15B6439-41E6-140A-FAE2-84DA1CCE9574}"/>
+              </a:ext>
+            </a:extLst>
+          </p:cNvPr>
+          <p:cNvSpPr>
+            <a:spLocks noGrp="1"/>
+          </p:cNvSpPr>
+          <p:nvPr>
+            <p:ph type="title"/>
+          </p:nvPr>
+        </p:nvSpPr>
+        <p:spPr/>
+        <p:txBody>
+          <a:bodyPr>
+            <a:normAutofit/>
+          </a:bodyPr>
+          <a:lstStyle/>
+          <a:p>
+            <a:pPr algn="ctr"/>
+            <a:r>
+              <a:rPr lang="en-US" sz="3200" dirty="0">
+                <a:latin typeface="+mn-lt"/>
+              </a:rPr>
+              <a:t>Line Graphs using matplotlib</a:t>
+            </a:r>
+          </a:p>
+        </p:txBody>
+      </p:sp>
+      <mc:AlternateContent xmlns:mc="http://schemas.openxmlformats.org/markup-compatibility/2006" xmlns:a14="http://schemas.microsoft.com/office/drawing/2010/main">
+        <mc:Choice Requires="a14">
+          <p:sp>
+            <p:nvSpPr>
+              <p:cNvPr id="3" name="Content Placeholder 2">
+                <a:extLst>
+                  <a:ext uri="{FF2B5EF4-FFF2-40B4-BE49-F238E27FC236}">
+                    <a16:creationId xmlns:a16="http://schemas.microsoft.com/office/drawing/2014/main" id="{9B72E0DF-EA1E-2B29-FBAA-C77F1DA8F842}"/>
+                  </a:ext>
+                </a:extLst>
+              </p:cNvPr>
+              <p:cNvSpPr>
+                <a:spLocks noGrp="1"/>
+              </p:cNvSpPr>
+              <p:nvPr>
+                <p:ph idx="1"/>
+              </p:nvPr>
+            </p:nvSpPr>
+            <p:spPr/>
+            <p:txBody>
+              <a:bodyPr>
+                <a:normAutofit/>
+              </a:bodyPr>
+              <a:lstStyle/>
+              <a:p>
+                <a:r>
+                  <a:rPr lang="en-US" sz="2400" dirty="0"/>
+                  <a:t>Your scientist has asked you to plot the following two functions:</a:t>
+                </a:r>
+              </a:p>
+              <a:p>
+                <a:pPr marL="0" indent="0">
+                  <a:buNone/>
+                </a:pPr>
+                <a14:m>
+                  <m:oMathPara xmlns:m="http://schemas.openxmlformats.org/officeDocument/2006/math">
+                    <m:oMathParaPr>
+                      <m:jc m:val="centerGroup"/>
+                    </m:oMathParaPr>
+                    <m:oMath xmlns:m="http://schemas.openxmlformats.org/officeDocument/2006/math">
+                      <m:sSub>
+                        <m:sSubPr>
+                          <m:ctrlPr>
+                            <a:rPr lang="en-US" sz="2400" i="1" smtClean="0">
+                              <a:latin typeface="Cambria Math" panose="02040503050406030204" pitchFamily="18" charset="0"/>
+                            </a:rPr>
+                          </m:ctrlPr>
+                        </m:sSubPr>
+                        <m:e>
+                          <m:r>
+                            <a:rPr lang="en-US" sz="2400" b="0" i="1" smtClean="0">
+                              <a:latin typeface="Cambria Math" panose="02040503050406030204" pitchFamily="18" charset="0"/>
+                            </a:rPr>
+                            <m:t>𝑦</m:t>
+                          </m:r>
+                        </m:e>
+                        <m:sub>
+                          <m:r>
+                            <a:rPr lang="en-US" sz="2400" b="0" i="1" smtClean="0">
+                              <a:latin typeface="Cambria Math" panose="02040503050406030204" pitchFamily="18" charset="0"/>
+                            </a:rPr>
+                            <m:t>1</m:t>
+                          </m:r>
+                        </m:sub>
+                      </m:sSub>
+                      <m:r>
+                        <a:rPr lang="en-US" sz="2400" b="0" i="1" smtClean="0">
+                          <a:latin typeface="Cambria Math" panose="02040503050406030204" pitchFamily="18" charset="0"/>
+                        </a:rPr>
+                        <m:t>=2</m:t>
+                      </m:r>
+                      <m:r>
+                        <a:rPr lang="en-US" sz="2400" b="0" i="1" smtClean="0">
+                          <a:latin typeface="Cambria Math" panose="02040503050406030204" pitchFamily="18" charset="0"/>
+                        </a:rPr>
+                        <m:t>𝑥</m:t>
+                      </m:r>
+                      <m:r>
+                        <a:rPr lang="en-US" sz="2400" b="0" i="1" smtClean="0">
+                          <a:latin typeface="Cambria Math" panose="02040503050406030204" pitchFamily="18" charset="0"/>
+                        </a:rPr>
+                        <m:t>−5</m:t>
+                      </m:r>
+                    </m:oMath>
+                  </m:oMathPara>
+                </a14:m>
+                <a:endParaRPr lang="en-US" sz="2400" b="0" dirty="0"/>
+              </a:p>
+              <a:p>
+                <a:pPr marL="0" indent="0">
+                  <a:buNone/>
+                </a:pPr>
+                <a14:m>
+                  <m:oMathPara xmlns:m="http://schemas.openxmlformats.org/officeDocument/2006/math">
+                    <m:oMathParaPr>
+                      <m:jc m:val="centerGroup"/>
+                    </m:oMathParaPr>
+                    <m:oMath xmlns:m="http://schemas.openxmlformats.org/officeDocument/2006/math">
+                      <m:sSub>
+                        <m:sSubPr>
+                          <m:ctrlPr>
+                            <a:rPr lang="en-US" sz="2400" i="1" smtClean="0">
+                              <a:latin typeface="Cambria Math" panose="02040503050406030204" pitchFamily="18" charset="0"/>
+                            </a:rPr>
+                          </m:ctrlPr>
+                        </m:sSubPr>
+                        <m:e>
+                          <m:r>
+                            <a:rPr lang="en-US" sz="2400" b="0" i="1" smtClean="0">
+                              <a:latin typeface="Cambria Math" panose="02040503050406030204" pitchFamily="18" charset="0"/>
+                            </a:rPr>
+                            <m:t>𝑦</m:t>
+                          </m:r>
+                        </m:e>
+                        <m:sub>
+                          <m:r>
+                            <a:rPr lang="en-US" sz="2400" b="0" i="1" smtClean="0">
+                              <a:latin typeface="Cambria Math" panose="02040503050406030204" pitchFamily="18" charset="0"/>
+                            </a:rPr>
+                            <m:t>2</m:t>
+                          </m:r>
+                        </m:sub>
+                      </m:sSub>
+                      <m:r>
+                        <a:rPr lang="en-US" sz="2400" b="0" i="1" smtClean="0">
+                          <a:latin typeface="Cambria Math" panose="02040503050406030204" pitchFamily="18" charset="0"/>
+                        </a:rPr>
+                        <m:t>=−0.3</m:t>
+                      </m:r>
+                      <m:sSup>
+                        <m:sSupPr>
+                          <m:ctrlPr>
+                            <a:rPr lang="en-US" sz="2400" b="0" i="1" smtClean="0">
+                              <a:latin typeface="Cambria Math" panose="02040503050406030204" pitchFamily="18" charset="0"/>
+                            </a:rPr>
+                          </m:ctrlPr>
+                        </m:sSupPr>
+                        <m:e>
+                          <m:r>
+                            <a:rPr lang="en-US" sz="2400" b="0" i="1" smtClean="0">
+                              <a:latin typeface="Cambria Math" panose="02040503050406030204" pitchFamily="18" charset="0"/>
+                            </a:rPr>
+                            <m:t>𝑥</m:t>
+                          </m:r>
+                        </m:e>
+                        <m:sup>
+                          <m:r>
+                            <a:rPr lang="en-US" sz="2400" b="0" i="1" smtClean="0">
+                              <a:latin typeface="Cambria Math" panose="02040503050406030204" pitchFamily="18" charset="0"/>
+                            </a:rPr>
+                            <m:t>2</m:t>
+                          </m:r>
+                        </m:sup>
+                      </m:sSup>
+                      <m:r>
+                        <a:rPr lang="en-US" sz="2400" b="0" i="1" smtClean="0">
+                          <a:latin typeface="Cambria Math" panose="02040503050406030204" pitchFamily="18" charset="0"/>
+                        </a:rPr>
+                        <m:t>+15</m:t>
+                      </m:r>
+                    </m:oMath>
+                  </m:oMathPara>
+                </a14:m>
+                <a:endParaRPr lang="en-US" sz="2400" dirty="0"/>
+              </a:p>
+              <a:p>
+                <a:r>
+                  <a:rPr lang="en-US" sz="2400" dirty="0"/>
+                  <a:t>The domain for both functions is </a:t>
+                </a:r>
+                <a14:m>
+                  <m:oMath xmlns:m="http://schemas.openxmlformats.org/officeDocument/2006/math">
+                    <m:r>
+                      <a:rPr lang="en-US" sz="2400" b="0" i="1" smtClean="0">
+                        <a:latin typeface="Cambria Math" panose="02040503050406030204" pitchFamily="18" charset="0"/>
+                      </a:rPr>
+                      <m:t>−10</m:t>
+                    </m:r>
+                    <m:r>
+                      <a:rPr lang="en-US" sz="2400" b="0" i="1" smtClean="0">
+                        <a:latin typeface="Cambria Math" panose="02040503050406030204" pitchFamily="18" charset="0"/>
+                        <a:ea typeface="Cambria Math" panose="02040503050406030204" pitchFamily="18" charset="0"/>
+                      </a:rPr>
+                      <m:t>≤</m:t>
+                    </m:r>
+                    <m:r>
+                      <a:rPr lang="en-US" sz="2400" b="0" i="1" smtClean="0">
+                        <a:latin typeface="Cambria Math" panose="02040503050406030204" pitchFamily="18" charset="0"/>
+                        <a:ea typeface="Cambria Math" panose="02040503050406030204" pitchFamily="18" charset="0"/>
+                      </a:rPr>
+                      <m:t>𝑥</m:t>
+                    </m:r>
+                    <m:r>
+                      <a:rPr lang="en-US" sz="2400" b="0" i="1" smtClean="0">
+                        <a:latin typeface="Cambria Math" panose="02040503050406030204" pitchFamily="18" charset="0"/>
+                        <a:ea typeface="Cambria Math" panose="02040503050406030204" pitchFamily="18" charset="0"/>
+                      </a:rPr>
+                      <m:t>≤10</m:t>
+                    </m:r>
+                  </m:oMath>
+                </a14:m>
+                <a:endParaRPr lang="en-US" sz="2400" b="0" dirty="0">
+                  <a:ea typeface="Cambria Math" panose="02040503050406030204" pitchFamily="18" charset="0"/>
+                </a:endParaRPr>
+              </a:p>
+              <a:p>
+                <a:r>
+                  <a:rPr lang="en-US" sz="2400" dirty="0"/>
+                  <a:t>You should plot both curves on the same graph</a:t>
+                </a:r>
+              </a:p>
+            </p:txBody>
+          </p:sp>
+        </mc:Choice>
+        <mc:Fallback xmlns="">
+          <p:sp>
+            <p:nvSpPr>
+              <p:cNvPr id="3" name="Content Placeholder 2">
+                <a:extLst>
+                  <a:ext uri="{FF2B5EF4-FFF2-40B4-BE49-F238E27FC236}">
+                    <a16:creationId xmlns:a16="http://schemas.microsoft.com/office/drawing/2014/main" id="{9B72E0DF-EA1E-2B29-FBAA-C77F1DA8F842}"/>
+                  </a:ext>
+                </a:extLst>
+              </p:cNvPr>
+              <p:cNvSpPr>
+                <a:spLocks noGrp="1" noRot="1" noChangeAspect="1" noMove="1" noResize="1" noEditPoints="1" noAdjustHandles="1" noChangeArrowheads="1" noChangeShapeType="1" noTextEdit="1"/>
+              </p:cNvSpPr>
+              <p:nvPr>
+                <p:ph idx="1"/>
+              </p:nvPr>
+            </p:nvSpPr>
+            <p:spPr>
+              <a:blipFill>
+                <a:blip r:embed="rId2"/>
+                <a:stretch>
+                  <a:fillRect l="-1005" t="-1961"/>
+                </a:stretch>
+              </a:blipFill>
+            </p:spPr>
+            <p:txBody>
+              <a:bodyPr/>
+              <a:lstStyle/>
+              <a:p>
+                <a:r>
+                  <a:rPr lang="en-US">
+                    <a:noFill/>
+                  </a:rPr>
+                  <a:t> </a:t>
+                </a:r>
+              </a:p>
+            </p:txBody>
+          </p:sp>
+        </mc:Fallback>
+      </mc:AlternateContent>
+      <p:sp>
+        <p:nvSpPr>
+          <p:cNvPr id="4" name="Slide Number Placeholder 3">
+            <a:extLst>
+              <a:ext uri="{FF2B5EF4-FFF2-40B4-BE49-F238E27FC236}">
+                <a16:creationId xmlns:a16="http://schemas.microsoft.com/office/drawing/2014/main" id="{80CC9F32-161F-C116-92EA-A6FCC6DD8558}"/>
+              </a:ext>
+            </a:extLst>
+          </p:cNvPr>
+          <p:cNvSpPr>
+            <a:spLocks noGrp="1"/>
+          </p:cNvSpPr>
+          <p:nvPr>
+            <p:ph type="sldNum" sz="quarter" idx="12"/>
+          </p:nvPr>
+        </p:nvSpPr>
+        <p:spPr/>
+        <p:txBody>
+          <a:bodyPr/>
+          <a:lstStyle/>
+          <a:p>
+            <a:fld id="{650AD656-6FF9-465D-B7B0-1CD0DD39CD23}" type="slidenum">
+              <a:rPr lang="en-US" smtClean="0"/>
+              <a:pPr/>
+              <a:t>11</a:t>
+            </a:fld>
+            <a:endParaRPr lang="en-US"/>
+          </a:p>
+        </p:txBody>
+      </p:sp>
+    </p:spTree>
+    <p:extLst>
+      <p:ext uri="{BB962C8B-B14F-4D97-AF65-F5344CB8AC3E}">
+        <p14:creationId xmlns:p14="http://schemas.microsoft.com/office/powerpoint/2010/main" val="1532399536"/>
+      </p:ext>
+    </p:extLst>
+  </p:cSld>
+  <p:clrMapOvr>
+    <a:masterClrMapping/>
+  </p:clrMapOvr>
+</p:sld>
+</file>
+
+<file path=ppt/slides/slide12.xml><?xml version="1.0" encoding="utf-8"?>
+<p:sld xmlns:a="http://schemas.openxmlformats.org/drawingml/2006/main" xmlns:r="http://schemas.openxmlformats.org/officeDocument/2006/relationships" xmlns:p="http://schemas.openxmlformats.org/presentationml/2006/main">
+  <p:cSld>
+    <p:spTree>
+      <p:nvGrpSpPr>
+        <p:cNvPr id="1" name=""/>
+        <p:cNvGrpSpPr/>
+        <p:nvPr/>
+      </p:nvGrpSpPr>
+      <p:grpSpPr>
+        <a:xfrm>
+          <a:off x="0" y="0"/>
+          <a:ext cx="0" cy="0"/>
+          <a:chOff x="0" y="0"/>
+          <a:chExt cx="0" cy="0"/>
+        </a:xfrm>
+      </p:grpSpPr>
       <p:pic>
         <p:nvPicPr>
           <p:cNvPr id="5" name="Picture 4">
@@ -4593,7 +5102,7 @@
           <a:p>
             <a:fld id="{650AD656-6FF9-465D-B7B0-1CD0DD39CD23}" type="slidenum">
               <a:rPr lang="en-US" smtClean="0"/>
-              <a:t>10</a:t>
+              <a:t>12</a:t>
             </a:fld>
             <a:endParaRPr lang="en-US" dirty="0"/>
           </a:p>
@@ -7110,7 +7619,7 @@
 </p:sld>
 </file>
 
-<file path=ppt/slides/slide11.xml><?xml version="1.0" encoding="utf-8"?>
+<file path=ppt/slides/slide13.xml><?xml version="1.0" encoding="utf-8"?>
 <p:sld xmlns:a="http://schemas.openxmlformats.org/drawingml/2006/main" xmlns:r="http://schemas.openxmlformats.org/officeDocument/2006/relationships" xmlns:p="http://schemas.openxmlformats.org/presentationml/2006/main">
   <p:cSld>
     <p:spTree>
@@ -7180,7 +7689,7 @@
           <a:p>
             <a:fld id="{650AD656-6FF9-465D-B7B0-1CD0DD39CD23}" type="slidenum">
               <a:rPr lang="en-US" smtClean="0"/>
-              <a:t>11</a:t>
+              <a:t>13</a:t>
             </a:fld>
             <a:endParaRPr lang="en-US" dirty="0"/>
           </a:p>
@@ -7312,7 +7821,7 @@
 </p:sld>
 </file>
 
-<file path=ppt/slides/slide12.xml><?xml version="1.0" encoding="utf-8"?>
+<file path=ppt/slides/slide14.xml><?xml version="1.0" encoding="utf-8"?>
 <p:sld xmlns:a="http://schemas.openxmlformats.org/drawingml/2006/main" xmlns:r="http://schemas.openxmlformats.org/officeDocument/2006/relationships" xmlns:p="http://schemas.openxmlformats.org/presentationml/2006/main">
   <p:cSld>
     <p:spTree>
@@ -7373,7 +7882,7 @@
           <a:p>
             <a:fld id="{650AD656-6FF9-465D-B7B0-1CD0DD39CD23}" type="slidenum">
               <a:rPr lang="en-US" smtClean="0"/>
-              <a:t>12</a:t>
+              <a:t>14</a:t>
             </a:fld>
             <a:endParaRPr lang="en-US" dirty="0"/>
           </a:p>
@@ -7581,7 +8090,7 @@
 </p:sld>
 </file>
 
-<file path=ppt/slides/slide13.xml><?xml version="1.0" encoding="utf-8"?>
+<file path=ppt/slides/slide15.xml><?xml version="1.0" encoding="utf-8"?>
 <p:sld xmlns:a="http://schemas.openxmlformats.org/drawingml/2006/main" xmlns:r="http://schemas.openxmlformats.org/officeDocument/2006/relationships" xmlns:p="http://schemas.openxmlformats.org/presentationml/2006/main">
   <p:cSld>
     <p:spTree>
@@ -7648,7 +8157,7 @@
           <a:p>
             <a:fld id="{650AD656-6FF9-465D-B7B0-1CD0DD39CD23}" type="slidenum">
               <a:rPr lang="en-US" smtClean="0"/>
-              <a:t>13</a:t>
+              <a:t>15</a:t>
             </a:fld>
             <a:endParaRPr lang="en-US" dirty="0"/>
           </a:p>
@@ -7793,7 +8302,7 @@
 </p:sld>
 </file>
 
-<file path=ppt/slides/slide14.xml><?xml version="1.0" encoding="utf-8"?>
+<file path=ppt/slides/slide16.xml><?xml version="1.0" encoding="utf-8"?>
 <p:sld xmlns:a="http://schemas.openxmlformats.org/drawingml/2006/main" xmlns:r="http://schemas.openxmlformats.org/officeDocument/2006/relationships" xmlns:p="http://schemas.openxmlformats.org/presentationml/2006/main">
   <p:cSld>
     <p:spTree>
@@ -7901,7 +8410,7 @@
           <a:p>
             <a:fld id="{650AD656-6FF9-465D-B7B0-1CD0DD39CD23}" type="slidenum">
               <a:rPr lang="en-US" smtClean="0"/>
-              <a:t>14</a:t>
+              <a:t>16</a:t>
             </a:fld>
             <a:endParaRPr lang="en-US" dirty="0"/>
           </a:p>
@@ -8011,7 +8520,7 @@
 </p:sld>
 </file>
 
-<file path=ppt/slides/slide15.xml><?xml version="1.0" encoding="utf-8"?>
+<file path=ppt/slides/slide17.xml><?xml version="1.0" encoding="utf-8"?>
 <p:sld xmlns:a="http://schemas.openxmlformats.org/drawingml/2006/main" xmlns:r="http://schemas.openxmlformats.org/officeDocument/2006/relationships" xmlns:p="http://schemas.openxmlformats.org/presentationml/2006/main">
   <p:cSld>
     <p:spTree>
@@ -8121,7 +8630,7 @@
           <a:p>
             <a:fld id="{650AD656-6FF9-465D-B7B0-1CD0DD39CD23}" type="slidenum">
               <a:rPr lang="en-US" smtClean="0"/>
-              <a:t>15</a:t>
+              <a:t>17</a:t>
             </a:fld>
             <a:endParaRPr lang="en-US" dirty="0"/>
           </a:p>
@@ -8234,7 +8743,7 @@
 </p:sld>
 </file>
 
-<file path=ppt/slides/slide16.xml><?xml version="1.0" encoding="utf-8"?>
+<file path=ppt/slides/slide18.xml><?xml version="1.0" encoding="utf-8"?>
 <p:sld xmlns:a="http://schemas.openxmlformats.org/drawingml/2006/main" xmlns:r="http://schemas.openxmlformats.org/officeDocument/2006/relationships" xmlns:p="http://schemas.openxmlformats.org/presentationml/2006/main">
   <p:cSld>
     <p:spTree>
@@ -8337,7 +8846,7 @@
           <a:p>
             <a:fld id="{650AD656-6FF9-465D-B7B0-1CD0DD39CD23}" type="slidenum">
               <a:rPr lang="en-US" smtClean="0"/>
-              <a:t>16</a:t>
+              <a:t>18</a:t>
             </a:fld>
             <a:endParaRPr lang="en-US" dirty="0"/>
           </a:p>
@@ -8601,7 +9110,7 @@
 </p:sld>
 </file>
 
-<file path=ppt/slides/slide17.xml><?xml version="1.0" encoding="utf-8"?>
+<file path=ppt/slides/slide19.xml><?xml version="1.0" encoding="utf-8"?>
 <p:sld xmlns:a="http://schemas.openxmlformats.org/drawingml/2006/main" xmlns:r="http://schemas.openxmlformats.org/officeDocument/2006/relationships" xmlns:p="http://schemas.openxmlformats.org/presentationml/2006/main">
   <p:cSld>
     <p:spTree>
@@ -8704,7 +9213,7 @@
           <a:p>
             <a:fld id="{650AD656-6FF9-465D-B7B0-1CD0DD39CD23}" type="slidenum">
               <a:rPr lang="en-US" smtClean="0"/>
-              <a:t>17</a:t>
+              <a:t>19</a:t>
             </a:fld>
             <a:endParaRPr lang="en-US" dirty="0"/>
           </a:p>
@@ -8810,436 +9319,6 @@
     <p:extLst>
       <p:ext uri="{BB962C8B-B14F-4D97-AF65-F5344CB8AC3E}">
         <p14:creationId xmlns:p14="http://schemas.microsoft.com/office/powerpoint/2010/main" val="562254477"/>
-      </p:ext>
-    </p:extLst>
-  </p:cSld>
-  <p:clrMapOvr>
-    <a:masterClrMapping/>
-  </p:clrMapOvr>
-</p:sld>
-</file>
-
-<file path=ppt/slides/slide18.xml><?xml version="1.0" encoding="utf-8"?>
-<p:sld xmlns:a="http://schemas.openxmlformats.org/drawingml/2006/main" xmlns:r="http://schemas.openxmlformats.org/officeDocument/2006/relationships" xmlns:p="http://schemas.openxmlformats.org/presentationml/2006/main">
-  <p:cSld>
-    <p:spTree>
-      <p:nvGrpSpPr>
-        <p:cNvPr id="1" name=""/>
-        <p:cNvGrpSpPr/>
-        <p:nvPr/>
-      </p:nvGrpSpPr>
-      <p:grpSpPr>
-        <a:xfrm>
-          <a:off x="0" y="0"/>
-          <a:ext cx="0" cy="0"/>
-          <a:chOff x="0" y="0"/>
-          <a:chExt cx="0" cy="0"/>
-        </a:xfrm>
-      </p:grpSpPr>
-      <p:pic>
-        <p:nvPicPr>
-          <p:cNvPr id="7" name="Picture 6">
-            <a:extLst>
-              <a:ext uri="{FF2B5EF4-FFF2-40B4-BE49-F238E27FC236}">
-                <a16:creationId xmlns:a16="http://schemas.microsoft.com/office/drawing/2014/main" id="{1533DB0F-A9A4-8CC2-EF81-9DFFA658FD50}"/>
-              </a:ext>
-            </a:extLst>
-          </p:cNvPr>
-          <p:cNvPicPr>
-            <a:picLocks noChangeAspect="1"/>
-          </p:cNvPicPr>
-          <p:nvPr/>
-        </p:nvPicPr>
-        <p:blipFill>
-          <a:blip r:embed="rId2"/>
-          <a:stretch>
-            <a:fillRect/>
-          </a:stretch>
-        </p:blipFill>
-        <p:spPr>
-          <a:xfrm>
-            <a:off x="1505330" y="1738308"/>
-            <a:ext cx="6133333" cy="4371429"/>
-          </a:xfrm>
-          <a:prstGeom prst="rect">
-            <a:avLst/>
-          </a:prstGeom>
-        </p:spPr>
-      </p:pic>
-      <p:sp>
-        <p:nvSpPr>
-          <p:cNvPr id="2" name="Title 1"/>
-          <p:cNvSpPr>
-            <a:spLocks noGrp="1"/>
-          </p:cNvSpPr>
-          <p:nvPr>
-            <p:ph type="title"/>
-          </p:nvPr>
-        </p:nvSpPr>
-        <p:spPr/>
-        <p:txBody>
-          <a:bodyPr>
-            <a:noAutofit/>
-          </a:bodyPr>
-          <a:lstStyle/>
-          <a:p>
-            <a:pPr algn="ctr"/>
-            <a:r>
-              <a:rPr lang="en-US" sz="3200" dirty="0">
-                <a:latin typeface="+mn-lt"/>
-              </a:rPr>
-              <a:t>Verify the </a:t>
-            </a:r>
-            <a:r>
-              <a:rPr lang="en-US" sz="3200" b="1" dirty="0">
-                <a:latin typeface="+mn-lt"/>
-              </a:rPr>
-              <a:t>black</a:t>
-            </a:r>
-            <a:r>
-              <a:rPr lang="en-US" sz="3200" dirty="0">
-                <a:latin typeface="+mn-lt"/>
-              </a:rPr>
-              <a:t> Package Installation</a:t>
-            </a:r>
-          </a:p>
-        </p:txBody>
-      </p:sp>
-      <p:sp>
-        <p:nvSpPr>
-          <p:cNvPr id="3" name="Slide Number Placeholder 2"/>
-          <p:cNvSpPr>
-            <a:spLocks noGrp="1"/>
-          </p:cNvSpPr>
-          <p:nvPr>
-            <p:ph type="sldNum" sz="quarter" idx="12"/>
-          </p:nvPr>
-        </p:nvSpPr>
-        <p:spPr/>
-        <p:txBody>
-          <a:bodyPr/>
-          <a:lstStyle/>
-          <a:p>
-            <a:fld id="{650AD656-6FF9-465D-B7B0-1CD0DD39CD23}" type="slidenum">
-              <a:rPr lang="en-US" smtClean="0"/>
-              <a:t>18</a:t>
-            </a:fld>
-            <a:endParaRPr lang="en-US" dirty="0"/>
-          </a:p>
-        </p:txBody>
-      </p:sp>
-      <p:sp>
-        <p:nvSpPr>
-          <p:cNvPr id="6" name="Rectangle 5">
-            <a:extLst>
-              <a:ext uri="{FF2B5EF4-FFF2-40B4-BE49-F238E27FC236}">
-                <a16:creationId xmlns:a16="http://schemas.microsoft.com/office/drawing/2014/main" id="{7C173D85-117D-4567-C143-818C4FBCD056}"/>
-              </a:ext>
-            </a:extLst>
-          </p:cNvPr>
-          <p:cNvSpPr/>
-          <p:nvPr/>
-        </p:nvSpPr>
-        <p:spPr>
-          <a:xfrm>
-            <a:off x="3065748" y="2876734"/>
-            <a:ext cx="4204482" cy="391122"/>
-          </a:xfrm>
-          <a:prstGeom prst="rect">
-            <a:avLst/>
-          </a:prstGeom>
-          <a:noFill/>
-          <a:ln w="38100">
-            <a:solidFill>
-              <a:srgbClr val="FF0000"/>
-            </a:solidFill>
-          </a:ln>
-        </p:spPr>
-        <p:style>
-          <a:lnRef idx="2">
-            <a:schemeClr val="accent1">
-              <a:shade val="50000"/>
-            </a:schemeClr>
-          </a:lnRef>
-          <a:fillRef idx="1">
-            <a:schemeClr val="accent1"/>
-          </a:fillRef>
-          <a:effectRef idx="0">
-            <a:schemeClr val="accent1"/>
-          </a:effectRef>
-          <a:fontRef idx="minor">
-            <a:schemeClr val="lt1"/>
-          </a:fontRef>
-        </p:style>
-        <p:txBody>
-          <a:bodyPr rtlCol="0" anchor="ctr"/>
-          <a:lstStyle/>
-          <a:p>
-            <a:pPr algn="ctr"/>
-            <a:endParaRPr lang="en-US"/>
-          </a:p>
-        </p:txBody>
-      </p:sp>
-      <p:cxnSp>
-        <p:nvCxnSpPr>
-          <p:cNvPr id="9" name="Straight Arrow Connector 8">
-            <a:extLst>
-              <a:ext uri="{FF2B5EF4-FFF2-40B4-BE49-F238E27FC236}">
-                <a16:creationId xmlns:a16="http://schemas.microsoft.com/office/drawing/2014/main" id="{3CF4CDAA-1421-49EE-8671-BD87CD979C87}"/>
-              </a:ext>
-            </a:extLst>
-          </p:cNvPr>
-          <p:cNvCxnSpPr>
-            <a:cxnSpLocks/>
-          </p:cNvCxnSpPr>
-          <p:nvPr/>
-        </p:nvCxnSpPr>
-        <p:spPr>
-          <a:xfrm>
-            <a:off x="1993692" y="2226039"/>
-            <a:ext cx="1072056" cy="800822"/>
-          </a:xfrm>
-          <a:prstGeom prst="straightConnector1">
-            <a:avLst/>
-          </a:prstGeom>
-          <a:ln w="38100">
-            <a:solidFill>
-              <a:srgbClr val="FF0000"/>
-            </a:solidFill>
-            <a:tailEnd type="triangle"/>
-          </a:ln>
-        </p:spPr>
-        <p:style>
-          <a:lnRef idx="1">
-            <a:schemeClr val="accent1"/>
-          </a:lnRef>
-          <a:fillRef idx="0">
-            <a:schemeClr val="accent1"/>
-          </a:fillRef>
-          <a:effectRef idx="0">
-            <a:schemeClr val="accent1"/>
-          </a:effectRef>
-          <a:fontRef idx="minor">
-            <a:schemeClr val="tx1"/>
-          </a:fontRef>
-        </p:style>
-      </p:cxnSp>
-    </p:spTree>
-    <p:extLst>
-      <p:ext uri="{BB962C8B-B14F-4D97-AF65-F5344CB8AC3E}">
-        <p14:creationId xmlns:p14="http://schemas.microsoft.com/office/powerpoint/2010/main" val="2320762481"/>
-      </p:ext>
-    </p:extLst>
-  </p:cSld>
-  <p:clrMapOvr>
-    <a:masterClrMapping/>
-  </p:clrMapOvr>
-</p:sld>
-</file>
-
-<file path=ppt/slides/slide19.xml><?xml version="1.0" encoding="utf-8"?>
-<p:sld xmlns:a="http://schemas.openxmlformats.org/drawingml/2006/main" xmlns:r="http://schemas.openxmlformats.org/officeDocument/2006/relationships" xmlns:p="http://schemas.openxmlformats.org/presentationml/2006/main">
-  <p:cSld>
-    <p:spTree>
-      <p:nvGrpSpPr>
-        <p:cNvPr id="1" name=""/>
-        <p:cNvGrpSpPr/>
-        <p:nvPr/>
-      </p:nvGrpSpPr>
-      <p:grpSpPr>
-        <a:xfrm>
-          <a:off x="0" y="0"/>
-          <a:ext cx="0" cy="0"/>
-          <a:chOff x="0" y="0"/>
-          <a:chExt cx="0" cy="0"/>
-        </a:xfrm>
-      </p:grpSpPr>
-      <p:pic>
-        <p:nvPicPr>
-          <p:cNvPr id="10" name="Picture 9">
-            <a:extLst>
-              <a:ext uri="{FF2B5EF4-FFF2-40B4-BE49-F238E27FC236}">
-                <a16:creationId xmlns:a16="http://schemas.microsoft.com/office/drawing/2014/main" id="{2968DCBE-2F2C-3858-9A27-CB262AB05850}"/>
-              </a:ext>
-            </a:extLst>
-          </p:cNvPr>
-          <p:cNvPicPr>
-            <a:picLocks noChangeAspect="1"/>
-          </p:cNvPicPr>
-          <p:nvPr/>
-        </p:nvPicPr>
-        <p:blipFill>
-          <a:blip r:embed="rId2"/>
-          <a:stretch>
-            <a:fillRect/>
-          </a:stretch>
-        </p:blipFill>
-        <p:spPr>
-          <a:xfrm>
-            <a:off x="1002466" y="1543694"/>
-            <a:ext cx="7139067" cy="4832273"/>
-          </a:xfrm>
-          <a:prstGeom prst="rect">
-            <a:avLst/>
-          </a:prstGeom>
-        </p:spPr>
-      </p:pic>
-      <p:sp>
-        <p:nvSpPr>
-          <p:cNvPr id="2" name="Title 1"/>
-          <p:cNvSpPr>
-            <a:spLocks noGrp="1"/>
-          </p:cNvSpPr>
-          <p:nvPr>
-            <p:ph type="title"/>
-          </p:nvPr>
-        </p:nvSpPr>
-        <p:spPr/>
-        <p:txBody>
-          <a:bodyPr>
-            <a:noAutofit/>
-          </a:bodyPr>
-          <a:lstStyle/>
-          <a:p>
-            <a:pPr algn="ctr"/>
-            <a:r>
-              <a:rPr lang="en-US" sz="3200" dirty="0">
-                <a:latin typeface="+mn-lt"/>
-              </a:rPr>
-              <a:t>Installing Thonny </a:t>
-            </a:r>
-            <a:r>
-              <a:rPr lang="en-US" sz="3200" b="1" dirty="0">
-                <a:latin typeface="+mn-lt"/>
-              </a:rPr>
-              <a:t>plug-ins</a:t>
-            </a:r>
-          </a:p>
-        </p:txBody>
-      </p:sp>
-      <p:sp>
-        <p:nvSpPr>
-          <p:cNvPr id="3" name="Slide Number Placeholder 2"/>
-          <p:cNvSpPr>
-            <a:spLocks noGrp="1"/>
-          </p:cNvSpPr>
-          <p:nvPr>
-            <p:ph type="sldNum" sz="quarter" idx="12"/>
-          </p:nvPr>
-        </p:nvSpPr>
-        <p:spPr/>
-        <p:txBody>
-          <a:bodyPr/>
-          <a:lstStyle/>
-          <a:p>
-            <a:fld id="{650AD656-6FF9-465D-B7B0-1CD0DD39CD23}" type="slidenum">
-              <a:rPr lang="en-US" smtClean="0"/>
-              <a:t>19</a:t>
-            </a:fld>
-            <a:endParaRPr lang="en-US" dirty="0"/>
-          </a:p>
-        </p:txBody>
-      </p:sp>
-      <p:sp>
-        <p:nvSpPr>
-          <p:cNvPr id="6" name="Rectangle 5">
-            <a:extLst>
-              <a:ext uri="{FF2B5EF4-FFF2-40B4-BE49-F238E27FC236}">
-                <a16:creationId xmlns:a16="http://schemas.microsoft.com/office/drawing/2014/main" id="{7C173D85-117D-4567-C143-818C4FBCD056}"/>
-              </a:ext>
-            </a:extLst>
-          </p:cNvPr>
-          <p:cNvSpPr/>
-          <p:nvPr/>
-        </p:nvSpPr>
-        <p:spPr>
-          <a:xfrm>
-            <a:off x="2015142" y="2579428"/>
-            <a:ext cx="1035356" cy="186258"/>
-          </a:xfrm>
-          <a:prstGeom prst="rect">
-            <a:avLst/>
-          </a:prstGeom>
-          <a:noFill/>
-          <a:ln w="38100">
-            <a:solidFill>
-              <a:srgbClr val="FF0000"/>
-            </a:solidFill>
-          </a:ln>
-        </p:spPr>
-        <p:style>
-          <a:lnRef idx="2">
-            <a:schemeClr val="accent1">
-              <a:shade val="50000"/>
-            </a:schemeClr>
-          </a:lnRef>
-          <a:fillRef idx="1">
-            <a:schemeClr val="accent1"/>
-          </a:fillRef>
-          <a:effectRef idx="0">
-            <a:schemeClr val="accent1"/>
-          </a:effectRef>
-          <a:fontRef idx="minor">
-            <a:schemeClr val="lt1"/>
-          </a:fontRef>
-        </p:style>
-        <p:txBody>
-          <a:bodyPr rtlCol="0" anchor="ctr"/>
-          <a:lstStyle/>
-          <a:p>
-            <a:pPr algn="ctr"/>
-            <a:endParaRPr lang="en-US" dirty="0"/>
-          </a:p>
-        </p:txBody>
-      </p:sp>
-      <p:cxnSp>
-        <p:nvCxnSpPr>
-          <p:cNvPr id="9" name="Straight Arrow Connector 8">
-            <a:extLst>
-              <a:ext uri="{FF2B5EF4-FFF2-40B4-BE49-F238E27FC236}">
-                <a16:creationId xmlns:a16="http://schemas.microsoft.com/office/drawing/2014/main" id="{3CF4CDAA-1421-49EE-8671-BD87CD979C87}"/>
-              </a:ext>
-            </a:extLst>
-          </p:cNvPr>
-          <p:cNvCxnSpPr>
-            <a:cxnSpLocks/>
-          </p:cNvCxnSpPr>
-          <p:nvPr/>
-        </p:nvCxnSpPr>
-        <p:spPr>
-          <a:xfrm>
-            <a:off x="2241030" y="1888761"/>
-            <a:ext cx="112426" cy="779488"/>
-          </a:xfrm>
-          <a:prstGeom prst="straightConnector1">
-            <a:avLst/>
-          </a:prstGeom>
-          <a:ln w="38100">
-            <a:solidFill>
-              <a:srgbClr val="FF0000"/>
-            </a:solidFill>
-            <a:tailEnd type="triangle"/>
-          </a:ln>
-        </p:spPr>
-        <p:style>
-          <a:lnRef idx="1">
-            <a:schemeClr val="accent1"/>
-          </a:lnRef>
-          <a:fillRef idx="0">
-            <a:schemeClr val="accent1"/>
-          </a:fillRef>
-          <a:effectRef idx="0">
-            <a:schemeClr val="accent1"/>
-          </a:effectRef>
-          <a:fontRef idx="minor">
-            <a:schemeClr val="tx1"/>
-          </a:fontRef>
-        </p:style>
-      </p:cxnSp>
-    </p:spTree>
-    <p:extLst>
-      <p:ext uri="{BB962C8B-B14F-4D97-AF65-F5344CB8AC3E}">
-        <p14:creationId xmlns:p14="http://schemas.microsoft.com/office/powerpoint/2010/main" val="1009950923"/>
       </p:ext>
     </p:extLst>
   </p:cSld>
@@ -9779,6 +9858,436 @@
       </p:grpSpPr>
       <p:pic>
         <p:nvPicPr>
+          <p:cNvPr id="7" name="Picture 6">
+            <a:extLst>
+              <a:ext uri="{FF2B5EF4-FFF2-40B4-BE49-F238E27FC236}">
+                <a16:creationId xmlns:a16="http://schemas.microsoft.com/office/drawing/2014/main" id="{1533DB0F-A9A4-8CC2-EF81-9DFFA658FD50}"/>
+              </a:ext>
+            </a:extLst>
+          </p:cNvPr>
+          <p:cNvPicPr>
+            <a:picLocks noChangeAspect="1"/>
+          </p:cNvPicPr>
+          <p:nvPr/>
+        </p:nvPicPr>
+        <p:blipFill>
+          <a:blip r:embed="rId2"/>
+          <a:stretch>
+            <a:fillRect/>
+          </a:stretch>
+        </p:blipFill>
+        <p:spPr>
+          <a:xfrm>
+            <a:off x="1505330" y="1738308"/>
+            <a:ext cx="6133333" cy="4371429"/>
+          </a:xfrm>
+          <a:prstGeom prst="rect">
+            <a:avLst/>
+          </a:prstGeom>
+        </p:spPr>
+      </p:pic>
+      <p:sp>
+        <p:nvSpPr>
+          <p:cNvPr id="2" name="Title 1"/>
+          <p:cNvSpPr>
+            <a:spLocks noGrp="1"/>
+          </p:cNvSpPr>
+          <p:nvPr>
+            <p:ph type="title"/>
+          </p:nvPr>
+        </p:nvSpPr>
+        <p:spPr/>
+        <p:txBody>
+          <a:bodyPr>
+            <a:noAutofit/>
+          </a:bodyPr>
+          <a:lstStyle/>
+          <a:p>
+            <a:pPr algn="ctr"/>
+            <a:r>
+              <a:rPr lang="en-US" sz="3200" dirty="0">
+                <a:latin typeface="+mn-lt"/>
+              </a:rPr>
+              <a:t>Verify the </a:t>
+            </a:r>
+            <a:r>
+              <a:rPr lang="en-US" sz="3200" b="1" dirty="0">
+                <a:latin typeface="+mn-lt"/>
+              </a:rPr>
+              <a:t>black</a:t>
+            </a:r>
+            <a:r>
+              <a:rPr lang="en-US" sz="3200" dirty="0">
+                <a:latin typeface="+mn-lt"/>
+              </a:rPr>
+              <a:t> Package Installation</a:t>
+            </a:r>
+          </a:p>
+        </p:txBody>
+      </p:sp>
+      <p:sp>
+        <p:nvSpPr>
+          <p:cNvPr id="3" name="Slide Number Placeholder 2"/>
+          <p:cNvSpPr>
+            <a:spLocks noGrp="1"/>
+          </p:cNvSpPr>
+          <p:nvPr>
+            <p:ph type="sldNum" sz="quarter" idx="12"/>
+          </p:nvPr>
+        </p:nvSpPr>
+        <p:spPr/>
+        <p:txBody>
+          <a:bodyPr/>
+          <a:lstStyle/>
+          <a:p>
+            <a:fld id="{650AD656-6FF9-465D-B7B0-1CD0DD39CD23}" type="slidenum">
+              <a:rPr lang="en-US" smtClean="0"/>
+              <a:t>20</a:t>
+            </a:fld>
+            <a:endParaRPr lang="en-US" dirty="0"/>
+          </a:p>
+        </p:txBody>
+      </p:sp>
+      <p:sp>
+        <p:nvSpPr>
+          <p:cNvPr id="6" name="Rectangle 5">
+            <a:extLst>
+              <a:ext uri="{FF2B5EF4-FFF2-40B4-BE49-F238E27FC236}">
+                <a16:creationId xmlns:a16="http://schemas.microsoft.com/office/drawing/2014/main" id="{7C173D85-117D-4567-C143-818C4FBCD056}"/>
+              </a:ext>
+            </a:extLst>
+          </p:cNvPr>
+          <p:cNvSpPr/>
+          <p:nvPr/>
+        </p:nvSpPr>
+        <p:spPr>
+          <a:xfrm>
+            <a:off x="3065748" y="2876734"/>
+            <a:ext cx="4204482" cy="391122"/>
+          </a:xfrm>
+          <a:prstGeom prst="rect">
+            <a:avLst/>
+          </a:prstGeom>
+          <a:noFill/>
+          <a:ln w="38100">
+            <a:solidFill>
+              <a:srgbClr val="FF0000"/>
+            </a:solidFill>
+          </a:ln>
+        </p:spPr>
+        <p:style>
+          <a:lnRef idx="2">
+            <a:schemeClr val="accent1">
+              <a:shade val="50000"/>
+            </a:schemeClr>
+          </a:lnRef>
+          <a:fillRef idx="1">
+            <a:schemeClr val="accent1"/>
+          </a:fillRef>
+          <a:effectRef idx="0">
+            <a:schemeClr val="accent1"/>
+          </a:effectRef>
+          <a:fontRef idx="minor">
+            <a:schemeClr val="lt1"/>
+          </a:fontRef>
+        </p:style>
+        <p:txBody>
+          <a:bodyPr rtlCol="0" anchor="ctr"/>
+          <a:lstStyle/>
+          <a:p>
+            <a:pPr algn="ctr"/>
+            <a:endParaRPr lang="en-US"/>
+          </a:p>
+        </p:txBody>
+      </p:sp>
+      <p:cxnSp>
+        <p:nvCxnSpPr>
+          <p:cNvPr id="9" name="Straight Arrow Connector 8">
+            <a:extLst>
+              <a:ext uri="{FF2B5EF4-FFF2-40B4-BE49-F238E27FC236}">
+                <a16:creationId xmlns:a16="http://schemas.microsoft.com/office/drawing/2014/main" id="{3CF4CDAA-1421-49EE-8671-BD87CD979C87}"/>
+              </a:ext>
+            </a:extLst>
+          </p:cNvPr>
+          <p:cNvCxnSpPr>
+            <a:cxnSpLocks/>
+          </p:cNvCxnSpPr>
+          <p:nvPr/>
+        </p:nvCxnSpPr>
+        <p:spPr>
+          <a:xfrm>
+            <a:off x="1993692" y="2226039"/>
+            <a:ext cx="1072056" cy="800822"/>
+          </a:xfrm>
+          <a:prstGeom prst="straightConnector1">
+            <a:avLst/>
+          </a:prstGeom>
+          <a:ln w="38100">
+            <a:solidFill>
+              <a:srgbClr val="FF0000"/>
+            </a:solidFill>
+            <a:tailEnd type="triangle"/>
+          </a:ln>
+        </p:spPr>
+        <p:style>
+          <a:lnRef idx="1">
+            <a:schemeClr val="accent1"/>
+          </a:lnRef>
+          <a:fillRef idx="0">
+            <a:schemeClr val="accent1"/>
+          </a:fillRef>
+          <a:effectRef idx="0">
+            <a:schemeClr val="accent1"/>
+          </a:effectRef>
+          <a:fontRef idx="minor">
+            <a:schemeClr val="tx1"/>
+          </a:fontRef>
+        </p:style>
+      </p:cxnSp>
+    </p:spTree>
+    <p:extLst>
+      <p:ext uri="{BB962C8B-B14F-4D97-AF65-F5344CB8AC3E}">
+        <p14:creationId xmlns:p14="http://schemas.microsoft.com/office/powerpoint/2010/main" val="2320762481"/>
+      </p:ext>
+    </p:extLst>
+  </p:cSld>
+  <p:clrMapOvr>
+    <a:masterClrMapping/>
+  </p:clrMapOvr>
+</p:sld>
+</file>
+
+<file path=ppt/slides/slide21.xml><?xml version="1.0" encoding="utf-8"?>
+<p:sld xmlns:a="http://schemas.openxmlformats.org/drawingml/2006/main" xmlns:r="http://schemas.openxmlformats.org/officeDocument/2006/relationships" xmlns:p="http://schemas.openxmlformats.org/presentationml/2006/main">
+  <p:cSld>
+    <p:spTree>
+      <p:nvGrpSpPr>
+        <p:cNvPr id="1" name=""/>
+        <p:cNvGrpSpPr/>
+        <p:nvPr/>
+      </p:nvGrpSpPr>
+      <p:grpSpPr>
+        <a:xfrm>
+          <a:off x="0" y="0"/>
+          <a:ext cx="0" cy="0"/>
+          <a:chOff x="0" y="0"/>
+          <a:chExt cx="0" cy="0"/>
+        </a:xfrm>
+      </p:grpSpPr>
+      <p:pic>
+        <p:nvPicPr>
+          <p:cNvPr id="10" name="Picture 9">
+            <a:extLst>
+              <a:ext uri="{FF2B5EF4-FFF2-40B4-BE49-F238E27FC236}">
+                <a16:creationId xmlns:a16="http://schemas.microsoft.com/office/drawing/2014/main" id="{2968DCBE-2F2C-3858-9A27-CB262AB05850}"/>
+              </a:ext>
+            </a:extLst>
+          </p:cNvPr>
+          <p:cNvPicPr>
+            <a:picLocks noChangeAspect="1"/>
+          </p:cNvPicPr>
+          <p:nvPr/>
+        </p:nvPicPr>
+        <p:blipFill>
+          <a:blip r:embed="rId2"/>
+          <a:stretch>
+            <a:fillRect/>
+          </a:stretch>
+        </p:blipFill>
+        <p:spPr>
+          <a:xfrm>
+            <a:off x="1002466" y="1543694"/>
+            <a:ext cx="7139067" cy="4832273"/>
+          </a:xfrm>
+          <a:prstGeom prst="rect">
+            <a:avLst/>
+          </a:prstGeom>
+        </p:spPr>
+      </p:pic>
+      <p:sp>
+        <p:nvSpPr>
+          <p:cNvPr id="2" name="Title 1"/>
+          <p:cNvSpPr>
+            <a:spLocks noGrp="1"/>
+          </p:cNvSpPr>
+          <p:nvPr>
+            <p:ph type="title"/>
+          </p:nvPr>
+        </p:nvSpPr>
+        <p:spPr/>
+        <p:txBody>
+          <a:bodyPr>
+            <a:noAutofit/>
+          </a:bodyPr>
+          <a:lstStyle/>
+          <a:p>
+            <a:pPr algn="ctr"/>
+            <a:r>
+              <a:rPr lang="en-US" sz="3200" dirty="0">
+                <a:latin typeface="+mn-lt"/>
+              </a:rPr>
+              <a:t>Installing Thonny </a:t>
+            </a:r>
+            <a:r>
+              <a:rPr lang="en-US" sz="3200" b="1" dirty="0">
+                <a:latin typeface="+mn-lt"/>
+              </a:rPr>
+              <a:t>plug-ins</a:t>
+            </a:r>
+          </a:p>
+        </p:txBody>
+      </p:sp>
+      <p:sp>
+        <p:nvSpPr>
+          <p:cNvPr id="3" name="Slide Number Placeholder 2"/>
+          <p:cNvSpPr>
+            <a:spLocks noGrp="1"/>
+          </p:cNvSpPr>
+          <p:nvPr>
+            <p:ph type="sldNum" sz="quarter" idx="12"/>
+          </p:nvPr>
+        </p:nvSpPr>
+        <p:spPr/>
+        <p:txBody>
+          <a:bodyPr/>
+          <a:lstStyle/>
+          <a:p>
+            <a:fld id="{650AD656-6FF9-465D-B7B0-1CD0DD39CD23}" type="slidenum">
+              <a:rPr lang="en-US" smtClean="0"/>
+              <a:t>21</a:t>
+            </a:fld>
+            <a:endParaRPr lang="en-US" dirty="0"/>
+          </a:p>
+        </p:txBody>
+      </p:sp>
+      <p:sp>
+        <p:nvSpPr>
+          <p:cNvPr id="6" name="Rectangle 5">
+            <a:extLst>
+              <a:ext uri="{FF2B5EF4-FFF2-40B4-BE49-F238E27FC236}">
+                <a16:creationId xmlns:a16="http://schemas.microsoft.com/office/drawing/2014/main" id="{7C173D85-117D-4567-C143-818C4FBCD056}"/>
+              </a:ext>
+            </a:extLst>
+          </p:cNvPr>
+          <p:cNvSpPr/>
+          <p:nvPr/>
+        </p:nvSpPr>
+        <p:spPr>
+          <a:xfrm>
+            <a:off x="2015142" y="2579428"/>
+            <a:ext cx="1035356" cy="186258"/>
+          </a:xfrm>
+          <a:prstGeom prst="rect">
+            <a:avLst/>
+          </a:prstGeom>
+          <a:noFill/>
+          <a:ln w="38100">
+            <a:solidFill>
+              <a:srgbClr val="FF0000"/>
+            </a:solidFill>
+          </a:ln>
+        </p:spPr>
+        <p:style>
+          <a:lnRef idx="2">
+            <a:schemeClr val="accent1">
+              <a:shade val="50000"/>
+            </a:schemeClr>
+          </a:lnRef>
+          <a:fillRef idx="1">
+            <a:schemeClr val="accent1"/>
+          </a:fillRef>
+          <a:effectRef idx="0">
+            <a:schemeClr val="accent1"/>
+          </a:effectRef>
+          <a:fontRef idx="minor">
+            <a:schemeClr val="lt1"/>
+          </a:fontRef>
+        </p:style>
+        <p:txBody>
+          <a:bodyPr rtlCol="0" anchor="ctr"/>
+          <a:lstStyle/>
+          <a:p>
+            <a:pPr algn="ctr"/>
+            <a:endParaRPr lang="en-US" dirty="0"/>
+          </a:p>
+        </p:txBody>
+      </p:sp>
+      <p:cxnSp>
+        <p:nvCxnSpPr>
+          <p:cNvPr id="9" name="Straight Arrow Connector 8">
+            <a:extLst>
+              <a:ext uri="{FF2B5EF4-FFF2-40B4-BE49-F238E27FC236}">
+                <a16:creationId xmlns:a16="http://schemas.microsoft.com/office/drawing/2014/main" id="{3CF4CDAA-1421-49EE-8671-BD87CD979C87}"/>
+              </a:ext>
+            </a:extLst>
+          </p:cNvPr>
+          <p:cNvCxnSpPr>
+            <a:cxnSpLocks/>
+          </p:cNvCxnSpPr>
+          <p:nvPr/>
+        </p:nvCxnSpPr>
+        <p:spPr>
+          <a:xfrm>
+            <a:off x="2241030" y="1888761"/>
+            <a:ext cx="112426" cy="779488"/>
+          </a:xfrm>
+          <a:prstGeom prst="straightConnector1">
+            <a:avLst/>
+          </a:prstGeom>
+          <a:ln w="38100">
+            <a:solidFill>
+              <a:srgbClr val="FF0000"/>
+            </a:solidFill>
+            <a:tailEnd type="triangle"/>
+          </a:ln>
+        </p:spPr>
+        <p:style>
+          <a:lnRef idx="1">
+            <a:schemeClr val="accent1"/>
+          </a:lnRef>
+          <a:fillRef idx="0">
+            <a:schemeClr val="accent1"/>
+          </a:fillRef>
+          <a:effectRef idx="0">
+            <a:schemeClr val="accent1"/>
+          </a:effectRef>
+          <a:fontRef idx="minor">
+            <a:schemeClr val="tx1"/>
+          </a:fontRef>
+        </p:style>
+      </p:cxnSp>
+    </p:spTree>
+    <p:extLst>
+      <p:ext uri="{BB962C8B-B14F-4D97-AF65-F5344CB8AC3E}">
+        <p14:creationId xmlns:p14="http://schemas.microsoft.com/office/powerpoint/2010/main" val="1009950923"/>
+      </p:ext>
+    </p:extLst>
+  </p:cSld>
+  <p:clrMapOvr>
+    <a:masterClrMapping/>
+  </p:clrMapOvr>
+</p:sld>
+</file>
+
+<file path=ppt/slides/slide22.xml><?xml version="1.0" encoding="utf-8"?>
+<p:sld xmlns:a="http://schemas.openxmlformats.org/drawingml/2006/main" xmlns:r="http://schemas.openxmlformats.org/officeDocument/2006/relationships" xmlns:p="http://schemas.openxmlformats.org/presentationml/2006/main">
+  <p:cSld>
+    <p:spTree>
+      <p:nvGrpSpPr>
+        <p:cNvPr id="1" name=""/>
+        <p:cNvGrpSpPr/>
+        <p:nvPr/>
+      </p:nvGrpSpPr>
+      <p:grpSpPr>
+        <a:xfrm>
+          <a:off x="0" y="0"/>
+          <a:ext cx="0" cy="0"/>
+          <a:chOff x="0" y="0"/>
+          <a:chExt cx="0" cy="0"/>
+        </a:xfrm>
+      </p:grpSpPr>
+      <p:pic>
+        <p:nvPicPr>
           <p:cNvPr id="5" name="Picture 4">
             <a:extLst>
               <a:ext uri="{FF2B5EF4-FFF2-40B4-BE49-F238E27FC236}">
@@ -9878,7 +10387,7 @@
           <a:p>
             <a:fld id="{650AD656-6FF9-465D-B7B0-1CD0DD39CD23}" type="slidenum">
               <a:rPr lang="en-US" smtClean="0"/>
-              <a:t>20</a:t>
+              <a:t>22</a:t>
             </a:fld>
             <a:endParaRPr lang="en-US" dirty="0"/>
           </a:p>
@@ -10145,7 +10654,7 @@
 </p:sld>
 </file>
 
-<file path=ppt/slides/slide21.xml><?xml version="1.0" encoding="utf-8"?>
+<file path=ppt/slides/slide23.xml><?xml version="1.0" encoding="utf-8"?>
 <p:sld xmlns:a="http://schemas.openxmlformats.org/drawingml/2006/main" xmlns:r="http://schemas.openxmlformats.org/officeDocument/2006/relationships" xmlns:p="http://schemas.openxmlformats.org/presentationml/2006/main">
   <p:cSld>
     <p:spTree>
@@ -10251,7 +10760,7 @@
           <a:p>
             <a:fld id="{650AD656-6FF9-465D-B7B0-1CD0DD39CD23}" type="slidenum">
               <a:rPr lang="en-US" smtClean="0"/>
-              <a:t>21</a:t>
+              <a:t>23</a:t>
             </a:fld>
             <a:endParaRPr lang="en-US" dirty="0"/>
           </a:p>
@@ -10544,7 +11053,7 @@
 </p:sld>
 </file>
 
-<file path=ppt/slides/slide22.xml><?xml version="1.0" encoding="utf-8"?>
+<file path=ppt/slides/slide24.xml><?xml version="1.0" encoding="utf-8"?>
 <p:sld xmlns:a="http://schemas.openxmlformats.org/drawingml/2006/main" xmlns:r="http://schemas.openxmlformats.org/officeDocument/2006/relationships" xmlns:p="http://schemas.openxmlformats.org/presentationml/2006/main">
   <p:cSld>
     <p:spTree>
@@ -10650,7 +11159,7 @@
           <a:p>
             <a:fld id="{650AD656-6FF9-465D-B7B0-1CD0DD39CD23}" type="slidenum">
               <a:rPr lang="en-US" smtClean="0"/>
-              <a:t>22</a:t>
+              <a:t>24</a:t>
             </a:fld>
             <a:endParaRPr lang="en-US" dirty="0"/>
           </a:p>
@@ -10765,7 +11274,7 @@
 </p:sld>
 </file>
 
-<file path=ppt/slides/slide23.xml><?xml version="1.0" encoding="utf-8"?>
+<file path=ppt/slides/slide25.xml><?xml version="1.0" encoding="utf-8"?>
 <p:sld xmlns:a="http://schemas.openxmlformats.org/drawingml/2006/main" xmlns:r="http://schemas.openxmlformats.org/officeDocument/2006/relationships" xmlns:p="http://schemas.openxmlformats.org/presentationml/2006/main">
   <p:cSld>
     <p:spTree>
@@ -10868,7 +11377,7 @@
           <a:p>
             <a:fld id="{650AD656-6FF9-465D-B7B0-1CD0DD39CD23}" type="slidenum">
               <a:rPr lang="en-US" smtClean="0"/>
-              <a:t>23</a:t>
+              <a:t>25</a:t>
             </a:fld>
             <a:endParaRPr lang="en-US" dirty="0"/>
           </a:p>
@@ -11055,7 +11564,7 @@
 </p:sld>
 </file>
 
-<file path=ppt/slides/slide24.xml><?xml version="1.0" encoding="utf-8"?>
+<file path=ppt/slides/slide26.xml><?xml version="1.0" encoding="utf-8"?>
 <p:sld xmlns:a="http://schemas.openxmlformats.org/drawingml/2006/main" xmlns:r="http://schemas.openxmlformats.org/officeDocument/2006/relationships" xmlns:p="http://schemas.openxmlformats.org/presentationml/2006/main">
   <p:cSld>
     <p:spTree>
@@ -11146,7 +11655,7 @@
           <a:p>
             <a:fld id="{650AD656-6FF9-465D-B7B0-1CD0DD39CD23}" type="slidenum">
               <a:rPr lang="en-US" smtClean="0"/>
-              <a:t>24</a:t>
+              <a:t>26</a:t>
             </a:fld>
             <a:endParaRPr lang="en-US" dirty="0"/>
           </a:p>
@@ -11306,7 +11815,7 @@
 </p:sld>
 </file>
 
-<file path=ppt/slides/slide25.xml><?xml version="1.0" encoding="utf-8"?>
+<file path=ppt/slides/slide27.xml><?xml version="1.0" encoding="utf-8"?>
 <p:sld xmlns:a="http://schemas.openxmlformats.org/drawingml/2006/main" xmlns:r="http://schemas.openxmlformats.org/officeDocument/2006/relationships" xmlns:p="http://schemas.openxmlformats.org/presentationml/2006/main">
   <p:cSld>
     <p:spTree>
@@ -11397,7 +11906,7 @@
           <a:p>
             <a:fld id="{650AD656-6FF9-465D-B7B0-1CD0DD39CD23}" type="slidenum">
               <a:rPr lang="en-US" smtClean="0"/>
-              <a:t>25</a:t>
+              <a:t>27</a:t>
             </a:fld>
             <a:endParaRPr lang="en-US" dirty="0"/>
           </a:p>
@@ -11742,7 +12251,7 @@
 </p:sld>
 </file>
 
-<file path=ppt/slides/slide26.xml><?xml version="1.0" encoding="utf-8"?>
+<file path=ppt/slides/slide28.xml><?xml version="1.0" encoding="utf-8"?>
 <p:sld xmlns:a="http://schemas.openxmlformats.org/drawingml/2006/main" xmlns:r="http://schemas.openxmlformats.org/officeDocument/2006/relationships" xmlns:p="http://schemas.openxmlformats.org/presentationml/2006/main">
   <p:cSld>
     <p:spTree>
@@ -11833,7 +12342,7 @@
           <a:p>
             <a:fld id="{650AD656-6FF9-465D-B7B0-1CD0DD39CD23}" type="slidenum">
               <a:rPr lang="en-US" smtClean="0"/>
-              <a:t>26</a:t>
+              <a:t>28</a:t>
             </a:fld>
             <a:endParaRPr lang="en-US" dirty="0"/>
           </a:p>
@@ -11905,7 +12414,7 @@
 </p:sld>
 </file>
 
-<file path=ppt/slides/slide27.xml><?xml version="1.0" encoding="utf-8"?>
+<file path=ppt/slides/slide29.xml><?xml version="1.0" encoding="utf-8"?>
 <p:sld xmlns:a="http://schemas.openxmlformats.org/drawingml/2006/main" xmlns:r="http://schemas.openxmlformats.org/officeDocument/2006/relationships" xmlns:p="http://schemas.openxmlformats.org/presentationml/2006/main">
   <p:cSld>
     <p:spTree>
@@ -12066,7 +12575,7 @@
             <a:fld id="{650AD656-6FF9-465D-B7B0-1CD0DD39CD23}" type="slidenum">
               <a:rPr lang="en-US" smtClean="0"/>
               <a:pPr/>
-              <a:t>27</a:t>
+              <a:t>29</a:t>
             </a:fld>
             <a:endParaRPr lang="en-US"/>
           </a:p>
@@ -12311,7 +12820,604 @@
 </p:sld>
 </file>
 
-<file path=ppt/slides/slide28.xml><?xml version="1.0" encoding="utf-8"?>
+<file path=ppt/slides/slide3.xml><?xml version="1.0" encoding="utf-8"?>
+<p:sld xmlns:a="http://schemas.openxmlformats.org/drawingml/2006/main" xmlns:r="http://schemas.openxmlformats.org/officeDocument/2006/relationships" xmlns:p="http://schemas.openxmlformats.org/presentationml/2006/main">
+  <p:cSld>
+    <p:spTree>
+      <p:nvGrpSpPr>
+        <p:cNvPr id="1" name=""/>
+        <p:cNvGrpSpPr/>
+        <p:nvPr/>
+      </p:nvGrpSpPr>
+      <p:grpSpPr>
+        <a:xfrm>
+          <a:off x="0" y="0"/>
+          <a:ext cx="0" cy="0"/>
+          <a:chOff x="0" y="0"/>
+          <a:chExt cx="0" cy="0"/>
+        </a:xfrm>
+      </p:grpSpPr>
+      <p:sp>
+        <p:nvSpPr>
+          <p:cNvPr id="2" name="Title 1">
+            <a:extLst>
+              <a:ext uri="{FF2B5EF4-FFF2-40B4-BE49-F238E27FC236}">
+                <a16:creationId xmlns:a16="http://schemas.microsoft.com/office/drawing/2014/main" id="{B15B6439-41E6-140A-FAE2-84DA1CCE9574}"/>
+              </a:ext>
+            </a:extLst>
+          </p:cNvPr>
+          <p:cNvSpPr>
+            <a:spLocks noGrp="1"/>
+          </p:cNvSpPr>
+          <p:nvPr>
+            <p:ph type="title"/>
+          </p:nvPr>
+        </p:nvSpPr>
+        <p:spPr/>
+        <p:txBody>
+          <a:bodyPr>
+            <a:normAutofit/>
+          </a:bodyPr>
+          <a:lstStyle/>
+          <a:p>
+            <a:pPr algn="ctr"/>
+            <a:r>
+              <a:rPr lang="en-US" sz="3200" dirty="0">
+                <a:latin typeface="+mn-lt"/>
+              </a:rPr>
+              <a:t>Line Graphs using matplotlib</a:t>
+            </a:r>
+          </a:p>
+        </p:txBody>
+      </p:sp>
+      <mc:AlternateContent xmlns:mc="http://schemas.openxmlformats.org/markup-compatibility/2006" xmlns:a14="http://schemas.microsoft.com/office/drawing/2010/main">
+        <mc:Choice Requires="a14">
+          <p:sp>
+            <p:nvSpPr>
+              <p:cNvPr id="3" name="Content Placeholder 2">
+                <a:extLst>
+                  <a:ext uri="{FF2B5EF4-FFF2-40B4-BE49-F238E27FC236}">
+                    <a16:creationId xmlns:a16="http://schemas.microsoft.com/office/drawing/2014/main" id="{9B72E0DF-EA1E-2B29-FBAA-C77F1DA8F842}"/>
+                  </a:ext>
+                </a:extLst>
+              </p:cNvPr>
+              <p:cNvSpPr>
+                <a:spLocks noGrp="1"/>
+              </p:cNvSpPr>
+              <p:nvPr>
+                <p:ph idx="1"/>
+              </p:nvPr>
+            </p:nvSpPr>
+            <p:spPr/>
+            <p:txBody>
+              <a:bodyPr>
+                <a:normAutofit/>
+              </a:bodyPr>
+              <a:lstStyle/>
+              <a:p>
+                <a:r>
+                  <a:rPr lang="en-US" sz="2400" dirty="0"/>
+                  <a:t>Your scientist has asked you to plot the following two functions:</a:t>
+                </a:r>
+              </a:p>
+              <a:p>
+                <a:pPr marL="0" indent="0">
+                  <a:buNone/>
+                </a:pPr>
+                <a14:m>
+                  <m:oMathPara xmlns:m="http://schemas.openxmlformats.org/officeDocument/2006/math">
+                    <m:oMathParaPr>
+                      <m:jc m:val="centerGroup"/>
+                    </m:oMathParaPr>
+                    <m:oMath xmlns:m="http://schemas.openxmlformats.org/officeDocument/2006/math">
+                      <m:sSub>
+                        <m:sSubPr>
+                          <m:ctrlPr>
+                            <a:rPr lang="en-US" sz="2400" i="1" smtClean="0">
+                              <a:latin typeface="Cambria Math" panose="02040503050406030204" pitchFamily="18" charset="0"/>
+                            </a:rPr>
+                          </m:ctrlPr>
+                        </m:sSubPr>
+                        <m:e>
+                          <m:r>
+                            <a:rPr lang="en-US" sz="2400" b="0" i="1" smtClean="0">
+                              <a:latin typeface="Cambria Math" panose="02040503050406030204" pitchFamily="18" charset="0"/>
+                            </a:rPr>
+                            <m:t>𝑦</m:t>
+                          </m:r>
+                        </m:e>
+                        <m:sub>
+                          <m:r>
+                            <a:rPr lang="en-US" sz="2400" b="0" i="1" smtClean="0">
+                              <a:latin typeface="Cambria Math" panose="02040503050406030204" pitchFamily="18" charset="0"/>
+                            </a:rPr>
+                            <m:t>1</m:t>
+                          </m:r>
+                        </m:sub>
+                      </m:sSub>
+                      <m:r>
+                        <a:rPr lang="en-US" sz="2400" b="0" i="1" smtClean="0">
+                          <a:latin typeface="Cambria Math" panose="02040503050406030204" pitchFamily="18" charset="0"/>
+                        </a:rPr>
+                        <m:t>=2</m:t>
+                      </m:r>
+                      <m:r>
+                        <a:rPr lang="en-US" sz="2400" b="0" i="1" smtClean="0">
+                          <a:latin typeface="Cambria Math" panose="02040503050406030204" pitchFamily="18" charset="0"/>
+                        </a:rPr>
+                        <m:t>𝑥</m:t>
+                      </m:r>
+                      <m:r>
+                        <a:rPr lang="en-US" sz="2400" b="0" i="1" smtClean="0">
+                          <a:latin typeface="Cambria Math" panose="02040503050406030204" pitchFamily="18" charset="0"/>
+                        </a:rPr>
+                        <m:t>−5</m:t>
+                      </m:r>
+                    </m:oMath>
+                  </m:oMathPara>
+                </a14:m>
+                <a:endParaRPr lang="en-US" sz="2400" b="0" dirty="0"/>
+              </a:p>
+              <a:p>
+                <a:pPr marL="0" indent="0">
+                  <a:buNone/>
+                </a:pPr>
+                <a14:m>
+                  <m:oMathPara xmlns:m="http://schemas.openxmlformats.org/officeDocument/2006/math">
+                    <m:oMathParaPr>
+                      <m:jc m:val="centerGroup"/>
+                    </m:oMathParaPr>
+                    <m:oMath xmlns:m="http://schemas.openxmlformats.org/officeDocument/2006/math">
+                      <m:sSub>
+                        <m:sSubPr>
+                          <m:ctrlPr>
+                            <a:rPr lang="en-US" sz="2400" i="1" smtClean="0">
+                              <a:latin typeface="Cambria Math" panose="02040503050406030204" pitchFamily="18" charset="0"/>
+                            </a:rPr>
+                          </m:ctrlPr>
+                        </m:sSubPr>
+                        <m:e>
+                          <m:r>
+                            <a:rPr lang="en-US" sz="2400" b="0" i="1" smtClean="0">
+                              <a:latin typeface="Cambria Math" panose="02040503050406030204" pitchFamily="18" charset="0"/>
+                            </a:rPr>
+                            <m:t>𝑦</m:t>
+                          </m:r>
+                        </m:e>
+                        <m:sub>
+                          <m:r>
+                            <a:rPr lang="en-US" sz="2400" b="0" i="1" smtClean="0">
+                              <a:latin typeface="Cambria Math" panose="02040503050406030204" pitchFamily="18" charset="0"/>
+                            </a:rPr>
+                            <m:t>2</m:t>
+                          </m:r>
+                        </m:sub>
+                      </m:sSub>
+                      <m:r>
+                        <a:rPr lang="en-US" sz="2400" b="0" i="1" smtClean="0">
+                          <a:latin typeface="Cambria Math" panose="02040503050406030204" pitchFamily="18" charset="0"/>
+                        </a:rPr>
+                        <m:t>=−0.3</m:t>
+                      </m:r>
+                      <m:sSup>
+                        <m:sSupPr>
+                          <m:ctrlPr>
+                            <a:rPr lang="en-US" sz="2400" b="0" i="1" smtClean="0">
+                              <a:latin typeface="Cambria Math" panose="02040503050406030204" pitchFamily="18" charset="0"/>
+                            </a:rPr>
+                          </m:ctrlPr>
+                        </m:sSupPr>
+                        <m:e>
+                          <m:r>
+                            <a:rPr lang="en-US" sz="2400" b="0" i="1" smtClean="0">
+                              <a:latin typeface="Cambria Math" panose="02040503050406030204" pitchFamily="18" charset="0"/>
+                            </a:rPr>
+                            <m:t>𝑥</m:t>
+                          </m:r>
+                        </m:e>
+                        <m:sup>
+                          <m:r>
+                            <a:rPr lang="en-US" sz="2400" b="0" i="1" smtClean="0">
+                              <a:latin typeface="Cambria Math" panose="02040503050406030204" pitchFamily="18" charset="0"/>
+                            </a:rPr>
+                            <m:t>2</m:t>
+                          </m:r>
+                        </m:sup>
+                      </m:sSup>
+                      <m:r>
+                        <a:rPr lang="en-US" sz="2400" b="0" i="1" smtClean="0">
+                          <a:latin typeface="Cambria Math" panose="02040503050406030204" pitchFamily="18" charset="0"/>
+                        </a:rPr>
+                        <m:t>+15</m:t>
+                      </m:r>
+                    </m:oMath>
+                  </m:oMathPara>
+                </a14:m>
+                <a:endParaRPr lang="en-US" sz="2400" dirty="0"/>
+              </a:p>
+              <a:p>
+                <a:r>
+                  <a:rPr lang="en-US" sz="2400" dirty="0"/>
+                  <a:t>The domain for both functions is </a:t>
+                </a:r>
+                <a14:m>
+                  <m:oMath xmlns:m="http://schemas.openxmlformats.org/officeDocument/2006/math">
+                    <m:r>
+                      <a:rPr lang="en-US" sz="2400" b="0" i="1" smtClean="0">
+                        <a:latin typeface="Cambria Math" panose="02040503050406030204" pitchFamily="18" charset="0"/>
+                      </a:rPr>
+                      <m:t>−10</m:t>
+                    </m:r>
+                    <m:r>
+                      <a:rPr lang="en-US" sz="2400" b="0" i="1" smtClean="0">
+                        <a:latin typeface="Cambria Math" panose="02040503050406030204" pitchFamily="18" charset="0"/>
+                        <a:ea typeface="Cambria Math" panose="02040503050406030204" pitchFamily="18" charset="0"/>
+                      </a:rPr>
+                      <m:t>≤</m:t>
+                    </m:r>
+                    <m:r>
+                      <a:rPr lang="en-US" sz="2400" b="0" i="1" smtClean="0">
+                        <a:latin typeface="Cambria Math" panose="02040503050406030204" pitchFamily="18" charset="0"/>
+                        <a:ea typeface="Cambria Math" panose="02040503050406030204" pitchFamily="18" charset="0"/>
+                      </a:rPr>
+                      <m:t>𝑥</m:t>
+                    </m:r>
+                    <m:r>
+                      <a:rPr lang="en-US" sz="2400" b="0" i="1" smtClean="0">
+                        <a:latin typeface="Cambria Math" panose="02040503050406030204" pitchFamily="18" charset="0"/>
+                        <a:ea typeface="Cambria Math" panose="02040503050406030204" pitchFamily="18" charset="0"/>
+                      </a:rPr>
+                      <m:t>≤10</m:t>
+                    </m:r>
+                  </m:oMath>
+                </a14:m>
+                <a:endParaRPr lang="en-US" sz="2400" b="0" dirty="0">
+                  <a:ea typeface="Cambria Math" panose="02040503050406030204" pitchFamily="18" charset="0"/>
+                </a:endParaRPr>
+              </a:p>
+              <a:p>
+                <a:r>
+                  <a:rPr lang="en-US" sz="2400" dirty="0"/>
+                  <a:t>You should plot both curves on the same graph</a:t>
+                </a:r>
+              </a:p>
+            </p:txBody>
+          </p:sp>
+        </mc:Choice>
+        <mc:Fallback xmlns="">
+          <p:sp>
+            <p:nvSpPr>
+              <p:cNvPr id="3" name="Content Placeholder 2">
+                <a:extLst>
+                  <a:ext uri="{FF2B5EF4-FFF2-40B4-BE49-F238E27FC236}">
+                    <a16:creationId xmlns:a16="http://schemas.microsoft.com/office/drawing/2014/main" id="{9B72E0DF-EA1E-2B29-FBAA-C77F1DA8F842}"/>
+                  </a:ext>
+                </a:extLst>
+              </p:cNvPr>
+              <p:cNvSpPr>
+                <a:spLocks noGrp="1" noRot="1" noChangeAspect="1" noMove="1" noResize="1" noEditPoints="1" noAdjustHandles="1" noChangeArrowheads="1" noChangeShapeType="1" noTextEdit="1"/>
+              </p:cNvSpPr>
+              <p:nvPr>
+                <p:ph idx="1"/>
+              </p:nvPr>
+            </p:nvSpPr>
+            <p:spPr>
+              <a:blipFill>
+                <a:blip r:embed="rId2"/>
+                <a:stretch>
+                  <a:fillRect l="-1005" t="-1961"/>
+                </a:stretch>
+              </a:blipFill>
+            </p:spPr>
+            <p:txBody>
+              <a:bodyPr/>
+              <a:lstStyle/>
+              <a:p>
+                <a:r>
+                  <a:rPr lang="en-US">
+                    <a:noFill/>
+                  </a:rPr>
+                  <a:t> </a:t>
+                </a:r>
+              </a:p>
+            </p:txBody>
+          </p:sp>
+        </mc:Fallback>
+      </mc:AlternateContent>
+      <p:sp>
+        <p:nvSpPr>
+          <p:cNvPr id="4" name="Slide Number Placeholder 3">
+            <a:extLst>
+              <a:ext uri="{FF2B5EF4-FFF2-40B4-BE49-F238E27FC236}">
+                <a16:creationId xmlns:a16="http://schemas.microsoft.com/office/drawing/2014/main" id="{80CC9F32-161F-C116-92EA-A6FCC6DD8558}"/>
+              </a:ext>
+            </a:extLst>
+          </p:cNvPr>
+          <p:cNvSpPr>
+            <a:spLocks noGrp="1"/>
+          </p:cNvSpPr>
+          <p:nvPr>
+            <p:ph type="sldNum" sz="quarter" idx="12"/>
+          </p:nvPr>
+        </p:nvSpPr>
+        <p:spPr/>
+        <p:txBody>
+          <a:bodyPr/>
+          <a:lstStyle/>
+          <a:p>
+            <a:fld id="{650AD656-6FF9-465D-B7B0-1CD0DD39CD23}" type="slidenum">
+              <a:rPr lang="en-US" smtClean="0"/>
+              <a:pPr/>
+              <a:t>3</a:t>
+            </a:fld>
+            <a:endParaRPr lang="en-US"/>
+          </a:p>
+        </p:txBody>
+      </p:sp>
+    </p:spTree>
+    <p:extLst>
+      <p:ext uri="{BB962C8B-B14F-4D97-AF65-F5344CB8AC3E}">
+        <p14:creationId xmlns:p14="http://schemas.microsoft.com/office/powerpoint/2010/main" val="2875916717"/>
+      </p:ext>
+    </p:extLst>
+  </p:cSld>
+  <p:clrMapOvr>
+    <a:masterClrMapping/>
+  </p:clrMapOvr>
+  <p:timing>
+    <p:tnLst>
+      <p:par>
+        <p:cTn id="1" dur="indefinite" restart="never" nodeType="tmRoot">
+          <p:childTnLst>
+            <p:seq concurrent="1" nextAc="seek">
+              <p:cTn id="2" dur="indefinite" nodeType="mainSeq">
+                <p:childTnLst>
+                  <p:par>
+                    <p:cTn id="3" fill="hold">
+                      <p:stCondLst>
+                        <p:cond delay="indefinite"/>
+                      </p:stCondLst>
+                      <p:childTnLst>
+                        <p:par>
+                          <p:cTn id="4" fill="hold">
+                            <p:stCondLst>
+                              <p:cond delay="0"/>
+                            </p:stCondLst>
+                            <p:childTnLst>
+                              <p:par>
+                                <p:cTn id="5" presetID="22" presetClass="entr" presetSubtype="8" fill="hold" nodeType="clickEffect">
+                                  <p:stCondLst>
+                                    <p:cond delay="0"/>
+                                  </p:stCondLst>
+                                  <p:childTnLst>
+                                    <p:set>
+                                      <p:cBhvr>
+                                        <p:cTn id="6" dur="1" fill="hold">
+                                          <p:stCondLst>
+                                            <p:cond delay="0"/>
+                                          </p:stCondLst>
+                                        </p:cTn>
+                                        <p:tgtEl>
+                                          <p:spTgt spid="3">
+                                            <p:txEl>
+                                              <p:pRg st="1" end="1"/>
+                                            </p:txEl>
+                                          </p:spTgt>
+                                        </p:tgtEl>
+                                        <p:attrNameLst>
+                                          <p:attrName>style.visibility</p:attrName>
+                                        </p:attrNameLst>
+                                      </p:cBhvr>
+                                      <p:to>
+                                        <p:strVal val="visible"/>
+                                      </p:to>
+                                    </p:set>
+                                    <p:animEffect transition="in" filter="wipe(left)">
+                                      <p:cBhvr>
+                                        <p:cTn id="7" dur="500"/>
+                                        <p:tgtEl>
+                                          <p:spTgt spid="3">
+                                            <p:txEl>
+                                              <p:pRg st="1" end="1"/>
+                                            </p:txEl>
+                                          </p:spTgt>
+                                        </p:tgtEl>
+                                      </p:cBhvr>
+                                    </p:animEffect>
+                                  </p:childTnLst>
+                                </p:cTn>
+                              </p:par>
+                            </p:childTnLst>
+                          </p:cTn>
+                        </p:par>
+                      </p:childTnLst>
+                    </p:cTn>
+                  </p:par>
+                  <p:par>
+                    <p:cTn id="8" fill="hold">
+                      <p:stCondLst>
+                        <p:cond delay="indefinite"/>
+                      </p:stCondLst>
+                      <p:childTnLst>
+                        <p:par>
+                          <p:cTn id="9" fill="hold">
+                            <p:stCondLst>
+                              <p:cond delay="0"/>
+                            </p:stCondLst>
+                            <p:childTnLst>
+                              <p:par>
+                                <p:cTn id="10" presetID="22" presetClass="entr" presetSubtype="8" fill="hold" nodeType="clickEffect">
+                                  <p:stCondLst>
+                                    <p:cond delay="0"/>
+                                  </p:stCondLst>
+                                  <p:childTnLst>
+                                    <p:set>
+                                      <p:cBhvr>
+                                        <p:cTn id="11" dur="1" fill="hold">
+                                          <p:stCondLst>
+                                            <p:cond delay="0"/>
+                                          </p:stCondLst>
+                                        </p:cTn>
+                                        <p:tgtEl>
+                                          <p:spTgt spid="3">
+                                            <p:txEl>
+                                              <p:pRg st="2" end="2"/>
+                                            </p:txEl>
+                                          </p:spTgt>
+                                        </p:tgtEl>
+                                        <p:attrNameLst>
+                                          <p:attrName>style.visibility</p:attrName>
+                                        </p:attrNameLst>
+                                      </p:cBhvr>
+                                      <p:to>
+                                        <p:strVal val="visible"/>
+                                      </p:to>
+                                    </p:set>
+                                    <p:animEffect transition="in" filter="wipe(left)">
+                                      <p:cBhvr>
+                                        <p:cTn id="12" dur="500"/>
+                                        <p:tgtEl>
+                                          <p:spTgt spid="3">
+                                            <p:txEl>
+                                              <p:pRg st="2" end="2"/>
+                                            </p:txEl>
+                                          </p:spTgt>
+                                        </p:tgtEl>
+                                      </p:cBhvr>
+                                    </p:animEffect>
+                                  </p:childTnLst>
+                                </p:cTn>
+                              </p:par>
+                            </p:childTnLst>
+                          </p:cTn>
+                        </p:par>
+                      </p:childTnLst>
+                    </p:cTn>
+                  </p:par>
+                  <p:par>
+                    <p:cTn id="13" fill="hold">
+                      <p:stCondLst>
+                        <p:cond delay="indefinite"/>
+                      </p:stCondLst>
+                      <p:childTnLst>
+                        <p:par>
+                          <p:cTn id="14" fill="hold">
+                            <p:stCondLst>
+                              <p:cond delay="0"/>
+                            </p:stCondLst>
+                            <p:childTnLst>
+                              <p:par>
+                                <p:cTn id="15" presetID="1" presetClass="entr" presetSubtype="0" fill="hold" nodeType="clickEffect">
+                                  <p:stCondLst>
+                                    <p:cond delay="0"/>
+                                  </p:stCondLst>
+                                  <p:childTnLst>
+                                    <p:set>
+                                      <p:cBhvr>
+                                        <p:cTn id="16" dur="1" fill="hold">
+                                          <p:stCondLst>
+                                            <p:cond delay="0"/>
+                                          </p:stCondLst>
+                                        </p:cTn>
+                                        <p:tgtEl>
+                                          <p:spTgt spid="3">
+                                            <p:txEl>
+                                              <p:pRg st="3" end="3"/>
+                                            </p:txEl>
+                                          </p:spTgt>
+                                        </p:tgtEl>
+                                        <p:attrNameLst>
+                                          <p:attrName>style.visibility</p:attrName>
+                                        </p:attrNameLst>
+                                      </p:cBhvr>
+                                      <p:to>
+                                        <p:strVal val="visible"/>
+                                      </p:to>
+                                    </p:set>
+                                  </p:childTnLst>
+                                </p:cTn>
+                              </p:par>
+                            </p:childTnLst>
+                          </p:cTn>
+                        </p:par>
+                      </p:childTnLst>
+                    </p:cTn>
+                  </p:par>
+                  <p:par>
+                    <p:cTn id="17" fill="hold">
+                      <p:stCondLst>
+                        <p:cond delay="indefinite"/>
+                      </p:stCondLst>
+                      <p:childTnLst>
+                        <p:par>
+                          <p:cTn id="18" fill="hold">
+                            <p:stCondLst>
+                              <p:cond delay="0"/>
+                            </p:stCondLst>
+                            <p:childTnLst>
+                              <p:par>
+                                <p:cTn id="19" presetID="1" presetClass="entr" presetSubtype="0" fill="hold" nodeType="clickEffect">
+                                  <p:stCondLst>
+                                    <p:cond delay="0"/>
+                                  </p:stCondLst>
+                                  <p:childTnLst>
+                                    <p:set>
+                                      <p:cBhvr>
+                                        <p:cTn id="20" dur="1" fill="hold">
+                                          <p:stCondLst>
+                                            <p:cond delay="0"/>
+                                          </p:stCondLst>
+                                        </p:cTn>
+                                        <p:tgtEl>
+                                          <p:spTgt spid="3">
+                                            <p:txEl>
+                                              <p:pRg st="4" end="4"/>
+                                            </p:txEl>
+                                          </p:spTgt>
+                                        </p:tgtEl>
+                                        <p:attrNameLst>
+                                          <p:attrName>style.visibility</p:attrName>
+                                        </p:attrNameLst>
+                                      </p:cBhvr>
+                                      <p:to>
+                                        <p:strVal val="visible"/>
+                                      </p:to>
+                                    </p:set>
+                                  </p:childTnLst>
+                                </p:cTn>
+                              </p:par>
+                            </p:childTnLst>
+                          </p:cTn>
+                        </p:par>
+                      </p:childTnLst>
+                    </p:cTn>
+                  </p:par>
+                </p:childTnLst>
+              </p:cTn>
+              <p:prevCondLst>
+                <p:cond evt="onPrev" delay="0">
+                  <p:tgtEl>
+                    <p:sldTgt/>
+                  </p:tgtEl>
+                </p:cond>
+              </p:prevCondLst>
+              <p:nextCondLst>
+                <p:cond evt="onNext" delay="0">
+                  <p:tgtEl>
+                    <p:sldTgt/>
+                  </p:tgtEl>
+                </p:cond>
+              </p:nextCondLst>
+            </p:seq>
+          </p:childTnLst>
+        </p:cTn>
+      </p:par>
+    </p:tnLst>
+  </p:timing>
+</p:sld>
+</file>
+
+<file path=ppt/slides/slide30.xml><?xml version="1.0" encoding="utf-8"?>
 <p:sld xmlns:a="http://schemas.openxmlformats.org/drawingml/2006/main" xmlns:r="http://schemas.openxmlformats.org/officeDocument/2006/relationships" xmlns:p="http://schemas.openxmlformats.org/presentationml/2006/main">
   <p:cSld>
     <p:spTree>
@@ -12381,7 +13487,7 @@
           <a:p>
             <a:fld id="{650AD656-6FF9-465D-B7B0-1CD0DD39CD23}" type="slidenum">
               <a:rPr lang="en-US" smtClean="0"/>
-              <a:t>28</a:t>
+              <a:t>30</a:t>
             </a:fld>
             <a:endParaRPr lang="en-US" dirty="0"/>
           </a:p>
@@ -14030,7 +15136,7 @@
 </p:sld>
 </file>
 
-<file path=ppt/slides/slide29.xml><?xml version="1.0" encoding="utf-8"?>
+<file path=ppt/slides/slide31.xml><?xml version="1.0" encoding="utf-8"?>
 <p:sld xmlns:a="http://schemas.openxmlformats.org/drawingml/2006/main" xmlns:r="http://schemas.openxmlformats.org/officeDocument/2006/relationships" xmlns:p="http://schemas.openxmlformats.org/presentationml/2006/main">
   <p:cSld>
     <p:spTree>
@@ -14130,7 +15236,7 @@
           <a:p>
             <a:fld id="{650AD656-6FF9-465D-B7B0-1CD0DD39CD23}" type="slidenum">
               <a:rPr lang="en-US" smtClean="0"/>
-              <a:t>29</a:t>
+              <a:t>31</a:t>
             </a:fld>
             <a:endParaRPr lang="en-US" dirty="0"/>
           </a:p>
@@ -14655,604 +15761,7 @@
 </p:sld>
 </file>
 
-<file path=ppt/slides/slide3.xml><?xml version="1.0" encoding="utf-8"?>
-<p:sld xmlns:a="http://schemas.openxmlformats.org/drawingml/2006/main" xmlns:r="http://schemas.openxmlformats.org/officeDocument/2006/relationships" xmlns:p="http://schemas.openxmlformats.org/presentationml/2006/main">
-  <p:cSld>
-    <p:spTree>
-      <p:nvGrpSpPr>
-        <p:cNvPr id="1" name=""/>
-        <p:cNvGrpSpPr/>
-        <p:nvPr/>
-      </p:nvGrpSpPr>
-      <p:grpSpPr>
-        <a:xfrm>
-          <a:off x="0" y="0"/>
-          <a:ext cx="0" cy="0"/>
-          <a:chOff x="0" y="0"/>
-          <a:chExt cx="0" cy="0"/>
-        </a:xfrm>
-      </p:grpSpPr>
-      <p:sp>
-        <p:nvSpPr>
-          <p:cNvPr id="2" name="Title 1">
-            <a:extLst>
-              <a:ext uri="{FF2B5EF4-FFF2-40B4-BE49-F238E27FC236}">
-                <a16:creationId xmlns:a16="http://schemas.microsoft.com/office/drawing/2014/main" id="{B15B6439-41E6-140A-FAE2-84DA1CCE9574}"/>
-              </a:ext>
-            </a:extLst>
-          </p:cNvPr>
-          <p:cNvSpPr>
-            <a:spLocks noGrp="1"/>
-          </p:cNvSpPr>
-          <p:nvPr>
-            <p:ph type="title"/>
-          </p:nvPr>
-        </p:nvSpPr>
-        <p:spPr/>
-        <p:txBody>
-          <a:bodyPr>
-            <a:normAutofit/>
-          </a:bodyPr>
-          <a:lstStyle/>
-          <a:p>
-            <a:pPr algn="ctr"/>
-            <a:r>
-              <a:rPr lang="en-US" sz="3200" dirty="0">
-                <a:latin typeface="+mn-lt"/>
-              </a:rPr>
-              <a:t>Line Graphs using matplotlib</a:t>
-            </a:r>
-          </a:p>
-        </p:txBody>
-      </p:sp>
-      <mc:AlternateContent xmlns:mc="http://schemas.openxmlformats.org/markup-compatibility/2006" xmlns:a14="http://schemas.microsoft.com/office/drawing/2010/main">
-        <mc:Choice Requires="a14">
-          <p:sp>
-            <p:nvSpPr>
-              <p:cNvPr id="3" name="Content Placeholder 2">
-                <a:extLst>
-                  <a:ext uri="{FF2B5EF4-FFF2-40B4-BE49-F238E27FC236}">
-                    <a16:creationId xmlns:a16="http://schemas.microsoft.com/office/drawing/2014/main" id="{9B72E0DF-EA1E-2B29-FBAA-C77F1DA8F842}"/>
-                  </a:ext>
-                </a:extLst>
-              </p:cNvPr>
-              <p:cNvSpPr>
-                <a:spLocks noGrp="1"/>
-              </p:cNvSpPr>
-              <p:nvPr>
-                <p:ph idx="1"/>
-              </p:nvPr>
-            </p:nvSpPr>
-            <p:spPr/>
-            <p:txBody>
-              <a:bodyPr>
-                <a:normAutofit/>
-              </a:bodyPr>
-              <a:lstStyle/>
-              <a:p>
-                <a:r>
-                  <a:rPr lang="en-US" sz="2400" dirty="0"/>
-                  <a:t>Your scientist has asked you to plot the following two functions:</a:t>
-                </a:r>
-              </a:p>
-              <a:p>
-                <a:pPr marL="0" indent="0">
-                  <a:buNone/>
-                </a:pPr>
-                <a14:m>
-                  <m:oMathPara xmlns:m="http://schemas.openxmlformats.org/officeDocument/2006/math">
-                    <m:oMathParaPr>
-                      <m:jc m:val="centerGroup"/>
-                    </m:oMathParaPr>
-                    <m:oMath xmlns:m="http://schemas.openxmlformats.org/officeDocument/2006/math">
-                      <m:sSub>
-                        <m:sSubPr>
-                          <m:ctrlPr>
-                            <a:rPr lang="en-US" sz="2400" i="1" smtClean="0">
-                              <a:latin typeface="Cambria Math" panose="02040503050406030204" pitchFamily="18" charset="0"/>
-                            </a:rPr>
-                          </m:ctrlPr>
-                        </m:sSubPr>
-                        <m:e>
-                          <m:r>
-                            <a:rPr lang="en-US" sz="2400" b="0" i="1" smtClean="0">
-                              <a:latin typeface="Cambria Math" panose="02040503050406030204" pitchFamily="18" charset="0"/>
-                            </a:rPr>
-                            <m:t>𝑦</m:t>
-                          </m:r>
-                        </m:e>
-                        <m:sub>
-                          <m:r>
-                            <a:rPr lang="en-US" sz="2400" b="0" i="1" smtClean="0">
-                              <a:latin typeface="Cambria Math" panose="02040503050406030204" pitchFamily="18" charset="0"/>
-                            </a:rPr>
-                            <m:t>1</m:t>
-                          </m:r>
-                        </m:sub>
-                      </m:sSub>
-                      <m:r>
-                        <a:rPr lang="en-US" sz="2400" b="0" i="1" smtClean="0">
-                          <a:latin typeface="Cambria Math" panose="02040503050406030204" pitchFamily="18" charset="0"/>
-                        </a:rPr>
-                        <m:t>=2</m:t>
-                      </m:r>
-                      <m:r>
-                        <a:rPr lang="en-US" sz="2400" b="0" i="1" smtClean="0">
-                          <a:latin typeface="Cambria Math" panose="02040503050406030204" pitchFamily="18" charset="0"/>
-                        </a:rPr>
-                        <m:t>𝑥</m:t>
-                      </m:r>
-                      <m:r>
-                        <a:rPr lang="en-US" sz="2400" b="0" i="1" smtClean="0">
-                          <a:latin typeface="Cambria Math" panose="02040503050406030204" pitchFamily="18" charset="0"/>
-                        </a:rPr>
-                        <m:t>−5</m:t>
-                      </m:r>
-                    </m:oMath>
-                  </m:oMathPara>
-                </a14:m>
-                <a:endParaRPr lang="en-US" sz="2400" b="0" dirty="0"/>
-              </a:p>
-              <a:p>
-                <a:pPr marL="0" indent="0">
-                  <a:buNone/>
-                </a:pPr>
-                <a14:m>
-                  <m:oMathPara xmlns:m="http://schemas.openxmlformats.org/officeDocument/2006/math">
-                    <m:oMathParaPr>
-                      <m:jc m:val="centerGroup"/>
-                    </m:oMathParaPr>
-                    <m:oMath xmlns:m="http://schemas.openxmlformats.org/officeDocument/2006/math">
-                      <m:sSub>
-                        <m:sSubPr>
-                          <m:ctrlPr>
-                            <a:rPr lang="en-US" sz="2400" i="1" smtClean="0">
-                              <a:latin typeface="Cambria Math" panose="02040503050406030204" pitchFamily="18" charset="0"/>
-                            </a:rPr>
-                          </m:ctrlPr>
-                        </m:sSubPr>
-                        <m:e>
-                          <m:r>
-                            <a:rPr lang="en-US" sz="2400" b="0" i="1" smtClean="0">
-                              <a:latin typeface="Cambria Math" panose="02040503050406030204" pitchFamily="18" charset="0"/>
-                            </a:rPr>
-                            <m:t>𝑦</m:t>
-                          </m:r>
-                        </m:e>
-                        <m:sub>
-                          <m:r>
-                            <a:rPr lang="en-US" sz="2400" b="0" i="1" smtClean="0">
-                              <a:latin typeface="Cambria Math" panose="02040503050406030204" pitchFamily="18" charset="0"/>
-                            </a:rPr>
-                            <m:t>2</m:t>
-                          </m:r>
-                        </m:sub>
-                      </m:sSub>
-                      <m:r>
-                        <a:rPr lang="en-US" sz="2400" b="0" i="1" smtClean="0">
-                          <a:latin typeface="Cambria Math" panose="02040503050406030204" pitchFamily="18" charset="0"/>
-                        </a:rPr>
-                        <m:t>=−0.3</m:t>
-                      </m:r>
-                      <m:sSup>
-                        <m:sSupPr>
-                          <m:ctrlPr>
-                            <a:rPr lang="en-US" sz="2400" b="0" i="1" smtClean="0">
-                              <a:latin typeface="Cambria Math" panose="02040503050406030204" pitchFamily="18" charset="0"/>
-                            </a:rPr>
-                          </m:ctrlPr>
-                        </m:sSupPr>
-                        <m:e>
-                          <m:r>
-                            <a:rPr lang="en-US" sz="2400" b="0" i="1" smtClean="0">
-                              <a:latin typeface="Cambria Math" panose="02040503050406030204" pitchFamily="18" charset="0"/>
-                            </a:rPr>
-                            <m:t>𝑥</m:t>
-                          </m:r>
-                        </m:e>
-                        <m:sup>
-                          <m:r>
-                            <a:rPr lang="en-US" sz="2400" b="0" i="1" smtClean="0">
-                              <a:latin typeface="Cambria Math" panose="02040503050406030204" pitchFamily="18" charset="0"/>
-                            </a:rPr>
-                            <m:t>2</m:t>
-                          </m:r>
-                        </m:sup>
-                      </m:sSup>
-                      <m:r>
-                        <a:rPr lang="en-US" sz="2400" b="0" i="1" smtClean="0">
-                          <a:latin typeface="Cambria Math" panose="02040503050406030204" pitchFamily="18" charset="0"/>
-                        </a:rPr>
-                        <m:t>+15</m:t>
-                      </m:r>
-                    </m:oMath>
-                  </m:oMathPara>
-                </a14:m>
-                <a:endParaRPr lang="en-US" sz="2400" dirty="0"/>
-              </a:p>
-              <a:p>
-                <a:r>
-                  <a:rPr lang="en-US" sz="2400" dirty="0"/>
-                  <a:t>The domain for both functions is </a:t>
-                </a:r>
-                <a14:m>
-                  <m:oMath xmlns:m="http://schemas.openxmlformats.org/officeDocument/2006/math">
-                    <m:r>
-                      <a:rPr lang="en-US" sz="2400" b="0" i="1" smtClean="0">
-                        <a:latin typeface="Cambria Math" panose="02040503050406030204" pitchFamily="18" charset="0"/>
-                      </a:rPr>
-                      <m:t>−10</m:t>
-                    </m:r>
-                    <m:r>
-                      <a:rPr lang="en-US" sz="2400" b="0" i="1" smtClean="0">
-                        <a:latin typeface="Cambria Math" panose="02040503050406030204" pitchFamily="18" charset="0"/>
-                        <a:ea typeface="Cambria Math" panose="02040503050406030204" pitchFamily="18" charset="0"/>
-                      </a:rPr>
-                      <m:t>≤</m:t>
-                    </m:r>
-                    <m:r>
-                      <a:rPr lang="en-US" sz="2400" b="0" i="1" smtClean="0">
-                        <a:latin typeface="Cambria Math" panose="02040503050406030204" pitchFamily="18" charset="0"/>
-                        <a:ea typeface="Cambria Math" panose="02040503050406030204" pitchFamily="18" charset="0"/>
-                      </a:rPr>
-                      <m:t>𝑥</m:t>
-                    </m:r>
-                    <m:r>
-                      <a:rPr lang="en-US" sz="2400" b="0" i="1" smtClean="0">
-                        <a:latin typeface="Cambria Math" panose="02040503050406030204" pitchFamily="18" charset="0"/>
-                        <a:ea typeface="Cambria Math" panose="02040503050406030204" pitchFamily="18" charset="0"/>
-                      </a:rPr>
-                      <m:t>≤10</m:t>
-                    </m:r>
-                  </m:oMath>
-                </a14:m>
-                <a:endParaRPr lang="en-US" sz="2400" b="0" dirty="0">
-                  <a:ea typeface="Cambria Math" panose="02040503050406030204" pitchFamily="18" charset="0"/>
-                </a:endParaRPr>
-              </a:p>
-              <a:p>
-                <a:r>
-                  <a:rPr lang="en-US" sz="2400" dirty="0"/>
-                  <a:t>You should plot both curves on the same graph</a:t>
-                </a:r>
-              </a:p>
-            </p:txBody>
-          </p:sp>
-        </mc:Choice>
-        <mc:Fallback xmlns="">
-          <p:sp>
-            <p:nvSpPr>
-              <p:cNvPr id="3" name="Content Placeholder 2">
-                <a:extLst>
-                  <a:ext uri="{FF2B5EF4-FFF2-40B4-BE49-F238E27FC236}">
-                    <a16:creationId xmlns:a16="http://schemas.microsoft.com/office/drawing/2014/main" id="{9B72E0DF-EA1E-2B29-FBAA-C77F1DA8F842}"/>
-                  </a:ext>
-                </a:extLst>
-              </p:cNvPr>
-              <p:cNvSpPr>
-                <a:spLocks noGrp="1" noRot="1" noChangeAspect="1" noMove="1" noResize="1" noEditPoints="1" noAdjustHandles="1" noChangeArrowheads="1" noChangeShapeType="1" noTextEdit="1"/>
-              </p:cNvSpPr>
-              <p:nvPr>
-                <p:ph idx="1"/>
-              </p:nvPr>
-            </p:nvSpPr>
-            <p:spPr>
-              <a:blipFill>
-                <a:blip r:embed="rId2"/>
-                <a:stretch>
-                  <a:fillRect l="-1005" t="-1961"/>
-                </a:stretch>
-              </a:blipFill>
-            </p:spPr>
-            <p:txBody>
-              <a:bodyPr/>
-              <a:lstStyle/>
-              <a:p>
-                <a:r>
-                  <a:rPr lang="en-US">
-                    <a:noFill/>
-                  </a:rPr>
-                  <a:t> </a:t>
-                </a:r>
-              </a:p>
-            </p:txBody>
-          </p:sp>
-        </mc:Fallback>
-      </mc:AlternateContent>
-      <p:sp>
-        <p:nvSpPr>
-          <p:cNvPr id="4" name="Slide Number Placeholder 3">
-            <a:extLst>
-              <a:ext uri="{FF2B5EF4-FFF2-40B4-BE49-F238E27FC236}">
-                <a16:creationId xmlns:a16="http://schemas.microsoft.com/office/drawing/2014/main" id="{80CC9F32-161F-C116-92EA-A6FCC6DD8558}"/>
-              </a:ext>
-            </a:extLst>
-          </p:cNvPr>
-          <p:cNvSpPr>
-            <a:spLocks noGrp="1"/>
-          </p:cNvSpPr>
-          <p:nvPr>
-            <p:ph type="sldNum" sz="quarter" idx="12"/>
-          </p:nvPr>
-        </p:nvSpPr>
-        <p:spPr/>
-        <p:txBody>
-          <a:bodyPr/>
-          <a:lstStyle/>
-          <a:p>
-            <a:fld id="{650AD656-6FF9-465D-B7B0-1CD0DD39CD23}" type="slidenum">
-              <a:rPr lang="en-US" smtClean="0"/>
-              <a:pPr/>
-              <a:t>3</a:t>
-            </a:fld>
-            <a:endParaRPr lang="en-US"/>
-          </a:p>
-        </p:txBody>
-      </p:sp>
-    </p:spTree>
-    <p:extLst>
-      <p:ext uri="{BB962C8B-B14F-4D97-AF65-F5344CB8AC3E}">
-        <p14:creationId xmlns:p14="http://schemas.microsoft.com/office/powerpoint/2010/main" val="2875916717"/>
-      </p:ext>
-    </p:extLst>
-  </p:cSld>
-  <p:clrMapOvr>
-    <a:masterClrMapping/>
-  </p:clrMapOvr>
-  <p:timing>
-    <p:tnLst>
-      <p:par>
-        <p:cTn id="1" dur="indefinite" restart="never" nodeType="tmRoot">
-          <p:childTnLst>
-            <p:seq concurrent="1" nextAc="seek">
-              <p:cTn id="2" dur="indefinite" nodeType="mainSeq">
-                <p:childTnLst>
-                  <p:par>
-                    <p:cTn id="3" fill="hold">
-                      <p:stCondLst>
-                        <p:cond delay="indefinite"/>
-                      </p:stCondLst>
-                      <p:childTnLst>
-                        <p:par>
-                          <p:cTn id="4" fill="hold">
-                            <p:stCondLst>
-                              <p:cond delay="0"/>
-                            </p:stCondLst>
-                            <p:childTnLst>
-                              <p:par>
-                                <p:cTn id="5" presetID="22" presetClass="entr" presetSubtype="8" fill="hold" nodeType="clickEffect">
-                                  <p:stCondLst>
-                                    <p:cond delay="0"/>
-                                  </p:stCondLst>
-                                  <p:childTnLst>
-                                    <p:set>
-                                      <p:cBhvr>
-                                        <p:cTn id="6" dur="1" fill="hold">
-                                          <p:stCondLst>
-                                            <p:cond delay="0"/>
-                                          </p:stCondLst>
-                                        </p:cTn>
-                                        <p:tgtEl>
-                                          <p:spTgt spid="3">
-                                            <p:txEl>
-                                              <p:pRg st="1" end="1"/>
-                                            </p:txEl>
-                                          </p:spTgt>
-                                        </p:tgtEl>
-                                        <p:attrNameLst>
-                                          <p:attrName>style.visibility</p:attrName>
-                                        </p:attrNameLst>
-                                      </p:cBhvr>
-                                      <p:to>
-                                        <p:strVal val="visible"/>
-                                      </p:to>
-                                    </p:set>
-                                    <p:animEffect transition="in" filter="wipe(left)">
-                                      <p:cBhvr>
-                                        <p:cTn id="7" dur="500"/>
-                                        <p:tgtEl>
-                                          <p:spTgt spid="3">
-                                            <p:txEl>
-                                              <p:pRg st="1" end="1"/>
-                                            </p:txEl>
-                                          </p:spTgt>
-                                        </p:tgtEl>
-                                      </p:cBhvr>
-                                    </p:animEffect>
-                                  </p:childTnLst>
-                                </p:cTn>
-                              </p:par>
-                            </p:childTnLst>
-                          </p:cTn>
-                        </p:par>
-                      </p:childTnLst>
-                    </p:cTn>
-                  </p:par>
-                  <p:par>
-                    <p:cTn id="8" fill="hold">
-                      <p:stCondLst>
-                        <p:cond delay="indefinite"/>
-                      </p:stCondLst>
-                      <p:childTnLst>
-                        <p:par>
-                          <p:cTn id="9" fill="hold">
-                            <p:stCondLst>
-                              <p:cond delay="0"/>
-                            </p:stCondLst>
-                            <p:childTnLst>
-                              <p:par>
-                                <p:cTn id="10" presetID="22" presetClass="entr" presetSubtype="8" fill="hold" nodeType="clickEffect">
-                                  <p:stCondLst>
-                                    <p:cond delay="0"/>
-                                  </p:stCondLst>
-                                  <p:childTnLst>
-                                    <p:set>
-                                      <p:cBhvr>
-                                        <p:cTn id="11" dur="1" fill="hold">
-                                          <p:stCondLst>
-                                            <p:cond delay="0"/>
-                                          </p:stCondLst>
-                                        </p:cTn>
-                                        <p:tgtEl>
-                                          <p:spTgt spid="3">
-                                            <p:txEl>
-                                              <p:pRg st="2" end="2"/>
-                                            </p:txEl>
-                                          </p:spTgt>
-                                        </p:tgtEl>
-                                        <p:attrNameLst>
-                                          <p:attrName>style.visibility</p:attrName>
-                                        </p:attrNameLst>
-                                      </p:cBhvr>
-                                      <p:to>
-                                        <p:strVal val="visible"/>
-                                      </p:to>
-                                    </p:set>
-                                    <p:animEffect transition="in" filter="wipe(left)">
-                                      <p:cBhvr>
-                                        <p:cTn id="12" dur="500"/>
-                                        <p:tgtEl>
-                                          <p:spTgt spid="3">
-                                            <p:txEl>
-                                              <p:pRg st="2" end="2"/>
-                                            </p:txEl>
-                                          </p:spTgt>
-                                        </p:tgtEl>
-                                      </p:cBhvr>
-                                    </p:animEffect>
-                                  </p:childTnLst>
-                                </p:cTn>
-                              </p:par>
-                            </p:childTnLst>
-                          </p:cTn>
-                        </p:par>
-                      </p:childTnLst>
-                    </p:cTn>
-                  </p:par>
-                  <p:par>
-                    <p:cTn id="13" fill="hold">
-                      <p:stCondLst>
-                        <p:cond delay="indefinite"/>
-                      </p:stCondLst>
-                      <p:childTnLst>
-                        <p:par>
-                          <p:cTn id="14" fill="hold">
-                            <p:stCondLst>
-                              <p:cond delay="0"/>
-                            </p:stCondLst>
-                            <p:childTnLst>
-                              <p:par>
-                                <p:cTn id="15" presetID="1" presetClass="entr" presetSubtype="0" fill="hold" nodeType="clickEffect">
-                                  <p:stCondLst>
-                                    <p:cond delay="0"/>
-                                  </p:stCondLst>
-                                  <p:childTnLst>
-                                    <p:set>
-                                      <p:cBhvr>
-                                        <p:cTn id="16" dur="1" fill="hold">
-                                          <p:stCondLst>
-                                            <p:cond delay="0"/>
-                                          </p:stCondLst>
-                                        </p:cTn>
-                                        <p:tgtEl>
-                                          <p:spTgt spid="3">
-                                            <p:txEl>
-                                              <p:pRg st="3" end="3"/>
-                                            </p:txEl>
-                                          </p:spTgt>
-                                        </p:tgtEl>
-                                        <p:attrNameLst>
-                                          <p:attrName>style.visibility</p:attrName>
-                                        </p:attrNameLst>
-                                      </p:cBhvr>
-                                      <p:to>
-                                        <p:strVal val="visible"/>
-                                      </p:to>
-                                    </p:set>
-                                  </p:childTnLst>
-                                </p:cTn>
-                              </p:par>
-                            </p:childTnLst>
-                          </p:cTn>
-                        </p:par>
-                      </p:childTnLst>
-                    </p:cTn>
-                  </p:par>
-                  <p:par>
-                    <p:cTn id="17" fill="hold">
-                      <p:stCondLst>
-                        <p:cond delay="indefinite"/>
-                      </p:stCondLst>
-                      <p:childTnLst>
-                        <p:par>
-                          <p:cTn id="18" fill="hold">
-                            <p:stCondLst>
-                              <p:cond delay="0"/>
-                            </p:stCondLst>
-                            <p:childTnLst>
-                              <p:par>
-                                <p:cTn id="19" presetID="1" presetClass="entr" presetSubtype="0" fill="hold" nodeType="clickEffect">
-                                  <p:stCondLst>
-                                    <p:cond delay="0"/>
-                                  </p:stCondLst>
-                                  <p:childTnLst>
-                                    <p:set>
-                                      <p:cBhvr>
-                                        <p:cTn id="20" dur="1" fill="hold">
-                                          <p:stCondLst>
-                                            <p:cond delay="0"/>
-                                          </p:stCondLst>
-                                        </p:cTn>
-                                        <p:tgtEl>
-                                          <p:spTgt spid="3">
-                                            <p:txEl>
-                                              <p:pRg st="4" end="4"/>
-                                            </p:txEl>
-                                          </p:spTgt>
-                                        </p:tgtEl>
-                                        <p:attrNameLst>
-                                          <p:attrName>style.visibility</p:attrName>
-                                        </p:attrNameLst>
-                                      </p:cBhvr>
-                                      <p:to>
-                                        <p:strVal val="visible"/>
-                                      </p:to>
-                                    </p:set>
-                                  </p:childTnLst>
-                                </p:cTn>
-                              </p:par>
-                            </p:childTnLst>
-                          </p:cTn>
-                        </p:par>
-                      </p:childTnLst>
-                    </p:cTn>
-                  </p:par>
-                </p:childTnLst>
-              </p:cTn>
-              <p:prevCondLst>
-                <p:cond evt="onPrev" delay="0">
-                  <p:tgtEl>
-                    <p:sldTgt/>
-                  </p:tgtEl>
-                </p:cond>
-              </p:prevCondLst>
-              <p:nextCondLst>
-                <p:cond evt="onNext" delay="0">
-                  <p:tgtEl>
-                    <p:sldTgt/>
-                  </p:tgtEl>
-                </p:cond>
-              </p:nextCondLst>
-            </p:seq>
-          </p:childTnLst>
-        </p:cTn>
-      </p:par>
-    </p:tnLst>
-  </p:timing>
-</p:sld>
-</file>
-
-<file path=ppt/slides/slide30.xml><?xml version="1.0" encoding="utf-8"?>
+<file path=ppt/slides/slide32.xml><?xml version="1.0" encoding="utf-8"?>
 <p:sld xmlns:a="http://schemas.openxmlformats.org/drawingml/2006/main" xmlns:r="http://schemas.openxmlformats.org/officeDocument/2006/relationships" xmlns:p="http://schemas.openxmlformats.org/presentationml/2006/main">
   <p:cSld>
     <p:spTree>
@@ -15383,7 +15892,7 @@
           <a:p>
             <a:fld id="{650AD656-6FF9-465D-B7B0-1CD0DD39CD23}" type="slidenum">
               <a:rPr lang="en-US" smtClean="0"/>
-              <a:t>30</a:t>
+              <a:t>32</a:t>
             </a:fld>
             <a:endParaRPr lang="en-US" dirty="0"/>
           </a:p>
@@ -15947,7 +16456,7 @@
 </p:sld>
 </file>
 
-<file path=ppt/slides/slide31.xml><?xml version="1.0" encoding="utf-8"?>
+<file path=ppt/slides/slide33.xml><?xml version="1.0" encoding="utf-8"?>
 <p:sld xmlns:a="http://schemas.openxmlformats.org/drawingml/2006/main" xmlns:r="http://schemas.openxmlformats.org/officeDocument/2006/relationships" xmlns:p="http://schemas.openxmlformats.org/presentationml/2006/main">
   <p:cSld>
     <p:spTree>
@@ -16194,7 +16703,7 @@
             <a:fld id="{650AD656-6FF9-465D-B7B0-1CD0DD39CD23}" type="slidenum">
               <a:rPr lang="en-US" smtClean="0"/>
               <a:pPr/>
-              <a:t>31</a:t>
+              <a:t>33</a:t>
             </a:fld>
             <a:endParaRPr lang="en-US" dirty="0"/>
           </a:p>
@@ -17580,7 +18089,7 @@
 </p:sld>
 </file>
 
-<file path=ppt/slides/slide32.xml><?xml version="1.0" encoding="utf-8"?>
+<file path=ppt/slides/slide34.xml><?xml version="1.0" encoding="utf-8"?>
 <p:sld xmlns:a="http://schemas.openxmlformats.org/drawingml/2006/main" xmlns:r="http://schemas.openxmlformats.org/officeDocument/2006/relationships" xmlns:p="http://schemas.openxmlformats.org/presentationml/2006/main">
   <p:cSld>
     <p:spTree>
@@ -17614,7 +18123,7 @@
           <a:p>
             <a:fld id="{650AD656-6FF9-465D-B7B0-1CD0DD39CD23}" type="slidenum">
               <a:rPr lang="en-US" smtClean="0"/>
-              <a:t>32</a:t>
+              <a:t>34</a:t>
             </a:fld>
             <a:endParaRPr lang="en-US" dirty="0"/>
           </a:p>
@@ -17722,7 +18231,7 @@
 </p:sld>
 </file>
 
-<file path=ppt/slides/slide33.xml><?xml version="1.0" encoding="utf-8"?>
+<file path=ppt/slides/slide35.xml><?xml version="1.0" encoding="utf-8"?>
 <p:sld xmlns:a="http://schemas.openxmlformats.org/drawingml/2006/main" xmlns:r="http://schemas.openxmlformats.org/officeDocument/2006/relationships" xmlns:p="http://schemas.openxmlformats.org/presentationml/2006/main">
   <p:cSld>
     <p:spTree>
@@ -17756,7 +18265,7 @@
           <a:p>
             <a:fld id="{650AD656-6FF9-465D-B7B0-1CD0DD39CD23}" type="slidenum">
               <a:rPr lang="en-US" smtClean="0"/>
-              <a:t>33</a:t>
+              <a:t>35</a:t>
             </a:fld>
             <a:endParaRPr lang="en-US" dirty="0"/>
           </a:p>
@@ -17864,7 +18373,7 @@
 </p:sld>
 </file>
 
-<file path=ppt/slides/slide34.xml><?xml version="1.0" encoding="utf-8"?>
+<file path=ppt/slides/slide36.xml><?xml version="1.0" encoding="utf-8"?>
 <p:sld xmlns:a="http://schemas.openxmlformats.org/drawingml/2006/main" xmlns:r="http://schemas.openxmlformats.org/officeDocument/2006/relationships" xmlns:p="http://schemas.openxmlformats.org/presentationml/2006/main">
   <p:cSld>
     <p:spTree>
@@ -17898,7 +18407,7 @@
           <a:p>
             <a:fld id="{650AD656-6FF9-465D-B7B0-1CD0DD39CD23}" type="slidenum">
               <a:rPr lang="en-US" smtClean="0"/>
-              <a:t>34</a:t>
+              <a:t>36</a:t>
             </a:fld>
             <a:endParaRPr lang="en-US" dirty="0"/>
           </a:p>
@@ -18134,7 +18643,7 @@
 </p:sld>
 </file>
 
-<file path=ppt/slides/slide35.xml><?xml version="1.0" encoding="utf-8"?>
+<file path=ppt/slides/slide37.xml><?xml version="1.0" encoding="utf-8"?>
 <p:sld xmlns:a="http://schemas.openxmlformats.org/drawingml/2006/main" xmlns:r="http://schemas.openxmlformats.org/officeDocument/2006/relationships" xmlns:p="http://schemas.openxmlformats.org/presentationml/2006/main">
   <p:cSld>
     <p:spTree>
@@ -18168,7 +18677,7 @@
           <a:p>
             <a:fld id="{650AD656-6FF9-465D-B7B0-1CD0DD39CD23}" type="slidenum">
               <a:rPr lang="en-US" smtClean="0"/>
-              <a:t>35</a:t>
+              <a:t>37</a:t>
             </a:fld>
             <a:endParaRPr lang="en-US" dirty="0"/>
           </a:p>
@@ -18741,7 +19250,7 @@
 </p:sld>
 </file>
 
-<file path=ppt/slides/slide36.xml><?xml version="1.0" encoding="utf-8"?>
+<file path=ppt/slides/slide38.xml><?xml version="1.0" encoding="utf-8"?>
 <p:sld xmlns:a="http://schemas.openxmlformats.org/drawingml/2006/main" xmlns:r="http://schemas.openxmlformats.org/officeDocument/2006/relationships" xmlns:p="http://schemas.openxmlformats.org/presentationml/2006/main">
   <p:cSld>
     <p:spTree>
@@ -18775,7 +19284,7 @@
           <a:p>
             <a:fld id="{650AD656-6FF9-465D-B7B0-1CD0DD39CD23}" type="slidenum">
               <a:rPr lang="en-US" smtClean="0"/>
-              <a:t>36</a:t>
+              <a:t>38</a:t>
             </a:fld>
             <a:endParaRPr lang="en-US" dirty="0"/>
           </a:p>
@@ -20648,7 +21157,7 @@
 </p:sld>
 </file>
 
-<file path=ppt/slides/slide37.xml><?xml version="1.0" encoding="utf-8"?>
+<file path=ppt/slides/slide39.xml><?xml version="1.0" encoding="utf-8"?>
 <p:sld xmlns:a="http://schemas.openxmlformats.org/drawingml/2006/main" xmlns:r="http://schemas.openxmlformats.org/officeDocument/2006/relationships" xmlns:p="http://schemas.openxmlformats.org/presentationml/2006/main">
   <p:cSld>
     <p:spTree>
@@ -20689,7 +21198,7 @@
                 </a:solidFill>
               </a:rPr>
               <a:pPr/>
-              <a:t>37</a:t>
+              <a:t>39</a:t>
             </a:fld>
             <a:endParaRPr lang="en-US" dirty="0">
               <a:solidFill>
@@ -20976,7 +21485,278 @@
 </p:sld>
 </file>
 
-<file path=ppt/slides/slide38.xml><?xml version="1.0" encoding="utf-8"?>
+<file path=ppt/slides/slide4.xml><?xml version="1.0" encoding="utf-8"?>
+<p:sld xmlns:a="http://schemas.openxmlformats.org/drawingml/2006/main" xmlns:r="http://schemas.openxmlformats.org/officeDocument/2006/relationships" xmlns:p="http://schemas.openxmlformats.org/presentationml/2006/main">
+  <p:cSld>
+    <p:spTree>
+      <p:nvGrpSpPr>
+        <p:cNvPr id="1" name=""/>
+        <p:cNvGrpSpPr/>
+        <p:nvPr/>
+      </p:nvGrpSpPr>
+      <p:grpSpPr>
+        <a:xfrm>
+          <a:off x="0" y="0"/>
+          <a:ext cx="0" cy="0"/>
+          <a:chOff x="0" y="0"/>
+          <a:chExt cx="0" cy="0"/>
+        </a:xfrm>
+      </p:grpSpPr>
+      <p:pic>
+        <p:nvPicPr>
+          <p:cNvPr id="8" name="Picture 7">
+            <a:extLst>
+              <a:ext uri="{FF2B5EF4-FFF2-40B4-BE49-F238E27FC236}">
+                <a16:creationId xmlns:a16="http://schemas.microsoft.com/office/drawing/2014/main" id="{A73E1F1E-20BF-42B2-B9AE-F806AB3C9958}"/>
+              </a:ext>
+            </a:extLst>
+          </p:cNvPr>
+          <p:cNvPicPr>
+            <a:picLocks noChangeAspect="1"/>
+          </p:cNvPicPr>
+          <p:nvPr/>
+        </p:nvPicPr>
+        <p:blipFill>
+          <a:blip r:embed="rId3"/>
+          <a:stretch>
+            <a:fillRect/>
+          </a:stretch>
+        </p:blipFill>
+        <p:spPr>
+          <a:xfrm>
+            <a:off x="1742852" y="1277939"/>
+            <a:ext cx="5658294" cy="5366209"/>
+          </a:xfrm>
+          <a:prstGeom prst="rect">
+            <a:avLst/>
+          </a:prstGeom>
+          <a:ln>
+            <a:solidFill>
+              <a:schemeClr val="tx1"/>
+            </a:solidFill>
+          </a:ln>
+        </p:spPr>
+      </p:pic>
+      <p:sp>
+        <p:nvSpPr>
+          <p:cNvPr id="4" name="Slide Number Placeholder 3"/>
+          <p:cNvSpPr>
+            <a:spLocks noGrp="1"/>
+          </p:cNvSpPr>
+          <p:nvPr>
+            <p:ph type="sldNum" sz="quarter" idx="12"/>
+          </p:nvPr>
+        </p:nvSpPr>
+        <p:spPr/>
+        <p:txBody>
+          <a:bodyPr/>
+          <a:lstStyle/>
+          <a:p>
+            <a:fld id="{650AD656-6FF9-465D-B7B0-1CD0DD39CD23}" type="slidenum">
+              <a:rPr lang="en-US" smtClean="0"/>
+              <a:t>4</a:t>
+            </a:fld>
+            <a:endParaRPr lang="en-US"/>
+          </a:p>
+        </p:txBody>
+      </p:sp>
+      <p:sp>
+        <p:nvSpPr>
+          <p:cNvPr id="11" name="TextBox 10">
+            <a:extLst>
+              <a:ext uri="{FF2B5EF4-FFF2-40B4-BE49-F238E27FC236}">
+                <a16:creationId xmlns:a16="http://schemas.microsoft.com/office/drawing/2014/main" id="{50115AEA-EDD1-432A-B3AC-64B348E9C427}"/>
+              </a:ext>
+            </a:extLst>
+          </p:cNvPr>
+          <p:cNvSpPr txBox="1"/>
+          <p:nvPr/>
+        </p:nvSpPr>
+        <p:spPr>
+          <a:xfrm>
+            <a:off x="2993922" y="714058"/>
+            <a:ext cx="3156155" cy="369332"/>
+          </a:xfrm>
+          <a:prstGeom prst="rect">
+            <a:avLst/>
+          </a:prstGeom>
+          <a:noFill/>
+        </p:spPr>
+        <p:txBody>
+          <a:bodyPr wrap="square" rtlCol="0">
+            <a:spAutoFit/>
+          </a:bodyPr>
+          <a:lstStyle/>
+          <a:p>
+            <a:pPr algn="ctr"/>
+            <a:r>
+              <a:rPr lang="en-US" dirty="0">
+                <a:hlinkClick r:id="rId4"/>
+              </a:rPr>
+              <a:t>https://matplotlib.org</a:t>
+            </a:r>
+            <a:r>
+              <a:rPr lang="en-US" dirty="0"/>
+              <a:t>  </a:t>
+            </a:r>
+          </a:p>
+        </p:txBody>
+      </p:sp>
+      <p:sp>
+        <p:nvSpPr>
+          <p:cNvPr id="5" name="Rectangle 4">
+            <a:extLst>
+              <a:ext uri="{FF2B5EF4-FFF2-40B4-BE49-F238E27FC236}">
+                <a16:creationId xmlns:a16="http://schemas.microsoft.com/office/drawing/2014/main" id="{0E06B530-5900-415F-8909-0D3FE4F41FDB}"/>
+              </a:ext>
+            </a:extLst>
+          </p:cNvPr>
+          <p:cNvSpPr/>
+          <p:nvPr/>
+        </p:nvSpPr>
+        <p:spPr>
+          <a:xfrm>
+            <a:off x="1799303" y="3156156"/>
+            <a:ext cx="4564626" cy="250722"/>
+          </a:xfrm>
+          <a:prstGeom prst="rect">
+            <a:avLst/>
+          </a:prstGeom>
+          <a:noFill/>
+          <a:ln w="38100">
+            <a:solidFill>
+              <a:srgbClr val="FF0000"/>
+            </a:solidFill>
+          </a:ln>
+        </p:spPr>
+        <p:style>
+          <a:lnRef idx="2">
+            <a:schemeClr val="accent1">
+              <a:shade val="50000"/>
+            </a:schemeClr>
+          </a:lnRef>
+          <a:fillRef idx="1">
+            <a:schemeClr val="accent1"/>
+          </a:fillRef>
+          <a:effectRef idx="0">
+            <a:schemeClr val="accent1"/>
+          </a:effectRef>
+          <a:fontRef idx="minor">
+            <a:schemeClr val="lt1"/>
+          </a:fontRef>
+        </p:style>
+        <p:txBody>
+          <a:bodyPr rtlCol="0" anchor="ctr"/>
+          <a:lstStyle/>
+          <a:p>
+            <a:pPr algn="ctr"/>
+            <a:endParaRPr lang="en-US"/>
+          </a:p>
+        </p:txBody>
+      </p:sp>
+    </p:spTree>
+    <p:extLst>
+      <p:ext uri="{BB962C8B-B14F-4D97-AF65-F5344CB8AC3E}">
+        <p14:creationId xmlns:p14="http://schemas.microsoft.com/office/powerpoint/2010/main" val="2176795366"/>
+      </p:ext>
+    </p:extLst>
+  </p:cSld>
+  <p:clrMapOvr>
+    <a:masterClrMapping/>
+  </p:clrMapOvr>
+  <p:timing>
+    <p:tnLst>
+      <p:par>
+        <p:cTn id="1" dur="indefinite" restart="never" nodeType="tmRoot">
+          <p:childTnLst>
+            <p:seq concurrent="1" nextAc="seek">
+              <p:cTn id="2" dur="indefinite" nodeType="mainSeq">
+                <p:childTnLst>
+                  <p:par>
+                    <p:cTn id="3" fill="hold">
+                      <p:stCondLst>
+                        <p:cond delay="indefinite"/>
+                        <p:cond evt="onBegin" delay="0">
+                          <p:tn val="2"/>
+                        </p:cond>
+                      </p:stCondLst>
+                      <p:childTnLst>
+                        <p:par>
+                          <p:cTn id="4" fill="hold">
+                            <p:stCondLst>
+                              <p:cond delay="0"/>
+                            </p:stCondLst>
+                            <p:childTnLst>
+                              <p:par>
+                                <p:cTn id="5" presetID="16" presetClass="entr" presetSubtype="21" fill="hold" grpId="0" nodeType="afterEffect">
+                                  <p:stCondLst>
+                                    <p:cond delay="0"/>
+                                  </p:stCondLst>
+                                  <p:childTnLst>
+                                    <p:set>
+                                      <p:cBhvr>
+                                        <p:cTn id="6" dur="1" fill="hold">
+                                          <p:stCondLst>
+                                            <p:cond delay="0"/>
+                                          </p:stCondLst>
+                                        </p:cTn>
+                                        <p:tgtEl>
+                                          <p:spTgt spid="5"/>
+                                        </p:tgtEl>
+                                        <p:attrNameLst>
+                                          <p:attrName>style.visibility</p:attrName>
+                                        </p:attrNameLst>
+                                      </p:cBhvr>
+                                      <p:to>
+                                        <p:strVal val="visible"/>
+                                      </p:to>
+                                    </p:set>
+                                    <p:animEffect transition="in" filter="barn(inVertical)">
+                                      <p:cBhvr>
+                                        <p:cTn id="7" dur="500"/>
+                                        <p:tgtEl>
+                                          <p:spTgt spid="5"/>
+                                        </p:tgtEl>
+                                      </p:cBhvr>
+                                    </p:animEffect>
+                                  </p:childTnLst>
+                                </p:cTn>
+                              </p:par>
+                            </p:childTnLst>
+                          </p:cTn>
+                        </p:par>
+                      </p:childTnLst>
+                    </p:cTn>
+                  </p:par>
+                </p:childTnLst>
+              </p:cTn>
+              <p:prevCondLst>
+                <p:cond evt="onPrev" delay="0">
+                  <p:tgtEl>
+                    <p:sldTgt/>
+                  </p:tgtEl>
+                </p:cond>
+              </p:prevCondLst>
+              <p:nextCondLst>
+                <p:cond evt="onNext" delay="0">
+                  <p:tgtEl>
+                    <p:sldTgt/>
+                  </p:tgtEl>
+                </p:cond>
+              </p:nextCondLst>
+            </p:seq>
+          </p:childTnLst>
+        </p:cTn>
+      </p:par>
+    </p:tnLst>
+    <p:bldLst>
+      <p:bldP spid="5" grpId="0" animBg="1"/>
+    </p:bldLst>
+  </p:timing>
+</p:sld>
+</file>
+
+<file path=ppt/slides/slide40.xml><?xml version="1.0" encoding="utf-8"?>
 <p:sld xmlns:a="http://schemas.openxmlformats.org/drawingml/2006/main" xmlns:r="http://schemas.openxmlformats.org/officeDocument/2006/relationships" xmlns:p="http://schemas.openxmlformats.org/presentationml/2006/main">
   <p:cSld>
     <p:spTree>
@@ -21223,7 +22003,7 @@
             <a:fld id="{650AD656-6FF9-465D-B7B0-1CD0DD39CD23}" type="slidenum">
               <a:rPr lang="en-US" smtClean="0"/>
               <a:pPr/>
-              <a:t>38</a:t>
+              <a:t>40</a:t>
             </a:fld>
             <a:endParaRPr lang="en-US" dirty="0"/>
           </a:p>
@@ -22417,7 +23197,7 @@
 </p:sld>
 </file>
 
-<file path=ppt/slides/slide39.xml><?xml version="1.0" encoding="utf-8"?>
+<file path=ppt/slides/slide41.xml><?xml version="1.0" encoding="utf-8"?>
 <p:sld xmlns:a="http://schemas.openxmlformats.org/drawingml/2006/main" xmlns:r="http://schemas.openxmlformats.org/officeDocument/2006/relationships" xmlns:p="http://schemas.openxmlformats.org/presentationml/2006/main">
   <p:cSld>
     <p:spTree>
@@ -22487,7 +23267,7 @@
           <a:p>
             <a:fld id="{650AD656-6FF9-465D-B7B0-1CD0DD39CD23}" type="slidenum">
               <a:rPr lang="en-US" smtClean="0"/>
-              <a:t>39</a:t>
+              <a:t>41</a:t>
             </a:fld>
             <a:endParaRPr lang="en-US" dirty="0"/>
           </a:p>
@@ -24926,278 +25706,7 @@
 </p:sld>
 </file>
 
-<file path=ppt/slides/slide4.xml><?xml version="1.0" encoding="utf-8"?>
-<p:sld xmlns:a="http://schemas.openxmlformats.org/drawingml/2006/main" xmlns:r="http://schemas.openxmlformats.org/officeDocument/2006/relationships" xmlns:p="http://schemas.openxmlformats.org/presentationml/2006/main">
-  <p:cSld>
-    <p:spTree>
-      <p:nvGrpSpPr>
-        <p:cNvPr id="1" name=""/>
-        <p:cNvGrpSpPr/>
-        <p:nvPr/>
-      </p:nvGrpSpPr>
-      <p:grpSpPr>
-        <a:xfrm>
-          <a:off x="0" y="0"/>
-          <a:ext cx="0" cy="0"/>
-          <a:chOff x="0" y="0"/>
-          <a:chExt cx="0" cy="0"/>
-        </a:xfrm>
-      </p:grpSpPr>
-      <p:pic>
-        <p:nvPicPr>
-          <p:cNvPr id="8" name="Picture 7">
-            <a:extLst>
-              <a:ext uri="{FF2B5EF4-FFF2-40B4-BE49-F238E27FC236}">
-                <a16:creationId xmlns:a16="http://schemas.microsoft.com/office/drawing/2014/main" id="{A73E1F1E-20BF-42B2-B9AE-F806AB3C9958}"/>
-              </a:ext>
-            </a:extLst>
-          </p:cNvPr>
-          <p:cNvPicPr>
-            <a:picLocks noChangeAspect="1"/>
-          </p:cNvPicPr>
-          <p:nvPr/>
-        </p:nvPicPr>
-        <p:blipFill>
-          <a:blip r:embed="rId3"/>
-          <a:stretch>
-            <a:fillRect/>
-          </a:stretch>
-        </p:blipFill>
-        <p:spPr>
-          <a:xfrm>
-            <a:off x="1742852" y="1277939"/>
-            <a:ext cx="5658294" cy="5366209"/>
-          </a:xfrm>
-          <a:prstGeom prst="rect">
-            <a:avLst/>
-          </a:prstGeom>
-          <a:ln>
-            <a:solidFill>
-              <a:schemeClr val="tx1"/>
-            </a:solidFill>
-          </a:ln>
-        </p:spPr>
-      </p:pic>
-      <p:sp>
-        <p:nvSpPr>
-          <p:cNvPr id="4" name="Slide Number Placeholder 3"/>
-          <p:cNvSpPr>
-            <a:spLocks noGrp="1"/>
-          </p:cNvSpPr>
-          <p:nvPr>
-            <p:ph type="sldNum" sz="quarter" idx="12"/>
-          </p:nvPr>
-        </p:nvSpPr>
-        <p:spPr/>
-        <p:txBody>
-          <a:bodyPr/>
-          <a:lstStyle/>
-          <a:p>
-            <a:fld id="{650AD656-6FF9-465D-B7B0-1CD0DD39CD23}" type="slidenum">
-              <a:rPr lang="en-US" smtClean="0"/>
-              <a:t>4</a:t>
-            </a:fld>
-            <a:endParaRPr lang="en-US"/>
-          </a:p>
-        </p:txBody>
-      </p:sp>
-      <p:sp>
-        <p:nvSpPr>
-          <p:cNvPr id="11" name="TextBox 10">
-            <a:extLst>
-              <a:ext uri="{FF2B5EF4-FFF2-40B4-BE49-F238E27FC236}">
-                <a16:creationId xmlns:a16="http://schemas.microsoft.com/office/drawing/2014/main" id="{50115AEA-EDD1-432A-B3AC-64B348E9C427}"/>
-              </a:ext>
-            </a:extLst>
-          </p:cNvPr>
-          <p:cNvSpPr txBox="1"/>
-          <p:nvPr/>
-        </p:nvSpPr>
-        <p:spPr>
-          <a:xfrm>
-            <a:off x="2993922" y="714058"/>
-            <a:ext cx="3156155" cy="369332"/>
-          </a:xfrm>
-          <a:prstGeom prst="rect">
-            <a:avLst/>
-          </a:prstGeom>
-          <a:noFill/>
-        </p:spPr>
-        <p:txBody>
-          <a:bodyPr wrap="square" rtlCol="0">
-            <a:spAutoFit/>
-          </a:bodyPr>
-          <a:lstStyle/>
-          <a:p>
-            <a:pPr algn="ctr"/>
-            <a:r>
-              <a:rPr lang="en-US" dirty="0">
-                <a:hlinkClick r:id="rId4"/>
-              </a:rPr>
-              <a:t>https://matplotlib.org</a:t>
-            </a:r>
-            <a:r>
-              <a:rPr lang="en-US" dirty="0"/>
-              <a:t>  </a:t>
-            </a:r>
-          </a:p>
-        </p:txBody>
-      </p:sp>
-      <p:sp>
-        <p:nvSpPr>
-          <p:cNvPr id="5" name="Rectangle 4">
-            <a:extLst>
-              <a:ext uri="{FF2B5EF4-FFF2-40B4-BE49-F238E27FC236}">
-                <a16:creationId xmlns:a16="http://schemas.microsoft.com/office/drawing/2014/main" id="{0E06B530-5900-415F-8909-0D3FE4F41FDB}"/>
-              </a:ext>
-            </a:extLst>
-          </p:cNvPr>
-          <p:cNvSpPr/>
-          <p:nvPr/>
-        </p:nvSpPr>
-        <p:spPr>
-          <a:xfrm>
-            <a:off x="1799303" y="3156156"/>
-            <a:ext cx="4564626" cy="250722"/>
-          </a:xfrm>
-          <a:prstGeom prst="rect">
-            <a:avLst/>
-          </a:prstGeom>
-          <a:noFill/>
-          <a:ln w="38100">
-            <a:solidFill>
-              <a:srgbClr val="FF0000"/>
-            </a:solidFill>
-          </a:ln>
-        </p:spPr>
-        <p:style>
-          <a:lnRef idx="2">
-            <a:schemeClr val="accent1">
-              <a:shade val="50000"/>
-            </a:schemeClr>
-          </a:lnRef>
-          <a:fillRef idx="1">
-            <a:schemeClr val="accent1"/>
-          </a:fillRef>
-          <a:effectRef idx="0">
-            <a:schemeClr val="accent1"/>
-          </a:effectRef>
-          <a:fontRef idx="minor">
-            <a:schemeClr val="lt1"/>
-          </a:fontRef>
-        </p:style>
-        <p:txBody>
-          <a:bodyPr rtlCol="0" anchor="ctr"/>
-          <a:lstStyle/>
-          <a:p>
-            <a:pPr algn="ctr"/>
-            <a:endParaRPr lang="en-US"/>
-          </a:p>
-        </p:txBody>
-      </p:sp>
-    </p:spTree>
-    <p:extLst>
-      <p:ext uri="{BB962C8B-B14F-4D97-AF65-F5344CB8AC3E}">
-        <p14:creationId xmlns:p14="http://schemas.microsoft.com/office/powerpoint/2010/main" val="2176795366"/>
-      </p:ext>
-    </p:extLst>
-  </p:cSld>
-  <p:clrMapOvr>
-    <a:masterClrMapping/>
-  </p:clrMapOvr>
-  <p:timing>
-    <p:tnLst>
-      <p:par>
-        <p:cTn id="1" dur="indefinite" restart="never" nodeType="tmRoot">
-          <p:childTnLst>
-            <p:seq concurrent="1" nextAc="seek">
-              <p:cTn id="2" dur="indefinite" nodeType="mainSeq">
-                <p:childTnLst>
-                  <p:par>
-                    <p:cTn id="3" fill="hold">
-                      <p:stCondLst>
-                        <p:cond delay="indefinite"/>
-                        <p:cond evt="onBegin" delay="0">
-                          <p:tn val="2"/>
-                        </p:cond>
-                      </p:stCondLst>
-                      <p:childTnLst>
-                        <p:par>
-                          <p:cTn id="4" fill="hold">
-                            <p:stCondLst>
-                              <p:cond delay="0"/>
-                            </p:stCondLst>
-                            <p:childTnLst>
-                              <p:par>
-                                <p:cTn id="5" presetID="16" presetClass="entr" presetSubtype="21" fill="hold" grpId="0" nodeType="afterEffect">
-                                  <p:stCondLst>
-                                    <p:cond delay="0"/>
-                                  </p:stCondLst>
-                                  <p:childTnLst>
-                                    <p:set>
-                                      <p:cBhvr>
-                                        <p:cTn id="6" dur="1" fill="hold">
-                                          <p:stCondLst>
-                                            <p:cond delay="0"/>
-                                          </p:stCondLst>
-                                        </p:cTn>
-                                        <p:tgtEl>
-                                          <p:spTgt spid="5"/>
-                                        </p:tgtEl>
-                                        <p:attrNameLst>
-                                          <p:attrName>style.visibility</p:attrName>
-                                        </p:attrNameLst>
-                                      </p:cBhvr>
-                                      <p:to>
-                                        <p:strVal val="visible"/>
-                                      </p:to>
-                                    </p:set>
-                                    <p:animEffect transition="in" filter="barn(inVertical)">
-                                      <p:cBhvr>
-                                        <p:cTn id="7" dur="500"/>
-                                        <p:tgtEl>
-                                          <p:spTgt spid="5"/>
-                                        </p:tgtEl>
-                                      </p:cBhvr>
-                                    </p:animEffect>
-                                  </p:childTnLst>
-                                </p:cTn>
-                              </p:par>
-                            </p:childTnLst>
-                          </p:cTn>
-                        </p:par>
-                      </p:childTnLst>
-                    </p:cTn>
-                  </p:par>
-                </p:childTnLst>
-              </p:cTn>
-              <p:prevCondLst>
-                <p:cond evt="onPrev" delay="0">
-                  <p:tgtEl>
-                    <p:sldTgt/>
-                  </p:tgtEl>
-                </p:cond>
-              </p:prevCondLst>
-              <p:nextCondLst>
-                <p:cond evt="onNext" delay="0">
-                  <p:tgtEl>
-                    <p:sldTgt/>
-                  </p:tgtEl>
-                </p:cond>
-              </p:nextCondLst>
-            </p:seq>
-          </p:childTnLst>
-        </p:cTn>
-      </p:par>
-    </p:tnLst>
-    <p:bldLst>
-      <p:bldP spid="5" grpId="0" animBg="1"/>
-    </p:bldLst>
-  </p:timing>
-</p:sld>
-</file>
-
-<file path=ppt/slides/slide40.xml><?xml version="1.0" encoding="utf-8"?>
+<file path=ppt/slides/slide42.xml><?xml version="1.0" encoding="utf-8"?>
 <p:sld xmlns:a="http://schemas.openxmlformats.org/drawingml/2006/main" xmlns:r="http://schemas.openxmlformats.org/officeDocument/2006/relationships" xmlns:p="http://schemas.openxmlformats.org/presentationml/2006/main">
   <p:cSld>
     <p:spTree>
@@ -25297,7 +25806,7 @@
           <a:p>
             <a:fld id="{650AD656-6FF9-465D-B7B0-1CD0DD39CD23}" type="slidenum">
               <a:rPr lang="en-US" smtClean="0"/>
-              <a:t>40</a:t>
+              <a:t>42</a:t>
             </a:fld>
             <a:endParaRPr lang="en-US" dirty="0"/>
           </a:p>
@@ -25853,7 +26362,7 @@
 </p:sld>
 </file>
 
-<file path=ppt/slides/slide41.xml><?xml version="1.0" encoding="utf-8"?>
+<file path=ppt/slides/slide43.xml><?xml version="1.0" encoding="utf-8"?>
 <p:sld xmlns:a="http://schemas.openxmlformats.org/drawingml/2006/main" xmlns:r="http://schemas.openxmlformats.org/officeDocument/2006/relationships" xmlns:p="http://schemas.openxmlformats.org/presentationml/2006/main">
   <p:cSld>
     <p:spTree>
@@ -25935,7 +26444,7 @@
                 </a:solidFill>
               </a:rPr>
               <a:pPr/>
-              <a:t>41</a:t>
+              <a:t>43</a:t>
             </a:fld>
             <a:endParaRPr lang="en-US" dirty="0">
               <a:solidFill>
@@ -26969,7 +27478,7 @@
 </p:sld>
 </file>
 
-<file path=ppt/slides/slide42.xml><?xml version="1.0" encoding="utf-8"?>
+<file path=ppt/slides/slide44.xml><?xml version="1.0" encoding="utf-8"?>
 <p:sld xmlns:a="http://schemas.openxmlformats.org/drawingml/2006/main" xmlns:r="http://schemas.openxmlformats.org/officeDocument/2006/relationships" xmlns:p="http://schemas.openxmlformats.org/presentationml/2006/main">
   <p:cSld>
     <p:spTree>
@@ -27414,7 +27923,7 @@
             <a:fld id="{650AD656-6FF9-465D-B7B0-1CD0DD39CD23}" type="slidenum">
               <a:rPr lang="en-US" smtClean="0"/>
               <a:pPr/>
-              <a:t>42</a:t>
+              <a:t>44</a:t>
             </a:fld>
             <a:endParaRPr lang="en-US"/>
           </a:p>
@@ -27708,7 +28217,7 @@
 </p:sld>
 </file>
 
-<file path=ppt/slides/slide43.xml><?xml version="1.0" encoding="utf-8"?>
+<file path=ppt/slides/slide45.xml><?xml version="1.0" encoding="utf-8"?>
 <p:sld xmlns:a="http://schemas.openxmlformats.org/drawingml/2006/main" xmlns:r="http://schemas.openxmlformats.org/officeDocument/2006/relationships" xmlns:p="http://schemas.openxmlformats.org/presentationml/2006/main">
   <p:cSld>
     <p:spTree>
@@ -27798,7 +28307,7 @@
           <a:p>
             <a:fld id="{650AD656-6FF9-465D-B7B0-1CD0DD39CD23}" type="slidenum">
               <a:rPr lang="en-US" smtClean="0"/>
-              <a:t>43</a:t>
+              <a:t>45</a:t>
             </a:fld>
             <a:endParaRPr lang="en-US" dirty="0"/>
           </a:p>
@@ -30447,7 +30956,7 @@
 </p:sld>
 </file>
 
-<file path=ppt/slides/slide44.xml><?xml version="1.0" encoding="utf-8"?>
+<file path=ppt/slides/slide46.xml><?xml version="1.0" encoding="utf-8"?>
 <p:sld xmlns:a="http://schemas.openxmlformats.org/drawingml/2006/main" xmlns:r="http://schemas.openxmlformats.org/officeDocument/2006/relationships" xmlns:p="http://schemas.openxmlformats.org/presentationml/2006/main">
   <p:cSld>
     <p:spTree>
@@ -30517,7 +31026,7 @@
           <a:p>
             <a:fld id="{650AD656-6FF9-465D-B7B0-1CD0DD39CD23}" type="slidenum">
               <a:rPr lang="en-US" smtClean="0"/>
-              <a:t>44</a:t>
+              <a:t>46</a:t>
             </a:fld>
             <a:endParaRPr lang="en-US" dirty="0"/>
           </a:p>
@@ -32609,7 +33118,7 @@
 </p:sld>
 </file>
 
-<file path=ppt/slides/slide45.xml><?xml version="1.0" encoding="utf-8"?>
+<file path=ppt/slides/slide47.xml><?xml version="1.0" encoding="utf-8"?>
 <p:sld xmlns:a="http://schemas.openxmlformats.org/drawingml/2006/main" xmlns:r="http://schemas.openxmlformats.org/officeDocument/2006/relationships" xmlns:p="http://schemas.openxmlformats.org/presentationml/2006/main">
   <p:cSld>
     <p:spTree>
@@ -32726,7 +33235,7 @@
                 </a:solidFill>
               </a:rPr>
               <a:pPr/>
-              <a:t>45</a:t>
+              <a:t>47</a:t>
             </a:fld>
             <a:endParaRPr lang="en-US" dirty="0">
               <a:solidFill>
@@ -33749,7 +34258,7 @@
 </p:sld>
 </file>
 
-<file path=ppt/slides/slide46.xml><?xml version="1.0" encoding="utf-8"?>
+<file path=ppt/slides/slide48.xml><?xml version="1.0" encoding="utf-8"?>
 <p:sld xmlns:a="http://schemas.openxmlformats.org/drawingml/2006/main" xmlns:r="http://schemas.openxmlformats.org/officeDocument/2006/relationships" xmlns:p="http://schemas.openxmlformats.org/presentationml/2006/main">
   <p:cSld>
     <p:spTree>
@@ -34080,7 +34589,7 @@
           <a:p>
             <a:fld id="{650AD656-6FF9-465D-B7B0-1CD0DD39CD23}" type="slidenum">
               <a:rPr lang="en-US" smtClean="0"/>
-              <a:t>46</a:t>
+              <a:t>48</a:t>
             </a:fld>
             <a:endParaRPr lang="en-US" dirty="0"/>
           </a:p>
@@ -34325,7 +34834,7 @@
 </p:sld>
 </file>
 
-<file path=ppt/slides/slide47.xml><?xml version="1.0" encoding="utf-8"?>
+<file path=ppt/slides/slide49.xml><?xml version="1.0" encoding="utf-8"?>
 <p:sld xmlns:a="http://schemas.openxmlformats.org/drawingml/2006/main" xmlns:r="http://schemas.openxmlformats.org/officeDocument/2006/relationships" xmlns:p="http://schemas.openxmlformats.org/presentationml/2006/main">
   <p:cSld>
     <p:spTree>
@@ -34908,7 +35417,7 @@
             <a:fld id="{650AD656-6FF9-465D-B7B0-1CD0DD39CD23}" type="slidenum">
               <a:rPr lang="en-US" smtClean="0"/>
               <a:pPr/>
-              <a:t>47</a:t>
+              <a:t>49</a:t>
             </a:fld>
             <a:endParaRPr lang="en-US"/>
           </a:p>
@@ -35473,6 +35982,229 @@
       </p:grpSpPr>
       <p:pic>
         <p:nvPicPr>
+          <p:cNvPr id="5" name="Picture 4">
+            <a:extLst>
+              <a:ext uri="{FF2B5EF4-FFF2-40B4-BE49-F238E27FC236}">
+                <a16:creationId xmlns:a16="http://schemas.microsoft.com/office/drawing/2014/main" id="{B1838076-950B-D7D8-FA2F-2BC28BB24E7F}"/>
+              </a:ext>
+            </a:extLst>
+          </p:cNvPr>
+          <p:cNvPicPr>
+            <a:picLocks noChangeAspect="1"/>
+          </p:cNvPicPr>
+          <p:nvPr/>
+        </p:nvPicPr>
+        <p:blipFill>
+          <a:blip r:embed="rId2"/>
+          <a:stretch>
+            <a:fillRect/>
+          </a:stretch>
+        </p:blipFill>
+        <p:spPr>
+          <a:xfrm>
+            <a:off x="1002467" y="1543694"/>
+            <a:ext cx="7139067" cy="4832273"/>
+          </a:xfrm>
+          <a:prstGeom prst="rect">
+            <a:avLst/>
+          </a:prstGeom>
+          <a:effectLst>
+            <a:outerShdw blurRad="50800" dist="38100" dir="2700000" algn="tl" rotWithShape="0">
+              <a:prstClr val="black">
+                <a:alpha val="40000"/>
+              </a:prstClr>
+            </a:outerShdw>
+          </a:effectLst>
+        </p:spPr>
+      </p:pic>
+      <p:sp>
+        <p:nvSpPr>
+          <p:cNvPr id="2" name="Title 1"/>
+          <p:cNvSpPr>
+            <a:spLocks noGrp="1"/>
+          </p:cNvSpPr>
+          <p:nvPr>
+            <p:ph type="title"/>
+          </p:nvPr>
+        </p:nvSpPr>
+        <p:spPr/>
+        <p:txBody>
+          <a:bodyPr>
+            <a:noAutofit/>
+          </a:bodyPr>
+          <a:lstStyle/>
+          <a:p>
+            <a:pPr algn="ctr"/>
+            <a:r>
+              <a:rPr lang="en-US" sz="3200" dirty="0">
+                <a:latin typeface="+mn-lt"/>
+              </a:rPr>
+              <a:t>Installing Python </a:t>
+            </a:r>
+            <a:r>
+              <a:rPr lang="en-US" sz="3200" b="1" dirty="0">
+                <a:latin typeface="+mn-lt"/>
+              </a:rPr>
+              <a:t>Packages</a:t>
+            </a:r>
+            <a:r>
+              <a:rPr lang="en-US" sz="3200" dirty="0">
+                <a:latin typeface="+mn-lt"/>
+              </a:rPr>
+              <a:t> into Thonny</a:t>
+            </a:r>
+          </a:p>
+        </p:txBody>
+      </p:sp>
+      <p:sp>
+        <p:nvSpPr>
+          <p:cNvPr id="3" name="Slide Number Placeholder 2"/>
+          <p:cNvSpPr>
+            <a:spLocks noGrp="1"/>
+          </p:cNvSpPr>
+          <p:nvPr>
+            <p:ph type="sldNum" sz="quarter" idx="12"/>
+          </p:nvPr>
+        </p:nvSpPr>
+        <p:spPr/>
+        <p:txBody>
+          <a:bodyPr/>
+          <a:lstStyle/>
+          <a:p>
+            <a:fld id="{650AD656-6FF9-465D-B7B0-1CD0DD39CD23}" type="slidenum">
+              <a:rPr lang="en-US" smtClean="0"/>
+              <a:t>6</a:t>
+            </a:fld>
+            <a:endParaRPr lang="en-US" dirty="0"/>
+          </a:p>
+        </p:txBody>
+      </p:sp>
+      <p:sp>
+        <p:nvSpPr>
+          <p:cNvPr id="6" name="Rectangle 5">
+            <a:extLst>
+              <a:ext uri="{FF2B5EF4-FFF2-40B4-BE49-F238E27FC236}">
+                <a16:creationId xmlns:a16="http://schemas.microsoft.com/office/drawing/2014/main" id="{7C173D85-117D-4567-C143-818C4FBCD056}"/>
+              </a:ext>
+            </a:extLst>
+          </p:cNvPr>
+          <p:cNvSpPr/>
+          <p:nvPr/>
+        </p:nvSpPr>
+        <p:spPr>
+          <a:xfrm>
+            <a:off x="1940720" y="1726406"/>
+            <a:ext cx="1237196" cy="354807"/>
+          </a:xfrm>
+          <a:prstGeom prst="rect">
+            <a:avLst/>
+          </a:prstGeom>
+          <a:noFill/>
+          <a:ln w="38100">
+            <a:solidFill>
+              <a:srgbClr val="FF0000"/>
+            </a:solidFill>
+          </a:ln>
+        </p:spPr>
+        <p:style>
+          <a:lnRef idx="2">
+            <a:schemeClr val="accent1">
+              <a:shade val="50000"/>
+            </a:schemeClr>
+          </a:lnRef>
+          <a:fillRef idx="1">
+            <a:schemeClr val="accent1"/>
+          </a:fillRef>
+          <a:effectRef idx="0">
+            <a:schemeClr val="accent1"/>
+          </a:effectRef>
+          <a:fontRef idx="minor">
+            <a:schemeClr val="lt1"/>
+          </a:fontRef>
+        </p:style>
+        <p:txBody>
+          <a:bodyPr rtlCol="0" anchor="ctr"/>
+          <a:lstStyle/>
+          <a:p>
+            <a:pPr algn="ctr"/>
+            <a:endParaRPr lang="en-US"/>
+          </a:p>
+        </p:txBody>
+      </p:sp>
+      <p:cxnSp>
+        <p:nvCxnSpPr>
+          <p:cNvPr id="9" name="Straight Arrow Connector 8">
+            <a:extLst>
+              <a:ext uri="{FF2B5EF4-FFF2-40B4-BE49-F238E27FC236}">
+                <a16:creationId xmlns:a16="http://schemas.microsoft.com/office/drawing/2014/main" id="{3CF4CDAA-1421-49EE-8671-BD87CD979C87}"/>
+              </a:ext>
+            </a:extLst>
+          </p:cNvPr>
+          <p:cNvCxnSpPr/>
+          <p:nvPr/>
+        </p:nvCxnSpPr>
+        <p:spPr>
+          <a:xfrm flipH="1" flipV="1">
+            <a:off x="2919529" y="1989982"/>
+            <a:ext cx="831954" cy="1011836"/>
+          </a:xfrm>
+          <a:prstGeom prst="straightConnector1">
+            <a:avLst/>
+          </a:prstGeom>
+          <a:ln w="38100">
+            <a:solidFill>
+              <a:srgbClr val="FF0000"/>
+            </a:solidFill>
+            <a:tailEnd type="triangle"/>
+          </a:ln>
+        </p:spPr>
+        <p:style>
+          <a:lnRef idx="1">
+            <a:schemeClr val="accent1"/>
+          </a:lnRef>
+          <a:fillRef idx="0">
+            <a:schemeClr val="accent1"/>
+          </a:fillRef>
+          <a:effectRef idx="0">
+            <a:schemeClr val="accent1"/>
+          </a:effectRef>
+          <a:fontRef idx="minor">
+            <a:schemeClr val="tx1"/>
+          </a:fontRef>
+        </p:style>
+      </p:cxnSp>
+    </p:spTree>
+    <p:extLst>
+      <p:ext uri="{BB962C8B-B14F-4D97-AF65-F5344CB8AC3E}">
+        <p14:creationId xmlns:p14="http://schemas.microsoft.com/office/powerpoint/2010/main" val="3895723697"/>
+      </p:ext>
+    </p:extLst>
+  </p:cSld>
+  <p:clrMapOvr>
+    <a:masterClrMapping/>
+  </p:clrMapOvr>
+</p:sld>
+</file>
+
+<file path=ppt/slides/slide7.xml><?xml version="1.0" encoding="utf-8"?>
+<p:sld xmlns:a="http://schemas.openxmlformats.org/drawingml/2006/main" xmlns:r="http://schemas.openxmlformats.org/officeDocument/2006/relationships" xmlns:p="http://schemas.openxmlformats.org/presentationml/2006/main">
+  <p:cSld>
+    <p:spTree>
+      <p:nvGrpSpPr>
+        <p:cNvPr id="1" name=""/>
+        <p:cNvGrpSpPr/>
+        <p:nvPr/>
+      </p:nvGrpSpPr>
+      <p:grpSpPr>
+        <a:xfrm>
+          <a:off x="0" y="0"/>
+          <a:ext cx="0" cy="0"/>
+          <a:chOff x="0" y="0"/>
+          <a:chExt cx="0" cy="0"/>
+        </a:xfrm>
+      </p:grpSpPr>
+      <p:pic>
+        <p:nvPicPr>
           <p:cNvPr id="7" name="Picture 6">
             <a:extLst>
               <a:ext uri="{FF2B5EF4-FFF2-40B4-BE49-F238E27FC236}">
@@ -35530,7 +36262,7 @@
               <a:rPr lang="en-US" sz="3200" dirty="0">
                 <a:latin typeface="+mn-lt"/>
               </a:rPr>
-              <a:t>Install the </a:t>
+              <a:t>Find the </a:t>
             </a:r>
             <a:r>
               <a:rPr lang="en-US" sz="3200" b="1" dirty="0">
@@ -35542,8 +36274,17 @@
               <a:rPr lang="en-US" sz="3200" dirty="0">
                 <a:latin typeface="+mn-lt"/>
               </a:rPr>
-              <a:t> Package</a:t>
+              <a:t> Package on </a:t>
             </a:r>
+            <a:r>
+              <a:rPr lang="en-US" sz="3200" dirty="0" err="1">
+                <a:latin typeface="+mn-lt"/>
+              </a:rPr>
+              <a:t>PyPi</a:t>
+            </a:r>
+            <a:endParaRPr lang="en-US" sz="3200" dirty="0">
+              <a:latin typeface="+mn-lt"/>
+            </a:endParaRPr>
           </a:p>
         </p:txBody>
       </p:sp>
@@ -35564,7 +36305,7 @@
           <a:p>
             <a:fld id="{650AD656-6FF9-465D-B7B0-1CD0DD39CD23}" type="slidenum">
               <a:rPr lang="en-US" smtClean="0"/>
-              <a:t>6</a:t>
+              <a:t>7</a:t>
             </a:fld>
             <a:endParaRPr lang="en-US" dirty="0"/>
           </a:p>
@@ -35622,24 +36363,174 @@
           </a:p>
         </p:txBody>
       </p:sp>
+      <p:sp>
+        <p:nvSpPr>
+          <p:cNvPr id="4" name="Rectangle 3">
+            <a:extLst>
+              <a:ext uri="{FF2B5EF4-FFF2-40B4-BE49-F238E27FC236}">
+                <a16:creationId xmlns:a16="http://schemas.microsoft.com/office/drawing/2014/main" id="{A3F708ED-FE8B-1D46-58A6-200DA875F262}"/>
+              </a:ext>
+            </a:extLst>
+          </p:cNvPr>
+          <p:cNvSpPr/>
+          <p:nvPr/>
+        </p:nvSpPr>
+        <p:spPr>
+          <a:xfrm>
+            <a:off x="1601328" y="2078675"/>
+            <a:ext cx="596440" cy="267285"/>
+          </a:xfrm>
+          <a:prstGeom prst="rect">
+            <a:avLst/>
+          </a:prstGeom>
+          <a:noFill/>
+          <a:ln w="38100">
+            <a:solidFill>
+              <a:srgbClr val="FF0000"/>
+            </a:solidFill>
+          </a:ln>
+        </p:spPr>
+        <p:style>
+          <a:lnRef idx="2">
+            <a:schemeClr val="accent1">
+              <a:shade val="50000"/>
+            </a:schemeClr>
+          </a:lnRef>
+          <a:fillRef idx="1">
+            <a:schemeClr val="accent1"/>
+          </a:fillRef>
+          <a:effectRef idx="0">
+            <a:schemeClr val="accent1"/>
+          </a:effectRef>
+          <a:fontRef idx="minor">
+            <a:schemeClr val="lt1"/>
+          </a:fontRef>
+        </p:style>
+        <p:txBody>
+          <a:bodyPr rtlCol="0" anchor="ctr"/>
+          <a:lstStyle/>
+          <a:p>
+            <a:pPr algn="ctr"/>
+            <a:endParaRPr lang="en-US"/>
+          </a:p>
+        </p:txBody>
+      </p:sp>
+      <p:sp>
+        <p:nvSpPr>
+          <p:cNvPr id="5" name="Rectangle 4">
+            <a:extLst>
+              <a:ext uri="{FF2B5EF4-FFF2-40B4-BE49-F238E27FC236}">
+                <a16:creationId xmlns:a16="http://schemas.microsoft.com/office/drawing/2014/main" id="{70AEB29C-D9D4-E1C5-AED1-82A1564BB003}"/>
+              </a:ext>
+            </a:extLst>
+          </p:cNvPr>
+          <p:cNvSpPr/>
+          <p:nvPr/>
+        </p:nvSpPr>
+        <p:spPr>
+          <a:xfrm>
+            <a:off x="6243403" y="2078674"/>
+            <a:ext cx="1064302" cy="267285"/>
+          </a:xfrm>
+          <a:prstGeom prst="rect">
+            <a:avLst/>
+          </a:prstGeom>
+          <a:noFill/>
+          <a:ln w="38100">
+            <a:solidFill>
+              <a:srgbClr val="FF0000"/>
+            </a:solidFill>
+          </a:ln>
+        </p:spPr>
+        <p:style>
+          <a:lnRef idx="2">
+            <a:schemeClr val="accent1">
+              <a:shade val="50000"/>
+            </a:schemeClr>
+          </a:lnRef>
+          <a:fillRef idx="1">
+            <a:schemeClr val="accent1"/>
+          </a:fillRef>
+          <a:effectRef idx="0">
+            <a:schemeClr val="accent1"/>
+          </a:effectRef>
+          <a:fontRef idx="minor">
+            <a:schemeClr val="lt1"/>
+          </a:fontRef>
+        </p:style>
+        <p:txBody>
+          <a:bodyPr rtlCol="0" anchor="ctr"/>
+          <a:lstStyle/>
+          <a:p>
+            <a:pPr algn="ctr"/>
+            <a:endParaRPr lang="en-US"/>
+          </a:p>
+        </p:txBody>
+      </p:sp>
       <p:cxnSp>
         <p:nvCxnSpPr>
-          <p:cNvPr id="9" name="Straight Arrow Connector 8">
+          <p:cNvPr id="8" name="Connector: Elbow 7">
             <a:extLst>
               <a:ext uri="{FF2B5EF4-FFF2-40B4-BE49-F238E27FC236}">
-                <a16:creationId xmlns:a16="http://schemas.microsoft.com/office/drawing/2014/main" id="{3CF4CDAA-1421-49EE-8671-BD87CD979C87}"/>
+                <a16:creationId xmlns:a16="http://schemas.microsoft.com/office/drawing/2014/main" id="{0ACA7CEF-FA03-EF11-E32F-28B3669862A1}"/>
               </a:ext>
             </a:extLst>
           </p:cNvPr>
           <p:cNvCxnSpPr>
             <a:cxnSpLocks/>
+            <a:stCxn id="4" idx="2"/>
+            <a:endCxn id="5" idx="2"/>
           </p:cNvCxnSpPr>
           <p:nvPr/>
         </p:nvCxnSpPr>
         <p:spPr>
-          <a:xfrm>
-            <a:off x="2189061" y="2256020"/>
-            <a:ext cx="876687" cy="770841"/>
+          <a:xfrm rot="5400000" flipH="1" flipV="1">
+            <a:off x="4337550" y="-92043"/>
+            <a:ext cx="1" cy="4876006"/>
+          </a:xfrm>
+          <a:prstGeom prst="bentConnector3">
+            <a:avLst>
+              <a:gd name="adj1" fmla="val -22860000000"/>
+            </a:avLst>
+          </a:prstGeom>
+          <a:ln w="38100">
+            <a:solidFill>
+              <a:srgbClr val="FF0000"/>
+            </a:solidFill>
+            <a:tailEnd type="triangle"/>
+          </a:ln>
+        </p:spPr>
+        <p:style>
+          <a:lnRef idx="1">
+            <a:schemeClr val="accent1"/>
+          </a:lnRef>
+          <a:fillRef idx="0">
+            <a:schemeClr val="accent1"/>
+          </a:fillRef>
+          <a:effectRef idx="0">
+            <a:schemeClr val="accent1"/>
+          </a:effectRef>
+          <a:fontRef idx="minor">
+            <a:schemeClr val="tx1"/>
+          </a:fontRef>
+        </p:style>
+      </p:cxnSp>
+      <p:cxnSp>
+        <p:nvCxnSpPr>
+          <p:cNvPr id="11" name="Straight Arrow Connector 10">
+            <a:extLst>
+              <a:ext uri="{FF2B5EF4-FFF2-40B4-BE49-F238E27FC236}">
+                <a16:creationId xmlns:a16="http://schemas.microsoft.com/office/drawing/2014/main" id="{88D83419-CD2B-1E03-936E-20A5D42A0758}"/>
+              </a:ext>
+            </a:extLst>
+          </p:cNvPr>
+          <p:cNvCxnSpPr/>
+          <p:nvPr/>
+        </p:nvCxnSpPr>
+        <p:spPr>
+          <a:xfrm flipH="1" flipV="1">
+            <a:off x="3740041" y="3066659"/>
+            <a:ext cx="831954" cy="1011836"/>
           </a:xfrm>
           <a:prstGeom prst="straightConnector1">
             <a:avLst/>
@@ -35679,7 +36570,248 @@
 </p:sld>
 </file>
 
-<file path=ppt/slides/slide7.xml><?xml version="1.0" encoding="utf-8"?>
+<file path=ppt/slides/slide8.xml><?xml version="1.0" encoding="utf-8"?>
+<p:sld xmlns:a="http://schemas.openxmlformats.org/drawingml/2006/main" xmlns:r="http://schemas.openxmlformats.org/officeDocument/2006/relationships" xmlns:p="http://schemas.openxmlformats.org/presentationml/2006/main">
+  <p:cSld>
+    <p:spTree>
+      <p:nvGrpSpPr>
+        <p:cNvPr id="1" name="">
+          <a:extLst>
+            <a:ext uri="{FF2B5EF4-FFF2-40B4-BE49-F238E27FC236}">
+              <a16:creationId xmlns:a16="http://schemas.microsoft.com/office/drawing/2014/main" id="{063C7709-4B73-7C1C-476F-B9D90A25F2FD}"/>
+            </a:ext>
+          </a:extLst>
+        </p:cNvPr>
+        <p:cNvGrpSpPr/>
+        <p:nvPr/>
+      </p:nvGrpSpPr>
+      <p:grpSpPr>
+        <a:xfrm>
+          <a:off x="0" y="0"/>
+          <a:ext cx="0" cy="0"/>
+          <a:chOff x="0" y="0"/>
+          <a:chExt cx="0" cy="0"/>
+        </a:xfrm>
+      </p:grpSpPr>
+      <p:pic>
+        <p:nvPicPr>
+          <p:cNvPr id="5" name="Picture 4">
+            <a:extLst>
+              <a:ext uri="{FF2B5EF4-FFF2-40B4-BE49-F238E27FC236}">
+                <a16:creationId xmlns:a16="http://schemas.microsoft.com/office/drawing/2014/main" id="{4F6B8EA8-73AD-86D1-1499-F687914381C1}"/>
+              </a:ext>
+            </a:extLst>
+          </p:cNvPr>
+          <p:cNvPicPr>
+            <a:picLocks noChangeAspect="1"/>
+          </p:cNvPicPr>
+          <p:nvPr/>
+        </p:nvPicPr>
+        <p:blipFill>
+          <a:blip r:embed="rId2"/>
+          <a:stretch>
+            <a:fillRect/>
+          </a:stretch>
+        </p:blipFill>
+        <p:spPr>
+          <a:xfrm>
+            <a:off x="1505329" y="1690689"/>
+            <a:ext cx="6133333" cy="4419048"/>
+          </a:xfrm>
+          <a:prstGeom prst="rect">
+            <a:avLst/>
+          </a:prstGeom>
+          <a:ln>
+            <a:solidFill>
+              <a:schemeClr val="tx1"/>
+            </a:solidFill>
+          </a:ln>
+        </p:spPr>
+      </p:pic>
+      <p:sp>
+        <p:nvSpPr>
+          <p:cNvPr id="2" name="Title 1">
+            <a:extLst>
+              <a:ext uri="{FF2B5EF4-FFF2-40B4-BE49-F238E27FC236}">
+                <a16:creationId xmlns:a16="http://schemas.microsoft.com/office/drawing/2014/main" id="{EF3B7C0A-392E-8DA0-CB8E-5818DCAF56E4}"/>
+              </a:ext>
+            </a:extLst>
+          </p:cNvPr>
+          <p:cNvSpPr>
+            <a:spLocks noGrp="1"/>
+          </p:cNvSpPr>
+          <p:nvPr>
+            <p:ph type="title"/>
+          </p:nvPr>
+        </p:nvSpPr>
+        <p:spPr/>
+        <p:txBody>
+          <a:bodyPr>
+            <a:noAutofit/>
+          </a:bodyPr>
+          <a:lstStyle/>
+          <a:p>
+            <a:pPr algn="ctr"/>
+            <a:r>
+              <a:rPr lang="en-US" sz="3200" dirty="0">
+                <a:latin typeface="+mn-lt"/>
+              </a:rPr>
+              <a:t>Install the </a:t>
+            </a:r>
+            <a:r>
+              <a:rPr lang="en-US" sz="3200" b="1" dirty="0">
+                <a:latin typeface="+mn-lt"/>
+              </a:rPr>
+              <a:t>matplotlib</a:t>
+            </a:r>
+            <a:r>
+              <a:rPr lang="en-US" sz="3200" dirty="0">
+                <a:latin typeface="+mn-lt"/>
+              </a:rPr>
+              <a:t> Package</a:t>
+            </a:r>
+          </a:p>
+        </p:txBody>
+      </p:sp>
+      <p:sp>
+        <p:nvSpPr>
+          <p:cNvPr id="3" name="Slide Number Placeholder 2">
+            <a:extLst>
+              <a:ext uri="{FF2B5EF4-FFF2-40B4-BE49-F238E27FC236}">
+                <a16:creationId xmlns:a16="http://schemas.microsoft.com/office/drawing/2014/main" id="{6B940FBE-31B5-1A92-731B-A1F267D32DA0}"/>
+              </a:ext>
+            </a:extLst>
+          </p:cNvPr>
+          <p:cNvSpPr>
+            <a:spLocks noGrp="1"/>
+          </p:cNvSpPr>
+          <p:nvPr>
+            <p:ph type="sldNum" sz="quarter" idx="12"/>
+          </p:nvPr>
+        </p:nvSpPr>
+        <p:spPr/>
+        <p:txBody>
+          <a:bodyPr/>
+          <a:lstStyle/>
+          <a:p>
+            <a:fld id="{650AD656-6FF9-465D-B7B0-1CD0DD39CD23}" type="slidenum">
+              <a:rPr lang="en-US" smtClean="0"/>
+              <a:t>8</a:t>
+            </a:fld>
+            <a:endParaRPr lang="en-US" dirty="0"/>
+          </a:p>
+        </p:txBody>
+      </p:sp>
+      <p:sp>
+        <p:nvSpPr>
+          <p:cNvPr id="6" name="Rectangle 5">
+            <a:extLst>
+              <a:ext uri="{FF2B5EF4-FFF2-40B4-BE49-F238E27FC236}">
+                <a16:creationId xmlns:a16="http://schemas.microsoft.com/office/drawing/2014/main" id="{AA2A60B8-9DDD-E45B-F508-935696049D99}"/>
+              </a:ext>
+            </a:extLst>
+          </p:cNvPr>
+          <p:cNvSpPr/>
+          <p:nvPr/>
+        </p:nvSpPr>
+        <p:spPr>
+          <a:xfrm>
+            <a:off x="3121896" y="5726636"/>
+            <a:ext cx="1249578" cy="257069"/>
+          </a:xfrm>
+          <a:prstGeom prst="rect">
+            <a:avLst/>
+          </a:prstGeom>
+          <a:noFill/>
+          <a:ln w="38100">
+            <a:solidFill>
+              <a:srgbClr val="FF0000"/>
+            </a:solidFill>
+          </a:ln>
+        </p:spPr>
+        <p:style>
+          <a:lnRef idx="2">
+            <a:schemeClr val="accent1">
+              <a:shade val="50000"/>
+            </a:schemeClr>
+          </a:lnRef>
+          <a:fillRef idx="1">
+            <a:schemeClr val="accent1"/>
+          </a:fillRef>
+          <a:effectRef idx="0">
+            <a:schemeClr val="accent1"/>
+          </a:effectRef>
+          <a:fontRef idx="minor">
+            <a:schemeClr val="lt1"/>
+          </a:fontRef>
+        </p:style>
+        <p:txBody>
+          <a:bodyPr rtlCol="0" anchor="ctr"/>
+          <a:lstStyle/>
+          <a:p>
+            <a:pPr algn="ctr"/>
+            <a:endParaRPr lang="en-US"/>
+          </a:p>
+        </p:txBody>
+      </p:sp>
+      <p:cxnSp>
+        <p:nvCxnSpPr>
+          <p:cNvPr id="9" name="Straight Arrow Connector 8">
+            <a:extLst>
+              <a:ext uri="{FF2B5EF4-FFF2-40B4-BE49-F238E27FC236}">
+                <a16:creationId xmlns:a16="http://schemas.microsoft.com/office/drawing/2014/main" id="{6283ACD5-A03F-B37A-1D14-CD5D6AAE9AC4}"/>
+              </a:ext>
+            </a:extLst>
+          </p:cNvPr>
+          <p:cNvCxnSpPr>
+            <a:cxnSpLocks/>
+          </p:cNvCxnSpPr>
+          <p:nvPr/>
+        </p:nvCxnSpPr>
+        <p:spPr>
+          <a:xfrm flipH="1">
+            <a:off x="4037619" y="4948514"/>
+            <a:ext cx="667709" cy="906656"/>
+          </a:xfrm>
+          <a:prstGeom prst="straightConnector1">
+            <a:avLst/>
+          </a:prstGeom>
+          <a:ln w="38100">
+            <a:solidFill>
+              <a:srgbClr val="FF0000"/>
+            </a:solidFill>
+            <a:tailEnd type="triangle"/>
+          </a:ln>
+        </p:spPr>
+        <p:style>
+          <a:lnRef idx="1">
+            <a:schemeClr val="accent1"/>
+          </a:lnRef>
+          <a:fillRef idx="0">
+            <a:schemeClr val="accent1"/>
+          </a:fillRef>
+          <a:effectRef idx="0">
+            <a:schemeClr val="accent1"/>
+          </a:effectRef>
+          <a:fontRef idx="minor">
+            <a:schemeClr val="tx1"/>
+          </a:fontRef>
+        </p:style>
+      </p:cxnSp>
+    </p:spTree>
+    <p:extLst>
+      <p:ext uri="{BB962C8B-B14F-4D97-AF65-F5344CB8AC3E}">
+        <p14:creationId xmlns:p14="http://schemas.microsoft.com/office/powerpoint/2010/main" val="2139346670"/>
+      </p:ext>
+    </p:extLst>
+  </p:cSld>
+  <p:clrMapOvr>
+    <a:masterClrMapping/>
+  </p:clrMapOvr>
+</p:sld>
+</file>
+
+<file path=ppt/slides/slide9.xml><?xml version="1.0" encoding="utf-8"?>
 <p:sld xmlns:a="http://schemas.openxmlformats.org/drawingml/2006/main" xmlns:r="http://schemas.openxmlformats.org/officeDocument/2006/relationships" xmlns:p="http://schemas.openxmlformats.org/presentationml/2006/main">
   <p:cSld>
     <p:spTree>
@@ -35698,10 +36830,10 @@
       </p:grpSpPr>
       <p:pic>
         <p:nvPicPr>
-          <p:cNvPr id="7" name="Picture 6">
+          <p:cNvPr id="5" name="Picture 4">
             <a:extLst>
               <a:ext uri="{FF2B5EF4-FFF2-40B4-BE49-F238E27FC236}">
-                <a16:creationId xmlns:a16="http://schemas.microsoft.com/office/drawing/2014/main" id="{80242100-013B-62C0-185A-3ADC906DC598}"/>
+                <a16:creationId xmlns:a16="http://schemas.microsoft.com/office/drawing/2014/main" id="{8C48C40C-1471-B5AB-4E2D-4A638E58864D}"/>
               </a:ext>
             </a:extLst>
           </p:cNvPr>
@@ -35724,13 +36856,11 @@
           <a:prstGeom prst="rect">
             <a:avLst/>
           </a:prstGeom>
-          <a:effectLst>
-            <a:outerShdw blurRad="50800" dist="38100" dir="2700000" algn="tl" rotWithShape="0">
-              <a:prstClr val="black">
-                <a:alpha val="40000"/>
-              </a:prstClr>
-            </a:outerShdw>
-          </a:effectLst>
+          <a:ln>
+            <a:solidFill>
+              <a:schemeClr val="tx1"/>
+            </a:solidFill>
+          </a:ln>
         </p:spPr>
       </p:pic>
       <p:sp>
@@ -35789,7 +36919,7 @@
           <a:p>
             <a:fld id="{650AD656-6FF9-465D-B7B0-1CD0DD39CD23}" type="slidenum">
               <a:rPr lang="en-US" smtClean="0"/>
-              <a:t>7</a:t>
+              <a:t>9</a:t>
             </a:fld>
             <a:endParaRPr lang="en-US" dirty="0"/>
           </a:p>
@@ -35895,513 +37025,6 @@
     <p:extLst>
       <p:ext uri="{BB962C8B-B14F-4D97-AF65-F5344CB8AC3E}">
         <p14:creationId xmlns:p14="http://schemas.microsoft.com/office/powerpoint/2010/main" val="2709447525"/>
-      </p:ext>
-    </p:extLst>
-  </p:cSld>
-  <p:clrMapOvr>
-    <a:masterClrMapping/>
-  </p:clrMapOvr>
-</p:sld>
-</file>
-
-<file path=ppt/slides/slide8.xml><?xml version="1.0" encoding="utf-8"?>
-<p:sld xmlns:a="http://schemas.openxmlformats.org/drawingml/2006/main" xmlns:r="http://schemas.openxmlformats.org/officeDocument/2006/relationships" xmlns:p="http://schemas.openxmlformats.org/presentationml/2006/main">
-  <p:cSld>
-    <p:spTree>
-      <p:nvGrpSpPr>
-        <p:cNvPr id="1" name=""/>
-        <p:cNvGrpSpPr/>
-        <p:nvPr/>
-      </p:nvGrpSpPr>
-      <p:grpSpPr>
-        <a:xfrm>
-          <a:off x="0" y="0"/>
-          <a:ext cx="0" cy="0"/>
-          <a:chOff x="0" y="0"/>
-          <a:chExt cx="0" cy="0"/>
-        </a:xfrm>
-      </p:grpSpPr>
-      <p:sp>
-        <p:nvSpPr>
-          <p:cNvPr id="2" name="Title 1"/>
-          <p:cNvSpPr>
-            <a:spLocks noGrp="1"/>
-          </p:cNvSpPr>
-          <p:nvPr>
-            <p:ph type="title"/>
-          </p:nvPr>
-        </p:nvSpPr>
-        <p:spPr/>
-        <p:txBody>
-          <a:bodyPr>
-            <a:noAutofit/>
-          </a:bodyPr>
-          <a:lstStyle/>
-          <a:p>
-            <a:pPr algn="ctr"/>
-            <a:r>
-              <a:rPr lang="en-US" sz="3200" dirty="0">
-                <a:latin typeface="+mn-lt"/>
-              </a:rPr>
-              <a:t>Cartesian Coordinates</a:t>
-            </a:r>
-          </a:p>
-        </p:txBody>
-      </p:sp>
-      <p:sp>
-        <p:nvSpPr>
-          <p:cNvPr id="4" name="Slide Number Placeholder 3"/>
-          <p:cNvSpPr>
-            <a:spLocks noGrp="1"/>
-          </p:cNvSpPr>
-          <p:nvPr>
-            <p:ph type="sldNum" sz="quarter" idx="12"/>
-          </p:nvPr>
-        </p:nvSpPr>
-        <p:spPr/>
-        <p:txBody>
-          <a:bodyPr/>
-          <a:lstStyle/>
-          <a:p>
-            <a:fld id="{650AD656-6FF9-465D-B7B0-1CD0DD39CD23}" type="slidenum">
-              <a:rPr lang="en-US" smtClean="0"/>
-              <a:t>8</a:t>
-            </a:fld>
-            <a:endParaRPr lang="en-US" dirty="0"/>
-          </a:p>
-        </p:txBody>
-      </p:sp>
-      <p:sp>
-        <p:nvSpPr>
-          <p:cNvPr id="3" name="Content Placeholder 2"/>
-          <p:cNvSpPr>
-            <a:spLocks noGrp="1"/>
-          </p:cNvSpPr>
-          <p:nvPr>
-            <p:ph idx="4294967295"/>
-          </p:nvPr>
-        </p:nvSpPr>
-        <p:spPr>
-          <a:xfrm>
-            <a:off x="698988" y="1821585"/>
-            <a:ext cx="2184400" cy="1073150"/>
-          </a:xfrm>
-        </p:spPr>
-        <p:txBody>
-          <a:bodyPr>
-            <a:noAutofit/>
-          </a:bodyPr>
-          <a:lstStyle/>
-          <a:p>
-            <a:pPr marL="0" indent="0" algn="ctr">
-              <a:buNone/>
-            </a:pPr>
-            <a:r>
-              <a:rPr lang="en-US" sz="2400" dirty="0"/>
-              <a:t>Created by René Descartes in 1637</a:t>
-            </a:r>
-          </a:p>
-        </p:txBody>
-      </p:sp>
-      <p:pic>
-        <p:nvPicPr>
-          <p:cNvPr id="5" name="Picture 4"/>
-          <p:cNvPicPr>
-            <a:picLocks noChangeAspect="1"/>
-          </p:cNvPicPr>
-          <p:nvPr/>
-        </p:nvPicPr>
-        <p:blipFill>
-          <a:blip r:embed="rId3"/>
-          <a:stretch>
-            <a:fillRect/>
-          </a:stretch>
-        </p:blipFill>
-        <p:spPr>
-          <a:xfrm>
-            <a:off x="698988" y="3025631"/>
-            <a:ext cx="2200000" cy="2752381"/>
-          </a:xfrm>
-          <a:prstGeom prst="rect">
-            <a:avLst/>
-          </a:prstGeom>
-        </p:spPr>
-      </p:pic>
-      <p:pic>
-        <p:nvPicPr>
-          <p:cNvPr id="7" name="Picture 6"/>
-          <p:cNvPicPr>
-            <a:picLocks noChangeAspect="1"/>
-          </p:cNvPicPr>
-          <p:nvPr/>
-        </p:nvPicPr>
-        <p:blipFill>
-          <a:blip r:embed="rId4"/>
-          <a:stretch>
-            <a:fillRect/>
-          </a:stretch>
-        </p:blipFill>
-        <p:spPr>
-          <a:xfrm>
-            <a:off x="3799919" y="1825624"/>
-            <a:ext cx="4242112" cy="4242112"/>
-          </a:xfrm>
-          <a:prstGeom prst="rect">
-            <a:avLst/>
-          </a:prstGeom>
-        </p:spPr>
-      </p:pic>
-    </p:spTree>
-    <p:extLst>
-      <p:ext uri="{BB962C8B-B14F-4D97-AF65-F5344CB8AC3E}">
-        <p14:creationId xmlns:p14="http://schemas.microsoft.com/office/powerpoint/2010/main" val="4185308278"/>
-      </p:ext>
-    </p:extLst>
-  </p:cSld>
-  <p:clrMapOvr>
-    <a:masterClrMapping/>
-  </p:clrMapOvr>
-</p:sld>
-</file>
-
-<file path=ppt/slides/slide9.xml><?xml version="1.0" encoding="utf-8"?>
-<p:sld xmlns:a="http://schemas.openxmlformats.org/drawingml/2006/main" xmlns:r="http://schemas.openxmlformats.org/officeDocument/2006/relationships" xmlns:p="http://schemas.openxmlformats.org/presentationml/2006/main">
-  <p:cSld>
-    <p:spTree>
-      <p:nvGrpSpPr>
-        <p:cNvPr id="1" name=""/>
-        <p:cNvGrpSpPr/>
-        <p:nvPr/>
-      </p:nvGrpSpPr>
-      <p:grpSpPr>
-        <a:xfrm>
-          <a:off x="0" y="0"/>
-          <a:ext cx="0" cy="0"/>
-          <a:chOff x="0" y="0"/>
-          <a:chExt cx="0" cy="0"/>
-        </a:xfrm>
-      </p:grpSpPr>
-      <p:sp>
-        <p:nvSpPr>
-          <p:cNvPr id="2" name="Title 1">
-            <a:extLst>
-              <a:ext uri="{FF2B5EF4-FFF2-40B4-BE49-F238E27FC236}">
-                <a16:creationId xmlns:a16="http://schemas.microsoft.com/office/drawing/2014/main" id="{B15B6439-41E6-140A-FAE2-84DA1CCE9574}"/>
-              </a:ext>
-            </a:extLst>
-          </p:cNvPr>
-          <p:cNvSpPr>
-            <a:spLocks noGrp="1"/>
-          </p:cNvSpPr>
-          <p:nvPr>
-            <p:ph type="title"/>
-          </p:nvPr>
-        </p:nvSpPr>
-        <p:spPr/>
-        <p:txBody>
-          <a:bodyPr>
-            <a:normAutofit/>
-          </a:bodyPr>
-          <a:lstStyle/>
-          <a:p>
-            <a:pPr algn="ctr"/>
-            <a:r>
-              <a:rPr lang="en-US" sz="3200" dirty="0">
-                <a:latin typeface="+mn-lt"/>
-              </a:rPr>
-              <a:t>Line Graphs using matplotlib</a:t>
-            </a:r>
-          </a:p>
-        </p:txBody>
-      </p:sp>
-      <mc:AlternateContent xmlns:mc="http://schemas.openxmlformats.org/markup-compatibility/2006" xmlns:a14="http://schemas.microsoft.com/office/drawing/2010/main">
-        <mc:Choice Requires="a14">
-          <p:sp>
-            <p:nvSpPr>
-              <p:cNvPr id="3" name="Content Placeholder 2">
-                <a:extLst>
-                  <a:ext uri="{FF2B5EF4-FFF2-40B4-BE49-F238E27FC236}">
-                    <a16:creationId xmlns:a16="http://schemas.microsoft.com/office/drawing/2014/main" id="{9B72E0DF-EA1E-2B29-FBAA-C77F1DA8F842}"/>
-                  </a:ext>
-                </a:extLst>
-              </p:cNvPr>
-              <p:cNvSpPr>
-                <a:spLocks noGrp="1"/>
-              </p:cNvSpPr>
-              <p:nvPr>
-                <p:ph idx="1"/>
-              </p:nvPr>
-            </p:nvSpPr>
-            <p:spPr/>
-            <p:txBody>
-              <a:bodyPr>
-                <a:normAutofit/>
-              </a:bodyPr>
-              <a:lstStyle/>
-              <a:p>
-                <a:r>
-                  <a:rPr lang="en-US" sz="2400" dirty="0"/>
-                  <a:t>Your scientist has asked you to plot the following two functions:</a:t>
-                </a:r>
-              </a:p>
-              <a:p>
-                <a:pPr marL="0" indent="0">
-                  <a:buNone/>
-                </a:pPr>
-                <a14:m>
-                  <m:oMathPara xmlns:m="http://schemas.openxmlformats.org/officeDocument/2006/math">
-                    <m:oMathParaPr>
-                      <m:jc m:val="centerGroup"/>
-                    </m:oMathParaPr>
-                    <m:oMath xmlns:m="http://schemas.openxmlformats.org/officeDocument/2006/math">
-                      <m:sSub>
-                        <m:sSubPr>
-                          <m:ctrlPr>
-                            <a:rPr lang="en-US" sz="2400" i="1" smtClean="0">
-                              <a:latin typeface="Cambria Math" panose="02040503050406030204" pitchFamily="18" charset="0"/>
-                            </a:rPr>
-                          </m:ctrlPr>
-                        </m:sSubPr>
-                        <m:e>
-                          <m:r>
-                            <a:rPr lang="en-US" sz="2400" b="0" i="1" smtClean="0">
-                              <a:latin typeface="Cambria Math" panose="02040503050406030204" pitchFamily="18" charset="0"/>
-                            </a:rPr>
-                            <m:t>𝑦</m:t>
-                          </m:r>
-                        </m:e>
-                        <m:sub>
-                          <m:r>
-                            <a:rPr lang="en-US" sz="2400" b="0" i="1" smtClean="0">
-                              <a:latin typeface="Cambria Math" panose="02040503050406030204" pitchFamily="18" charset="0"/>
-                            </a:rPr>
-                            <m:t>1</m:t>
-                          </m:r>
-                        </m:sub>
-                      </m:sSub>
-                      <m:r>
-                        <a:rPr lang="en-US" sz="2400" b="0" i="1" smtClean="0">
-                          <a:latin typeface="Cambria Math" panose="02040503050406030204" pitchFamily="18" charset="0"/>
-                        </a:rPr>
-                        <m:t>=2</m:t>
-                      </m:r>
-                      <m:r>
-                        <a:rPr lang="en-US" sz="2400" b="0" i="1" smtClean="0">
-                          <a:latin typeface="Cambria Math" panose="02040503050406030204" pitchFamily="18" charset="0"/>
-                        </a:rPr>
-                        <m:t>𝑥</m:t>
-                      </m:r>
-                      <m:r>
-                        <a:rPr lang="en-US" sz="2400" b="0" i="1" smtClean="0">
-                          <a:latin typeface="Cambria Math" panose="02040503050406030204" pitchFamily="18" charset="0"/>
-                        </a:rPr>
-                        <m:t>−5</m:t>
-                      </m:r>
-                    </m:oMath>
-                  </m:oMathPara>
-                </a14:m>
-                <a:endParaRPr lang="en-US" sz="2400" b="0" dirty="0"/>
-              </a:p>
-              <a:p>
-                <a:pPr marL="0" indent="0">
-                  <a:buNone/>
-                </a:pPr>
-                <a14:m>
-                  <m:oMathPara xmlns:m="http://schemas.openxmlformats.org/officeDocument/2006/math">
-                    <m:oMathParaPr>
-                      <m:jc m:val="centerGroup"/>
-                    </m:oMathParaPr>
-                    <m:oMath xmlns:m="http://schemas.openxmlformats.org/officeDocument/2006/math">
-                      <m:sSub>
-                        <m:sSubPr>
-                          <m:ctrlPr>
-                            <a:rPr lang="en-US" sz="2400" i="1" smtClean="0">
-                              <a:latin typeface="Cambria Math" panose="02040503050406030204" pitchFamily="18" charset="0"/>
-                            </a:rPr>
-                          </m:ctrlPr>
-                        </m:sSubPr>
-                        <m:e>
-                          <m:r>
-                            <a:rPr lang="en-US" sz="2400" b="0" i="1" smtClean="0">
-                              <a:latin typeface="Cambria Math" panose="02040503050406030204" pitchFamily="18" charset="0"/>
-                            </a:rPr>
-                            <m:t>𝑦</m:t>
-                          </m:r>
-                        </m:e>
-                        <m:sub>
-                          <m:r>
-                            <a:rPr lang="en-US" sz="2400" b="0" i="1" smtClean="0">
-                              <a:latin typeface="Cambria Math" panose="02040503050406030204" pitchFamily="18" charset="0"/>
-                            </a:rPr>
-                            <m:t>2</m:t>
-                          </m:r>
-                        </m:sub>
-                      </m:sSub>
-                      <m:r>
-                        <a:rPr lang="en-US" sz="2400" b="0" i="1" smtClean="0">
-                          <a:latin typeface="Cambria Math" panose="02040503050406030204" pitchFamily="18" charset="0"/>
-                        </a:rPr>
-                        <m:t>=−0.3</m:t>
-                      </m:r>
-                      <m:sSup>
-                        <m:sSupPr>
-                          <m:ctrlPr>
-                            <a:rPr lang="en-US" sz="2400" b="0" i="1" smtClean="0">
-                              <a:latin typeface="Cambria Math" panose="02040503050406030204" pitchFamily="18" charset="0"/>
-                            </a:rPr>
-                          </m:ctrlPr>
-                        </m:sSupPr>
-                        <m:e>
-                          <m:r>
-                            <a:rPr lang="en-US" sz="2400" b="0" i="1" smtClean="0">
-                              <a:latin typeface="Cambria Math" panose="02040503050406030204" pitchFamily="18" charset="0"/>
-                            </a:rPr>
-                            <m:t>𝑥</m:t>
-                          </m:r>
-                        </m:e>
-                        <m:sup>
-                          <m:r>
-                            <a:rPr lang="en-US" sz="2400" b="0" i="1" smtClean="0">
-                              <a:latin typeface="Cambria Math" panose="02040503050406030204" pitchFamily="18" charset="0"/>
-                            </a:rPr>
-                            <m:t>2</m:t>
-                          </m:r>
-                        </m:sup>
-                      </m:sSup>
-                      <m:r>
-                        <a:rPr lang="en-US" sz="2400" b="0" i="1" smtClean="0">
-                          <a:latin typeface="Cambria Math" panose="02040503050406030204" pitchFamily="18" charset="0"/>
-                        </a:rPr>
-                        <m:t>+15</m:t>
-                      </m:r>
-                    </m:oMath>
-                  </m:oMathPara>
-                </a14:m>
-                <a:endParaRPr lang="en-US" sz="2400" dirty="0"/>
-              </a:p>
-              <a:p>
-                <a:r>
-                  <a:rPr lang="en-US" sz="2400" dirty="0"/>
-                  <a:t>The domain for both functions is </a:t>
-                </a:r>
-                <a14:m>
-                  <m:oMath xmlns:m="http://schemas.openxmlformats.org/officeDocument/2006/math">
-                    <m:r>
-                      <a:rPr lang="en-US" sz="2400" b="0" i="1" smtClean="0">
-                        <a:latin typeface="Cambria Math" panose="02040503050406030204" pitchFamily="18" charset="0"/>
-                      </a:rPr>
-                      <m:t>−10</m:t>
-                    </m:r>
-                    <m:r>
-                      <a:rPr lang="en-US" sz="2400" b="0" i="1" smtClean="0">
-                        <a:latin typeface="Cambria Math" panose="02040503050406030204" pitchFamily="18" charset="0"/>
-                        <a:ea typeface="Cambria Math" panose="02040503050406030204" pitchFamily="18" charset="0"/>
-                      </a:rPr>
-                      <m:t>≤</m:t>
-                    </m:r>
-                    <m:r>
-                      <a:rPr lang="en-US" sz="2400" b="0" i="1" smtClean="0">
-                        <a:latin typeface="Cambria Math" panose="02040503050406030204" pitchFamily="18" charset="0"/>
-                        <a:ea typeface="Cambria Math" panose="02040503050406030204" pitchFamily="18" charset="0"/>
-                      </a:rPr>
-                      <m:t>𝑥</m:t>
-                    </m:r>
-                    <m:r>
-                      <a:rPr lang="en-US" sz="2400" b="0" i="1" smtClean="0">
-                        <a:latin typeface="Cambria Math" panose="02040503050406030204" pitchFamily="18" charset="0"/>
-                        <a:ea typeface="Cambria Math" panose="02040503050406030204" pitchFamily="18" charset="0"/>
-                      </a:rPr>
-                      <m:t>≤10</m:t>
-                    </m:r>
-                  </m:oMath>
-                </a14:m>
-                <a:endParaRPr lang="en-US" sz="2400" b="0" dirty="0">
-                  <a:ea typeface="Cambria Math" panose="02040503050406030204" pitchFamily="18" charset="0"/>
-                </a:endParaRPr>
-              </a:p>
-              <a:p>
-                <a:r>
-                  <a:rPr lang="en-US" sz="2400" dirty="0"/>
-                  <a:t>You should plot both curves on the same graph</a:t>
-                </a:r>
-              </a:p>
-            </p:txBody>
-          </p:sp>
-        </mc:Choice>
-        <mc:Fallback xmlns="">
-          <p:sp>
-            <p:nvSpPr>
-              <p:cNvPr id="3" name="Content Placeholder 2">
-                <a:extLst>
-                  <a:ext uri="{FF2B5EF4-FFF2-40B4-BE49-F238E27FC236}">
-                    <a16:creationId xmlns:a16="http://schemas.microsoft.com/office/drawing/2014/main" id="{9B72E0DF-EA1E-2B29-FBAA-C77F1DA8F842}"/>
-                  </a:ext>
-                </a:extLst>
-              </p:cNvPr>
-              <p:cNvSpPr>
-                <a:spLocks noGrp="1" noRot="1" noChangeAspect="1" noMove="1" noResize="1" noEditPoints="1" noAdjustHandles="1" noChangeArrowheads="1" noChangeShapeType="1" noTextEdit="1"/>
-              </p:cNvSpPr>
-              <p:nvPr>
-                <p:ph idx="1"/>
-              </p:nvPr>
-            </p:nvSpPr>
-            <p:spPr>
-              <a:blipFill>
-                <a:blip r:embed="rId2"/>
-                <a:stretch>
-                  <a:fillRect l="-1005" t="-1961"/>
-                </a:stretch>
-              </a:blipFill>
-            </p:spPr>
-            <p:txBody>
-              <a:bodyPr/>
-              <a:lstStyle/>
-              <a:p>
-                <a:r>
-                  <a:rPr lang="en-US">
-                    <a:noFill/>
-                  </a:rPr>
-                  <a:t> </a:t>
-                </a:r>
-              </a:p>
-            </p:txBody>
-          </p:sp>
-        </mc:Fallback>
-      </mc:AlternateContent>
-      <p:sp>
-        <p:nvSpPr>
-          <p:cNvPr id="4" name="Slide Number Placeholder 3">
-            <a:extLst>
-              <a:ext uri="{FF2B5EF4-FFF2-40B4-BE49-F238E27FC236}">
-                <a16:creationId xmlns:a16="http://schemas.microsoft.com/office/drawing/2014/main" id="{80CC9F32-161F-C116-92EA-A6FCC6DD8558}"/>
-              </a:ext>
-            </a:extLst>
-          </p:cNvPr>
-          <p:cNvSpPr>
-            <a:spLocks noGrp="1"/>
-          </p:cNvSpPr>
-          <p:nvPr>
-            <p:ph type="sldNum" sz="quarter" idx="12"/>
-          </p:nvPr>
-        </p:nvSpPr>
-        <p:spPr/>
-        <p:txBody>
-          <a:bodyPr/>
-          <a:lstStyle/>
-          <a:p>
-            <a:fld id="{650AD656-6FF9-465D-B7B0-1CD0DD39CD23}" type="slidenum">
-              <a:rPr lang="en-US" smtClean="0"/>
-              <a:pPr/>
-              <a:t>9</a:t>
-            </a:fld>
-            <a:endParaRPr lang="en-US"/>
-          </a:p>
-        </p:txBody>
-      </p:sp>
-    </p:spTree>
-    <p:extLst>
-      <p:ext uri="{BB962C8B-B14F-4D97-AF65-F5344CB8AC3E}">
-        <p14:creationId xmlns:p14="http://schemas.microsoft.com/office/powerpoint/2010/main" val="1532399536"/>
       </p:ext>
     </p:extLst>
   </p:cSld>
